--- a/graphicsEditorA/강의진행.pptx
+++ b/graphicsEditorA/강의진행.pptx
@@ -5,7 +5,7 @@
     <p:sldMasterId id="2147483648" r:id="rId1"/>
   </p:sldMasterIdLst>
   <p:notesMasterIdLst>
-    <p:notesMasterId r:id="rId31"/>
+    <p:notesMasterId r:id="rId33"/>
   </p:notesMasterIdLst>
   <p:sldIdLst>
     <p:sldId id="256" r:id="rId2"/>
@@ -37,6 +37,8 @@
     <p:sldId id="321" r:id="rId28"/>
     <p:sldId id="322" r:id="rId29"/>
     <p:sldId id="323" r:id="rId30"/>
+    <p:sldId id="324" r:id="rId31"/>
+    <p:sldId id="325" r:id="rId32"/>
   </p:sldIdLst>
   <p:sldSz cx="10150475" cy="7616825"/>
   <p:notesSz cx="6797675" cy="9928225"/>
@@ -241,6 +243,38 @@
     </pc:docChg>
   </pc:docChgLst>
   <pc:docChgLst>
+    <pc:chgData name="choi sungwoon" userId="dd863a805e970f02" providerId="LiveId" clId="{52F1679C-C1CE-4E42-94B3-FF28789B0641}"/>
+    <pc:docChg chg="custSel modSld">
+      <pc:chgData name="choi sungwoon" userId="dd863a805e970f02" providerId="LiveId" clId="{52F1679C-C1CE-4E42-94B3-FF28789B0641}" dt="2019-05-29T13:54:30.997" v="2" actId="478"/>
+      <pc:docMkLst>
+        <pc:docMk/>
+      </pc:docMkLst>
+      <pc:sldChg chg="addSp delSp">
+        <pc:chgData name="choi sungwoon" userId="dd863a805e970f02" providerId="LiveId" clId="{52F1679C-C1CE-4E42-94B3-FF28789B0641}" dt="2019-05-29T13:54:30.997" v="2" actId="478"/>
+        <pc:sldMkLst>
+          <pc:docMk/>
+          <pc:sldMk cId="2485293746" sldId="256"/>
+        </pc:sldMkLst>
+        <pc:inkChg chg="add">
+          <ac:chgData name="choi sungwoon" userId="dd863a805e970f02" providerId="LiveId" clId="{52F1679C-C1CE-4E42-94B3-FF28789B0641}" dt="2019-05-28T22:10:58.690" v="0" actId="9405"/>
+          <ac:inkMkLst>
+            <pc:docMk/>
+            <pc:sldMk cId="2485293746" sldId="256"/>
+            <ac:inkMk id="4" creationId="{FCB28EA2-490E-40CA-AA3B-D281A059F9B9}"/>
+          </ac:inkMkLst>
+        </pc:inkChg>
+        <pc:inkChg chg="add del">
+          <ac:chgData name="choi sungwoon" userId="dd863a805e970f02" providerId="LiveId" clId="{52F1679C-C1CE-4E42-94B3-FF28789B0641}" dt="2019-05-29T13:54:30.997" v="2" actId="478"/>
+          <ac:inkMkLst>
+            <pc:docMk/>
+            <pc:sldMk cId="2485293746" sldId="256"/>
+            <ac:inkMk id="5" creationId="{59FD07CF-5230-4010-ADCC-1DD5F68193B0}"/>
+          </ac:inkMkLst>
+        </pc:inkChg>
+      </pc:sldChg>
+    </pc:docChg>
+  </pc:docChgLst>
+  <pc:docChgLst>
     <pc:chgData name="choi sungwoon" userId="dd863a805e970f02" providerId="LiveId" clId="{7E7D5C7D-63AA-4A2C-8AC6-E70BAF3CBD81}"/>
     <pc:docChg chg="undo custSel addSld modSld">
       <pc:chgData name="choi sungwoon" userId="dd863a805e970f02" providerId="LiveId" clId="{7E7D5C7D-63AA-4A2C-8AC6-E70BAF3CBD81}" dt="2022-03-09T01:15:12.773" v="895" actId="20577"/>
@@ -417,6 +451,671 @@
             <pc:docMk/>
             <pc:sldMk cId="647720794" sldId="298"/>
             <ac:spMk id="8" creationId="{A55FD709-B4EC-491F-B6DA-7EF8BBF2852E}"/>
+          </ac:spMkLst>
+        </pc:spChg>
+      </pc:sldChg>
+    </pc:docChg>
+  </pc:docChgLst>
+  <pc:docChgLst>
+    <pc:chgData name="choi sungwoon" userId="dd863a805e970f02" providerId="LiveId" clId="{D3953FFF-05B6-42CB-8B83-486C793F6B02}"/>
+    <pc:docChg chg="undo custSel addSld delSld modSld">
+      <pc:chgData name="choi sungwoon" userId="dd863a805e970f02" providerId="LiveId" clId="{D3953FFF-05B6-42CB-8B83-486C793F6B02}" dt="2022-03-02T00:30:08.776" v="207" actId="6549"/>
+      <pc:docMkLst>
+        <pc:docMk/>
+      </pc:docMkLst>
+      <pc:sldChg chg="modSp mod">
+        <pc:chgData name="choi sungwoon" userId="dd863a805e970f02" providerId="LiveId" clId="{D3953FFF-05B6-42CB-8B83-486C793F6B02}" dt="2022-02-28T06:04:37.783" v="142"/>
+        <pc:sldMkLst>
+          <pc:docMk/>
+          <pc:sldMk cId="2485293746" sldId="256"/>
+        </pc:sldMkLst>
+        <pc:spChg chg="mod">
+          <ac:chgData name="choi sungwoon" userId="dd863a805e970f02" providerId="LiveId" clId="{D3953FFF-05B6-42CB-8B83-486C793F6B02}" dt="2022-02-28T06:04:37.783" v="142"/>
+          <ac:spMkLst>
+            <pc:docMk/>
+            <pc:sldMk cId="2485293746" sldId="256"/>
+            <ac:spMk id="2" creationId="{00000000-0000-0000-0000-000000000000}"/>
+          </ac:spMkLst>
+        </pc:spChg>
+      </pc:sldChg>
+      <pc:sldChg chg="modSp mod">
+        <pc:chgData name="choi sungwoon" userId="dd863a805e970f02" providerId="LiveId" clId="{D3953FFF-05B6-42CB-8B83-486C793F6B02}" dt="2022-02-28T06:07:07.173" v="147"/>
+        <pc:sldMkLst>
+          <pc:docMk/>
+          <pc:sldMk cId="1585406783" sldId="274"/>
+        </pc:sldMkLst>
+        <pc:spChg chg="mod">
+          <ac:chgData name="choi sungwoon" userId="dd863a805e970f02" providerId="LiveId" clId="{D3953FFF-05B6-42CB-8B83-486C793F6B02}" dt="2022-02-28T06:07:07.173" v="147"/>
+          <ac:spMkLst>
+            <pc:docMk/>
+            <pc:sldMk cId="1585406783" sldId="274"/>
+            <ac:spMk id="3" creationId="{00000000-0000-0000-0000-000000000000}"/>
+          </ac:spMkLst>
+        </pc:spChg>
+      </pc:sldChg>
+      <pc:sldChg chg="addSp delSp modSp mod">
+        <pc:chgData name="choi sungwoon" userId="dd863a805e970f02" providerId="LiveId" clId="{D3953FFF-05B6-42CB-8B83-486C793F6B02}" dt="2022-03-01T08:06:27.123" v="193" actId="9405"/>
+        <pc:sldMkLst>
+          <pc:docMk/>
+          <pc:sldMk cId="1840630231" sldId="295"/>
+        </pc:sldMkLst>
+        <pc:spChg chg="mod">
+          <ac:chgData name="choi sungwoon" userId="dd863a805e970f02" providerId="LiveId" clId="{D3953FFF-05B6-42CB-8B83-486C793F6B02}" dt="2022-02-28T06:06:14.273" v="143"/>
+          <ac:spMkLst>
+            <pc:docMk/>
+            <pc:sldMk cId="1840630231" sldId="295"/>
+            <ac:spMk id="3" creationId="{00000000-0000-0000-0000-000000000000}"/>
+          </ac:spMkLst>
+        </pc:spChg>
+        <pc:spChg chg="mod">
+          <ac:chgData name="choi sungwoon" userId="dd863a805e970f02" providerId="LiveId" clId="{D3953FFF-05B6-42CB-8B83-486C793F6B02}" dt="2022-02-28T06:04:07.206" v="77" actId="14"/>
+          <ac:spMkLst>
+            <pc:docMk/>
+            <pc:sldMk cId="1840630231" sldId="295"/>
+            <ac:spMk id="4" creationId="{00000000-0000-0000-0000-000000000000}"/>
+          </ac:spMkLst>
+        </pc:spChg>
+        <pc:grpChg chg="del mod">
+          <ac:chgData name="choi sungwoon" userId="dd863a805e970f02" providerId="LiveId" clId="{D3953FFF-05B6-42CB-8B83-486C793F6B02}" dt="2022-03-01T08:05:30.779" v="157"/>
+          <ac:grpSpMkLst>
+            <pc:docMk/>
+            <pc:sldMk cId="1840630231" sldId="295"/>
+            <ac:grpSpMk id="9" creationId="{6A879285-E47E-4A79-8836-8DC557F03A52}"/>
+          </ac:grpSpMkLst>
+        </pc:grpChg>
+        <pc:grpChg chg="del mod">
+          <ac:chgData name="choi sungwoon" userId="dd863a805e970f02" providerId="LiveId" clId="{D3953FFF-05B6-42CB-8B83-486C793F6B02}" dt="2022-03-01T08:05:48.783" v="174"/>
+          <ac:grpSpMkLst>
+            <pc:docMk/>
+            <pc:sldMk cId="1840630231" sldId="295"/>
+            <ac:grpSpMk id="12" creationId="{DAA310F7-FCEA-4839-8C43-7581BCC51C73}"/>
+          </ac:grpSpMkLst>
+        </pc:grpChg>
+        <pc:grpChg chg="del mod">
+          <ac:chgData name="choi sungwoon" userId="dd863a805e970f02" providerId="LiveId" clId="{D3953FFF-05B6-42CB-8B83-486C793F6B02}" dt="2022-03-01T08:05:44.163" v="169"/>
+          <ac:grpSpMkLst>
+            <pc:docMk/>
+            <pc:sldMk cId="1840630231" sldId="295"/>
+            <ac:grpSpMk id="17" creationId="{9236B06A-2FB5-4B71-BBDF-C612F423CAFB}"/>
+          </ac:grpSpMkLst>
+        </pc:grpChg>
+        <pc:grpChg chg="del mod">
+          <ac:chgData name="choi sungwoon" userId="dd863a805e970f02" providerId="LiveId" clId="{D3953FFF-05B6-42CB-8B83-486C793F6B02}" dt="2022-03-01T08:05:48.784" v="175"/>
+          <ac:grpSpMkLst>
+            <pc:docMk/>
+            <pc:sldMk cId="1840630231" sldId="295"/>
+            <ac:grpSpMk id="20" creationId="{5241782C-AE88-46A2-9971-DEC0C5EC457C}"/>
+          </ac:grpSpMkLst>
+        </pc:grpChg>
+        <pc:grpChg chg="del mod">
+          <ac:chgData name="choi sungwoon" userId="dd863a805e970f02" providerId="LiveId" clId="{D3953FFF-05B6-42CB-8B83-486C793F6B02}" dt="2022-03-01T08:06:15.965" v="181"/>
+          <ac:grpSpMkLst>
+            <pc:docMk/>
+            <pc:sldMk cId="1840630231" sldId="295"/>
+            <ac:grpSpMk id="25" creationId="{D97FC7F7-7576-4CA4-B60E-33FDD0652D29}"/>
+          </ac:grpSpMkLst>
+        </pc:grpChg>
+        <pc:grpChg chg="mod">
+          <ac:chgData name="choi sungwoon" userId="dd863a805e970f02" providerId="LiveId" clId="{D3953FFF-05B6-42CB-8B83-486C793F6B02}" dt="2022-03-01T08:06:25.251" v="190"/>
+          <ac:grpSpMkLst>
+            <pc:docMk/>
+            <pc:sldMk cId="1840630231" sldId="295"/>
+            <ac:grpSpMk id="30" creationId="{2D363C25-880C-4E1B-A07C-FD9EBAF14A18}"/>
+          </ac:grpSpMkLst>
+        </pc:grpChg>
+        <pc:inkChg chg="add del">
+          <ac:chgData name="choi sungwoon" userId="dd863a805e970f02" providerId="LiveId" clId="{D3953FFF-05B6-42CB-8B83-486C793F6B02}" dt="2022-03-01T08:05:15.663" v="153"/>
+          <ac:inkMkLst>
+            <pc:docMk/>
+            <pc:sldMk cId="1840630231" sldId="295"/>
+            <ac:inkMk id="5" creationId="{7848D2BB-E62F-4D4B-A775-124BFA3B821E}"/>
+          </ac:inkMkLst>
+        </pc:inkChg>
+        <pc:inkChg chg="add del">
+          <ac:chgData name="choi sungwoon" userId="dd863a805e970f02" providerId="LiveId" clId="{D3953FFF-05B6-42CB-8B83-486C793F6B02}" dt="2022-03-01T08:05:15.655" v="152"/>
+          <ac:inkMkLst>
+            <pc:docMk/>
+            <pc:sldMk cId="1840630231" sldId="295"/>
+            <ac:inkMk id="6" creationId="{1FEFBBDC-DEFF-45D1-9DB3-E8C2CDBCF92E}"/>
+          </ac:inkMkLst>
+        </pc:inkChg>
+        <pc:inkChg chg="add del mod">
+          <ac:chgData name="choi sungwoon" userId="dd863a805e970f02" providerId="LiveId" clId="{D3953FFF-05B6-42CB-8B83-486C793F6B02}" dt="2022-03-01T08:05:30.779" v="157"/>
+          <ac:inkMkLst>
+            <pc:docMk/>
+            <pc:sldMk cId="1840630231" sldId="295"/>
+            <ac:inkMk id="7" creationId="{D957D894-1D9B-4E72-928D-9699D85BE8F5}"/>
+          </ac:inkMkLst>
+        </pc:inkChg>
+        <pc:inkChg chg="add del mod">
+          <ac:chgData name="choi sungwoon" userId="dd863a805e970f02" providerId="LiveId" clId="{D3953FFF-05B6-42CB-8B83-486C793F6B02}" dt="2022-03-01T08:05:30.781" v="158"/>
+          <ac:inkMkLst>
+            <pc:docMk/>
+            <pc:sldMk cId="1840630231" sldId="295"/>
+            <ac:inkMk id="8" creationId="{DC18F8FB-5A6A-4BF1-B0CD-9CD093C89C4C}"/>
+          </ac:inkMkLst>
+        </pc:inkChg>
+        <pc:inkChg chg="add del mod">
+          <ac:chgData name="choi sungwoon" userId="dd863a805e970f02" providerId="LiveId" clId="{D3953FFF-05B6-42CB-8B83-486C793F6B02}" dt="2022-03-01T08:05:48.786" v="177"/>
+          <ac:inkMkLst>
+            <pc:docMk/>
+            <pc:sldMk cId="1840630231" sldId="295"/>
+            <ac:inkMk id="10" creationId="{DC4B5D40-1572-447C-A6FD-4979406931D6}"/>
+          </ac:inkMkLst>
+        </pc:inkChg>
+        <pc:inkChg chg="add del mod">
+          <ac:chgData name="choi sungwoon" userId="dd863a805e970f02" providerId="LiveId" clId="{D3953FFF-05B6-42CB-8B83-486C793F6B02}" dt="2022-03-01T08:05:48.783" v="174"/>
+          <ac:inkMkLst>
+            <pc:docMk/>
+            <pc:sldMk cId="1840630231" sldId="295"/>
+            <ac:inkMk id="11" creationId="{228723B2-9E87-4DB3-9C72-E4A87716B01D}"/>
+          </ac:inkMkLst>
+        </pc:inkChg>
+        <pc:inkChg chg="add del mod">
+          <ac:chgData name="choi sungwoon" userId="dd863a805e970f02" providerId="LiveId" clId="{D3953FFF-05B6-42CB-8B83-486C793F6B02}" dt="2022-03-01T08:05:48.784" v="175"/>
+          <ac:inkMkLst>
+            <pc:docMk/>
+            <pc:sldMk cId="1840630231" sldId="295"/>
+            <ac:inkMk id="13" creationId="{D2CCA858-7D1C-4D53-8A6A-13F3200B841D}"/>
+          </ac:inkMkLst>
+        </pc:inkChg>
+        <pc:inkChg chg="add del mod">
+          <ac:chgData name="choi sungwoon" userId="dd863a805e970f02" providerId="LiveId" clId="{D3953FFF-05B6-42CB-8B83-486C793F6B02}" dt="2022-03-01T08:05:48.778" v="171"/>
+          <ac:inkMkLst>
+            <pc:docMk/>
+            <pc:sldMk cId="1840630231" sldId="295"/>
+            <ac:inkMk id="14" creationId="{1F5C1456-BA15-4491-9FA8-AE700BC636C5}"/>
+          </ac:inkMkLst>
+        </pc:inkChg>
+        <pc:inkChg chg="add del mod">
+          <ac:chgData name="choi sungwoon" userId="dd863a805e970f02" providerId="LiveId" clId="{D3953FFF-05B6-42CB-8B83-486C793F6B02}" dt="2022-03-01T08:05:48.780" v="172"/>
+          <ac:inkMkLst>
+            <pc:docMk/>
+            <pc:sldMk cId="1840630231" sldId="295"/>
+            <ac:inkMk id="15" creationId="{C148FF07-5B0D-4A8A-97BF-9FAEA7DB9B95}"/>
+          </ac:inkMkLst>
+        </pc:inkChg>
+        <pc:inkChg chg="add del mod">
+          <ac:chgData name="choi sungwoon" userId="dd863a805e970f02" providerId="LiveId" clId="{D3953FFF-05B6-42CB-8B83-486C793F6B02}" dt="2022-03-01T08:05:48.785" v="176"/>
+          <ac:inkMkLst>
+            <pc:docMk/>
+            <pc:sldMk cId="1840630231" sldId="295"/>
+            <ac:inkMk id="16" creationId="{8F1DFC68-CD6B-485F-9689-F8CA938B7147}"/>
+          </ac:inkMkLst>
+        </pc:inkChg>
+        <pc:inkChg chg="add del mod">
+          <ac:chgData name="choi sungwoon" userId="dd863a805e970f02" providerId="LiveId" clId="{D3953FFF-05B6-42CB-8B83-486C793F6B02}" dt="2022-03-01T08:05:48.781" v="173"/>
+          <ac:inkMkLst>
+            <pc:docMk/>
+            <pc:sldMk cId="1840630231" sldId="295"/>
+            <ac:inkMk id="18" creationId="{1DEE958B-799C-43B0-91BB-D264B10E54B8}"/>
+          </ac:inkMkLst>
+        </pc:inkChg>
+        <pc:inkChg chg="add del mod">
+          <ac:chgData name="choi sungwoon" userId="dd863a805e970f02" providerId="LiveId" clId="{D3953FFF-05B6-42CB-8B83-486C793F6B02}" dt="2022-03-01T08:05:48.777" v="170"/>
+          <ac:inkMkLst>
+            <pc:docMk/>
+            <pc:sldMk cId="1840630231" sldId="295"/>
+            <ac:inkMk id="19" creationId="{333EFA81-CC3F-4E7F-88D2-9691EA99870D}"/>
+          </ac:inkMkLst>
+        </pc:inkChg>
+        <pc:inkChg chg="add del mod">
+          <ac:chgData name="choi sungwoon" userId="dd863a805e970f02" providerId="LiveId" clId="{D3953FFF-05B6-42CB-8B83-486C793F6B02}" dt="2022-03-01T08:06:15.966" v="182"/>
+          <ac:inkMkLst>
+            <pc:docMk/>
+            <pc:sldMk cId="1840630231" sldId="295"/>
+            <ac:inkMk id="22" creationId="{91EC7C56-CF78-44F3-A4BA-E5AA53B1D196}"/>
+          </ac:inkMkLst>
+        </pc:inkChg>
+        <pc:inkChg chg="add del mod">
+          <ac:chgData name="choi sungwoon" userId="dd863a805e970f02" providerId="LiveId" clId="{D3953FFF-05B6-42CB-8B83-486C793F6B02}" dt="2022-03-01T08:06:15.965" v="181"/>
+          <ac:inkMkLst>
+            <pc:docMk/>
+            <pc:sldMk cId="1840630231" sldId="295"/>
+            <ac:inkMk id="24" creationId="{5EB555CE-45C9-4928-B982-571C663EF689}"/>
+          </ac:inkMkLst>
+        </pc:inkChg>
+        <pc:inkChg chg="add del">
+          <ac:chgData name="choi sungwoon" userId="dd863a805e970f02" providerId="LiveId" clId="{D3953FFF-05B6-42CB-8B83-486C793F6B02}" dt="2022-03-01T08:06:19.117" v="184" actId="9405"/>
+          <ac:inkMkLst>
+            <pc:docMk/>
+            <pc:sldMk cId="1840630231" sldId="295"/>
+            <ac:inkMk id="26" creationId="{24B37C3A-8408-4A9B-8BA7-C6564851518E}"/>
+          </ac:inkMkLst>
+        </pc:inkChg>
+        <pc:inkChg chg="add del">
+          <ac:chgData name="choi sungwoon" userId="dd863a805e970f02" providerId="LiveId" clId="{D3953FFF-05B6-42CB-8B83-486C793F6B02}" dt="2022-03-01T08:06:26.718" v="192" actId="9405"/>
+          <ac:inkMkLst>
+            <pc:docMk/>
+            <pc:sldMk cId="1840630231" sldId="295"/>
+            <ac:inkMk id="27" creationId="{872D565A-6762-4747-B4A8-C24F2D1730E5}"/>
+          </ac:inkMkLst>
+        </pc:inkChg>
+        <pc:inkChg chg="add del mod">
+          <ac:chgData name="choi sungwoon" userId="dd863a805e970f02" providerId="LiveId" clId="{D3953FFF-05B6-42CB-8B83-486C793F6B02}" dt="2022-03-01T08:06:25.935" v="191" actId="9405"/>
+          <ac:inkMkLst>
+            <pc:docMk/>
+            <pc:sldMk cId="1840630231" sldId="295"/>
+            <ac:inkMk id="28" creationId="{DD935BAD-1A83-4A47-9E1C-08036D36954D}"/>
+          </ac:inkMkLst>
+        </pc:inkChg>
+        <pc:inkChg chg="add del mod">
+          <ac:chgData name="choi sungwoon" userId="dd863a805e970f02" providerId="LiveId" clId="{D3953FFF-05B6-42CB-8B83-486C793F6B02}" dt="2022-03-01T08:06:25.251" v="190"/>
+          <ac:inkMkLst>
+            <pc:docMk/>
+            <pc:sldMk cId="1840630231" sldId="295"/>
+            <ac:inkMk id="29" creationId="{A77BABF9-2363-47D7-A0ED-972AADD1A9F8}"/>
+          </ac:inkMkLst>
+        </pc:inkChg>
+        <pc:inkChg chg="add">
+          <ac:chgData name="choi sungwoon" userId="dd863a805e970f02" providerId="LiveId" clId="{D3953FFF-05B6-42CB-8B83-486C793F6B02}" dt="2022-03-01T08:06:27.123" v="193" actId="9405"/>
+          <ac:inkMkLst>
+            <pc:docMk/>
+            <pc:sldMk cId="1840630231" sldId="295"/>
+            <ac:inkMk id="31" creationId="{6AED0832-9105-42FE-9899-4350E4E26352}"/>
+          </ac:inkMkLst>
+        </pc:inkChg>
+      </pc:sldChg>
+      <pc:sldChg chg="modSp mod">
+        <pc:chgData name="choi sungwoon" userId="dd863a805e970f02" providerId="LiveId" clId="{D3953FFF-05B6-42CB-8B83-486C793F6B02}" dt="2022-02-28T06:07:22.813" v="149"/>
+        <pc:sldMkLst>
+          <pc:docMk/>
+          <pc:sldMk cId="3692906224" sldId="297"/>
+        </pc:sldMkLst>
+        <pc:spChg chg="mod">
+          <ac:chgData name="choi sungwoon" userId="dd863a805e970f02" providerId="LiveId" clId="{D3953FFF-05B6-42CB-8B83-486C793F6B02}" dt="2022-02-28T06:07:17.598" v="148"/>
+          <ac:spMkLst>
+            <pc:docMk/>
+            <pc:sldMk cId="3692906224" sldId="297"/>
+            <ac:spMk id="3" creationId="{00000000-0000-0000-0000-000000000000}"/>
+          </ac:spMkLst>
+        </pc:spChg>
+        <pc:spChg chg="mod">
+          <ac:chgData name="choi sungwoon" userId="dd863a805e970f02" providerId="LiveId" clId="{D3953FFF-05B6-42CB-8B83-486C793F6B02}" dt="2022-02-28T06:07:22.813" v="149"/>
+          <ac:spMkLst>
+            <pc:docMk/>
+            <pc:sldMk cId="3692906224" sldId="297"/>
+            <ac:spMk id="4" creationId="{518B59C7-B6A2-4309-9D4C-1BD9AB9DB4D9}"/>
+          </ac:spMkLst>
+        </pc:spChg>
+      </pc:sldChg>
+      <pc:sldChg chg="modSp del mod">
+        <pc:chgData name="choi sungwoon" userId="dd863a805e970f02" providerId="LiveId" clId="{D3953FFF-05B6-42CB-8B83-486C793F6B02}" dt="2022-02-28T06:06:57.200" v="146" actId="47"/>
+        <pc:sldMkLst>
+          <pc:docMk/>
+          <pc:sldMk cId="2409189787" sldId="303"/>
+        </pc:sldMkLst>
+        <pc:spChg chg="mod">
+          <ac:chgData name="choi sungwoon" userId="dd863a805e970f02" providerId="LiveId" clId="{D3953FFF-05B6-42CB-8B83-486C793F6B02}" dt="2022-02-28T06:06:31.334" v="144"/>
+          <ac:spMkLst>
+            <pc:docMk/>
+            <pc:sldMk cId="2409189787" sldId="303"/>
+            <ac:spMk id="3" creationId="{00000000-0000-0000-0000-000000000000}"/>
+          </ac:spMkLst>
+        </pc:spChg>
+      </pc:sldChg>
+      <pc:sldChg chg="modSp add mod">
+        <pc:chgData name="choi sungwoon" userId="dd863a805e970f02" providerId="LiveId" clId="{D3953FFF-05B6-42CB-8B83-486C793F6B02}" dt="2022-03-02T00:30:08.776" v="207" actId="6549"/>
+        <pc:sldMkLst>
+          <pc:docMk/>
+          <pc:sldMk cId="1227341336" sldId="304"/>
+        </pc:sldMkLst>
+        <pc:spChg chg="mod">
+          <ac:chgData name="choi sungwoon" userId="dd863a805e970f02" providerId="LiveId" clId="{D3953FFF-05B6-42CB-8B83-486C793F6B02}" dt="2022-03-02T00:30:08.776" v="207" actId="6549"/>
+          <ac:spMkLst>
+            <pc:docMk/>
+            <pc:sldMk cId="1227341336" sldId="304"/>
+            <ac:spMk id="3" creationId="{00000000-0000-0000-0000-000000000000}"/>
+          </ac:spMkLst>
+        </pc:spChg>
+      </pc:sldChg>
+    </pc:docChg>
+  </pc:docChgLst>
+  <pc:docChgLst>
+    <pc:chgData name="choi sungwoon" userId="dd863a805e970f02" providerId="LiveId" clId="{3223C278-182A-4164-944A-77D2770CD722}"/>
+    <pc:docChg chg="custSel addSld modSld">
+      <pc:chgData name="choi sungwoon" userId="dd863a805e970f02" providerId="LiveId" clId="{3223C278-182A-4164-944A-77D2770CD722}" dt="2021-09-29T00:57:31.638" v="157" actId="14100"/>
+      <pc:docMkLst>
+        <pc:docMk/>
+      </pc:docMkLst>
+      <pc:sldChg chg="addSp modSp new mod">
+        <pc:chgData name="choi sungwoon" userId="dd863a805e970f02" providerId="LiveId" clId="{3223C278-182A-4164-944A-77D2770CD722}" dt="2021-09-29T00:57:31.638" v="157" actId="14100"/>
+        <pc:sldMkLst>
+          <pc:docMk/>
+          <pc:sldMk cId="994641858" sldId="310"/>
+        </pc:sldMkLst>
+        <pc:spChg chg="mod">
+          <ac:chgData name="choi sungwoon" userId="dd863a805e970f02" providerId="LiveId" clId="{3223C278-182A-4164-944A-77D2770CD722}" dt="2021-09-28T23:24:27.951" v="10" actId="20577"/>
+          <ac:spMkLst>
+            <pc:docMk/>
+            <pc:sldMk cId="994641858" sldId="310"/>
+            <ac:spMk id="2" creationId="{F9B993EC-1778-4B45-A53E-DAECC2520628}"/>
+          </ac:spMkLst>
+        </pc:spChg>
+        <pc:spChg chg="mod">
+          <ac:chgData name="choi sungwoon" userId="dd863a805e970f02" providerId="LiveId" clId="{3223C278-182A-4164-944A-77D2770CD722}" dt="2021-09-29T00:52:28.944" v="85" actId="20577"/>
+          <ac:spMkLst>
+            <pc:docMk/>
+            <pc:sldMk cId="994641858" sldId="310"/>
+            <ac:spMk id="3" creationId="{72870C10-7291-42B7-9702-AEE120564EC8}"/>
+          </ac:spMkLst>
+        </pc:spChg>
+        <pc:spChg chg="add mod">
+          <ac:chgData name="choi sungwoon" userId="dd863a805e970f02" providerId="LiveId" clId="{3223C278-182A-4164-944A-77D2770CD722}" dt="2021-09-29T00:57:31.638" v="157" actId="14100"/>
+          <ac:spMkLst>
+            <pc:docMk/>
+            <pc:sldMk cId="994641858" sldId="310"/>
+            <ac:spMk id="6" creationId="{1CCEA1BC-0447-4ECC-879E-D2F685BE6A92}"/>
+          </ac:spMkLst>
+        </pc:spChg>
+      </pc:sldChg>
+    </pc:docChg>
+  </pc:docChgLst>
+  <pc:docChgLst>
+    <pc:chgData name="choi sungwoon" userId="dd863a805e970f02" providerId="LiveId" clId="{8A0E5E79-6D94-496A-9D55-32C1DBF10D41}"/>
+    <pc:docChg chg="custSel addSld modSld">
+      <pc:chgData name="choi sungwoon" userId="dd863a805e970f02" providerId="LiveId" clId="{8A0E5E79-6D94-496A-9D55-32C1DBF10D41}" dt="2022-04-18T01:19:31.452" v="689"/>
+      <pc:docMkLst>
+        <pc:docMk/>
+      </pc:docMkLst>
+      <pc:sldChg chg="addSp delSp modSp add mod modClrScheme chgLayout">
+        <pc:chgData name="choi sungwoon" userId="dd863a805e970f02" providerId="LiveId" clId="{8A0E5E79-6D94-496A-9D55-32C1DBF10D41}" dt="2022-04-18T01:19:31.452" v="689"/>
+        <pc:sldMkLst>
+          <pc:docMk/>
+          <pc:sldMk cId="2267256780" sldId="318"/>
+        </pc:sldMkLst>
+        <pc:spChg chg="mod ord">
+          <ac:chgData name="choi sungwoon" userId="dd863a805e970f02" providerId="LiveId" clId="{8A0E5E79-6D94-496A-9D55-32C1DBF10D41}" dt="2022-04-18T01:19:31.452" v="689"/>
+          <ac:spMkLst>
+            <pc:docMk/>
+            <pc:sldMk cId="2267256780" sldId="318"/>
+            <ac:spMk id="2" creationId="{6FCB2A0A-8027-4DF3-AEC2-6B5155C460F5}"/>
+          </ac:spMkLst>
+        </pc:spChg>
+        <pc:spChg chg="del mod ord">
+          <ac:chgData name="choi sungwoon" userId="dd863a805e970f02" providerId="LiveId" clId="{8A0E5E79-6D94-496A-9D55-32C1DBF10D41}" dt="2022-04-17T22:25:42.140" v="1" actId="700"/>
+          <ac:spMkLst>
+            <pc:docMk/>
+            <pc:sldMk cId="2267256780" sldId="318"/>
+            <ac:spMk id="3" creationId="{F835BB5E-6B68-4759-AA95-87C8435AC685}"/>
+          </ac:spMkLst>
+        </pc:spChg>
+        <pc:spChg chg="mod ord">
+          <ac:chgData name="choi sungwoon" userId="dd863a805e970f02" providerId="LiveId" clId="{8A0E5E79-6D94-496A-9D55-32C1DBF10D41}" dt="2022-04-18T00:08:10.885" v="225"/>
+          <ac:spMkLst>
+            <pc:docMk/>
+            <pc:sldMk cId="2267256780" sldId="318"/>
+            <ac:spMk id="4" creationId="{A2505BF3-4D79-44F5-8F7C-E6BAEA76976B}"/>
+          </ac:spMkLst>
+        </pc:spChg>
+        <pc:spChg chg="mod ord">
+          <ac:chgData name="choi sungwoon" userId="dd863a805e970f02" providerId="LiveId" clId="{8A0E5E79-6D94-496A-9D55-32C1DBF10D41}" dt="2022-04-18T00:08:10.885" v="225"/>
+          <ac:spMkLst>
+            <pc:docMk/>
+            <pc:sldMk cId="2267256780" sldId="318"/>
+            <ac:spMk id="5" creationId="{9EE095CF-3E79-485D-876E-A3BFB63004DF}"/>
+          </ac:spMkLst>
+        </pc:spChg>
+        <pc:spChg chg="add mod ord">
+          <ac:chgData name="choi sungwoon" userId="dd863a805e970f02" providerId="LiveId" clId="{8A0E5E79-6D94-496A-9D55-32C1DBF10D41}" dt="2022-04-18T00:08:10.885" v="225"/>
+          <ac:spMkLst>
+            <pc:docMk/>
+            <pc:sldMk cId="2267256780" sldId="318"/>
+            <ac:spMk id="6" creationId="{88CF9E69-8A00-40C5-8C63-1C6971FD34B3}"/>
+          </ac:spMkLst>
+        </pc:spChg>
+        <pc:spChg chg="add mod ord">
+          <ac:chgData name="choi sungwoon" userId="dd863a805e970f02" providerId="LiveId" clId="{8A0E5E79-6D94-496A-9D55-32C1DBF10D41}" dt="2022-04-18T00:09:58.126" v="357" actId="6549"/>
+          <ac:spMkLst>
+            <pc:docMk/>
+            <pc:sldMk cId="2267256780" sldId="318"/>
+            <ac:spMk id="7" creationId="{60429683-71FB-4591-BE05-A807DD810990}"/>
+          </ac:spMkLst>
+        </pc:spChg>
+        <pc:spChg chg="add del mod">
+          <ac:chgData name="choi sungwoon" userId="dd863a805e970f02" providerId="LiveId" clId="{8A0E5E79-6D94-496A-9D55-32C1DBF10D41}" dt="2022-04-18T00:08:10.885" v="225"/>
+          <ac:spMkLst>
+            <pc:docMk/>
+            <pc:sldMk cId="2267256780" sldId="318"/>
+            <ac:spMk id="10" creationId="{5D56BB26-F66E-43BE-8181-5FD8939028B4}"/>
+          </ac:spMkLst>
+        </pc:spChg>
+        <pc:spChg chg="add del mod">
+          <ac:chgData name="choi sungwoon" userId="dd863a805e970f02" providerId="LiveId" clId="{8A0E5E79-6D94-496A-9D55-32C1DBF10D41}" dt="2022-04-18T00:08:10.885" v="225"/>
+          <ac:spMkLst>
+            <pc:docMk/>
+            <pc:sldMk cId="2267256780" sldId="318"/>
+            <ac:spMk id="11" creationId="{720FF8D0-3591-4C78-91C1-FEA60684E731}"/>
+          </ac:spMkLst>
+        </pc:spChg>
+        <pc:spChg chg="add del mod">
+          <ac:chgData name="choi sungwoon" userId="dd863a805e970f02" providerId="LiveId" clId="{8A0E5E79-6D94-496A-9D55-32C1DBF10D41}" dt="2022-04-18T00:08:10.885" v="225"/>
+          <ac:spMkLst>
+            <pc:docMk/>
+            <pc:sldMk cId="2267256780" sldId="318"/>
+            <ac:spMk id="12" creationId="{5EF799E8-9A24-4616-A720-CCC7C07BCF05}"/>
+          </ac:spMkLst>
+        </pc:spChg>
+        <pc:spChg chg="add del mod">
+          <ac:chgData name="choi sungwoon" userId="dd863a805e970f02" providerId="LiveId" clId="{8A0E5E79-6D94-496A-9D55-32C1DBF10D41}" dt="2022-04-18T00:08:10.885" v="225"/>
+          <ac:spMkLst>
+            <pc:docMk/>
+            <pc:sldMk cId="2267256780" sldId="318"/>
+            <ac:spMk id="13" creationId="{8918A5C8-B57D-46DF-9A66-20451D8857FC}"/>
+          </ac:spMkLst>
+        </pc:spChg>
+        <pc:spChg chg="add del mod">
+          <ac:chgData name="choi sungwoon" userId="dd863a805e970f02" providerId="LiveId" clId="{8A0E5E79-6D94-496A-9D55-32C1DBF10D41}" dt="2022-04-18T00:08:10.885" v="225"/>
+          <ac:spMkLst>
+            <pc:docMk/>
+            <pc:sldMk cId="2267256780" sldId="318"/>
+            <ac:spMk id="14" creationId="{1172D91C-1D00-48C2-9DA3-C8E17C33FDD5}"/>
+          </ac:spMkLst>
+        </pc:spChg>
+        <pc:graphicFrameChg chg="add del">
+          <ac:chgData name="choi sungwoon" userId="dd863a805e970f02" providerId="LiveId" clId="{8A0E5E79-6D94-496A-9D55-32C1DBF10D41}" dt="2022-04-18T00:06:21.052" v="174" actId="478"/>
+          <ac:graphicFrameMkLst>
+            <pc:docMk/>
+            <pc:sldMk cId="2267256780" sldId="318"/>
+            <ac:graphicFrameMk id="8" creationId="{3F968254-A8EB-4FE9-B493-3F944BBB317E}"/>
+          </ac:graphicFrameMkLst>
+        </pc:graphicFrameChg>
+        <pc:graphicFrameChg chg="add mod modGraphic">
+          <ac:chgData name="choi sungwoon" userId="dd863a805e970f02" providerId="LiveId" clId="{8A0E5E79-6D94-496A-9D55-32C1DBF10D41}" dt="2022-04-18T00:10:53.037" v="359" actId="1076"/>
+          <ac:graphicFrameMkLst>
+            <pc:docMk/>
+            <pc:sldMk cId="2267256780" sldId="318"/>
+            <ac:graphicFrameMk id="9" creationId="{E50268E5-FD4A-4B71-B457-1772D41AAEEE}"/>
+          </ac:graphicFrameMkLst>
+        </pc:graphicFrameChg>
+      </pc:sldChg>
+      <pc:sldChg chg="addSp delSp modSp new mod modClrScheme chgLayout">
+        <pc:chgData name="choi sungwoon" userId="dd863a805e970f02" providerId="LiveId" clId="{8A0E5E79-6D94-496A-9D55-32C1DBF10D41}" dt="2022-04-18T00:49:05.622" v="645" actId="1076"/>
+        <pc:sldMkLst>
+          <pc:docMk/>
+          <pc:sldMk cId="8479433" sldId="319"/>
+        </pc:sldMkLst>
+        <pc:spChg chg="del">
+          <ac:chgData name="choi sungwoon" userId="dd863a805e970f02" providerId="LiveId" clId="{8A0E5E79-6D94-496A-9D55-32C1DBF10D41}" dt="2022-04-18T00:12:17.528" v="361" actId="700"/>
+          <ac:spMkLst>
+            <pc:docMk/>
+            <pc:sldMk cId="8479433" sldId="319"/>
+            <ac:spMk id="2" creationId="{93208FAF-90DC-455F-A128-6308292E4CCC}"/>
+          </ac:spMkLst>
+        </pc:spChg>
+        <pc:spChg chg="del mod ord">
+          <ac:chgData name="choi sungwoon" userId="dd863a805e970f02" providerId="LiveId" clId="{8A0E5E79-6D94-496A-9D55-32C1DBF10D41}" dt="2022-04-18T00:12:17.528" v="361" actId="700"/>
+          <ac:spMkLst>
+            <pc:docMk/>
+            <pc:sldMk cId="8479433" sldId="319"/>
+            <ac:spMk id="3" creationId="{534D7161-2FA8-43AE-92F0-DA0BCA3107FF}"/>
+          </ac:spMkLst>
+        </pc:spChg>
+        <pc:spChg chg="del mod ord">
+          <ac:chgData name="choi sungwoon" userId="dd863a805e970f02" providerId="LiveId" clId="{8A0E5E79-6D94-496A-9D55-32C1DBF10D41}" dt="2022-04-18T00:12:17.528" v="361" actId="700"/>
+          <ac:spMkLst>
+            <pc:docMk/>
+            <pc:sldMk cId="8479433" sldId="319"/>
+            <ac:spMk id="4" creationId="{FF4EC790-CBAA-41E6-9439-1F583587335F}"/>
+          </ac:spMkLst>
+        </pc:spChg>
+        <pc:spChg chg="mod ord">
+          <ac:chgData name="choi sungwoon" userId="dd863a805e970f02" providerId="LiveId" clId="{8A0E5E79-6D94-496A-9D55-32C1DBF10D41}" dt="2022-04-18T00:12:17.528" v="361" actId="700"/>
+          <ac:spMkLst>
+            <pc:docMk/>
+            <pc:sldMk cId="8479433" sldId="319"/>
+            <ac:spMk id="5" creationId="{8AA1591F-9227-490C-8293-96A8CB4068E8}"/>
+          </ac:spMkLst>
+        </pc:spChg>
+        <pc:spChg chg="mod ord">
+          <ac:chgData name="choi sungwoon" userId="dd863a805e970f02" providerId="LiveId" clId="{8A0E5E79-6D94-496A-9D55-32C1DBF10D41}" dt="2022-04-18T00:12:17.528" v="361" actId="700"/>
+          <ac:spMkLst>
+            <pc:docMk/>
+            <pc:sldMk cId="8479433" sldId="319"/>
+            <ac:spMk id="6" creationId="{B2271DEF-FEDF-4592-8285-517CDB3355D4}"/>
+          </ac:spMkLst>
+        </pc:spChg>
+        <pc:spChg chg="add mod ord">
+          <ac:chgData name="choi sungwoon" userId="dd863a805e970f02" providerId="LiveId" clId="{8A0E5E79-6D94-496A-9D55-32C1DBF10D41}" dt="2022-04-18T00:23:43.045" v="571" actId="15"/>
+          <ac:spMkLst>
+            <pc:docMk/>
+            <pc:sldMk cId="8479433" sldId="319"/>
+            <ac:spMk id="7" creationId="{171DE78A-9972-463C-8F7C-07B1739863C6}"/>
+          </ac:spMkLst>
+        </pc:spChg>
+        <pc:spChg chg="add del mod ord">
+          <ac:chgData name="choi sungwoon" userId="dd863a805e970f02" providerId="LiveId" clId="{8A0E5E79-6D94-496A-9D55-32C1DBF10D41}" dt="2022-04-18T00:27:58.799" v="610" actId="3680"/>
+          <ac:spMkLst>
+            <pc:docMk/>
+            <pc:sldMk cId="8479433" sldId="319"/>
+            <ac:spMk id="8" creationId="{E7395D9C-A7FC-4E61-AB3C-2BB1948B2657}"/>
+          </ac:spMkLst>
+        </pc:spChg>
+        <pc:spChg chg="add mod">
+          <ac:chgData name="choi sungwoon" userId="dd863a805e970f02" providerId="LiveId" clId="{8A0E5E79-6D94-496A-9D55-32C1DBF10D41}" dt="2022-04-18T00:23:48.611" v="572" actId="1076"/>
+          <ac:spMkLst>
+            <pc:docMk/>
+            <pc:sldMk cId="8479433" sldId="319"/>
+            <ac:spMk id="9" creationId="{85976EF0-2891-4029-A5AC-DA94E927B6AD}"/>
+          </ac:spMkLst>
+        </pc:spChg>
+        <pc:spChg chg="add del mod">
+          <ac:chgData name="choi sungwoon" userId="dd863a805e970f02" providerId="LiveId" clId="{8A0E5E79-6D94-496A-9D55-32C1DBF10D41}" dt="2022-04-18T00:13:05.952" v="437" actId="478"/>
+          <ac:spMkLst>
+            <pc:docMk/>
+            <pc:sldMk cId="8479433" sldId="319"/>
+            <ac:spMk id="10" creationId="{85B7993D-94BF-4A97-9232-6C5BCA5FBCC4}"/>
+          </ac:spMkLst>
+        </pc:spChg>
+        <pc:spChg chg="add mod">
+          <ac:chgData name="choi sungwoon" userId="dd863a805e970f02" providerId="LiveId" clId="{8A0E5E79-6D94-496A-9D55-32C1DBF10D41}" dt="2022-04-18T00:44:45.654" v="644" actId="14100"/>
+          <ac:spMkLst>
+            <pc:docMk/>
+            <pc:sldMk cId="8479433" sldId="319"/>
+            <ac:spMk id="11" creationId="{0EDCF5E1-7B73-4A43-A987-06C20BA57804}"/>
+          </ac:spMkLst>
+        </pc:spChg>
+        <pc:spChg chg="add mod">
+          <ac:chgData name="choi sungwoon" userId="dd863a805e970f02" providerId="LiveId" clId="{8A0E5E79-6D94-496A-9D55-32C1DBF10D41}" dt="2022-04-18T00:44:39.273" v="643" actId="1076"/>
+          <ac:spMkLst>
+            <pc:docMk/>
+            <pc:sldMk cId="8479433" sldId="319"/>
+            <ac:spMk id="13" creationId="{8F2B19A0-BEC0-4BE6-B7A7-353FEB8A6E64}"/>
+          </ac:spMkLst>
+        </pc:spChg>
+        <pc:spChg chg="add mod">
+          <ac:chgData name="choi sungwoon" userId="dd863a805e970f02" providerId="LiveId" clId="{8A0E5E79-6D94-496A-9D55-32C1DBF10D41}" dt="2022-04-18T00:49:05.622" v="645" actId="1076"/>
+          <ac:spMkLst>
+            <pc:docMk/>
+            <pc:sldMk cId="8479433" sldId="319"/>
+            <ac:spMk id="14" creationId="{4D40CFBD-6319-4BB8-9479-3645DD48A54A}"/>
+          </ac:spMkLst>
+        </pc:spChg>
+        <pc:spChg chg="add mod">
+          <ac:chgData name="choi sungwoon" userId="dd863a805e970f02" providerId="LiveId" clId="{8A0E5E79-6D94-496A-9D55-32C1DBF10D41}" dt="2022-04-18T00:49:05.622" v="645" actId="1076"/>
+          <ac:spMkLst>
+            <pc:docMk/>
+            <pc:sldMk cId="8479433" sldId="319"/>
+            <ac:spMk id="15" creationId="{2CFC7D53-C7C2-4F8F-B771-423F7535DDF9}"/>
+          </ac:spMkLst>
+        </pc:spChg>
+        <pc:spChg chg="add mod">
+          <ac:chgData name="choi sungwoon" userId="dd863a805e970f02" providerId="LiveId" clId="{8A0E5E79-6D94-496A-9D55-32C1DBF10D41}" dt="2022-04-18T00:49:05.622" v="645" actId="1076"/>
+          <ac:spMkLst>
+            <pc:docMk/>
+            <pc:sldMk cId="8479433" sldId="319"/>
+            <ac:spMk id="16" creationId="{DD78F409-3443-4EDD-BD35-1B774D44120D}"/>
+          </ac:spMkLst>
+        </pc:spChg>
+        <pc:spChg chg="add mod">
+          <ac:chgData name="choi sungwoon" userId="dd863a805e970f02" providerId="LiveId" clId="{8A0E5E79-6D94-496A-9D55-32C1DBF10D41}" dt="2022-04-18T00:49:05.622" v="645" actId="1076"/>
+          <ac:spMkLst>
+            <pc:docMk/>
+            <pc:sldMk cId="8479433" sldId="319"/>
+            <ac:spMk id="18" creationId="{688B148F-79F6-4A95-914F-6D14C92407B7}"/>
+          </ac:spMkLst>
+        </pc:spChg>
+        <pc:spChg chg="add mod">
+          <ac:chgData name="choi sungwoon" userId="dd863a805e970f02" providerId="LiveId" clId="{8A0E5E79-6D94-496A-9D55-32C1DBF10D41}" dt="2022-04-18T00:49:05.622" v="645" actId="1076"/>
+          <ac:spMkLst>
+            <pc:docMk/>
+            <pc:sldMk cId="8479433" sldId="319"/>
+            <ac:spMk id="23" creationId="{5FC486A5-6359-4C70-AEAE-15DB7EA9BF62}"/>
+          </ac:spMkLst>
+        </pc:spChg>
+        <pc:spChg chg="add mod">
+          <ac:chgData name="choi sungwoon" userId="dd863a805e970f02" providerId="LiveId" clId="{8A0E5E79-6D94-496A-9D55-32C1DBF10D41}" dt="2022-04-18T00:49:05.622" v="645" actId="1076"/>
+          <ac:spMkLst>
+            <pc:docMk/>
+            <pc:sldMk cId="8479433" sldId="319"/>
+            <ac:spMk id="24" creationId="{78B6824A-5A82-4880-A065-95935203F511}"/>
+          </ac:spMkLst>
+        </pc:spChg>
+        <pc:spChg chg="add mod">
+          <ac:chgData name="choi sungwoon" userId="dd863a805e970f02" providerId="LiveId" clId="{8A0E5E79-6D94-496A-9D55-32C1DBF10D41}" dt="2022-04-18T00:49:05.622" v="645" actId="1076"/>
+          <ac:spMkLst>
+            <pc:docMk/>
+            <pc:sldMk cId="8479433" sldId="319"/>
+            <ac:spMk id="25" creationId="{5F6B336E-5FA7-43F8-8447-BDFB0DB1B3D2}"/>
+          </ac:spMkLst>
+        </pc:spChg>
+        <pc:graphicFrameChg chg="add mod ord modGraphic">
+          <ac:chgData name="choi sungwoon" userId="dd863a805e970f02" providerId="LiveId" clId="{8A0E5E79-6D94-496A-9D55-32C1DBF10D41}" dt="2022-04-18T00:49:05.622" v="645" actId="1076"/>
+          <ac:graphicFrameMkLst>
+            <pc:docMk/>
+            <pc:sldMk cId="8479433" sldId="319"/>
+            <ac:graphicFrameMk id="17" creationId="{8F084C23-2925-4CE8-B117-77EC0D32F961}"/>
+          </ac:graphicFrameMkLst>
+        </pc:graphicFrameChg>
+        <pc:cxnChg chg="add mod">
+          <ac:chgData name="choi sungwoon" userId="dd863a805e970f02" providerId="LiveId" clId="{8A0E5E79-6D94-496A-9D55-32C1DBF10D41}" dt="2022-04-18T00:44:45.654" v="644" actId="14100"/>
+          <ac:cxnSpMkLst>
+            <pc:docMk/>
+            <pc:sldMk cId="8479433" sldId="319"/>
+            <ac:cxnSpMk id="12" creationId="{3E18EA2D-E8C7-427C-AB54-B5D21DA2BAF2}"/>
+          </ac:cxnSpMkLst>
+        </pc:cxnChg>
+        <pc:cxnChg chg="add mod">
+          <ac:chgData name="choi sungwoon" userId="dd863a805e970f02" providerId="LiveId" clId="{8A0E5E79-6D94-496A-9D55-32C1DBF10D41}" dt="2022-04-18T00:49:05.622" v="645" actId="1076"/>
+          <ac:cxnSpMkLst>
+            <pc:docMk/>
+            <pc:sldMk cId="8479433" sldId="319"/>
+            <ac:cxnSpMk id="20" creationId="{708DC581-E0CA-4C11-A65D-789BE4E5E2BB}"/>
+          </ac:cxnSpMkLst>
+        </pc:cxnChg>
+      </pc:sldChg>
+      <pc:sldChg chg="modSp new mod">
+        <pc:chgData name="choi sungwoon" userId="dd863a805e970f02" providerId="LiveId" clId="{8A0E5E79-6D94-496A-9D55-32C1DBF10D41}" dt="2022-04-18T01:19:04.316" v="672"/>
+        <pc:sldMkLst>
+          <pc:docMk/>
+          <pc:sldMk cId="2903520252" sldId="320"/>
+        </pc:sldMkLst>
+        <pc:spChg chg="mod">
+          <ac:chgData name="choi sungwoon" userId="dd863a805e970f02" providerId="LiveId" clId="{8A0E5E79-6D94-496A-9D55-32C1DBF10D41}" dt="2022-04-18T01:19:04.316" v="672"/>
+          <ac:spMkLst>
+            <pc:docMk/>
+            <pc:sldMk cId="2903520252" sldId="320"/>
+            <ac:spMk id="2" creationId="{A1F3C985-21A4-44D5-AC5D-007D0D623BD6}"/>
           </ac:spMkLst>
         </pc:spChg>
       </pc:sldChg>
@@ -3480,345 +4179,93 @@
     </pc:docChg>
   </pc:docChgLst>
   <pc:docChgLst>
-    <pc:chgData name="choi sungwoon" userId="dd863a805e970f02" providerId="LiveId" clId="{8A0E5E79-6D94-496A-9D55-32C1DBF10D41}"/>
-    <pc:docChg chg="custSel addSld modSld">
-      <pc:chgData name="choi sungwoon" userId="dd863a805e970f02" providerId="LiveId" clId="{8A0E5E79-6D94-496A-9D55-32C1DBF10D41}" dt="2022-04-18T01:19:31.452" v="689"/>
+    <pc:chgData name="choi sungwoon" userId="dd863a805e970f02" providerId="LiveId" clId="{9C9EC46F-1152-4496-A736-3DD329BD77C4}"/>
+    <pc:docChg chg="custSel delSld modSld">
+      <pc:chgData name="choi sungwoon" userId="dd863a805e970f02" providerId="LiveId" clId="{9C9EC46F-1152-4496-A736-3DD329BD77C4}" dt="2022-03-02T01:14:53.421" v="401"/>
       <pc:docMkLst>
         <pc:docMk/>
       </pc:docMkLst>
-      <pc:sldChg chg="addSp delSp modSp add mod modClrScheme chgLayout">
-        <pc:chgData name="choi sungwoon" userId="dd863a805e970f02" providerId="LiveId" clId="{8A0E5E79-6D94-496A-9D55-32C1DBF10D41}" dt="2022-04-18T01:19:31.452" v="689"/>
+      <pc:sldChg chg="del">
+        <pc:chgData name="choi sungwoon" userId="dd863a805e970f02" providerId="LiveId" clId="{9C9EC46F-1152-4496-A736-3DD329BD77C4}" dt="2022-03-02T00:35:53.264" v="0" actId="47"/>
         <pc:sldMkLst>
           <pc:docMk/>
-          <pc:sldMk cId="2267256780" sldId="318"/>
+          <pc:sldMk cId="1520484175" sldId="257"/>
         </pc:sldMkLst>
-        <pc:spChg chg="mod ord">
-          <ac:chgData name="choi sungwoon" userId="dd863a805e970f02" providerId="LiveId" clId="{8A0E5E79-6D94-496A-9D55-32C1DBF10D41}" dt="2022-04-18T01:19:31.452" v="689"/>
-          <ac:spMkLst>
-            <pc:docMk/>
-            <pc:sldMk cId="2267256780" sldId="318"/>
-            <ac:spMk id="2" creationId="{6FCB2A0A-8027-4DF3-AEC2-6B5155C460F5}"/>
-          </ac:spMkLst>
-        </pc:spChg>
-        <pc:spChg chg="del mod ord">
-          <ac:chgData name="choi sungwoon" userId="dd863a805e970f02" providerId="LiveId" clId="{8A0E5E79-6D94-496A-9D55-32C1DBF10D41}" dt="2022-04-17T22:25:42.140" v="1" actId="700"/>
-          <ac:spMkLst>
-            <pc:docMk/>
-            <pc:sldMk cId="2267256780" sldId="318"/>
-            <ac:spMk id="3" creationId="{F835BB5E-6B68-4759-AA95-87C8435AC685}"/>
-          </ac:spMkLst>
-        </pc:spChg>
-        <pc:spChg chg="mod ord">
-          <ac:chgData name="choi sungwoon" userId="dd863a805e970f02" providerId="LiveId" clId="{8A0E5E79-6D94-496A-9D55-32C1DBF10D41}" dt="2022-04-18T00:08:10.885" v="225"/>
-          <ac:spMkLst>
-            <pc:docMk/>
-            <pc:sldMk cId="2267256780" sldId="318"/>
-            <ac:spMk id="4" creationId="{A2505BF3-4D79-44F5-8F7C-E6BAEA76976B}"/>
-          </ac:spMkLst>
-        </pc:spChg>
-        <pc:spChg chg="mod ord">
-          <ac:chgData name="choi sungwoon" userId="dd863a805e970f02" providerId="LiveId" clId="{8A0E5E79-6D94-496A-9D55-32C1DBF10D41}" dt="2022-04-18T00:08:10.885" v="225"/>
-          <ac:spMkLst>
-            <pc:docMk/>
-            <pc:sldMk cId="2267256780" sldId="318"/>
-            <ac:spMk id="5" creationId="{9EE095CF-3E79-485D-876E-A3BFB63004DF}"/>
-          </ac:spMkLst>
-        </pc:spChg>
-        <pc:spChg chg="add mod ord">
-          <ac:chgData name="choi sungwoon" userId="dd863a805e970f02" providerId="LiveId" clId="{8A0E5E79-6D94-496A-9D55-32C1DBF10D41}" dt="2022-04-18T00:08:10.885" v="225"/>
-          <ac:spMkLst>
-            <pc:docMk/>
-            <pc:sldMk cId="2267256780" sldId="318"/>
-            <ac:spMk id="6" creationId="{88CF9E69-8A00-40C5-8C63-1C6971FD34B3}"/>
-          </ac:spMkLst>
-        </pc:spChg>
-        <pc:spChg chg="add mod ord">
-          <ac:chgData name="choi sungwoon" userId="dd863a805e970f02" providerId="LiveId" clId="{8A0E5E79-6D94-496A-9D55-32C1DBF10D41}" dt="2022-04-18T00:09:58.126" v="357" actId="6549"/>
-          <ac:spMkLst>
-            <pc:docMk/>
-            <pc:sldMk cId="2267256780" sldId="318"/>
-            <ac:spMk id="7" creationId="{60429683-71FB-4591-BE05-A807DD810990}"/>
-          </ac:spMkLst>
-        </pc:spChg>
-        <pc:spChg chg="add del mod">
-          <ac:chgData name="choi sungwoon" userId="dd863a805e970f02" providerId="LiveId" clId="{8A0E5E79-6D94-496A-9D55-32C1DBF10D41}" dt="2022-04-18T00:08:10.885" v="225"/>
-          <ac:spMkLst>
-            <pc:docMk/>
-            <pc:sldMk cId="2267256780" sldId="318"/>
-            <ac:spMk id="10" creationId="{5D56BB26-F66E-43BE-8181-5FD8939028B4}"/>
-          </ac:spMkLst>
-        </pc:spChg>
-        <pc:spChg chg="add del mod">
-          <ac:chgData name="choi sungwoon" userId="dd863a805e970f02" providerId="LiveId" clId="{8A0E5E79-6D94-496A-9D55-32C1DBF10D41}" dt="2022-04-18T00:08:10.885" v="225"/>
-          <ac:spMkLst>
-            <pc:docMk/>
-            <pc:sldMk cId="2267256780" sldId="318"/>
-            <ac:spMk id="11" creationId="{720FF8D0-3591-4C78-91C1-FEA60684E731}"/>
-          </ac:spMkLst>
-        </pc:spChg>
-        <pc:spChg chg="add del mod">
-          <ac:chgData name="choi sungwoon" userId="dd863a805e970f02" providerId="LiveId" clId="{8A0E5E79-6D94-496A-9D55-32C1DBF10D41}" dt="2022-04-18T00:08:10.885" v="225"/>
-          <ac:spMkLst>
-            <pc:docMk/>
-            <pc:sldMk cId="2267256780" sldId="318"/>
-            <ac:spMk id="12" creationId="{5EF799E8-9A24-4616-A720-CCC7C07BCF05}"/>
-          </ac:spMkLst>
-        </pc:spChg>
-        <pc:spChg chg="add del mod">
-          <ac:chgData name="choi sungwoon" userId="dd863a805e970f02" providerId="LiveId" clId="{8A0E5E79-6D94-496A-9D55-32C1DBF10D41}" dt="2022-04-18T00:08:10.885" v="225"/>
-          <ac:spMkLst>
-            <pc:docMk/>
-            <pc:sldMk cId="2267256780" sldId="318"/>
-            <ac:spMk id="13" creationId="{8918A5C8-B57D-46DF-9A66-20451D8857FC}"/>
-          </ac:spMkLst>
-        </pc:spChg>
-        <pc:spChg chg="add del mod">
-          <ac:chgData name="choi sungwoon" userId="dd863a805e970f02" providerId="LiveId" clId="{8A0E5E79-6D94-496A-9D55-32C1DBF10D41}" dt="2022-04-18T00:08:10.885" v="225"/>
-          <ac:spMkLst>
-            <pc:docMk/>
-            <pc:sldMk cId="2267256780" sldId="318"/>
-            <ac:spMk id="14" creationId="{1172D91C-1D00-48C2-9DA3-C8E17C33FDD5}"/>
-          </ac:spMkLst>
-        </pc:spChg>
-        <pc:graphicFrameChg chg="add del">
-          <ac:chgData name="choi sungwoon" userId="dd863a805e970f02" providerId="LiveId" clId="{8A0E5E79-6D94-496A-9D55-32C1DBF10D41}" dt="2022-04-18T00:06:21.052" v="174" actId="478"/>
-          <ac:graphicFrameMkLst>
-            <pc:docMk/>
-            <pc:sldMk cId="2267256780" sldId="318"/>
-            <ac:graphicFrameMk id="8" creationId="{3F968254-A8EB-4FE9-B493-3F944BBB317E}"/>
-          </ac:graphicFrameMkLst>
-        </pc:graphicFrameChg>
-        <pc:graphicFrameChg chg="add mod modGraphic">
-          <ac:chgData name="choi sungwoon" userId="dd863a805e970f02" providerId="LiveId" clId="{8A0E5E79-6D94-496A-9D55-32C1DBF10D41}" dt="2022-04-18T00:10:53.037" v="359" actId="1076"/>
-          <ac:graphicFrameMkLst>
-            <pc:docMk/>
-            <pc:sldMk cId="2267256780" sldId="318"/>
-            <ac:graphicFrameMk id="9" creationId="{E50268E5-FD4A-4B71-B457-1772D41AAEEE}"/>
-          </ac:graphicFrameMkLst>
-        </pc:graphicFrameChg>
       </pc:sldChg>
-      <pc:sldChg chg="addSp delSp modSp new mod modClrScheme chgLayout">
-        <pc:chgData name="choi sungwoon" userId="dd863a805e970f02" providerId="LiveId" clId="{8A0E5E79-6D94-496A-9D55-32C1DBF10D41}" dt="2022-04-18T00:49:05.622" v="645" actId="1076"/>
+      <pc:sldChg chg="del">
+        <pc:chgData name="choi sungwoon" userId="dd863a805e970f02" providerId="LiveId" clId="{9C9EC46F-1152-4496-A736-3DD329BD77C4}" dt="2022-03-02T00:35:53.264" v="0" actId="47"/>
         <pc:sldMkLst>
           <pc:docMk/>
-          <pc:sldMk cId="8479433" sldId="319"/>
+          <pc:sldMk cId="1585406783" sldId="274"/>
         </pc:sldMkLst>
-        <pc:spChg chg="del">
-          <ac:chgData name="choi sungwoon" userId="dd863a805e970f02" providerId="LiveId" clId="{8A0E5E79-6D94-496A-9D55-32C1DBF10D41}" dt="2022-04-18T00:12:17.528" v="361" actId="700"/>
-          <ac:spMkLst>
-            <pc:docMk/>
-            <pc:sldMk cId="8479433" sldId="319"/>
-            <ac:spMk id="2" creationId="{93208FAF-90DC-455F-A128-6308292E4CCC}"/>
-          </ac:spMkLst>
-        </pc:spChg>
-        <pc:spChg chg="del mod ord">
-          <ac:chgData name="choi sungwoon" userId="dd863a805e970f02" providerId="LiveId" clId="{8A0E5E79-6D94-496A-9D55-32C1DBF10D41}" dt="2022-04-18T00:12:17.528" v="361" actId="700"/>
-          <ac:spMkLst>
-            <pc:docMk/>
-            <pc:sldMk cId="8479433" sldId="319"/>
-            <ac:spMk id="3" creationId="{534D7161-2FA8-43AE-92F0-DA0BCA3107FF}"/>
-          </ac:spMkLst>
-        </pc:spChg>
-        <pc:spChg chg="del mod ord">
-          <ac:chgData name="choi sungwoon" userId="dd863a805e970f02" providerId="LiveId" clId="{8A0E5E79-6D94-496A-9D55-32C1DBF10D41}" dt="2022-04-18T00:12:17.528" v="361" actId="700"/>
-          <ac:spMkLst>
-            <pc:docMk/>
-            <pc:sldMk cId="8479433" sldId="319"/>
-            <ac:spMk id="4" creationId="{FF4EC790-CBAA-41E6-9439-1F583587335F}"/>
-          </ac:spMkLst>
-        </pc:spChg>
-        <pc:spChg chg="mod ord">
-          <ac:chgData name="choi sungwoon" userId="dd863a805e970f02" providerId="LiveId" clId="{8A0E5E79-6D94-496A-9D55-32C1DBF10D41}" dt="2022-04-18T00:12:17.528" v="361" actId="700"/>
-          <ac:spMkLst>
-            <pc:docMk/>
-            <pc:sldMk cId="8479433" sldId="319"/>
-            <ac:spMk id="5" creationId="{8AA1591F-9227-490C-8293-96A8CB4068E8}"/>
-          </ac:spMkLst>
-        </pc:spChg>
-        <pc:spChg chg="mod ord">
-          <ac:chgData name="choi sungwoon" userId="dd863a805e970f02" providerId="LiveId" clId="{8A0E5E79-6D94-496A-9D55-32C1DBF10D41}" dt="2022-04-18T00:12:17.528" v="361" actId="700"/>
-          <ac:spMkLst>
-            <pc:docMk/>
-            <pc:sldMk cId="8479433" sldId="319"/>
-            <ac:spMk id="6" creationId="{B2271DEF-FEDF-4592-8285-517CDB3355D4}"/>
-          </ac:spMkLst>
-        </pc:spChg>
-        <pc:spChg chg="add mod ord">
-          <ac:chgData name="choi sungwoon" userId="dd863a805e970f02" providerId="LiveId" clId="{8A0E5E79-6D94-496A-9D55-32C1DBF10D41}" dt="2022-04-18T00:23:43.045" v="571" actId="15"/>
-          <ac:spMkLst>
-            <pc:docMk/>
-            <pc:sldMk cId="8479433" sldId="319"/>
-            <ac:spMk id="7" creationId="{171DE78A-9972-463C-8F7C-07B1739863C6}"/>
-          </ac:spMkLst>
-        </pc:spChg>
-        <pc:spChg chg="add del mod ord">
-          <ac:chgData name="choi sungwoon" userId="dd863a805e970f02" providerId="LiveId" clId="{8A0E5E79-6D94-496A-9D55-32C1DBF10D41}" dt="2022-04-18T00:27:58.799" v="610" actId="3680"/>
-          <ac:spMkLst>
-            <pc:docMk/>
-            <pc:sldMk cId="8479433" sldId="319"/>
-            <ac:spMk id="8" creationId="{E7395D9C-A7FC-4E61-AB3C-2BB1948B2657}"/>
-          </ac:spMkLst>
-        </pc:spChg>
-        <pc:spChg chg="add mod">
-          <ac:chgData name="choi sungwoon" userId="dd863a805e970f02" providerId="LiveId" clId="{8A0E5E79-6D94-496A-9D55-32C1DBF10D41}" dt="2022-04-18T00:23:48.611" v="572" actId="1076"/>
-          <ac:spMkLst>
-            <pc:docMk/>
-            <pc:sldMk cId="8479433" sldId="319"/>
-            <ac:spMk id="9" creationId="{85976EF0-2891-4029-A5AC-DA94E927B6AD}"/>
-          </ac:spMkLst>
-        </pc:spChg>
-        <pc:spChg chg="add del mod">
-          <ac:chgData name="choi sungwoon" userId="dd863a805e970f02" providerId="LiveId" clId="{8A0E5E79-6D94-496A-9D55-32C1DBF10D41}" dt="2022-04-18T00:13:05.952" v="437" actId="478"/>
-          <ac:spMkLst>
-            <pc:docMk/>
-            <pc:sldMk cId="8479433" sldId="319"/>
-            <ac:spMk id="10" creationId="{85B7993D-94BF-4A97-9232-6C5BCA5FBCC4}"/>
-          </ac:spMkLst>
-        </pc:spChg>
-        <pc:spChg chg="add mod">
-          <ac:chgData name="choi sungwoon" userId="dd863a805e970f02" providerId="LiveId" clId="{8A0E5E79-6D94-496A-9D55-32C1DBF10D41}" dt="2022-04-18T00:44:45.654" v="644" actId="14100"/>
-          <ac:spMkLst>
-            <pc:docMk/>
-            <pc:sldMk cId="8479433" sldId="319"/>
-            <ac:spMk id="11" creationId="{0EDCF5E1-7B73-4A43-A987-06C20BA57804}"/>
-          </ac:spMkLst>
-        </pc:spChg>
-        <pc:spChg chg="add mod">
-          <ac:chgData name="choi sungwoon" userId="dd863a805e970f02" providerId="LiveId" clId="{8A0E5E79-6D94-496A-9D55-32C1DBF10D41}" dt="2022-04-18T00:44:39.273" v="643" actId="1076"/>
-          <ac:spMkLst>
-            <pc:docMk/>
-            <pc:sldMk cId="8479433" sldId="319"/>
-            <ac:spMk id="13" creationId="{8F2B19A0-BEC0-4BE6-B7A7-353FEB8A6E64}"/>
-          </ac:spMkLst>
-        </pc:spChg>
-        <pc:spChg chg="add mod">
-          <ac:chgData name="choi sungwoon" userId="dd863a805e970f02" providerId="LiveId" clId="{8A0E5E79-6D94-496A-9D55-32C1DBF10D41}" dt="2022-04-18T00:49:05.622" v="645" actId="1076"/>
-          <ac:spMkLst>
-            <pc:docMk/>
-            <pc:sldMk cId="8479433" sldId="319"/>
-            <ac:spMk id="14" creationId="{4D40CFBD-6319-4BB8-9479-3645DD48A54A}"/>
-          </ac:spMkLst>
-        </pc:spChg>
-        <pc:spChg chg="add mod">
-          <ac:chgData name="choi sungwoon" userId="dd863a805e970f02" providerId="LiveId" clId="{8A0E5E79-6D94-496A-9D55-32C1DBF10D41}" dt="2022-04-18T00:49:05.622" v="645" actId="1076"/>
-          <ac:spMkLst>
-            <pc:docMk/>
-            <pc:sldMk cId="8479433" sldId="319"/>
-            <ac:spMk id="15" creationId="{2CFC7D53-C7C2-4F8F-B771-423F7535DDF9}"/>
-          </ac:spMkLst>
-        </pc:spChg>
-        <pc:spChg chg="add mod">
-          <ac:chgData name="choi sungwoon" userId="dd863a805e970f02" providerId="LiveId" clId="{8A0E5E79-6D94-496A-9D55-32C1DBF10D41}" dt="2022-04-18T00:49:05.622" v="645" actId="1076"/>
-          <ac:spMkLst>
-            <pc:docMk/>
-            <pc:sldMk cId="8479433" sldId="319"/>
-            <ac:spMk id="16" creationId="{DD78F409-3443-4EDD-BD35-1B774D44120D}"/>
-          </ac:spMkLst>
-        </pc:spChg>
-        <pc:spChg chg="add mod">
-          <ac:chgData name="choi sungwoon" userId="dd863a805e970f02" providerId="LiveId" clId="{8A0E5E79-6D94-496A-9D55-32C1DBF10D41}" dt="2022-04-18T00:49:05.622" v="645" actId="1076"/>
-          <ac:spMkLst>
-            <pc:docMk/>
-            <pc:sldMk cId="8479433" sldId="319"/>
-            <ac:spMk id="18" creationId="{688B148F-79F6-4A95-914F-6D14C92407B7}"/>
-          </ac:spMkLst>
-        </pc:spChg>
-        <pc:spChg chg="add mod">
-          <ac:chgData name="choi sungwoon" userId="dd863a805e970f02" providerId="LiveId" clId="{8A0E5E79-6D94-496A-9D55-32C1DBF10D41}" dt="2022-04-18T00:49:05.622" v="645" actId="1076"/>
-          <ac:spMkLst>
-            <pc:docMk/>
-            <pc:sldMk cId="8479433" sldId="319"/>
-            <ac:spMk id="23" creationId="{5FC486A5-6359-4C70-AEAE-15DB7EA9BF62}"/>
-          </ac:spMkLst>
-        </pc:spChg>
-        <pc:spChg chg="add mod">
-          <ac:chgData name="choi sungwoon" userId="dd863a805e970f02" providerId="LiveId" clId="{8A0E5E79-6D94-496A-9D55-32C1DBF10D41}" dt="2022-04-18T00:49:05.622" v="645" actId="1076"/>
-          <ac:spMkLst>
-            <pc:docMk/>
-            <pc:sldMk cId="8479433" sldId="319"/>
-            <ac:spMk id="24" creationId="{78B6824A-5A82-4880-A065-95935203F511}"/>
-          </ac:spMkLst>
-        </pc:spChg>
-        <pc:spChg chg="add mod">
-          <ac:chgData name="choi sungwoon" userId="dd863a805e970f02" providerId="LiveId" clId="{8A0E5E79-6D94-496A-9D55-32C1DBF10D41}" dt="2022-04-18T00:49:05.622" v="645" actId="1076"/>
-          <ac:spMkLst>
-            <pc:docMk/>
-            <pc:sldMk cId="8479433" sldId="319"/>
-            <ac:spMk id="25" creationId="{5F6B336E-5FA7-43F8-8447-BDFB0DB1B3D2}"/>
-          </ac:spMkLst>
-        </pc:spChg>
-        <pc:graphicFrameChg chg="add mod ord modGraphic">
-          <ac:chgData name="choi sungwoon" userId="dd863a805e970f02" providerId="LiveId" clId="{8A0E5E79-6D94-496A-9D55-32C1DBF10D41}" dt="2022-04-18T00:49:05.622" v="645" actId="1076"/>
-          <ac:graphicFrameMkLst>
-            <pc:docMk/>
-            <pc:sldMk cId="8479433" sldId="319"/>
-            <ac:graphicFrameMk id="17" creationId="{8F084C23-2925-4CE8-B117-77EC0D32F961}"/>
-          </ac:graphicFrameMkLst>
-        </pc:graphicFrameChg>
-        <pc:cxnChg chg="add mod">
-          <ac:chgData name="choi sungwoon" userId="dd863a805e970f02" providerId="LiveId" clId="{8A0E5E79-6D94-496A-9D55-32C1DBF10D41}" dt="2022-04-18T00:44:45.654" v="644" actId="14100"/>
-          <ac:cxnSpMkLst>
-            <pc:docMk/>
-            <pc:sldMk cId="8479433" sldId="319"/>
-            <ac:cxnSpMk id="12" creationId="{3E18EA2D-E8C7-427C-AB54-B5D21DA2BAF2}"/>
-          </ac:cxnSpMkLst>
-        </pc:cxnChg>
-        <pc:cxnChg chg="add mod">
-          <ac:chgData name="choi sungwoon" userId="dd863a805e970f02" providerId="LiveId" clId="{8A0E5E79-6D94-496A-9D55-32C1DBF10D41}" dt="2022-04-18T00:49:05.622" v="645" actId="1076"/>
-          <ac:cxnSpMkLst>
-            <pc:docMk/>
-            <pc:sldMk cId="8479433" sldId="319"/>
-            <ac:cxnSpMk id="20" creationId="{708DC581-E0CA-4C11-A65D-789BE4E5E2BB}"/>
-          </ac:cxnSpMkLst>
-        </pc:cxnChg>
       </pc:sldChg>
-      <pc:sldChg chg="modSp new mod">
-        <pc:chgData name="choi sungwoon" userId="dd863a805e970f02" providerId="LiveId" clId="{8A0E5E79-6D94-496A-9D55-32C1DBF10D41}" dt="2022-04-18T01:19:04.316" v="672"/>
+      <pc:sldChg chg="modSp mod">
+        <pc:chgData name="choi sungwoon" userId="dd863a805e970f02" providerId="LiveId" clId="{9C9EC46F-1152-4496-A736-3DD329BD77C4}" dt="2022-03-02T01:14:53.421" v="401"/>
         <pc:sldMkLst>
           <pc:docMk/>
-          <pc:sldMk cId="2903520252" sldId="320"/>
+          <pc:sldMk cId="1840630231" sldId="295"/>
         </pc:sldMkLst>
         <pc:spChg chg="mod">
-          <ac:chgData name="choi sungwoon" userId="dd863a805e970f02" providerId="LiveId" clId="{8A0E5E79-6D94-496A-9D55-32C1DBF10D41}" dt="2022-04-18T01:19:04.316" v="672"/>
-          <ac:spMkLst>
-            <pc:docMk/>
-            <pc:sldMk cId="2903520252" sldId="320"/>
-            <ac:spMk id="2" creationId="{A1F3C985-21A4-44D5-AC5D-007D0D623BD6}"/>
+          <ac:chgData name="choi sungwoon" userId="dd863a805e970f02" providerId="LiveId" clId="{9C9EC46F-1152-4496-A736-3DD329BD77C4}" dt="2022-03-02T00:36:25.010" v="48"/>
+          <ac:spMkLst>
+            <pc:docMk/>
+            <pc:sldMk cId="1840630231" sldId="295"/>
+            <ac:spMk id="2" creationId="{00000000-0000-0000-0000-000000000000}"/>
+          </ac:spMkLst>
+        </pc:spChg>
+        <pc:spChg chg="mod">
+          <ac:chgData name="choi sungwoon" userId="dd863a805e970f02" providerId="LiveId" clId="{9C9EC46F-1152-4496-A736-3DD329BD77C4}" dt="2022-03-02T01:12:53.307" v="225" actId="20577"/>
+          <ac:spMkLst>
+            <pc:docMk/>
+            <pc:sldMk cId="1840630231" sldId="295"/>
+            <ac:spMk id="3" creationId="{00000000-0000-0000-0000-000000000000}"/>
+          </ac:spMkLst>
+        </pc:spChg>
+        <pc:spChg chg="mod">
+          <ac:chgData name="choi sungwoon" userId="dd863a805e970f02" providerId="LiveId" clId="{9C9EC46F-1152-4496-A736-3DD329BD77C4}" dt="2022-03-02T01:14:53.421" v="401"/>
+          <ac:spMkLst>
+            <pc:docMk/>
+            <pc:sldMk cId="1840630231" sldId="295"/>
+            <ac:spMk id="4" creationId="{00000000-0000-0000-0000-000000000000}"/>
           </ac:spMkLst>
         </pc:spChg>
       </pc:sldChg>
-    </pc:docChg>
-  </pc:docChgLst>
-  <pc:docChgLst>
-    <pc:chgData name="choi sungwoon" userId="dd863a805e970f02" providerId="LiveId" clId="{52F1679C-C1CE-4E42-94B3-FF28789B0641}"/>
-    <pc:docChg chg="custSel modSld">
-      <pc:chgData name="choi sungwoon" userId="dd863a805e970f02" providerId="LiveId" clId="{52F1679C-C1CE-4E42-94B3-FF28789B0641}" dt="2019-05-29T13:54:30.997" v="2" actId="478"/>
-      <pc:docMkLst>
-        <pc:docMk/>
-      </pc:docMkLst>
-      <pc:sldChg chg="addSp delSp">
-        <pc:chgData name="choi sungwoon" userId="dd863a805e970f02" providerId="LiveId" clId="{52F1679C-C1CE-4E42-94B3-FF28789B0641}" dt="2019-05-29T13:54:30.997" v="2" actId="478"/>
+      <pc:sldChg chg="del">
+        <pc:chgData name="choi sungwoon" userId="dd863a805e970f02" providerId="LiveId" clId="{9C9EC46F-1152-4496-A736-3DD329BD77C4}" dt="2022-03-02T00:35:53.264" v="0" actId="47"/>
         <pc:sldMkLst>
           <pc:docMk/>
-          <pc:sldMk cId="2485293746" sldId="256"/>
+          <pc:sldMk cId="3692906224" sldId="297"/>
         </pc:sldMkLst>
-        <pc:inkChg chg="add">
-          <ac:chgData name="choi sungwoon" userId="dd863a805e970f02" providerId="LiveId" clId="{52F1679C-C1CE-4E42-94B3-FF28789B0641}" dt="2019-05-28T22:10:58.690" v="0" actId="9405"/>
-          <ac:inkMkLst>
-            <pc:docMk/>
-            <pc:sldMk cId="2485293746" sldId="256"/>
-            <ac:inkMk id="4" creationId="{FCB28EA2-490E-40CA-AA3B-D281A059F9B9}"/>
-          </ac:inkMkLst>
-        </pc:inkChg>
-        <pc:inkChg chg="add del">
-          <ac:chgData name="choi sungwoon" userId="dd863a805e970f02" providerId="LiveId" clId="{52F1679C-C1CE-4E42-94B3-FF28789B0641}" dt="2019-05-29T13:54:30.997" v="2" actId="478"/>
-          <ac:inkMkLst>
-            <pc:docMk/>
-            <pc:sldMk cId="2485293746" sldId="256"/>
-            <ac:inkMk id="5" creationId="{59FD07CF-5230-4010-ADCC-1DD5F68193B0}"/>
-          </ac:inkMkLst>
-        </pc:inkChg>
       </pc:sldChg>
+      <pc:sldChg chg="del">
+        <pc:chgData name="choi sungwoon" userId="dd863a805e970f02" providerId="LiveId" clId="{9C9EC46F-1152-4496-A736-3DD329BD77C4}" dt="2022-03-02T00:35:53.264" v="0" actId="47"/>
+        <pc:sldMkLst>
+          <pc:docMk/>
+          <pc:sldMk cId="2885449281" sldId="302"/>
+        </pc:sldMkLst>
+      </pc:sldChg>
+      <pc:sldChg chg="del">
+        <pc:chgData name="choi sungwoon" userId="dd863a805e970f02" providerId="LiveId" clId="{9C9EC46F-1152-4496-A736-3DD329BD77C4}" dt="2022-03-02T00:35:53.264" v="0" actId="47"/>
+        <pc:sldMkLst>
+          <pc:docMk/>
+          <pc:sldMk cId="1227341336" sldId="304"/>
+        </pc:sldMkLst>
+      </pc:sldChg>
+      <pc:sldMasterChg chg="delSldLayout">
+        <pc:chgData name="choi sungwoon" userId="dd863a805e970f02" providerId="LiveId" clId="{9C9EC46F-1152-4496-A736-3DD329BD77C4}" dt="2022-03-02T00:35:53.264" v="0" actId="47"/>
+        <pc:sldMasterMkLst>
+          <pc:docMk/>
+          <pc:sldMasterMk cId="0" sldId="2147483648"/>
+        </pc:sldMasterMkLst>
+        <pc:sldLayoutChg chg="del">
+          <pc:chgData name="choi sungwoon" userId="dd863a805e970f02" providerId="LiveId" clId="{9C9EC46F-1152-4496-A736-3DD329BD77C4}" dt="2022-03-02T00:35:53.264" v="0" actId="47"/>
+          <pc:sldLayoutMkLst>
+            <pc:docMk/>
+            <pc:sldMasterMk cId="0" sldId="2147483648"/>
+            <pc:sldLayoutMk cId="3345718621" sldId="2147483664"/>
+          </pc:sldLayoutMkLst>
+        </pc:sldLayoutChg>
+      </pc:sldMasterChg>
     </pc:docChg>
   </pc:docChgLst>
   <pc:docChgLst>
@@ -4801,451 +5248,6 @@
           </pc:cxnChg>
         </pc:sldLayoutChg>
       </pc:sldMasterChg>
-    </pc:docChg>
-  </pc:docChgLst>
-  <pc:docChgLst>
-    <pc:chgData name="choi sungwoon" userId="dd863a805e970f02" providerId="LiveId" clId="{9C9EC46F-1152-4496-A736-3DD329BD77C4}"/>
-    <pc:docChg chg="custSel delSld modSld">
-      <pc:chgData name="choi sungwoon" userId="dd863a805e970f02" providerId="LiveId" clId="{9C9EC46F-1152-4496-A736-3DD329BD77C4}" dt="2022-03-02T01:14:53.421" v="401"/>
-      <pc:docMkLst>
-        <pc:docMk/>
-      </pc:docMkLst>
-      <pc:sldChg chg="del">
-        <pc:chgData name="choi sungwoon" userId="dd863a805e970f02" providerId="LiveId" clId="{9C9EC46F-1152-4496-A736-3DD329BD77C4}" dt="2022-03-02T00:35:53.264" v="0" actId="47"/>
-        <pc:sldMkLst>
-          <pc:docMk/>
-          <pc:sldMk cId="1520484175" sldId="257"/>
-        </pc:sldMkLst>
-      </pc:sldChg>
-      <pc:sldChg chg="del">
-        <pc:chgData name="choi sungwoon" userId="dd863a805e970f02" providerId="LiveId" clId="{9C9EC46F-1152-4496-A736-3DD329BD77C4}" dt="2022-03-02T00:35:53.264" v="0" actId="47"/>
-        <pc:sldMkLst>
-          <pc:docMk/>
-          <pc:sldMk cId="1585406783" sldId="274"/>
-        </pc:sldMkLst>
-      </pc:sldChg>
-      <pc:sldChg chg="modSp mod">
-        <pc:chgData name="choi sungwoon" userId="dd863a805e970f02" providerId="LiveId" clId="{9C9EC46F-1152-4496-A736-3DD329BD77C4}" dt="2022-03-02T01:14:53.421" v="401"/>
-        <pc:sldMkLst>
-          <pc:docMk/>
-          <pc:sldMk cId="1840630231" sldId="295"/>
-        </pc:sldMkLst>
-        <pc:spChg chg="mod">
-          <ac:chgData name="choi sungwoon" userId="dd863a805e970f02" providerId="LiveId" clId="{9C9EC46F-1152-4496-A736-3DD329BD77C4}" dt="2022-03-02T00:36:25.010" v="48"/>
-          <ac:spMkLst>
-            <pc:docMk/>
-            <pc:sldMk cId="1840630231" sldId="295"/>
-            <ac:spMk id="2" creationId="{00000000-0000-0000-0000-000000000000}"/>
-          </ac:spMkLst>
-        </pc:spChg>
-        <pc:spChg chg="mod">
-          <ac:chgData name="choi sungwoon" userId="dd863a805e970f02" providerId="LiveId" clId="{9C9EC46F-1152-4496-A736-3DD329BD77C4}" dt="2022-03-02T01:12:53.307" v="225" actId="20577"/>
-          <ac:spMkLst>
-            <pc:docMk/>
-            <pc:sldMk cId="1840630231" sldId="295"/>
-            <ac:spMk id="3" creationId="{00000000-0000-0000-0000-000000000000}"/>
-          </ac:spMkLst>
-        </pc:spChg>
-        <pc:spChg chg="mod">
-          <ac:chgData name="choi sungwoon" userId="dd863a805e970f02" providerId="LiveId" clId="{9C9EC46F-1152-4496-A736-3DD329BD77C4}" dt="2022-03-02T01:14:53.421" v="401"/>
-          <ac:spMkLst>
-            <pc:docMk/>
-            <pc:sldMk cId="1840630231" sldId="295"/>
-            <ac:spMk id="4" creationId="{00000000-0000-0000-0000-000000000000}"/>
-          </ac:spMkLst>
-        </pc:spChg>
-      </pc:sldChg>
-      <pc:sldChg chg="del">
-        <pc:chgData name="choi sungwoon" userId="dd863a805e970f02" providerId="LiveId" clId="{9C9EC46F-1152-4496-A736-3DD329BD77C4}" dt="2022-03-02T00:35:53.264" v="0" actId="47"/>
-        <pc:sldMkLst>
-          <pc:docMk/>
-          <pc:sldMk cId="3692906224" sldId="297"/>
-        </pc:sldMkLst>
-      </pc:sldChg>
-      <pc:sldChg chg="del">
-        <pc:chgData name="choi sungwoon" userId="dd863a805e970f02" providerId="LiveId" clId="{9C9EC46F-1152-4496-A736-3DD329BD77C4}" dt="2022-03-02T00:35:53.264" v="0" actId="47"/>
-        <pc:sldMkLst>
-          <pc:docMk/>
-          <pc:sldMk cId="2885449281" sldId="302"/>
-        </pc:sldMkLst>
-      </pc:sldChg>
-      <pc:sldChg chg="del">
-        <pc:chgData name="choi sungwoon" userId="dd863a805e970f02" providerId="LiveId" clId="{9C9EC46F-1152-4496-A736-3DD329BD77C4}" dt="2022-03-02T00:35:53.264" v="0" actId="47"/>
-        <pc:sldMkLst>
-          <pc:docMk/>
-          <pc:sldMk cId="1227341336" sldId="304"/>
-        </pc:sldMkLst>
-      </pc:sldChg>
-      <pc:sldMasterChg chg="delSldLayout">
-        <pc:chgData name="choi sungwoon" userId="dd863a805e970f02" providerId="LiveId" clId="{9C9EC46F-1152-4496-A736-3DD329BD77C4}" dt="2022-03-02T00:35:53.264" v="0" actId="47"/>
-        <pc:sldMasterMkLst>
-          <pc:docMk/>
-          <pc:sldMasterMk cId="0" sldId="2147483648"/>
-        </pc:sldMasterMkLst>
-        <pc:sldLayoutChg chg="del">
-          <pc:chgData name="choi sungwoon" userId="dd863a805e970f02" providerId="LiveId" clId="{9C9EC46F-1152-4496-A736-3DD329BD77C4}" dt="2022-03-02T00:35:53.264" v="0" actId="47"/>
-          <pc:sldLayoutMkLst>
-            <pc:docMk/>
-            <pc:sldMasterMk cId="0" sldId="2147483648"/>
-            <pc:sldLayoutMk cId="3345718621" sldId="2147483664"/>
-          </pc:sldLayoutMkLst>
-        </pc:sldLayoutChg>
-      </pc:sldMasterChg>
-    </pc:docChg>
-  </pc:docChgLst>
-  <pc:docChgLst>
-    <pc:chgData name="choi sungwoon" userId="dd863a805e970f02" providerId="LiveId" clId="{D3953FFF-05B6-42CB-8B83-486C793F6B02}"/>
-    <pc:docChg chg="undo custSel addSld delSld modSld">
-      <pc:chgData name="choi sungwoon" userId="dd863a805e970f02" providerId="LiveId" clId="{D3953FFF-05B6-42CB-8B83-486C793F6B02}" dt="2022-03-02T00:30:08.776" v="207" actId="6549"/>
-      <pc:docMkLst>
-        <pc:docMk/>
-      </pc:docMkLst>
-      <pc:sldChg chg="modSp mod">
-        <pc:chgData name="choi sungwoon" userId="dd863a805e970f02" providerId="LiveId" clId="{D3953FFF-05B6-42CB-8B83-486C793F6B02}" dt="2022-02-28T06:04:37.783" v="142"/>
-        <pc:sldMkLst>
-          <pc:docMk/>
-          <pc:sldMk cId="2485293746" sldId="256"/>
-        </pc:sldMkLst>
-        <pc:spChg chg="mod">
-          <ac:chgData name="choi sungwoon" userId="dd863a805e970f02" providerId="LiveId" clId="{D3953FFF-05B6-42CB-8B83-486C793F6B02}" dt="2022-02-28T06:04:37.783" v="142"/>
-          <ac:spMkLst>
-            <pc:docMk/>
-            <pc:sldMk cId="2485293746" sldId="256"/>
-            <ac:spMk id="2" creationId="{00000000-0000-0000-0000-000000000000}"/>
-          </ac:spMkLst>
-        </pc:spChg>
-      </pc:sldChg>
-      <pc:sldChg chg="modSp mod">
-        <pc:chgData name="choi sungwoon" userId="dd863a805e970f02" providerId="LiveId" clId="{D3953FFF-05B6-42CB-8B83-486C793F6B02}" dt="2022-02-28T06:07:07.173" v="147"/>
-        <pc:sldMkLst>
-          <pc:docMk/>
-          <pc:sldMk cId="1585406783" sldId="274"/>
-        </pc:sldMkLst>
-        <pc:spChg chg="mod">
-          <ac:chgData name="choi sungwoon" userId="dd863a805e970f02" providerId="LiveId" clId="{D3953FFF-05B6-42CB-8B83-486C793F6B02}" dt="2022-02-28T06:07:07.173" v="147"/>
-          <ac:spMkLst>
-            <pc:docMk/>
-            <pc:sldMk cId="1585406783" sldId="274"/>
-            <ac:spMk id="3" creationId="{00000000-0000-0000-0000-000000000000}"/>
-          </ac:spMkLst>
-        </pc:spChg>
-      </pc:sldChg>
-      <pc:sldChg chg="addSp delSp modSp mod">
-        <pc:chgData name="choi sungwoon" userId="dd863a805e970f02" providerId="LiveId" clId="{D3953FFF-05B6-42CB-8B83-486C793F6B02}" dt="2022-03-01T08:06:27.123" v="193" actId="9405"/>
-        <pc:sldMkLst>
-          <pc:docMk/>
-          <pc:sldMk cId="1840630231" sldId="295"/>
-        </pc:sldMkLst>
-        <pc:spChg chg="mod">
-          <ac:chgData name="choi sungwoon" userId="dd863a805e970f02" providerId="LiveId" clId="{D3953FFF-05B6-42CB-8B83-486C793F6B02}" dt="2022-02-28T06:06:14.273" v="143"/>
-          <ac:spMkLst>
-            <pc:docMk/>
-            <pc:sldMk cId="1840630231" sldId="295"/>
-            <ac:spMk id="3" creationId="{00000000-0000-0000-0000-000000000000}"/>
-          </ac:spMkLst>
-        </pc:spChg>
-        <pc:spChg chg="mod">
-          <ac:chgData name="choi sungwoon" userId="dd863a805e970f02" providerId="LiveId" clId="{D3953FFF-05B6-42CB-8B83-486C793F6B02}" dt="2022-02-28T06:04:07.206" v="77" actId="14"/>
-          <ac:spMkLst>
-            <pc:docMk/>
-            <pc:sldMk cId="1840630231" sldId="295"/>
-            <ac:spMk id="4" creationId="{00000000-0000-0000-0000-000000000000}"/>
-          </ac:spMkLst>
-        </pc:spChg>
-        <pc:grpChg chg="del mod">
-          <ac:chgData name="choi sungwoon" userId="dd863a805e970f02" providerId="LiveId" clId="{D3953FFF-05B6-42CB-8B83-486C793F6B02}" dt="2022-03-01T08:05:30.779" v="157"/>
-          <ac:grpSpMkLst>
-            <pc:docMk/>
-            <pc:sldMk cId="1840630231" sldId="295"/>
-            <ac:grpSpMk id="9" creationId="{6A879285-E47E-4A79-8836-8DC557F03A52}"/>
-          </ac:grpSpMkLst>
-        </pc:grpChg>
-        <pc:grpChg chg="del mod">
-          <ac:chgData name="choi sungwoon" userId="dd863a805e970f02" providerId="LiveId" clId="{D3953FFF-05B6-42CB-8B83-486C793F6B02}" dt="2022-03-01T08:05:48.783" v="174"/>
-          <ac:grpSpMkLst>
-            <pc:docMk/>
-            <pc:sldMk cId="1840630231" sldId="295"/>
-            <ac:grpSpMk id="12" creationId="{DAA310F7-FCEA-4839-8C43-7581BCC51C73}"/>
-          </ac:grpSpMkLst>
-        </pc:grpChg>
-        <pc:grpChg chg="del mod">
-          <ac:chgData name="choi sungwoon" userId="dd863a805e970f02" providerId="LiveId" clId="{D3953FFF-05B6-42CB-8B83-486C793F6B02}" dt="2022-03-01T08:05:44.163" v="169"/>
-          <ac:grpSpMkLst>
-            <pc:docMk/>
-            <pc:sldMk cId="1840630231" sldId="295"/>
-            <ac:grpSpMk id="17" creationId="{9236B06A-2FB5-4B71-BBDF-C612F423CAFB}"/>
-          </ac:grpSpMkLst>
-        </pc:grpChg>
-        <pc:grpChg chg="del mod">
-          <ac:chgData name="choi sungwoon" userId="dd863a805e970f02" providerId="LiveId" clId="{D3953FFF-05B6-42CB-8B83-486C793F6B02}" dt="2022-03-01T08:05:48.784" v="175"/>
-          <ac:grpSpMkLst>
-            <pc:docMk/>
-            <pc:sldMk cId="1840630231" sldId="295"/>
-            <ac:grpSpMk id="20" creationId="{5241782C-AE88-46A2-9971-DEC0C5EC457C}"/>
-          </ac:grpSpMkLst>
-        </pc:grpChg>
-        <pc:grpChg chg="del mod">
-          <ac:chgData name="choi sungwoon" userId="dd863a805e970f02" providerId="LiveId" clId="{D3953FFF-05B6-42CB-8B83-486C793F6B02}" dt="2022-03-01T08:06:15.965" v="181"/>
-          <ac:grpSpMkLst>
-            <pc:docMk/>
-            <pc:sldMk cId="1840630231" sldId="295"/>
-            <ac:grpSpMk id="25" creationId="{D97FC7F7-7576-4CA4-B60E-33FDD0652D29}"/>
-          </ac:grpSpMkLst>
-        </pc:grpChg>
-        <pc:grpChg chg="mod">
-          <ac:chgData name="choi sungwoon" userId="dd863a805e970f02" providerId="LiveId" clId="{D3953FFF-05B6-42CB-8B83-486C793F6B02}" dt="2022-03-01T08:06:25.251" v="190"/>
-          <ac:grpSpMkLst>
-            <pc:docMk/>
-            <pc:sldMk cId="1840630231" sldId="295"/>
-            <ac:grpSpMk id="30" creationId="{2D363C25-880C-4E1B-A07C-FD9EBAF14A18}"/>
-          </ac:grpSpMkLst>
-        </pc:grpChg>
-        <pc:inkChg chg="add del">
-          <ac:chgData name="choi sungwoon" userId="dd863a805e970f02" providerId="LiveId" clId="{D3953FFF-05B6-42CB-8B83-486C793F6B02}" dt="2022-03-01T08:05:15.663" v="153"/>
-          <ac:inkMkLst>
-            <pc:docMk/>
-            <pc:sldMk cId="1840630231" sldId="295"/>
-            <ac:inkMk id="5" creationId="{7848D2BB-E62F-4D4B-A775-124BFA3B821E}"/>
-          </ac:inkMkLst>
-        </pc:inkChg>
-        <pc:inkChg chg="add del">
-          <ac:chgData name="choi sungwoon" userId="dd863a805e970f02" providerId="LiveId" clId="{D3953FFF-05B6-42CB-8B83-486C793F6B02}" dt="2022-03-01T08:05:15.655" v="152"/>
-          <ac:inkMkLst>
-            <pc:docMk/>
-            <pc:sldMk cId="1840630231" sldId="295"/>
-            <ac:inkMk id="6" creationId="{1FEFBBDC-DEFF-45D1-9DB3-E8C2CDBCF92E}"/>
-          </ac:inkMkLst>
-        </pc:inkChg>
-        <pc:inkChg chg="add del mod">
-          <ac:chgData name="choi sungwoon" userId="dd863a805e970f02" providerId="LiveId" clId="{D3953FFF-05B6-42CB-8B83-486C793F6B02}" dt="2022-03-01T08:05:30.779" v="157"/>
-          <ac:inkMkLst>
-            <pc:docMk/>
-            <pc:sldMk cId="1840630231" sldId="295"/>
-            <ac:inkMk id="7" creationId="{D957D894-1D9B-4E72-928D-9699D85BE8F5}"/>
-          </ac:inkMkLst>
-        </pc:inkChg>
-        <pc:inkChg chg="add del mod">
-          <ac:chgData name="choi sungwoon" userId="dd863a805e970f02" providerId="LiveId" clId="{D3953FFF-05B6-42CB-8B83-486C793F6B02}" dt="2022-03-01T08:05:30.781" v="158"/>
-          <ac:inkMkLst>
-            <pc:docMk/>
-            <pc:sldMk cId="1840630231" sldId="295"/>
-            <ac:inkMk id="8" creationId="{DC18F8FB-5A6A-4BF1-B0CD-9CD093C89C4C}"/>
-          </ac:inkMkLst>
-        </pc:inkChg>
-        <pc:inkChg chg="add del mod">
-          <ac:chgData name="choi sungwoon" userId="dd863a805e970f02" providerId="LiveId" clId="{D3953FFF-05B6-42CB-8B83-486C793F6B02}" dt="2022-03-01T08:05:48.786" v="177"/>
-          <ac:inkMkLst>
-            <pc:docMk/>
-            <pc:sldMk cId="1840630231" sldId="295"/>
-            <ac:inkMk id="10" creationId="{DC4B5D40-1572-447C-A6FD-4979406931D6}"/>
-          </ac:inkMkLst>
-        </pc:inkChg>
-        <pc:inkChg chg="add del mod">
-          <ac:chgData name="choi sungwoon" userId="dd863a805e970f02" providerId="LiveId" clId="{D3953FFF-05B6-42CB-8B83-486C793F6B02}" dt="2022-03-01T08:05:48.783" v="174"/>
-          <ac:inkMkLst>
-            <pc:docMk/>
-            <pc:sldMk cId="1840630231" sldId="295"/>
-            <ac:inkMk id="11" creationId="{228723B2-9E87-4DB3-9C72-E4A87716B01D}"/>
-          </ac:inkMkLst>
-        </pc:inkChg>
-        <pc:inkChg chg="add del mod">
-          <ac:chgData name="choi sungwoon" userId="dd863a805e970f02" providerId="LiveId" clId="{D3953FFF-05B6-42CB-8B83-486C793F6B02}" dt="2022-03-01T08:05:48.784" v="175"/>
-          <ac:inkMkLst>
-            <pc:docMk/>
-            <pc:sldMk cId="1840630231" sldId="295"/>
-            <ac:inkMk id="13" creationId="{D2CCA858-7D1C-4D53-8A6A-13F3200B841D}"/>
-          </ac:inkMkLst>
-        </pc:inkChg>
-        <pc:inkChg chg="add del mod">
-          <ac:chgData name="choi sungwoon" userId="dd863a805e970f02" providerId="LiveId" clId="{D3953FFF-05B6-42CB-8B83-486C793F6B02}" dt="2022-03-01T08:05:48.778" v="171"/>
-          <ac:inkMkLst>
-            <pc:docMk/>
-            <pc:sldMk cId="1840630231" sldId="295"/>
-            <ac:inkMk id="14" creationId="{1F5C1456-BA15-4491-9FA8-AE700BC636C5}"/>
-          </ac:inkMkLst>
-        </pc:inkChg>
-        <pc:inkChg chg="add del mod">
-          <ac:chgData name="choi sungwoon" userId="dd863a805e970f02" providerId="LiveId" clId="{D3953FFF-05B6-42CB-8B83-486C793F6B02}" dt="2022-03-01T08:05:48.780" v="172"/>
-          <ac:inkMkLst>
-            <pc:docMk/>
-            <pc:sldMk cId="1840630231" sldId="295"/>
-            <ac:inkMk id="15" creationId="{C148FF07-5B0D-4A8A-97BF-9FAEA7DB9B95}"/>
-          </ac:inkMkLst>
-        </pc:inkChg>
-        <pc:inkChg chg="add del mod">
-          <ac:chgData name="choi sungwoon" userId="dd863a805e970f02" providerId="LiveId" clId="{D3953FFF-05B6-42CB-8B83-486C793F6B02}" dt="2022-03-01T08:05:48.785" v="176"/>
-          <ac:inkMkLst>
-            <pc:docMk/>
-            <pc:sldMk cId="1840630231" sldId="295"/>
-            <ac:inkMk id="16" creationId="{8F1DFC68-CD6B-485F-9689-F8CA938B7147}"/>
-          </ac:inkMkLst>
-        </pc:inkChg>
-        <pc:inkChg chg="add del mod">
-          <ac:chgData name="choi sungwoon" userId="dd863a805e970f02" providerId="LiveId" clId="{D3953FFF-05B6-42CB-8B83-486C793F6B02}" dt="2022-03-01T08:05:48.781" v="173"/>
-          <ac:inkMkLst>
-            <pc:docMk/>
-            <pc:sldMk cId="1840630231" sldId="295"/>
-            <ac:inkMk id="18" creationId="{1DEE958B-799C-43B0-91BB-D264B10E54B8}"/>
-          </ac:inkMkLst>
-        </pc:inkChg>
-        <pc:inkChg chg="add del mod">
-          <ac:chgData name="choi sungwoon" userId="dd863a805e970f02" providerId="LiveId" clId="{D3953FFF-05B6-42CB-8B83-486C793F6B02}" dt="2022-03-01T08:05:48.777" v="170"/>
-          <ac:inkMkLst>
-            <pc:docMk/>
-            <pc:sldMk cId="1840630231" sldId="295"/>
-            <ac:inkMk id="19" creationId="{333EFA81-CC3F-4E7F-88D2-9691EA99870D}"/>
-          </ac:inkMkLst>
-        </pc:inkChg>
-        <pc:inkChg chg="add del mod">
-          <ac:chgData name="choi sungwoon" userId="dd863a805e970f02" providerId="LiveId" clId="{D3953FFF-05B6-42CB-8B83-486C793F6B02}" dt="2022-03-01T08:06:15.966" v="182"/>
-          <ac:inkMkLst>
-            <pc:docMk/>
-            <pc:sldMk cId="1840630231" sldId="295"/>
-            <ac:inkMk id="22" creationId="{91EC7C56-CF78-44F3-A4BA-E5AA53B1D196}"/>
-          </ac:inkMkLst>
-        </pc:inkChg>
-        <pc:inkChg chg="add del mod">
-          <ac:chgData name="choi sungwoon" userId="dd863a805e970f02" providerId="LiveId" clId="{D3953FFF-05B6-42CB-8B83-486C793F6B02}" dt="2022-03-01T08:06:15.965" v="181"/>
-          <ac:inkMkLst>
-            <pc:docMk/>
-            <pc:sldMk cId="1840630231" sldId="295"/>
-            <ac:inkMk id="24" creationId="{5EB555CE-45C9-4928-B982-571C663EF689}"/>
-          </ac:inkMkLst>
-        </pc:inkChg>
-        <pc:inkChg chg="add del">
-          <ac:chgData name="choi sungwoon" userId="dd863a805e970f02" providerId="LiveId" clId="{D3953FFF-05B6-42CB-8B83-486C793F6B02}" dt="2022-03-01T08:06:19.117" v="184" actId="9405"/>
-          <ac:inkMkLst>
-            <pc:docMk/>
-            <pc:sldMk cId="1840630231" sldId="295"/>
-            <ac:inkMk id="26" creationId="{24B37C3A-8408-4A9B-8BA7-C6564851518E}"/>
-          </ac:inkMkLst>
-        </pc:inkChg>
-        <pc:inkChg chg="add del">
-          <ac:chgData name="choi sungwoon" userId="dd863a805e970f02" providerId="LiveId" clId="{D3953FFF-05B6-42CB-8B83-486C793F6B02}" dt="2022-03-01T08:06:26.718" v="192" actId="9405"/>
-          <ac:inkMkLst>
-            <pc:docMk/>
-            <pc:sldMk cId="1840630231" sldId="295"/>
-            <ac:inkMk id="27" creationId="{872D565A-6762-4747-B4A8-C24F2D1730E5}"/>
-          </ac:inkMkLst>
-        </pc:inkChg>
-        <pc:inkChg chg="add del mod">
-          <ac:chgData name="choi sungwoon" userId="dd863a805e970f02" providerId="LiveId" clId="{D3953FFF-05B6-42CB-8B83-486C793F6B02}" dt="2022-03-01T08:06:25.935" v="191" actId="9405"/>
-          <ac:inkMkLst>
-            <pc:docMk/>
-            <pc:sldMk cId="1840630231" sldId="295"/>
-            <ac:inkMk id="28" creationId="{DD935BAD-1A83-4A47-9E1C-08036D36954D}"/>
-          </ac:inkMkLst>
-        </pc:inkChg>
-        <pc:inkChg chg="add del mod">
-          <ac:chgData name="choi sungwoon" userId="dd863a805e970f02" providerId="LiveId" clId="{D3953FFF-05B6-42CB-8B83-486C793F6B02}" dt="2022-03-01T08:06:25.251" v="190"/>
-          <ac:inkMkLst>
-            <pc:docMk/>
-            <pc:sldMk cId="1840630231" sldId="295"/>
-            <ac:inkMk id="29" creationId="{A77BABF9-2363-47D7-A0ED-972AADD1A9F8}"/>
-          </ac:inkMkLst>
-        </pc:inkChg>
-        <pc:inkChg chg="add">
-          <ac:chgData name="choi sungwoon" userId="dd863a805e970f02" providerId="LiveId" clId="{D3953FFF-05B6-42CB-8B83-486C793F6B02}" dt="2022-03-01T08:06:27.123" v="193" actId="9405"/>
-          <ac:inkMkLst>
-            <pc:docMk/>
-            <pc:sldMk cId="1840630231" sldId="295"/>
-            <ac:inkMk id="31" creationId="{6AED0832-9105-42FE-9899-4350E4E26352}"/>
-          </ac:inkMkLst>
-        </pc:inkChg>
-      </pc:sldChg>
-      <pc:sldChg chg="modSp mod">
-        <pc:chgData name="choi sungwoon" userId="dd863a805e970f02" providerId="LiveId" clId="{D3953FFF-05B6-42CB-8B83-486C793F6B02}" dt="2022-02-28T06:07:22.813" v="149"/>
-        <pc:sldMkLst>
-          <pc:docMk/>
-          <pc:sldMk cId="3692906224" sldId="297"/>
-        </pc:sldMkLst>
-        <pc:spChg chg="mod">
-          <ac:chgData name="choi sungwoon" userId="dd863a805e970f02" providerId="LiveId" clId="{D3953FFF-05B6-42CB-8B83-486C793F6B02}" dt="2022-02-28T06:07:17.598" v="148"/>
-          <ac:spMkLst>
-            <pc:docMk/>
-            <pc:sldMk cId="3692906224" sldId="297"/>
-            <ac:spMk id="3" creationId="{00000000-0000-0000-0000-000000000000}"/>
-          </ac:spMkLst>
-        </pc:spChg>
-        <pc:spChg chg="mod">
-          <ac:chgData name="choi sungwoon" userId="dd863a805e970f02" providerId="LiveId" clId="{D3953FFF-05B6-42CB-8B83-486C793F6B02}" dt="2022-02-28T06:07:22.813" v="149"/>
-          <ac:spMkLst>
-            <pc:docMk/>
-            <pc:sldMk cId="3692906224" sldId="297"/>
-            <ac:spMk id="4" creationId="{518B59C7-B6A2-4309-9D4C-1BD9AB9DB4D9}"/>
-          </ac:spMkLst>
-        </pc:spChg>
-      </pc:sldChg>
-      <pc:sldChg chg="modSp del mod">
-        <pc:chgData name="choi sungwoon" userId="dd863a805e970f02" providerId="LiveId" clId="{D3953FFF-05B6-42CB-8B83-486C793F6B02}" dt="2022-02-28T06:06:57.200" v="146" actId="47"/>
-        <pc:sldMkLst>
-          <pc:docMk/>
-          <pc:sldMk cId="2409189787" sldId="303"/>
-        </pc:sldMkLst>
-        <pc:spChg chg="mod">
-          <ac:chgData name="choi sungwoon" userId="dd863a805e970f02" providerId="LiveId" clId="{D3953FFF-05B6-42CB-8B83-486C793F6B02}" dt="2022-02-28T06:06:31.334" v="144"/>
-          <ac:spMkLst>
-            <pc:docMk/>
-            <pc:sldMk cId="2409189787" sldId="303"/>
-            <ac:spMk id="3" creationId="{00000000-0000-0000-0000-000000000000}"/>
-          </ac:spMkLst>
-        </pc:spChg>
-      </pc:sldChg>
-      <pc:sldChg chg="modSp add mod">
-        <pc:chgData name="choi sungwoon" userId="dd863a805e970f02" providerId="LiveId" clId="{D3953FFF-05B6-42CB-8B83-486C793F6B02}" dt="2022-03-02T00:30:08.776" v="207" actId="6549"/>
-        <pc:sldMkLst>
-          <pc:docMk/>
-          <pc:sldMk cId="1227341336" sldId="304"/>
-        </pc:sldMkLst>
-        <pc:spChg chg="mod">
-          <ac:chgData name="choi sungwoon" userId="dd863a805e970f02" providerId="LiveId" clId="{D3953FFF-05B6-42CB-8B83-486C793F6B02}" dt="2022-03-02T00:30:08.776" v="207" actId="6549"/>
-          <ac:spMkLst>
-            <pc:docMk/>
-            <pc:sldMk cId="1227341336" sldId="304"/>
-            <ac:spMk id="3" creationId="{00000000-0000-0000-0000-000000000000}"/>
-          </ac:spMkLst>
-        </pc:spChg>
-      </pc:sldChg>
-    </pc:docChg>
-  </pc:docChgLst>
-  <pc:docChgLst>
-    <pc:chgData name="choi sungwoon" userId="dd863a805e970f02" providerId="LiveId" clId="{3223C278-182A-4164-944A-77D2770CD722}"/>
-    <pc:docChg chg="custSel addSld modSld">
-      <pc:chgData name="choi sungwoon" userId="dd863a805e970f02" providerId="LiveId" clId="{3223C278-182A-4164-944A-77D2770CD722}" dt="2021-09-29T00:57:31.638" v="157" actId="14100"/>
-      <pc:docMkLst>
-        <pc:docMk/>
-      </pc:docMkLst>
-      <pc:sldChg chg="addSp modSp new mod">
-        <pc:chgData name="choi sungwoon" userId="dd863a805e970f02" providerId="LiveId" clId="{3223C278-182A-4164-944A-77D2770CD722}" dt="2021-09-29T00:57:31.638" v="157" actId="14100"/>
-        <pc:sldMkLst>
-          <pc:docMk/>
-          <pc:sldMk cId="994641858" sldId="310"/>
-        </pc:sldMkLst>
-        <pc:spChg chg="mod">
-          <ac:chgData name="choi sungwoon" userId="dd863a805e970f02" providerId="LiveId" clId="{3223C278-182A-4164-944A-77D2770CD722}" dt="2021-09-28T23:24:27.951" v="10" actId="20577"/>
-          <ac:spMkLst>
-            <pc:docMk/>
-            <pc:sldMk cId="994641858" sldId="310"/>
-            <ac:spMk id="2" creationId="{F9B993EC-1778-4B45-A53E-DAECC2520628}"/>
-          </ac:spMkLst>
-        </pc:spChg>
-        <pc:spChg chg="mod">
-          <ac:chgData name="choi sungwoon" userId="dd863a805e970f02" providerId="LiveId" clId="{3223C278-182A-4164-944A-77D2770CD722}" dt="2021-09-29T00:52:28.944" v="85" actId="20577"/>
-          <ac:spMkLst>
-            <pc:docMk/>
-            <pc:sldMk cId="994641858" sldId="310"/>
-            <ac:spMk id="3" creationId="{72870C10-7291-42B7-9702-AEE120564EC8}"/>
-          </ac:spMkLst>
-        </pc:spChg>
-        <pc:spChg chg="add mod">
-          <ac:chgData name="choi sungwoon" userId="dd863a805e970f02" providerId="LiveId" clId="{3223C278-182A-4164-944A-77D2770CD722}" dt="2021-09-29T00:57:31.638" v="157" actId="14100"/>
-          <ac:spMkLst>
-            <pc:docMk/>
-            <pc:sldMk cId="994641858" sldId="310"/>
-            <ac:spMk id="6" creationId="{1CCEA1BC-0447-4ECC-879E-D2F685BE6A92}"/>
-          </ac:spMkLst>
-        </pc:spChg>
-      </pc:sldChg>
     </pc:docChg>
   </pc:docChgLst>
 </pc:chgInfo>
@@ -5393,7 +5395,7 @@
             <a:fld id="{6D61DB4D-25AF-4EE9-B3EB-9D14CE91ACF1}" type="datetimeFigureOut">
               <a:rPr lang="ko-KR" altLang="en-US" smtClean="0"/>
               <a:pPr/>
-              <a:t>2022-05-30</a:t>
+              <a:t>2022-06-06 (Mon)</a:t>
             </a:fld>
             <a:endParaRPr lang="ko-KR" altLang="en-US" dirty="0"/>
           </a:p>
@@ -32004,7 +32006,7 @@
           <a:lstStyle/>
           <a:p>
             <a:r>
-              <a:rPr lang="en-US" altLang="ko-KR" dirty="0" smtClean="0"/>
+              <a:rPr lang="en-US" altLang="ko-KR" dirty="0"/>
               <a:t>2022-05-30</a:t>
             </a:r>
             <a:endParaRPr lang="ko-KR" altLang="en-US" dirty="0"/>
@@ -32027,38 +32029,38 @@
           <a:lstStyle/>
           <a:p>
             <a:r>
-              <a:rPr lang="ko-KR" altLang="en-US" dirty="0" smtClean="0"/>
+              <a:rPr lang="ko-KR" altLang="en-US" dirty="0"/>
               <a:t>진행</a:t>
             </a:r>
-            <a:endParaRPr lang="en-US" altLang="ko-KR" dirty="0" smtClean="0"/>
+            <a:endParaRPr lang="en-US" altLang="ko-KR" dirty="0"/>
           </a:p>
           <a:p>
             <a:pPr lvl="1"/>
             <a:r>
-              <a:rPr lang="en-US" altLang="ko-KR" dirty="0" smtClean="0"/>
+              <a:rPr lang="en-US" altLang="ko-KR" dirty="0"/>
               <a:t>Refactoring</a:t>
             </a:r>
           </a:p>
           <a:p>
             <a:pPr lvl="2"/>
             <a:r>
-              <a:rPr lang="en-US" altLang="ko-KR" dirty="0" err="1" smtClean="0"/>
+              <a:rPr lang="en-US" altLang="ko-KR" dirty="0" err="1"/>
               <a:t>DrawingPanel</a:t>
             </a:r>
-            <a:endParaRPr lang="en-US" altLang="ko-KR" dirty="0" smtClean="0"/>
+            <a:endParaRPr lang="en-US" altLang="ko-KR" dirty="0"/>
           </a:p>
           <a:p>
             <a:pPr lvl="2"/>
             <a:r>
-              <a:rPr lang="en-US" altLang="ko-KR" dirty="0" err="1" smtClean="0"/>
+              <a:rPr lang="en-US" altLang="ko-KR" dirty="0" err="1"/>
               <a:t>Tshape</a:t>
             </a:r>
-            <a:endParaRPr lang="en-US" altLang="ko-KR" dirty="0" smtClean="0"/>
+            <a:endParaRPr lang="en-US" altLang="ko-KR" dirty="0"/>
           </a:p>
           <a:p>
             <a:pPr lvl="2"/>
             <a:r>
-              <a:rPr lang="en-US" altLang="ko-KR" dirty="0" smtClean="0"/>
+              <a:rPr lang="en-US" altLang="ko-KR" dirty="0"/>
               <a:t>Transformer</a:t>
             </a:r>
             <a:endParaRPr lang="ko-KR" altLang="en-US" dirty="0"/>
@@ -32081,28 +32083,28 @@
           <a:lstStyle/>
           <a:p>
             <a:r>
-              <a:rPr lang="en-US" altLang="ko-KR" dirty="0" smtClean="0"/>
+              <a:rPr lang="en-US" altLang="ko-KR" dirty="0"/>
               <a:t>Design Principles</a:t>
             </a:r>
           </a:p>
           <a:p>
             <a:pPr lvl="1"/>
             <a:r>
-              <a:rPr lang="en-US" altLang="ko-KR" dirty="0" smtClean="0"/>
+              <a:rPr lang="en-US" altLang="ko-KR" dirty="0"/>
               <a:t>Modularity</a:t>
             </a:r>
           </a:p>
           <a:p>
             <a:pPr lvl="2"/>
             <a:r>
-              <a:rPr lang="en-US" altLang="ko-KR" dirty="0" smtClean="0"/>
+              <a:rPr lang="en-US" altLang="ko-KR" dirty="0"/>
               <a:t>Coupling Low</a:t>
             </a:r>
           </a:p>
           <a:p>
             <a:pPr lvl="2"/>
             <a:r>
-              <a:rPr lang="en-US" altLang="ko-KR" dirty="0" smtClean="0"/>
+              <a:rPr lang="en-US" altLang="ko-KR" dirty="0"/>
               <a:t>Cohesion High</a:t>
             </a:r>
             <a:endParaRPr lang="ko-KR" altLang="en-US" dirty="0"/>
@@ -32129,7 +32131,7 @@
               <a:buChar char="ⓒ"/>
             </a:pPr>
             <a:r>
-              <a:rPr lang="en-US" altLang="ko-KR" smtClean="0"/>
+              <a:rPr lang="en-US" altLang="ko-KR"/>
               <a:t>Sungwoon Choi 2021</a:t>
             </a:r>
             <a:endParaRPr lang="en-US" altLang="ko-KR" dirty="0"/>
@@ -32218,7 +32220,7 @@
               <a:tabLst/>
             </a:pPr>
             <a:r>
-              <a:rPr kumimoji="0" lang="en-US" altLang="ko-KR" sz="1400" b="0" i="0" u="none" strike="noStrike" cap="none" normalizeH="0" baseline="0" dirty="0" smtClean="0">
+              <a:rPr kumimoji="0" lang="en-US" altLang="ko-KR" sz="1400" b="0" i="0" u="none" strike="noStrike" cap="none" normalizeH="0" baseline="0" dirty="0">
                 <a:ln>
                   <a:noFill/>
                 </a:ln>
@@ -32230,7 +32232,7 @@
               </a:rPr>
               <a:t>Drawing Panel</a:t>
             </a:r>
-            <a:endParaRPr kumimoji="0" lang="ko-KR" altLang="en-US" sz="1400" b="0" i="0" u="none" strike="noStrike" cap="none" normalizeH="0" baseline="0" dirty="0" smtClean="0">
+            <a:endParaRPr kumimoji="0" lang="ko-KR" altLang="en-US" sz="1400" b="0" i="0" u="none" strike="noStrike" cap="none" normalizeH="0" baseline="0" dirty="0">
               <a:ln>
                 <a:noFill/>
               </a:ln>
@@ -32301,7 +32303,7 @@
               <a:tabLst/>
             </a:pPr>
             <a:r>
-              <a:rPr kumimoji="0" lang="en-US" altLang="ko-KR" sz="1400" b="0" i="0" u="none" strike="noStrike" cap="none" normalizeH="0" baseline="0" dirty="0" smtClean="0">
+              <a:rPr kumimoji="0" lang="en-US" altLang="ko-KR" sz="1400" b="0" i="0" u="none" strike="noStrike" cap="none" normalizeH="0" baseline="0" dirty="0">
                 <a:ln>
                   <a:noFill/>
                 </a:ln>
@@ -32332,7 +32334,7 @@
               <a:tabLst/>
             </a:pPr>
             <a:r>
-              <a:rPr kumimoji="0" lang="en-US" altLang="ko-KR" sz="1400" b="0" i="0" u="none" strike="noStrike" cap="none" normalizeH="0" baseline="0" dirty="0" err="1" smtClean="0">
+              <a:rPr kumimoji="0" lang="en-US" altLang="ko-KR" sz="1400" b="0" i="0" u="none" strike="noStrike" cap="none" normalizeH="0" baseline="0" dirty="0" err="1">
                 <a:ln>
                   <a:noFill/>
                 </a:ln>
@@ -32344,7 +32346,7 @@
               </a:rPr>
               <a:t>TShape</a:t>
             </a:r>
-            <a:endParaRPr kumimoji="0" lang="en-US" altLang="ko-KR" sz="1400" b="0" i="0" u="none" strike="noStrike" cap="none" normalizeH="0" baseline="0" dirty="0" smtClean="0">
+            <a:endParaRPr kumimoji="0" lang="en-US" altLang="ko-KR" sz="1400" b="0" i="0" u="none" strike="noStrike" cap="none" normalizeH="0" baseline="0" dirty="0">
               <a:ln>
                 <a:noFill/>
               </a:ln>
@@ -32373,7 +32375,7 @@
               <a:tabLst/>
             </a:pPr>
             <a:r>
-              <a:rPr lang="en-US" altLang="ko-KR" sz="1400" dirty="0" smtClean="0"/>
+              <a:rPr lang="en-US" altLang="ko-KR" sz="1400" dirty="0"/>
               <a:t>X, Y, W, H</a:t>
             </a:r>
           </a:p>
@@ -32395,7 +32397,7 @@
               <a:tabLst/>
             </a:pPr>
             <a:r>
-              <a:rPr lang="en-US" altLang="ko-KR" sz="1400" dirty="0" smtClean="0"/>
+              <a:rPr lang="en-US" altLang="ko-KR" sz="1400" dirty="0"/>
               <a:t>Color</a:t>
             </a:r>
           </a:p>
@@ -32417,7 +32419,7 @@
               <a:tabLst/>
             </a:pPr>
             <a:r>
-              <a:rPr kumimoji="0" lang="en-US" altLang="ko-KR" sz="1400" b="0" i="0" u="none" strike="noStrike" cap="none" normalizeH="0" baseline="0" dirty="0" smtClean="0">
+              <a:rPr kumimoji="0" lang="en-US" altLang="ko-KR" sz="1400" b="0" i="0" u="none" strike="noStrike" cap="none" normalizeH="0" baseline="0" dirty="0">
                 <a:ln>
                   <a:noFill/>
                 </a:ln>
@@ -32429,7 +32431,7 @@
               </a:rPr>
               <a:t>…</a:t>
             </a:r>
-            <a:endParaRPr kumimoji="0" lang="ko-KR" altLang="en-US" sz="1400" b="0" i="0" u="none" strike="noStrike" cap="none" normalizeH="0" baseline="0" dirty="0" smtClean="0">
+            <a:endParaRPr kumimoji="0" lang="ko-KR" altLang="en-US" sz="1400" b="0" i="0" u="none" strike="noStrike" cap="none" normalizeH="0" baseline="0" dirty="0">
               <a:ln>
                 <a:noFill/>
               </a:ln>
@@ -32500,7 +32502,7 @@
               <a:tabLst/>
             </a:pPr>
             <a:r>
-              <a:rPr kumimoji="0" lang="en-US" altLang="ko-KR" sz="1400" b="0" i="0" u="none" strike="noStrike" cap="none" normalizeH="0" baseline="0" dirty="0" smtClean="0">
+              <a:rPr kumimoji="0" lang="en-US" altLang="ko-KR" sz="1400" b="0" i="0" u="none" strike="noStrike" cap="none" normalizeH="0" baseline="0" dirty="0">
                 <a:ln>
                   <a:noFill/>
                 </a:ln>
@@ -32513,7 +32515,7 @@
               <a:t>&lt;&lt;</a:t>
             </a:r>
             <a:r>
-              <a:rPr lang="en-US" altLang="ko-KR" sz="1400" dirty="0" smtClean="0"/>
+              <a:rPr lang="en-US" altLang="ko-KR" sz="1400" dirty="0"/>
               <a:t>Control&gt;&gt;</a:t>
             </a:r>
           </a:p>
@@ -32535,7 +32537,7 @@
               <a:tabLst/>
             </a:pPr>
             <a:r>
-              <a:rPr kumimoji="0" lang="en-US" altLang="ko-KR" sz="1400" b="0" i="0" u="none" strike="noStrike" cap="none" normalizeH="0" baseline="0" dirty="0" smtClean="0">
+              <a:rPr kumimoji="0" lang="en-US" altLang="ko-KR" sz="1400" b="0" i="0" u="none" strike="noStrike" cap="none" normalizeH="0" baseline="0" dirty="0">
                 <a:ln>
                   <a:noFill/>
                 </a:ln>
@@ -32547,7 +32549,7 @@
               </a:rPr>
               <a:t>Transformer</a:t>
             </a:r>
-            <a:endParaRPr kumimoji="0" lang="ko-KR" altLang="en-US" sz="1400" b="0" i="0" u="none" strike="noStrike" cap="none" normalizeH="0" baseline="0" dirty="0" smtClean="0">
+            <a:endParaRPr kumimoji="0" lang="ko-KR" altLang="en-US" sz="1400" b="0" i="0" u="none" strike="noStrike" cap="none" normalizeH="0" baseline="0" dirty="0">
               <a:ln>
                 <a:noFill/>
               </a:ln>
@@ -32746,7 +32748,7 @@
               <a:buNone/>
               <a:tabLst/>
             </a:pPr>
-            <a:endParaRPr kumimoji="0" lang="ko-KR" altLang="en-US" sz="1400" b="0" i="0" u="none" strike="noStrike" cap="none" normalizeH="0" baseline="0" smtClean="0">
+            <a:endParaRPr kumimoji="0" lang="ko-KR" altLang="en-US" sz="1400" b="0" i="0" u="none" strike="noStrike" cap="none" normalizeH="0" baseline="0">
               <a:ln>
                 <a:noFill/>
               </a:ln>
@@ -32816,7 +32818,7 @@
               <a:buNone/>
               <a:tabLst/>
             </a:pPr>
-            <a:endParaRPr kumimoji="0" lang="ko-KR" altLang="en-US" sz="1400" b="0" i="0" u="none" strike="noStrike" cap="none" normalizeH="0" baseline="0" smtClean="0">
+            <a:endParaRPr kumimoji="0" lang="ko-KR" altLang="en-US" sz="1400" b="0" i="0" u="none" strike="noStrike" cap="none" normalizeH="0" baseline="0">
               <a:ln>
                 <a:noFill/>
               </a:ln>
@@ -32887,7 +32889,7 @@
               <a:tabLst/>
             </a:pPr>
             <a:r>
-              <a:rPr kumimoji="0" lang="en-US" altLang="ko-KR" sz="1400" b="0" i="0" u="none" strike="noStrike" cap="none" normalizeH="0" baseline="0" dirty="0" smtClean="0">
+              <a:rPr kumimoji="0" lang="en-US" altLang="ko-KR" sz="1400" b="0" i="0" u="none" strike="noStrike" cap="none" normalizeH="0" baseline="0" dirty="0">
                 <a:ln>
                   <a:noFill/>
                 </a:ln>
@@ -32918,10 +32920,10 @@
               <a:tabLst/>
             </a:pPr>
             <a:r>
-              <a:rPr lang="en-US" altLang="ko-KR" sz="1400" dirty="0" smtClean="0"/>
+              <a:rPr lang="en-US" altLang="ko-KR" sz="1400" dirty="0"/>
               <a:t>Affine Transformation</a:t>
             </a:r>
-            <a:endParaRPr kumimoji="0" lang="en-US" altLang="ko-KR" sz="1400" b="0" i="0" u="none" strike="noStrike" cap="none" normalizeH="0" baseline="0" dirty="0" smtClean="0">
+            <a:endParaRPr kumimoji="0" lang="en-US" altLang="ko-KR" sz="1400" b="0" i="0" u="none" strike="noStrike" cap="none" normalizeH="0" baseline="0" dirty="0">
               <a:ln>
                 <a:noFill/>
               </a:ln>
@@ -33034,7 +33036,7 @@
               <a:buNone/>
               <a:tabLst/>
             </a:pPr>
-            <a:endParaRPr kumimoji="0" lang="ko-KR" altLang="en-US" sz="1400" b="0" i="0" u="none" strike="noStrike" cap="none" normalizeH="0" baseline="0" smtClean="0">
+            <a:endParaRPr kumimoji="0" lang="ko-KR" altLang="en-US" sz="1400" b="0" i="0" u="none" strike="noStrike" cap="none" normalizeH="0" baseline="0">
               <a:ln>
                 <a:noFill/>
               </a:ln>
@@ -33105,7 +33107,7 @@
               <a:tabLst/>
             </a:pPr>
             <a:r>
-              <a:rPr kumimoji="0" lang="en-US" altLang="ko-KR" sz="1400" b="0" i="0" u="none" strike="noStrike" cap="none" normalizeH="0" baseline="0" dirty="0" err="1" smtClean="0">
+              <a:rPr kumimoji="0" lang="en-US" altLang="ko-KR" sz="1400" b="0" i="0" u="none" strike="noStrike" cap="none" normalizeH="0" baseline="0" dirty="0" err="1">
                 <a:ln>
                   <a:noFill/>
                 </a:ln>
@@ -33117,7 +33119,7 @@
               </a:rPr>
               <a:t>TAnchors</a:t>
             </a:r>
-            <a:endParaRPr kumimoji="0" lang="en-US" altLang="ko-KR" sz="1400" b="0" i="0" u="none" strike="noStrike" cap="none" normalizeH="0" baseline="0" dirty="0" smtClean="0">
+            <a:endParaRPr kumimoji="0" lang="en-US" altLang="ko-KR" sz="1400" b="0" i="0" u="none" strike="noStrike" cap="none" normalizeH="0" baseline="0" dirty="0">
               <a:ln>
                 <a:noFill/>
               </a:ln>
@@ -33276,7 +33278,7 @@
               <a:tabLst/>
             </a:pPr>
             <a:r>
-              <a:rPr kumimoji="0" lang="en-US" altLang="ko-KR" sz="1400" b="0" i="0" u="none" strike="noStrike" cap="none" normalizeH="0" baseline="0" dirty="0" smtClean="0">
+              <a:rPr kumimoji="0" lang="en-US" altLang="ko-KR" sz="1400" b="0" i="0" u="none" strike="noStrike" cap="none" normalizeH="0" baseline="0" dirty="0">
                 <a:ln>
                   <a:noFill/>
                 </a:ln>
@@ -33382,41 +33384,41 @@
           <a:lstStyle/>
           <a:p>
             <a:r>
-              <a:rPr lang="ko-KR" altLang="en-US" dirty="0" smtClean="0"/>
+              <a:rPr lang="ko-KR" altLang="en-US" dirty="0"/>
               <a:t>과제</a:t>
             </a:r>
-            <a:endParaRPr lang="en-US" altLang="ko-KR" dirty="0" smtClean="0"/>
+            <a:endParaRPr lang="en-US" altLang="ko-KR" dirty="0"/>
           </a:p>
           <a:p>
             <a:pPr lvl="1"/>
             <a:r>
-              <a:rPr lang="en-US" altLang="ko-KR" dirty="0" smtClean="0"/>
+              <a:rPr lang="en-US" altLang="ko-KR" dirty="0"/>
               <a:t>Refactoring</a:t>
             </a:r>
           </a:p>
           <a:p>
             <a:pPr lvl="1"/>
             <a:r>
-              <a:rPr lang="en-US" altLang="ko-KR" dirty="0" smtClean="0"/>
+              <a:rPr lang="en-US" altLang="ko-KR" dirty="0"/>
               <a:t>Resize </a:t>
             </a:r>
             <a:r>
-              <a:rPr lang="ko-KR" altLang="en-US" dirty="0" smtClean="0"/>
+              <a:rPr lang="ko-KR" altLang="en-US" dirty="0"/>
               <a:t>수정</a:t>
             </a:r>
-            <a:endParaRPr lang="en-US" altLang="ko-KR" dirty="0" smtClean="0"/>
+            <a:endParaRPr lang="en-US" altLang="ko-KR" dirty="0"/>
           </a:p>
           <a:p>
             <a:pPr lvl="1"/>
             <a:r>
-              <a:rPr lang="en-US" altLang="ko-KR" dirty="0" smtClean="0"/>
+              <a:rPr lang="en-US" altLang="ko-KR" dirty="0"/>
               <a:t>Rotate </a:t>
             </a:r>
             <a:r>
-              <a:rPr lang="ko-KR" altLang="en-US" dirty="0" smtClean="0"/>
+              <a:rPr lang="ko-KR" altLang="en-US" dirty="0"/>
               <a:t>추가</a:t>
             </a:r>
-            <a:endParaRPr lang="en-US" altLang="ko-KR" dirty="0" smtClean="0"/>
+            <a:endParaRPr lang="en-US" altLang="ko-KR" dirty="0"/>
           </a:p>
           <a:p>
             <a:pPr lvl="1"/>
@@ -33463,7 +33465,7 @@
               <a:buChar char="ⓒ"/>
             </a:pPr>
             <a:r>
-              <a:rPr lang="en-US" altLang="ko-KR" smtClean="0"/>
+              <a:rPr lang="en-US" altLang="ko-KR"/>
               <a:t>Sungwoon Choi 2021</a:t>
             </a:r>
             <a:endParaRPr lang="en-US" altLang="ko-KR" dirty="0"/>
@@ -33540,8 +33542,8 @@
           <a:lstStyle/>
           <a:p>
             <a:r>
-              <a:rPr lang="en-US" altLang="ko-KR" dirty="0" smtClean="0"/>
-              <a:t>2022-06-01</a:t>
+              <a:rPr lang="en-US" altLang="ko-KR" dirty="0"/>
+              <a:t>2022-06-06</a:t>
             </a:r>
             <a:endParaRPr lang="ko-KR" altLang="en-US" dirty="0"/>
           </a:p>
@@ -33563,15 +33565,15 @@
           <a:lstStyle/>
           <a:p>
             <a:r>
-              <a:rPr lang="ko-KR" altLang="en-US" dirty="0" smtClean="0"/>
+              <a:rPr lang="ko-KR" altLang="en-US" dirty="0"/>
               <a:t>진행</a:t>
             </a:r>
-            <a:endParaRPr lang="en-US" altLang="ko-KR" dirty="0" smtClean="0"/>
+            <a:endParaRPr lang="en-US" altLang="ko-KR" dirty="0"/>
           </a:p>
           <a:p>
             <a:pPr lvl="1"/>
             <a:r>
-              <a:rPr lang="en-US" altLang="ko-KR" dirty="0" smtClean="0"/>
+              <a:rPr lang="en-US" altLang="ko-KR" dirty="0"/>
               <a:t>Double Buffering</a:t>
             </a:r>
             <a:endParaRPr lang="ko-KR" altLang="en-US" dirty="0"/>
@@ -33617,7 +33619,7 @@
               <a:buChar char="ⓒ"/>
             </a:pPr>
             <a:r>
-              <a:rPr lang="en-US" altLang="ko-KR" smtClean="0"/>
+              <a:rPr lang="en-US" altLang="ko-KR"/>
               <a:t>Sungwoon Choi 2021</a:t>
             </a:r>
             <a:endParaRPr lang="en-US" altLang="ko-KR" dirty="0"/>
@@ -33645,6 +33647,791 @@
               <a:t>29</a:t>
             </a:fld>
             <a:endParaRPr lang="en-US" altLang="ko-KR" dirty="0"/>
+          </a:p>
+        </p:txBody>
+      </p:sp>
+      <p:sp>
+        <p:nvSpPr>
+          <p:cNvPr id="2" name="직사각형 1">
+            <a:extLst>
+              <a:ext uri="{FF2B5EF4-FFF2-40B4-BE49-F238E27FC236}">
+                <a16:creationId xmlns:a16="http://schemas.microsoft.com/office/drawing/2014/main" id="{63267B99-AEA1-D2FB-4A3D-D2728514633D}"/>
+              </a:ext>
+            </a:extLst>
+          </p:cNvPr>
+          <p:cNvSpPr/>
+          <p:nvPr/>
+        </p:nvSpPr>
+        <p:spPr bwMode="auto">
+          <a:xfrm>
+            <a:off x="1003805" y="2807540"/>
+            <a:ext cx="1003586" cy="720080"/>
+          </a:xfrm>
+          <a:prstGeom prst="rect">
+            <a:avLst/>
+          </a:prstGeom>
+          <a:solidFill>
+            <a:schemeClr val="bg1">
+              <a:lumMod val="95000"/>
+            </a:schemeClr>
+          </a:solidFill>
+          <a:ln w="9525" cap="flat" cmpd="sng" algn="ctr">
+            <a:solidFill>
+              <a:schemeClr val="accent3">
+                <a:lumMod val="75000"/>
+              </a:schemeClr>
+            </a:solidFill>
+            <a:prstDash val="solid"/>
+            <a:round/>
+            <a:headEnd type="none" w="med" len="med"/>
+            <a:tailEnd type="none" w="med" len="med"/>
+          </a:ln>
+          <a:effectLst/>
+        </p:spPr>
+        <p:txBody>
+          <a:bodyPr vert="horz" wrap="square" lIns="91440" tIns="45720" rIns="91440" bIns="45720" numCol="1" rtlCol="0" anchor="ctr" anchorCtr="0" compatLnSpc="1">
+            <a:prstTxWarp prst="textNoShape">
+              <a:avLst/>
+            </a:prstTxWarp>
+          </a:bodyPr>
+          <a:lstStyle/>
+          <a:p>
+            <a:pPr marL="0" marR="0" indent="0" algn="ctr" defTabSz="914400" rtl="0" eaLnBrk="1" fontAlgn="base" latinLnBrk="0" hangingPunct="1">
+              <a:lnSpc>
+                <a:spcPct val="100000"/>
+              </a:lnSpc>
+              <a:spcBef>
+                <a:spcPct val="0"/>
+              </a:spcBef>
+              <a:spcAft>
+                <a:spcPct val="0"/>
+              </a:spcAft>
+              <a:buClrTx/>
+              <a:buSzTx/>
+              <a:buFontTx/>
+              <a:buNone/>
+              <a:tabLst/>
+            </a:pPr>
+            <a:r>
+              <a:rPr kumimoji="0" lang="en-US" altLang="ko-KR" sz="1400" b="0" i="0" u="none" strike="noStrike" cap="none" normalizeH="0" baseline="0" dirty="0">
+                <a:ln>
+                  <a:noFill/>
+                </a:ln>
+                <a:solidFill>
+                  <a:schemeClr val="tx1"/>
+                </a:solidFill>
+                <a:effectLst/>
+                <a:latin typeface="Arial" charset="0"/>
+              </a:rPr>
+              <a:t>Monitor</a:t>
+            </a:r>
+            <a:endParaRPr kumimoji="0" lang="ko-KR" altLang="en-US" sz="1400" b="0" i="0" u="none" strike="noStrike" cap="none" normalizeH="0" baseline="0" dirty="0">
+              <a:ln>
+                <a:noFill/>
+              </a:ln>
+              <a:solidFill>
+                <a:schemeClr val="tx1"/>
+              </a:solidFill>
+              <a:effectLst/>
+              <a:latin typeface="Arial" charset="0"/>
+            </a:endParaRPr>
+          </a:p>
+        </p:txBody>
+      </p:sp>
+      <p:sp>
+        <p:nvSpPr>
+          <p:cNvPr id="9" name="직사각형 8">
+            <a:extLst>
+              <a:ext uri="{FF2B5EF4-FFF2-40B4-BE49-F238E27FC236}">
+                <a16:creationId xmlns:a16="http://schemas.microsoft.com/office/drawing/2014/main" id="{40BEB99B-A694-298D-F649-B4FA5CC7857F}"/>
+              </a:ext>
+            </a:extLst>
+          </p:cNvPr>
+          <p:cNvSpPr/>
+          <p:nvPr/>
+        </p:nvSpPr>
+        <p:spPr bwMode="auto">
+          <a:xfrm>
+            <a:off x="2764916" y="2813893"/>
+            <a:ext cx="1003586" cy="720080"/>
+          </a:xfrm>
+          <a:prstGeom prst="rect">
+            <a:avLst/>
+          </a:prstGeom>
+          <a:solidFill>
+            <a:schemeClr val="accent3">
+              <a:lumMod val="20000"/>
+              <a:lumOff val="80000"/>
+            </a:schemeClr>
+          </a:solidFill>
+          <a:ln w="9525" cap="flat" cmpd="sng" algn="ctr">
+            <a:solidFill>
+              <a:schemeClr val="accent3">
+                <a:lumMod val="75000"/>
+              </a:schemeClr>
+            </a:solidFill>
+            <a:prstDash val="solid"/>
+            <a:round/>
+            <a:headEnd type="none" w="med" len="med"/>
+            <a:tailEnd type="none" w="med" len="med"/>
+          </a:ln>
+          <a:effectLst/>
+        </p:spPr>
+        <p:txBody>
+          <a:bodyPr vert="horz" wrap="square" lIns="91440" tIns="45720" rIns="91440" bIns="45720" numCol="1" rtlCol="0" anchor="ctr" anchorCtr="0" compatLnSpc="1">
+            <a:prstTxWarp prst="textNoShape">
+              <a:avLst/>
+            </a:prstTxWarp>
+          </a:bodyPr>
+          <a:lstStyle/>
+          <a:p>
+            <a:pPr marL="0" marR="0" indent="0" algn="ctr" defTabSz="914400" rtl="0" eaLnBrk="1" fontAlgn="base" latinLnBrk="0" hangingPunct="1">
+              <a:lnSpc>
+                <a:spcPct val="100000"/>
+              </a:lnSpc>
+              <a:spcBef>
+                <a:spcPct val="0"/>
+              </a:spcBef>
+              <a:spcAft>
+                <a:spcPct val="0"/>
+              </a:spcAft>
+              <a:buClrTx/>
+              <a:buSzTx/>
+              <a:buFontTx/>
+              <a:buNone/>
+              <a:tabLst/>
+            </a:pPr>
+            <a:r>
+              <a:rPr kumimoji="0" lang="en-US" altLang="ko-KR" sz="1400" b="0" i="0" u="none" strike="noStrike" cap="none" normalizeH="0" baseline="0" dirty="0">
+                <a:ln>
+                  <a:noFill/>
+                </a:ln>
+                <a:solidFill>
+                  <a:schemeClr val="tx1"/>
+                </a:solidFill>
+                <a:effectLst/>
+                <a:latin typeface="Arial" charset="0"/>
+              </a:rPr>
+              <a:t>Monitor </a:t>
+            </a:r>
+          </a:p>
+          <a:p>
+            <a:pPr marL="0" marR="0" indent="0" algn="ctr" defTabSz="914400" rtl="0" eaLnBrk="1" fontAlgn="base" latinLnBrk="0" hangingPunct="1">
+              <a:lnSpc>
+                <a:spcPct val="100000"/>
+              </a:lnSpc>
+              <a:spcBef>
+                <a:spcPct val="0"/>
+              </a:spcBef>
+              <a:spcAft>
+                <a:spcPct val="0"/>
+              </a:spcAft>
+              <a:buClrTx/>
+              <a:buSzTx/>
+              <a:buFontTx/>
+              <a:buNone/>
+              <a:tabLst/>
+            </a:pPr>
+            <a:r>
+              <a:rPr kumimoji="0" lang="en-US" altLang="ko-KR" sz="1400" b="0" i="0" u="none" strike="noStrike" cap="none" normalizeH="0" baseline="0" dirty="0">
+                <a:ln>
+                  <a:noFill/>
+                </a:ln>
+                <a:solidFill>
+                  <a:schemeClr val="tx1"/>
+                </a:solidFill>
+                <a:effectLst/>
+                <a:latin typeface="Arial" charset="0"/>
+              </a:rPr>
+              <a:t>Buffer</a:t>
+            </a:r>
+            <a:endParaRPr kumimoji="0" lang="ko-KR" altLang="en-US" sz="1400" b="0" i="0" u="none" strike="noStrike" cap="none" normalizeH="0" baseline="0" dirty="0">
+              <a:ln>
+                <a:noFill/>
+              </a:ln>
+              <a:solidFill>
+                <a:schemeClr val="tx1"/>
+              </a:solidFill>
+              <a:effectLst/>
+              <a:latin typeface="Arial" charset="0"/>
+            </a:endParaRPr>
+          </a:p>
+        </p:txBody>
+      </p:sp>
+      <p:sp>
+        <p:nvSpPr>
+          <p:cNvPr id="10" name="직사각형 9">
+            <a:extLst>
+              <a:ext uri="{FF2B5EF4-FFF2-40B4-BE49-F238E27FC236}">
+                <a16:creationId xmlns:a16="http://schemas.microsoft.com/office/drawing/2014/main" id="{0C2BCC3D-19D3-24DC-83EA-26B83BDC3BFB}"/>
+              </a:ext>
+            </a:extLst>
+          </p:cNvPr>
+          <p:cNvSpPr/>
+          <p:nvPr/>
+        </p:nvSpPr>
+        <p:spPr bwMode="auto">
+          <a:xfrm>
+            <a:off x="7212382" y="2785819"/>
+            <a:ext cx="1003586" cy="720080"/>
+          </a:xfrm>
+          <a:prstGeom prst="rect">
+            <a:avLst/>
+          </a:prstGeom>
+          <a:solidFill>
+            <a:schemeClr val="accent3">
+              <a:lumMod val="20000"/>
+              <a:lumOff val="80000"/>
+            </a:schemeClr>
+          </a:solidFill>
+          <a:ln w="9525" cap="flat" cmpd="sng" algn="ctr">
+            <a:solidFill>
+              <a:schemeClr val="accent3">
+                <a:lumMod val="75000"/>
+              </a:schemeClr>
+            </a:solidFill>
+            <a:prstDash val="solid"/>
+            <a:round/>
+            <a:headEnd type="none" w="med" len="med"/>
+            <a:tailEnd type="none" w="med" len="med"/>
+          </a:ln>
+          <a:effectLst/>
+        </p:spPr>
+        <p:txBody>
+          <a:bodyPr vert="horz" wrap="square" lIns="91440" tIns="45720" rIns="91440" bIns="45720" numCol="1" rtlCol="0" anchor="ctr" anchorCtr="0" compatLnSpc="1">
+            <a:prstTxWarp prst="textNoShape">
+              <a:avLst/>
+            </a:prstTxWarp>
+          </a:bodyPr>
+          <a:lstStyle/>
+          <a:p>
+            <a:pPr marL="0" marR="0" indent="0" algn="ctr" defTabSz="914400" rtl="0" eaLnBrk="1" fontAlgn="base" latinLnBrk="0" hangingPunct="1">
+              <a:lnSpc>
+                <a:spcPct val="100000"/>
+              </a:lnSpc>
+              <a:spcBef>
+                <a:spcPct val="0"/>
+              </a:spcBef>
+              <a:spcAft>
+                <a:spcPct val="0"/>
+              </a:spcAft>
+              <a:buClrTx/>
+              <a:buSzTx/>
+              <a:buFontTx/>
+              <a:buNone/>
+              <a:tabLst/>
+            </a:pPr>
+            <a:r>
+              <a:rPr kumimoji="0" lang="en-US" altLang="ko-KR" sz="1400" b="0" i="0" u="none" strike="noStrike" cap="none" normalizeH="0" baseline="0" dirty="0">
+                <a:ln>
+                  <a:noFill/>
+                </a:ln>
+                <a:solidFill>
+                  <a:schemeClr val="tx1"/>
+                </a:solidFill>
+                <a:effectLst/>
+                <a:latin typeface="Arial" charset="0"/>
+              </a:rPr>
+              <a:t>Drawing Panel</a:t>
+            </a:r>
+            <a:endParaRPr kumimoji="0" lang="ko-KR" altLang="en-US" sz="1400" b="0" i="0" u="none" strike="noStrike" cap="none" normalizeH="0" baseline="0" dirty="0">
+              <a:ln>
+                <a:noFill/>
+              </a:ln>
+              <a:solidFill>
+                <a:schemeClr val="tx1"/>
+              </a:solidFill>
+              <a:effectLst/>
+              <a:latin typeface="Arial" charset="0"/>
+            </a:endParaRPr>
+          </a:p>
+        </p:txBody>
+      </p:sp>
+      <p:sp>
+        <p:nvSpPr>
+          <p:cNvPr id="3" name="화살표: 왼쪽 2">
+            <a:extLst>
+              <a:ext uri="{FF2B5EF4-FFF2-40B4-BE49-F238E27FC236}">
+                <a16:creationId xmlns:a16="http://schemas.microsoft.com/office/drawing/2014/main" id="{16D3DA25-C383-8555-67D5-EE60E909C127}"/>
+              </a:ext>
+            </a:extLst>
+          </p:cNvPr>
+          <p:cNvSpPr/>
+          <p:nvPr/>
+        </p:nvSpPr>
+        <p:spPr bwMode="auto">
+          <a:xfrm>
+            <a:off x="5819848" y="2670763"/>
+            <a:ext cx="1281311" cy="973116"/>
+          </a:xfrm>
+          <a:prstGeom prst="leftArrow">
+            <a:avLst>
+              <a:gd name="adj1" fmla="val 73689"/>
+              <a:gd name="adj2" fmla="val 50000"/>
+            </a:avLst>
+          </a:prstGeom>
+          <a:solidFill>
+            <a:schemeClr val="accent2">
+              <a:lumMod val="20000"/>
+              <a:lumOff val="80000"/>
+            </a:schemeClr>
+          </a:solidFill>
+          <a:ln w="9525" cap="flat" cmpd="sng" algn="ctr">
+            <a:solidFill>
+              <a:schemeClr val="accent2">
+                <a:lumMod val="75000"/>
+              </a:schemeClr>
+            </a:solidFill>
+            <a:prstDash val="solid"/>
+            <a:round/>
+            <a:headEnd type="none" w="med" len="med"/>
+            <a:tailEnd type="none" w="med" len="med"/>
+          </a:ln>
+          <a:effectLst/>
+        </p:spPr>
+        <p:txBody>
+          <a:bodyPr vert="horz" wrap="square" lIns="91440" tIns="45720" rIns="91440" bIns="45720" numCol="1" rtlCol="0" anchor="ctr" anchorCtr="0" compatLnSpc="1">
+            <a:prstTxWarp prst="textNoShape">
+              <a:avLst/>
+            </a:prstTxWarp>
+          </a:bodyPr>
+          <a:lstStyle/>
+          <a:p>
+            <a:pPr marL="0" marR="0" indent="0" algn="ctr" defTabSz="914400" rtl="0" eaLnBrk="1" fontAlgn="base" latinLnBrk="0" hangingPunct="1">
+              <a:lnSpc>
+                <a:spcPct val="100000"/>
+              </a:lnSpc>
+              <a:spcBef>
+                <a:spcPct val="0"/>
+              </a:spcBef>
+              <a:spcAft>
+                <a:spcPct val="0"/>
+              </a:spcAft>
+              <a:buClrTx/>
+              <a:buSzTx/>
+              <a:buFontTx/>
+              <a:buNone/>
+              <a:tabLst/>
+            </a:pPr>
+            <a:r>
+              <a:rPr kumimoji="0" lang="en-US" altLang="ko-KR" sz="1400" b="0" i="0" u="none" strike="noStrike" cap="none" normalizeH="0" baseline="0" dirty="0">
+                <a:ln>
+                  <a:noFill/>
+                </a:ln>
+                <a:solidFill>
+                  <a:schemeClr val="tx1"/>
+                </a:solidFill>
+                <a:effectLst/>
+                <a:latin typeface="Arial" charset="0"/>
+              </a:rPr>
+              <a:t>Graphics Image Buffer</a:t>
+            </a:r>
+            <a:endParaRPr kumimoji="0" lang="ko-KR" altLang="en-US" sz="1400" b="0" i="0" u="none" strike="noStrike" cap="none" normalizeH="0" baseline="0" dirty="0">
+              <a:ln>
+                <a:noFill/>
+              </a:ln>
+              <a:solidFill>
+                <a:schemeClr val="tx1"/>
+              </a:solidFill>
+              <a:effectLst/>
+              <a:latin typeface="Arial" charset="0"/>
+            </a:endParaRPr>
+          </a:p>
+        </p:txBody>
+      </p:sp>
+      <p:sp>
+        <p:nvSpPr>
+          <p:cNvPr id="12" name="화살표: 왼쪽으로 구부러짐 11">
+            <a:extLst>
+              <a:ext uri="{FF2B5EF4-FFF2-40B4-BE49-F238E27FC236}">
+                <a16:creationId xmlns:a16="http://schemas.microsoft.com/office/drawing/2014/main" id="{ECCF665D-6CF4-E63F-DD15-C23BB9C75058}"/>
+              </a:ext>
+            </a:extLst>
+          </p:cNvPr>
+          <p:cNvSpPr/>
+          <p:nvPr/>
+        </p:nvSpPr>
+        <p:spPr bwMode="auto">
+          <a:xfrm>
+            <a:off x="2122909" y="2944316"/>
+            <a:ext cx="496123" cy="504056"/>
+          </a:xfrm>
+          <a:prstGeom prst="curvedLeftArrow">
+            <a:avLst/>
+          </a:prstGeom>
+          <a:solidFill>
+            <a:schemeClr val="accent3">
+              <a:lumMod val="20000"/>
+              <a:lumOff val="80000"/>
+            </a:schemeClr>
+          </a:solidFill>
+          <a:ln w="9525" cap="flat" cmpd="sng" algn="ctr">
+            <a:solidFill>
+              <a:schemeClr val="accent3">
+                <a:lumMod val="75000"/>
+              </a:schemeClr>
+            </a:solidFill>
+            <a:prstDash val="solid"/>
+            <a:round/>
+            <a:headEnd type="none" w="med" len="med"/>
+            <a:tailEnd type="none" w="med" len="med"/>
+          </a:ln>
+          <a:effectLst/>
+        </p:spPr>
+        <p:txBody>
+          <a:bodyPr vert="horz" wrap="square" lIns="91440" tIns="45720" rIns="91440" bIns="45720" numCol="1" rtlCol="0" anchor="ctr" anchorCtr="0" compatLnSpc="1">
+            <a:prstTxWarp prst="textNoShape">
+              <a:avLst/>
+            </a:prstTxWarp>
+          </a:bodyPr>
+          <a:lstStyle/>
+          <a:p>
+            <a:pPr marL="0" marR="0" indent="0" algn="ctr" defTabSz="914400" rtl="0" eaLnBrk="1" fontAlgn="base" latinLnBrk="0" hangingPunct="1">
+              <a:lnSpc>
+                <a:spcPct val="100000"/>
+              </a:lnSpc>
+              <a:spcBef>
+                <a:spcPct val="0"/>
+              </a:spcBef>
+              <a:spcAft>
+                <a:spcPct val="0"/>
+              </a:spcAft>
+              <a:buClrTx/>
+              <a:buSzTx/>
+              <a:buFontTx/>
+              <a:buNone/>
+              <a:tabLst/>
+            </a:pPr>
+            <a:endParaRPr kumimoji="0" lang="ko-KR" altLang="en-US" sz="1400" b="0" i="0" u="none" strike="noStrike" cap="none" normalizeH="0" baseline="0">
+              <a:ln>
+                <a:noFill/>
+              </a:ln>
+              <a:solidFill>
+                <a:schemeClr val="tx1"/>
+              </a:solidFill>
+              <a:effectLst/>
+              <a:latin typeface="Arial" charset="0"/>
+            </a:endParaRPr>
+          </a:p>
+        </p:txBody>
+      </p:sp>
+      <p:sp>
+        <p:nvSpPr>
+          <p:cNvPr id="14" name="직사각형 13">
+            <a:extLst>
+              <a:ext uri="{FF2B5EF4-FFF2-40B4-BE49-F238E27FC236}">
+                <a16:creationId xmlns:a16="http://schemas.microsoft.com/office/drawing/2014/main" id="{32C6DB50-48A4-D209-C9F8-FEB0CB671A82}"/>
+              </a:ext>
+            </a:extLst>
+          </p:cNvPr>
+          <p:cNvSpPr/>
+          <p:nvPr/>
+        </p:nvSpPr>
+        <p:spPr bwMode="auto">
+          <a:xfrm>
+            <a:off x="4908110" y="2791045"/>
+            <a:ext cx="888887" cy="736575"/>
+          </a:xfrm>
+          <a:prstGeom prst="rect">
+            <a:avLst/>
+          </a:prstGeom>
+          <a:solidFill>
+            <a:schemeClr val="accent2">
+              <a:lumMod val="20000"/>
+              <a:lumOff val="80000"/>
+            </a:schemeClr>
+          </a:solidFill>
+          <a:ln w="9525" cap="flat" cmpd="sng" algn="ctr">
+            <a:solidFill>
+              <a:schemeClr val="accent2">
+                <a:lumMod val="75000"/>
+              </a:schemeClr>
+            </a:solidFill>
+            <a:prstDash val="solid"/>
+            <a:round/>
+            <a:headEnd type="none" w="med" len="med"/>
+            <a:tailEnd type="none" w="med" len="med"/>
+          </a:ln>
+          <a:effectLst/>
+        </p:spPr>
+        <p:txBody>
+          <a:bodyPr vert="horz" wrap="square" lIns="91440" tIns="45720" rIns="91440" bIns="45720" numCol="1" rtlCol="0" anchor="ctr" anchorCtr="0" compatLnSpc="1">
+            <a:prstTxWarp prst="textNoShape">
+              <a:avLst/>
+            </a:prstTxWarp>
+          </a:bodyPr>
+          <a:lstStyle/>
+          <a:p>
+            <a:pPr marL="0" marR="0" indent="0" algn="ctr" defTabSz="914400" rtl="0" eaLnBrk="1" fontAlgn="base" latinLnBrk="0" hangingPunct="1">
+              <a:lnSpc>
+                <a:spcPct val="100000"/>
+              </a:lnSpc>
+              <a:spcBef>
+                <a:spcPct val="0"/>
+              </a:spcBef>
+              <a:spcAft>
+                <a:spcPct val="0"/>
+              </a:spcAft>
+              <a:buClrTx/>
+              <a:buSzTx/>
+              <a:buFontTx/>
+              <a:buNone/>
+              <a:tabLst/>
+            </a:pPr>
+            <a:r>
+              <a:rPr kumimoji="0" lang="en-US" altLang="ko-KR" sz="1400" b="0" i="0" u="none" strike="noStrike" cap="none" normalizeH="0" baseline="0" dirty="0">
+                <a:ln>
+                  <a:noFill/>
+                </a:ln>
+                <a:solidFill>
+                  <a:schemeClr val="tx1"/>
+                </a:solidFill>
+                <a:effectLst/>
+                <a:latin typeface="Arial" charset="0"/>
+              </a:rPr>
+              <a:t>Image Buffer</a:t>
+            </a:r>
+            <a:endParaRPr kumimoji="0" lang="ko-KR" altLang="en-US" sz="1400" b="0" i="0" u="none" strike="noStrike" cap="none" normalizeH="0" baseline="0" dirty="0">
+              <a:ln>
+                <a:noFill/>
+              </a:ln>
+              <a:solidFill>
+                <a:schemeClr val="tx1"/>
+              </a:solidFill>
+              <a:effectLst/>
+              <a:latin typeface="Arial" charset="0"/>
+            </a:endParaRPr>
+          </a:p>
+        </p:txBody>
+      </p:sp>
+      <p:sp>
+        <p:nvSpPr>
+          <p:cNvPr id="15" name="화살표: 왼쪽 14">
+            <a:extLst>
+              <a:ext uri="{FF2B5EF4-FFF2-40B4-BE49-F238E27FC236}">
+                <a16:creationId xmlns:a16="http://schemas.microsoft.com/office/drawing/2014/main" id="{614F29C1-2B54-5782-AFF6-63C73B4C073D}"/>
+              </a:ext>
+            </a:extLst>
+          </p:cNvPr>
+          <p:cNvSpPr/>
+          <p:nvPr/>
+        </p:nvSpPr>
+        <p:spPr bwMode="auto">
+          <a:xfrm>
+            <a:off x="3772841" y="2813892"/>
+            <a:ext cx="1072187" cy="713727"/>
+          </a:xfrm>
+          <a:prstGeom prst="leftArrow">
+            <a:avLst/>
+          </a:prstGeom>
+          <a:solidFill>
+            <a:schemeClr val="accent3">
+              <a:lumMod val="20000"/>
+              <a:lumOff val="80000"/>
+            </a:schemeClr>
+          </a:solidFill>
+          <a:ln w="9525" cap="flat" cmpd="sng" algn="ctr">
+            <a:solidFill>
+              <a:schemeClr val="accent3">
+                <a:lumMod val="75000"/>
+              </a:schemeClr>
+            </a:solidFill>
+            <a:prstDash val="solid"/>
+            <a:round/>
+            <a:headEnd type="none" w="med" len="med"/>
+            <a:tailEnd type="none" w="med" len="med"/>
+          </a:ln>
+          <a:effectLst/>
+        </p:spPr>
+        <p:txBody>
+          <a:bodyPr vert="horz" wrap="square" lIns="91440" tIns="45720" rIns="91440" bIns="45720" numCol="1" rtlCol="0" anchor="ctr" anchorCtr="0" compatLnSpc="1">
+            <a:prstTxWarp prst="textNoShape">
+              <a:avLst/>
+            </a:prstTxWarp>
+          </a:bodyPr>
+          <a:lstStyle/>
+          <a:p>
+            <a:pPr marL="0" marR="0" indent="0" algn="ctr" defTabSz="914400" rtl="0" eaLnBrk="1" fontAlgn="base" latinLnBrk="0" hangingPunct="1">
+              <a:lnSpc>
+                <a:spcPct val="100000"/>
+              </a:lnSpc>
+              <a:spcBef>
+                <a:spcPct val="0"/>
+              </a:spcBef>
+              <a:spcAft>
+                <a:spcPct val="0"/>
+              </a:spcAft>
+              <a:buClrTx/>
+              <a:buSzTx/>
+              <a:buFontTx/>
+              <a:buNone/>
+              <a:tabLst/>
+            </a:pPr>
+            <a:r>
+              <a:rPr kumimoji="0" lang="en-US" altLang="ko-KR" sz="1400" b="0" i="0" u="none" strike="noStrike" cap="none" normalizeH="0" baseline="0" dirty="0">
+                <a:ln>
+                  <a:noFill/>
+                </a:ln>
+                <a:solidFill>
+                  <a:schemeClr val="tx1"/>
+                </a:solidFill>
+                <a:effectLst/>
+                <a:latin typeface="Arial" charset="0"/>
+              </a:rPr>
+              <a:t>Graphics</a:t>
+            </a:r>
+            <a:endParaRPr kumimoji="0" lang="ko-KR" altLang="en-US" sz="1400" b="0" i="0" u="none" strike="noStrike" cap="none" normalizeH="0" baseline="0" dirty="0">
+              <a:ln>
+                <a:noFill/>
+              </a:ln>
+              <a:solidFill>
+                <a:schemeClr val="tx1"/>
+              </a:solidFill>
+              <a:effectLst/>
+              <a:latin typeface="Arial" charset="0"/>
+            </a:endParaRPr>
+          </a:p>
+        </p:txBody>
+      </p:sp>
+      <p:sp>
+        <p:nvSpPr>
+          <p:cNvPr id="16" name="직사각형 15">
+            <a:extLst>
+              <a:ext uri="{FF2B5EF4-FFF2-40B4-BE49-F238E27FC236}">
+                <a16:creationId xmlns:a16="http://schemas.microsoft.com/office/drawing/2014/main" id="{2ABE59DA-F6C6-3BC3-6598-5162B0D13BE6}"/>
+              </a:ext>
+            </a:extLst>
+          </p:cNvPr>
+          <p:cNvSpPr/>
+          <p:nvPr/>
+        </p:nvSpPr>
+        <p:spPr bwMode="auto">
+          <a:xfrm>
+            <a:off x="4908110" y="3827486"/>
+            <a:ext cx="794296" cy="720079"/>
+          </a:xfrm>
+          <a:prstGeom prst="rect">
+            <a:avLst/>
+          </a:prstGeom>
+          <a:noFill/>
+          <a:ln w="9525" cap="flat" cmpd="sng" algn="ctr">
+            <a:solidFill>
+              <a:schemeClr val="accent3">
+                <a:lumMod val="75000"/>
+              </a:schemeClr>
+            </a:solidFill>
+            <a:prstDash val="solid"/>
+            <a:round/>
+            <a:headEnd type="none" w="med" len="med"/>
+            <a:tailEnd type="none" w="med" len="med"/>
+          </a:ln>
+          <a:effectLst/>
+        </p:spPr>
+        <p:txBody>
+          <a:bodyPr vert="horz" wrap="square" lIns="91440" tIns="45720" rIns="91440" bIns="45720" numCol="1" rtlCol="0" anchor="ctr" anchorCtr="0" compatLnSpc="1">
+            <a:prstTxWarp prst="textNoShape">
+              <a:avLst/>
+            </a:prstTxWarp>
+          </a:bodyPr>
+          <a:lstStyle/>
+          <a:p>
+            <a:pPr marL="0" marR="0" indent="0" algn="ctr" defTabSz="914400" rtl="0" eaLnBrk="1" fontAlgn="base" latinLnBrk="0" hangingPunct="1">
+              <a:lnSpc>
+                <a:spcPct val="100000"/>
+              </a:lnSpc>
+              <a:spcBef>
+                <a:spcPct val="0"/>
+              </a:spcBef>
+              <a:spcAft>
+                <a:spcPct val="0"/>
+              </a:spcAft>
+              <a:buClrTx/>
+              <a:buSzTx/>
+              <a:buFontTx/>
+              <a:buNone/>
+              <a:tabLst/>
+            </a:pPr>
+            <a:endParaRPr kumimoji="0" lang="ko-KR" altLang="en-US" sz="1400" b="0" i="0" u="none" strike="noStrike" cap="none" normalizeH="0" baseline="0">
+              <a:ln>
+                <a:noFill/>
+              </a:ln>
+              <a:solidFill>
+                <a:schemeClr val="tx1"/>
+              </a:solidFill>
+              <a:effectLst/>
+              <a:latin typeface="Arial" charset="0"/>
+            </a:endParaRPr>
+          </a:p>
+        </p:txBody>
+      </p:sp>
+      <p:sp>
+        <p:nvSpPr>
+          <p:cNvPr id="17" name="직사각형 16">
+            <a:extLst>
+              <a:ext uri="{FF2B5EF4-FFF2-40B4-BE49-F238E27FC236}">
+                <a16:creationId xmlns:a16="http://schemas.microsoft.com/office/drawing/2014/main" id="{1CF1C6AF-078B-BC9F-88EA-05ECD4BBC3C6}"/>
+              </a:ext>
+            </a:extLst>
+          </p:cNvPr>
+          <p:cNvSpPr/>
+          <p:nvPr/>
+        </p:nvSpPr>
+        <p:spPr bwMode="auto">
+          <a:xfrm>
+            <a:off x="4908110" y="3827486"/>
+            <a:ext cx="946696" cy="872479"/>
+          </a:xfrm>
+          <a:prstGeom prst="rect">
+            <a:avLst/>
+          </a:prstGeom>
+          <a:noFill/>
+          <a:ln w="9525" cap="flat" cmpd="sng" algn="ctr">
+            <a:solidFill>
+              <a:schemeClr val="accent3">
+                <a:lumMod val="75000"/>
+              </a:schemeClr>
+            </a:solidFill>
+            <a:prstDash val="solid"/>
+            <a:round/>
+            <a:headEnd type="none" w="med" len="med"/>
+            <a:tailEnd type="none" w="med" len="med"/>
+          </a:ln>
+          <a:effectLst/>
+        </p:spPr>
+        <p:txBody>
+          <a:bodyPr vert="horz" wrap="square" lIns="91440" tIns="45720" rIns="91440" bIns="45720" numCol="1" rtlCol="0" anchor="ctr" anchorCtr="0" compatLnSpc="1">
+            <a:prstTxWarp prst="textNoShape">
+              <a:avLst/>
+            </a:prstTxWarp>
+          </a:bodyPr>
+          <a:lstStyle/>
+          <a:p>
+            <a:pPr marL="0" marR="0" indent="0" algn="ctr" defTabSz="914400" rtl="0" eaLnBrk="1" fontAlgn="base" latinLnBrk="0" hangingPunct="1">
+              <a:lnSpc>
+                <a:spcPct val="100000"/>
+              </a:lnSpc>
+              <a:spcBef>
+                <a:spcPct val="0"/>
+              </a:spcBef>
+              <a:spcAft>
+                <a:spcPct val="0"/>
+              </a:spcAft>
+              <a:buClrTx/>
+              <a:buSzTx/>
+              <a:buFontTx/>
+              <a:buNone/>
+              <a:tabLst/>
+            </a:pPr>
+            <a:endParaRPr kumimoji="0" lang="ko-KR" altLang="en-US" sz="1400" b="0" i="0" u="none" strike="noStrike" cap="none" normalizeH="0" baseline="0">
+              <a:ln>
+                <a:noFill/>
+              </a:ln>
+              <a:solidFill>
+                <a:schemeClr val="tx1"/>
+              </a:solidFill>
+              <a:effectLst/>
+              <a:latin typeface="Arial" charset="0"/>
+            </a:endParaRPr>
           </a:p>
         </p:txBody>
       </p:sp>
@@ -33953,6 +34740,1490 @@
     <p:extLst>
       <p:ext uri="{BB962C8B-B14F-4D97-AF65-F5344CB8AC3E}">
         <p14:creationId xmlns:p14="http://schemas.microsoft.com/office/powerpoint/2010/main" val="464962222"/>
+      </p:ext>
+    </p:extLst>
+  </p:cSld>
+  <p:clrMapOvr>
+    <a:masterClrMapping/>
+  </p:clrMapOvr>
+</p:sld>
+</file>
+
+<file path=ppt/slides/slide30.xml><?xml version="1.0" encoding="utf-8"?>
+<p:sld xmlns:a="http://schemas.openxmlformats.org/drawingml/2006/main" xmlns:r="http://schemas.openxmlformats.org/officeDocument/2006/relationships" xmlns:p="http://schemas.openxmlformats.org/presentationml/2006/main">
+  <p:cSld>
+    <p:spTree>
+      <p:nvGrpSpPr>
+        <p:cNvPr id="1" name=""/>
+        <p:cNvGrpSpPr/>
+        <p:nvPr/>
+      </p:nvGrpSpPr>
+      <p:grpSpPr>
+        <a:xfrm>
+          <a:off x="0" y="0"/>
+          <a:ext cx="0" cy="0"/>
+          <a:chOff x="0" y="0"/>
+          <a:chExt cx="0" cy="0"/>
+        </a:xfrm>
+      </p:grpSpPr>
+      <p:sp>
+        <p:nvSpPr>
+          <p:cNvPr id="7" name="내용 개체 틀 6">
+            <a:extLst>
+              <a:ext uri="{FF2B5EF4-FFF2-40B4-BE49-F238E27FC236}">
+                <a16:creationId xmlns:a16="http://schemas.microsoft.com/office/drawing/2014/main" id="{F8F4CD8F-59B3-490F-CFFF-7804C41B5BF7}"/>
+              </a:ext>
+            </a:extLst>
+          </p:cNvPr>
+          <p:cNvSpPr>
+            <a:spLocks noGrp="1"/>
+          </p:cNvSpPr>
+          <p:nvPr>
+            <p:ph sz="half" idx="1"/>
+          </p:nvPr>
+        </p:nvSpPr>
+        <p:spPr/>
+        <p:txBody>
+          <a:bodyPr/>
+          <a:lstStyle/>
+          <a:p>
+            <a:r>
+              <a:rPr lang="en-US" altLang="ko-KR" dirty="0"/>
+              <a:t>Component Initialization</a:t>
+            </a:r>
+          </a:p>
+          <a:p>
+            <a:pPr lvl="1"/>
+            <a:r>
+              <a:rPr lang="en-US" altLang="ko-KR" dirty="0"/>
+              <a:t>Aggregation Hierarchy</a:t>
+            </a:r>
+          </a:p>
+          <a:p>
+            <a:pPr lvl="2"/>
+            <a:r>
+              <a:rPr lang="en-US" altLang="ko-KR" dirty="0"/>
+              <a:t>Parent</a:t>
+            </a:r>
+          </a:p>
+          <a:p>
+            <a:pPr lvl="3"/>
+            <a:r>
+              <a:rPr lang="en-US" altLang="ko-KR" dirty="0"/>
+              <a:t>Child Lifecycle Management</a:t>
+            </a:r>
+          </a:p>
+          <a:p>
+            <a:pPr lvl="4"/>
+            <a:r>
+              <a:rPr lang="ko-KR" altLang="en-US" dirty="0"/>
+              <a:t>생성</a:t>
+            </a:r>
+            <a:r>
+              <a:rPr lang="en-US" altLang="ko-KR" dirty="0"/>
+              <a:t>/</a:t>
+            </a:r>
+            <a:r>
+              <a:rPr lang="ko-KR" altLang="en-US" dirty="0"/>
+              <a:t>소멸 관리</a:t>
+            </a:r>
+            <a:endParaRPr lang="en-US" altLang="ko-KR" dirty="0"/>
+          </a:p>
+          <a:p>
+            <a:pPr lvl="4"/>
+            <a:r>
+              <a:rPr lang="ko-KR" altLang="en-US" dirty="0"/>
+              <a:t>집단 행위</a:t>
+            </a:r>
+            <a:endParaRPr lang="en-US" altLang="ko-KR" dirty="0"/>
+          </a:p>
+          <a:p>
+            <a:pPr lvl="4"/>
+            <a:endParaRPr lang="en-US" altLang="ko-KR" dirty="0"/>
+          </a:p>
+          <a:p>
+            <a:pPr lvl="2"/>
+            <a:r>
+              <a:rPr lang="en-US" altLang="ko-KR" dirty="0"/>
+              <a:t>3</a:t>
+            </a:r>
+            <a:r>
+              <a:rPr lang="ko-KR" altLang="en-US" dirty="0"/>
+              <a:t>단계 초기화</a:t>
+            </a:r>
+            <a:endParaRPr lang="en-US" altLang="ko-KR" dirty="0"/>
+          </a:p>
+          <a:p>
+            <a:pPr lvl="3"/>
+            <a:r>
+              <a:rPr lang="en-US" altLang="ko-KR" dirty="0"/>
+              <a:t>1) New/Constructor</a:t>
+            </a:r>
+          </a:p>
+          <a:p>
+            <a:pPr lvl="4"/>
+            <a:r>
+              <a:rPr lang="en-US" altLang="ko-KR" dirty="0"/>
+              <a:t>Memory Allocation</a:t>
+            </a:r>
+          </a:p>
+          <a:p>
+            <a:pPr lvl="4"/>
+            <a:r>
+              <a:rPr lang="en-US" altLang="ko-KR" dirty="0"/>
+              <a:t>Attribute Setting</a:t>
+            </a:r>
+          </a:p>
+          <a:p>
+            <a:pPr lvl="4"/>
+            <a:r>
+              <a:rPr lang="en-US" altLang="ko-KR" dirty="0"/>
+              <a:t>New Child Components</a:t>
+            </a:r>
+          </a:p>
+          <a:p>
+            <a:pPr lvl="4"/>
+            <a:r>
+              <a:rPr lang="en-US" altLang="ko-KR" dirty="0"/>
+              <a:t>Add Child Components</a:t>
+            </a:r>
+          </a:p>
+          <a:p>
+            <a:pPr lvl="3"/>
+            <a:r>
+              <a:rPr lang="en-US" altLang="ko-KR" dirty="0"/>
+              <a:t>2) Set Visible (true)</a:t>
+            </a:r>
+          </a:p>
+          <a:p>
+            <a:pPr lvl="4"/>
+            <a:r>
+              <a:rPr lang="en-US" altLang="ko-KR" dirty="0"/>
+              <a:t>Set Coordinate</a:t>
+            </a:r>
+          </a:p>
+          <a:p>
+            <a:pPr lvl="3"/>
+            <a:r>
+              <a:rPr lang="en-US" altLang="ko-KR" dirty="0"/>
+              <a:t>3) Initialize</a:t>
+            </a:r>
+          </a:p>
+          <a:p>
+            <a:pPr lvl="4"/>
+            <a:r>
+              <a:rPr lang="en-US" altLang="ko-KR" dirty="0"/>
+              <a:t>Derived Attributes Setting</a:t>
+            </a:r>
+          </a:p>
+          <a:p>
+            <a:pPr lvl="3"/>
+            <a:endParaRPr lang="ko-KR" altLang="en-US" dirty="0"/>
+          </a:p>
+        </p:txBody>
+      </p:sp>
+      <p:sp>
+        <p:nvSpPr>
+          <p:cNvPr id="8" name="내용 개체 틀 7">
+            <a:extLst>
+              <a:ext uri="{FF2B5EF4-FFF2-40B4-BE49-F238E27FC236}">
+                <a16:creationId xmlns:a16="http://schemas.microsoft.com/office/drawing/2014/main" id="{90648208-B46B-5D52-1D48-C1DEDE63569F}"/>
+              </a:ext>
+            </a:extLst>
+          </p:cNvPr>
+          <p:cNvSpPr>
+            <a:spLocks noGrp="1"/>
+          </p:cNvSpPr>
+          <p:nvPr>
+            <p:ph sz="half" idx="2"/>
+          </p:nvPr>
+        </p:nvSpPr>
+        <p:spPr/>
+        <p:txBody>
+          <a:bodyPr/>
+          <a:lstStyle/>
+          <a:p>
+            <a:endParaRPr lang="ko-KR" altLang="en-US" dirty="0"/>
+          </a:p>
+        </p:txBody>
+      </p:sp>
+      <p:sp>
+        <p:nvSpPr>
+          <p:cNvPr id="5" name="바닥글 개체 틀 4">
+            <a:extLst>
+              <a:ext uri="{FF2B5EF4-FFF2-40B4-BE49-F238E27FC236}">
+                <a16:creationId xmlns:a16="http://schemas.microsoft.com/office/drawing/2014/main" id="{A653CC89-3D6A-C717-0758-EC36C37B0D9B}"/>
+              </a:ext>
+            </a:extLst>
+          </p:cNvPr>
+          <p:cNvSpPr>
+            <a:spLocks noGrp="1"/>
+          </p:cNvSpPr>
+          <p:nvPr>
+            <p:ph type="ftr" sz="quarter" idx="10"/>
+          </p:nvPr>
+        </p:nvSpPr>
+        <p:spPr/>
+        <p:txBody>
+          <a:bodyPr/>
+          <a:lstStyle/>
+          <a:p>
+            <a:pPr>
+              <a:buFont typeface="맑은 고딕" panose="020B0503020000020004" pitchFamily="50" charset="-127"/>
+              <a:buChar char="ⓒ"/>
+            </a:pPr>
+            <a:r>
+              <a:rPr lang="en-US" altLang="ko-KR"/>
+              <a:t>Sungwoon Choi 2021</a:t>
+            </a:r>
+            <a:endParaRPr lang="en-US" altLang="ko-KR" dirty="0"/>
+          </a:p>
+        </p:txBody>
+      </p:sp>
+      <p:sp>
+        <p:nvSpPr>
+          <p:cNvPr id="6" name="슬라이드 번호 개체 틀 5">
+            <a:extLst>
+              <a:ext uri="{FF2B5EF4-FFF2-40B4-BE49-F238E27FC236}">
+                <a16:creationId xmlns:a16="http://schemas.microsoft.com/office/drawing/2014/main" id="{DCBF2B2D-B0C3-D982-0FA8-64F8E79DEDF7}"/>
+              </a:ext>
+            </a:extLst>
+          </p:cNvPr>
+          <p:cNvSpPr>
+            <a:spLocks noGrp="1"/>
+          </p:cNvSpPr>
+          <p:nvPr>
+            <p:ph type="sldNum" sz="quarter" idx="11"/>
+          </p:nvPr>
+        </p:nvSpPr>
+        <p:spPr/>
+        <p:txBody>
+          <a:bodyPr/>
+          <a:lstStyle/>
+          <a:p>
+            <a:fld id="{AA4216F1-165B-4DFF-BD92-3D8E849D7D48}" type="slidenum">
+              <a:rPr lang="en-US" altLang="ko-KR" smtClean="0"/>
+              <a:pPr/>
+              <a:t>30</a:t>
+            </a:fld>
+            <a:endParaRPr lang="en-US" altLang="ko-KR" dirty="0"/>
+          </a:p>
+        </p:txBody>
+      </p:sp>
+      <p:sp>
+        <p:nvSpPr>
+          <p:cNvPr id="9" name="직사각형 8">
+            <a:extLst>
+              <a:ext uri="{FF2B5EF4-FFF2-40B4-BE49-F238E27FC236}">
+                <a16:creationId xmlns:a16="http://schemas.microsoft.com/office/drawing/2014/main" id="{BAB0B835-759F-536F-ECAB-53F6C5415BF3}"/>
+              </a:ext>
+            </a:extLst>
+          </p:cNvPr>
+          <p:cNvSpPr/>
+          <p:nvPr/>
+        </p:nvSpPr>
+        <p:spPr bwMode="auto">
+          <a:xfrm>
+            <a:off x="5035960" y="1360140"/>
+            <a:ext cx="1293892" cy="576064"/>
+          </a:xfrm>
+          <a:prstGeom prst="rect">
+            <a:avLst/>
+          </a:prstGeom>
+          <a:solidFill>
+            <a:schemeClr val="accent3">
+              <a:lumMod val="20000"/>
+              <a:lumOff val="80000"/>
+            </a:schemeClr>
+          </a:solidFill>
+          <a:ln w="9525" cap="flat" cmpd="sng" algn="ctr">
+            <a:solidFill>
+              <a:schemeClr val="accent3">
+                <a:lumMod val="75000"/>
+              </a:schemeClr>
+            </a:solidFill>
+            <a:prstDash val="solid"/>
+            <a:round/>
+            <a:headEnd type="none" w="med" len="med"/>
+            <a:tailEnd type="none" w="med" len="med"/>
+          </a:ln>
+          <a:effectLst/>
+        </p:spPr>
+        <p:txBody>
+          <a:bodyPr vert="horz" wrap="square" lIns="91440" tIns="45720" rIns="91440" bIns="45720" numCol="1" rtlCol="0" anchor="ctr" anchorCtr="0" compatLnSpc="1">
+            <a:prstTxWarp prst="textNoShape">
+              <a:avLst/>
+            </a:prstTxWarp>
+          </a:bodyPr>
+          <a:lstStyle/>
+          <a:p>
+            <a:pPr marL="0" marR="0" indent="0" algn="ctr" defTabSz="914400" rtl="0" eaLnBrk="1" fontAlgn="base" latinLnBrk="0" hangingPunct="1">
+              <a:lnSpc>
+                <a:spcPct val="100000"/>
+              </a:lnSpc>
+              <a:spcBef>
+                <a:spcPct val="0"/>
+              </a:spcBef>
+              <a:spcAft>
+                <a:spcPct val="0"/>
+              </a:spcAft>
+              <a:buClrTx/>
+              <a:buSzTx/>
+              <a:buFontTx/>
+              <a:buNone/>
+              <a:tabLst/>
+            </a:pPr>
+            <a:r>
+              <a:rPr kumimoji="0" lang="en-US" altLang="ko-KR" sz="1400" b="0" i="0" u="none" strike="noStrike" cap="none" normalizeH="0" baseline="0">
+                <a:ln>
+                  <a:noFill/>
+                </a:ln>
+                <a:solidFill>
+                  <a:schemeClr val="tx1"/>
+                </a:solidFill>
+                <a:effectLst/>
+                <a:latin typeface="Arial" charset="0"/>
+              </a:rPr>
+              <a:t>mainFrame</a:t>
+            </a:r>
+            <a:endParaRPr kumimoji="0" lang="ko-KR" altLang="en-US" sz="1400" b="0" i="0" u="none" strike="noStrike" cap="none" normalizeH="0" baseline="0" dirty="0">
+              <a:ln>
+                <a:noFill/>
+              </a:ln>
+              <a:solidFill>
+                <a:schemeClr val="tx1"/>
+              </a:solidFill>
+              <a:effectLst/>
+              <a:latin typeface="Arial" charset="0"/>
+            </a:endParaRPr>
+          </a:p>
+        </p:txBody>
+      </p:sp>
+      <p:sp>
+        <p:nvSpPr>
+          <p:cNvPr id="10" name="직사각형 9">
+            <a:extLst>
+              <a:ext uri="{FF2B5EF4-FFF2-40B4-BE49-F238E27FC236}">
+                <a16:creationId xmlns:a16="http://schemas.microsoft.com/office/drawing/2014/main" id="{F5820032-251D-81F5-98F1-05B508C1733F}"/>
+              </a:ext>
+            </a:extLst>
+          </p:cNvPr>
+          <p:cNvSpPr/>
+          <p:nvPr/>
+        </p:nvSpPr>
+        <p:spPr bwMode="auto">
+          <a:xfrm>
+            <a:off x="3563068" y="2440260"/>
+            <a:ext cx="1322877" cy="576064"/>
+          </a:xfrm>
+          <a:prstGeom prst="rect">
+            <a:avLst/>
+          </a:prstGeom>
+          <a:solidFill>
+            <a:schemeClr val="accent3">
+              <a:lumMod val="20000"/>
+              <a:lumOff val="80000"/>
+            </a:schemeClr>
+          </a:solidFill>
+          <a:ln w="9525" cap="flat" cmpd="sng" algn="ctr">
+            <a:solidFill>
+              <a:schemeClr val="accent3">
+                <a:lumMod val="75000"/>
+              </a:schemeClr>
+            </a:solidFill>
+            <a:prstDash val="solid"/>
+            <a:round/>
+            <a:headEnd type="none" w="med" len="med"/>
+            <a:tailEnd type="none" w="med" len="med"/>
+          </a:ln>
+          <a:effectLst/>
+        </p:spPr>
+        <p:txBody>
+          <a:bodyPr vert="horz" wrap="square" lIns="91440" tIns="45720" rIns="91440" bIns="45720" numCol="1" rtlCol="0" anchor="ctr" anchorCtr="0" compatLnSpc="1">
+            <a:prstTxWarp prst="textNoShape">
+              <a:avLst/>
+            </a:prstTxWarp>
+          </a:bodyPr>
+          <a:lstStyle/>
+          <a:p>
+            <a:pPr marL="0" marR="0" indent="0" algn="ctr" defTabSz="914400" rtl="0" eaLnBrk="1" fontAlgn="base" latinLnBrk="0" hangingPunct="1">
+              <a:lnSpc>
+                <a:spcPct val="100000"/>
+              </a:lnSpc>
+              <a:spcBef>
+                <a:spcPct val="0"/>
+              </a:spcBef>
+              <a:spcAft>
+                <a:spcPct val="0"/>
+              </a:spcAft>
+              <a:buClrTx/>
+              <a:buSzTx/>
+              <a:buFontTx/>
+              <a:buNone/>
+              <a:tabLst/>
+            </a:pPr>
+            <a:r>
+              <a:rPr kumimoji="0" lang="en-US" altLang="ko-KR" sz="1400" b="0" i="0" u="none" strike="noStrike" cap="none" normalizeH="0" baseline="0">
+                <a:ln>
+                  <a:noFill/>
+                </a:ln>
+                <a:solidFill>
+                  <a:schemeClr val="tx1"/>
+                </a:solidFill>
+                <a:effectLst/>
+                <a:latin typeface="Arial" charset="0"/>
+              </a:rPr>
+              <a:t>menuBar</a:t>
+            </a:r>
+            <a:endParaRPr kumimoji="0" lang="ko-KR" altLang="en-US" sz="1400" b="0" i="0" u="none" strike="noStrike" cap="none" normalizeH="0" baseline="0" dirty="0">
+              <a:ln>
+                <a:noFill/>
+              </a:ln>
+              <a:solidFill>
+                <a:schemeClr val="tx1"/>
+              </a:solidFill>
+              <a:effectLst/>
+              <a:latin typeface="Arial" charset="0"/>
+            </a:endParaRPr>
+          </a:p>
+        </p:txBody>
+      </p:sp>
+      <p:sp>
+        <p:nvSpPr>
+          <p:cNvPr id="11" name="직사각형 10">
+            <a:extLst>
+              <a:ext uri="{FF2B5EF4-FFF2-40B4-BE49-F238E27FC236}">
+                <a16:creationId xmlns:a16="http://schemas.microsoft.com/office/drawing/2014/main" id="{656FCCCC-E429-DFCB-5442-834AA30940E7}"/>
+              </a:ext>
+            </a:extLst>
+          </p:cNvPr>
+          <p:cNvSpPr/>
+          <p:nvPr/>
+        </p:nvSpPr>
+        <p:spPr bwMode="auto">
+          <a:xfrm>
+            <a:off x="5021469" y="2440260"/>
+            <a:ext cx="1322877" cy="576064"/>
+          </a:xfrm>
+          <a:prstGeom prst="rect">
+            <a:avLst/>
+          </a:prstGeom>
+          <a:solidFill>
+            <a:schemeClr val="accent3">
+              <a:lumMod val="20000"/>
+              <a:lumOff val="80000"/>
+            </a:schemeClr>
+          </a:solidFill>
+          <a:ln w="9525" cap="flat" cmpd="sng" algn="ctr">
+            <a:solidFill>
+              <a:schemeClr val="accent3">
+                <a:lumMod val="75000"/>
+              </a:schemeClr>
+            </a:solidFill>
+            <a:prstDash val="solid"/>
+            <a:round/>
+            <a:headEnd type="none" w="med" len="med"/>
+            <a:tailEnd type="none" w="med" len="med"/>
+          </a:ln>
+          <a:effectLst/>
+        </p:spPr>
+        <p:txBody>
+          <a:bodyPr vert="horz" wrap="square" lIns="91440" tIns="45720" rIns="91440" bIns="45720" numCol="1" rtlCol="0" anchor="ctr" anchorCtr="0" compatLnSpc="1">
+            <a:prstTxWarp prst="textNoShape">
+              <a:avLst/>
+            </a:prstTxWarp>
+          </a:bodyPr>
+          <a:lstStyle/>
+          <a:p>
+            <a:pPr marL="0" marR="0" indent="0" algn="ctr" defTabSz="914400" rtl="0" eaLnBrk="1" fontAlgn="base" latinLnBrk="0" hangingPunct="1">
+              <a:lnSpc>
+                <a:spcPct val="100000"/>
+              </a:lnSpc>
+              <a:spcBef>
+                <a:spcPct val="0"/>
+              </a:spcBef>
+              <a:spcAft>
+                <a:spcPct val="0"/>
+              </a:spcAft>
+              <a:buClrTx/>
+              <a:buSzTx/>
+              <a:buFontTx/>
+              <a:buNone/>
+              <a:tabLst/>
+            </a:pPr>
+            <a:r>
+              <a:rPr kumimoji="0" lang="en-US" altLang="ko-KR" sz="1400" b="0" i="0" u="none" strike="noStrike" cap="none" normalizeH="0" baseline="0">
+                <a:ln>
+                  <a:noFill/>
+                </a:ln>
+                <a:solidFill>
+                  <a:schemeClr val="tx1"/>
+                </a:solidFill>
+                <a:effectLst/>
+                <a:latin typeface="Arial" charset="0"/>
+              </a:rPr>
+              <a:t>toolBar</a:t>
+            </a:r>
+            <a:endParaRPr kumimoji="0" lang="ko-KR" altLang="en-US" sz="1400" b="0" i="0" u="none" strike="noStrike" cap="none" normalizeH="0" baseline="0" dirty="0">
+              <a:ln>
+                <a:noFill/>
+              </a:ln>
+              <a:solidFill>
+                <a:schemeClr val="tx1"/>
+              </a:solidFill>
+              <a:effectLst/>
+              <a:latin typeface="Arial" charset="0"/>
+            </a:endParaRPr>
+          </a:p>
+        </p:txBody>
+      </p:sp>
+      <p:sp>
+        <p:nvSpPr>
+          <p:cNvPr id="12" name="직사각형 11">
+            <a:extLst>
+              <a:ext uri="{FF2B5EF4-FFF2-40B4-BE49-F238E27FC236}">
+                <a16:creationId xmlns:a16="http://schemas.microsoft.com/office/drawing/2014/main" id="{CF9BDFD3-0864-F903-24BD-62B463B45EA9}"/>
+              </a:ext>
+            </a:extLst>
+          </p:cNvPr>
+          <p:cNvSpPr/>
+          <p:nvPr/>
+        </p:nvSpPr>
+        <p:spPr bwMode="auto">
+          <a:xfrm>
+            <a:off x="6488663" y="2440260"/>
+            <a:ext cx="1322877" cy="576064"/>
+          </a:xfrm>
+          <a:prstGeom prst="rect">
+            <a:avLst/>
+          </a:prstGeom>
+          <a:solidFill>
+            <a:schemeClr val="accent3">
+              <a:lumMod val="20000"/>
+              <a:lumOff val="80000"/>
+            </a:schemeClr>
+          </a:solidFill>
+          <a:ln w="9525" cap="flat" cmpd="sng" algn="ctr">
+            <a:solidFill>
+              <a:schemeClr val="accent3">
+                <a:lumMod val="75000"/>
+              </a:schemeClr>
+            </a:solidFill>
+            <a:prstDash val="solid"/>
+            <a:round/>
+            <a:headEnd type="none" w="med" len="med"/>
+            <a:tailEnd type="none" w="med" len="med"/>
+          </a:ln>
+          <a:effectLst/>
+        </p:spPr>
+        <p:txBody>
+          <a:bodyPr vert="horz" wrap="square" lIns="91440" tIns="45720" rIns="91440" bIns="45720" numCol="1" rtlCol="0" anchor="ctr" anchorCtr="0" compatLnSpc="1">
+            <a:prstTxWarp prst="textNoShape">
+              <a:avLst/>
+            </a:prstTxWarp>
+          </a:bodyPr>
+          <a:lstStyle/>
+          <a:p>
+            <a:pPr marL="0" marR="0" indent="0" algn="ctr" defTabSz="914400" rtl="0" eaLnBrk="1" fontAlgn="base" latinLnBrk="0" hangingPunct="1">
+              <a:lnSpc>
+                <a:spcPct val="100000"/>
+              </a:lnSpc>
+              <a:spcBef>
+                <a:spcPct val="0"/>
+              </a:spcBef>
+              <a:spcAft>
+                <a:spcPct val="0"/>
+              </a:spcAft>
+              <a:buClrTx/>
+              <a:buSzTx/>
+              <a:buFontTx/>
+              <a:buNone/>
+              <a:tabLst/>
+            </a:pPr>
+            <a:r>
+              <a:rPr kumimoji="0" lang="en-US" altLang="ko-KR" sz="1400" b="0" i="0" u="none" strike="noStrike" cap="none" normalizeH="0" baseline="0" dirty="0" err="1">
+                <a:ln>
+                  <a:noFill/>
+                </a:ln>
+                <a:solidFill>
+                  <a:schemeClr val="tx1"/>
+                </a:solidFill>
+                <a:effectLst/>
+                <a:latin typeface="Arial" charset="0"/>
+              </a:rPr>
+              <a:t>drawingPanel</a:t>
+            </a:r>
+            <a:endParaRPr kumimoji="0" lang="ko-KR" altLang="en-US" sz="1400" b="0" i="0" u="none" strike="noStrike" cap="none" normalizeH="0" baseline="0" dirty="0">
+              <a:ln>
+                <a:noFill/>
+              </a:ln>
+              <a:solidFill>
+                <a:schemeClr val="tx1"/>
+              </a:solidFill>
+              <a:effectLst/>
+              <a:latin typeface="Arial" charset="0"/>
+            </a:endParaRPr>
+          </a:p>
+        </p:txBody>
+      </p:sp>
+      <p:sp>
+        <p:nvSpPr>
+          <p:cNvPr id="13" name="다이아몬드 12">
+            <a:extLst>
+              <a:ext uri="{FF2B5EF4-FFF2-40B4-BE49-F238E27FC236}">
+                <a16:creationId xmlns:a16="http://schemas.microsoft.com/office/drawing/2014/main" id="{FFE514D0-A2DC-4999-A217-E2677AAE83B3}"/>
+              </a:ext>
+            </a:extLst>
+          </p:cNvPr>
+          <p:cNvSpPr/>
+          <p:nvPr/>
+        </p:nvSpPr>
+        <p:spPr bwMode="auto">
+          <a:xfrm>
+            <a:off x="5538890" y="1936204"/>
+            <a:ext cx="288032" cy="288032"/>
+          </a:xfrm>
+          <a:prstGeom prst="diamond">
+            <a:avLst/>
+          </a:prstGeom>
+          <a:solidFill>
+            <a:schemeClr val="accent3">
+              <a:lumMod val="20000"/>
+              <a:lumOff val="80000"/>
+            </a:schemeClr>
+          </a:solidFill>
+          <a:ln w="9525" cap="flat" cmpd="sng" algn="ctr">
+            <a:solidFill>
+              <a:schemeClr val="accent3">
+                <a:lumMod val="75000"/>
+              </a:schemeClr>
+            </a:solidFill>
+            <a:prstDash val="solid"/>
+            <a:round/>
+            <a:headEnd type="none" w="med" len="med"/>
+            <a:tailEnd type="none" w="med" len="med"/>
+          </a:ln>
+          <a:effectLst/>
+        </p:spPr>
+        <p:txBody>
+          <a:bodyPr vert="horz" wrap="square" lIns="91440" tIns="45720" rIns="91440" bIns="45720" numCol="1" rtlCol="0" anchor="ctr" anchorCtr="0" compatLnSpc="1">
+            <a:prstTxWarp prst="textNoShape">
+              <a:avLst/>
+            </a:prstTxWarp>
+          </a:bodyPr>
+          <a:lstStyle/>
+          <a:p>
+            <a:pPr marL="0" marR="0" indent="0" algn="ctr" defTabSz="914400" rtl="0" eaLnBrk="1" fontAlgn="base" latinLnBrk="0" hangingPunct="1">
+              <a:lnSpc>
+                <a:spcPct val="100000"/>
+              </a:lnSpc>
+              <a:spcBef>
+                <a:spcPct val="0"/>
+              </a:spcBef>
+              <a:spcAft>
+                <a:spcPct val="0"/>
+              </a:spcAft>
+              <a:buClrTx/>
+              <a:buSzTx/>
+              <a:buFontTx/>
+              <a:buNone/>
+              <a:tabLst/>
+            </a:pPr>
+            <a:endParaRPr kumimoji="0" lang="ko-KR" altLang="en-US" sz="1400" b="0" i="0" u="none" strike="noStrike" cap="none" normalizeH="0" baseline="0">
+              <a:ln>
+                <a:noFill/>
+              </a:ln>
+              <a:solidFill>
+                <a:schemeClr val="tx1"/>
+              </a:solidFill>
+              <a:effectLst/>
+              <a:latin typeface="Arial" charset="0"/>
+            </a:endParaRPr>
+          </a:p>
+        </p:txBody>
+      </p:sp>
+      <p:cxnSp>
+        <p:nvCxnSpPr>
+          <p:cNvPr id="15" name="연결선: 꺾임 14">
+            <a:extLst>
+              <a:ext uri="{FF2B5EF4-FFF2-40B4-BE49-F238E27FC236}">
+                <a16:creationId xmlns:a16="http://schemas.microsoft.com/office/drawing/2014/main" id="{F8D4BB51-DEDB-A117-B0ED-59EF2A0D731F}"/>
+              </a:ext>
+            </a:extLst>
+          </p:cNvPr>
+          <p:cNvCxnSpPr>
+            <a:stCxn id="13" idx="2"/>
+            <a:endCxn id="10" idx="0"/>
+          </p:cNvCxnSpPr>
+          <p:nvPr/>
+        </p:nvCxnSpPr>
+        <p:spPr bwMode="auto">
+          <a:xfrm rot="5400000">
+            <a:off x="4845695" y="1603049"/>
+            <a:ext cx="216024" cy="1458399"/>
+          </a:xfrm>
+          <a:prstGeom prst="bentConnector3">
+            <a:avLst>
+              <a:gd name="adj1" fmla="val 50000"/>
+            </a:avLst>
+          </a:prstGeom>
+          <a:solidFill>
+            <a:schemeClr val="accent1"/>
+          </a:solidFill>
+          <a:ln w="9525" cap="flat" cmpd="sng" algn="ctr">
+            <a:solidFill>
+              <a:schemeClr val="tx1"/>
+            </a:solidFill>
+            <a:prstDash val="solid"/>
+            <a:round/>
+            <a:headEnd type="none" w="med" len="med"/>
+            <a:tailEnd type="none" w="med" len="med"/>
+          </a:ln>
+          <a:effectLst/>
+          <a:extLst>
+            <a:ext uri="{AF507438-7753-43E0-B8FC-AC1667EBCBE1}">
+              <a14:hiddenEffects xmlns:a14="http://schemas.microsoft.com/office/drawing/2010/main">
+                <a:effectLst>
+                  <a:outerShdw dist="35921" dir="2700000" algn="ctr" rotWithShape="0">
+                    <a:schemeClr val="bg2"/>
+                  </a:outerShdw>
+                </a:effectLst>
+              </a14:hiddenEffects>
+            </a:ext>
+          </a:extLst>
+        </p:spPr>
+      </p:cxnSp>
+      <p:cxnSp>
+        <p:nvCxnSpPr>
+          <p:cNvPr id="17" name="연결선: 꺾임 16">
+            <a:extLst>
+              <a:ext uri="{FF2B5EF4-FFF2-40B4-BE49-F238E27FC236}">
+                <a16:creationId xmlns:a16="http://schemas.microsoft.com/office/drawing/2014/main" id="{43508A9C-7A19-35BC-EEAB-1BC35AE600DA}"/>
+              </a:ext>
+            </a:extLst>
+          </p:cNvPr>
+          <p:cNvCxnSpPr>
+            <a:stCxn id="13" idx="2"/>
+            <a:endCxn id="12" idx="0"/>
+          </p:cNvCxnSpPr>
+          <p:nvPr/>
+        </p:nvCxnSpPr>
+        <p:spPr bwMode="auto">
+          <a:xfrm rot="16200000" flipH="1">
+            <a:off x="6308492" y="1598650"/>
+            <a:ext cx="216024" cy="1467196"/>
+          </a:xfrm>
+          <a:prstGeom prst="bentConnector3">
+            <a:avLst>
+              <a:gd name="adj1" fmla="val 50000"/>
+            </a:avLst>
+          </a:prstGeom>
+          <a:solidFill>
+            <a:schemeClr val="accent1"/>
+          </a:solidFill>
+          <a:ln w="9525" cap="flat" cmpd="sng" algn="ctr">
+            <a:solidFill>
+              <a:schemeClr val="tx1"/>
+            </a:solidFill>
+            <a:prstDash val="solid"/>
+            <a:round/>
+            <a:headEnd type="none" w="med" len="med"/>
+            <a:tailEnd type="none" w="med" len="med"/>
+          </a:ln>
+          <a:effectLst/>
+          <a:extLst>
+            <a:ext uri="{AF507438-7753-43E0-B8FC-AC1667EBCBE1}">
+              <a14:hiddenEffects xmlns:a14="http://schemas.microsoft.com/office/drawing/2010/main">
+                <a:effectLst>
+                  <a:outerShdw dist="35921" dir="2700000" algn="ctr" rotWithShape="0">
+                    <a:schemeClr val="bg2"/>
+                  </a:outerShdw>
+                </a:effectLst>
+              </a14:hiddenEffects>
+            </a:ext>
+          </a:extLst>
+        </p:spPr>
+      </p:cxnSp>
+      <p:cxnSp>
+        <p:nvCxnSpPr>
+          <p:cNvPr id="20" name="연결선: 꺾임 19">
+            <a:extLst>
+              <a:ext uri="{FF2B5EF4-FFF2-40B4-BE49-F238E27FC236}">
+                <a16:creationId xmlns:a16="http://schemas.microsoft.com/office/drawing/2014/main" id="{FFADD9C8-BDE7-1049-CE13-2DA860D37E6F}"/>
+              </a:ext>
+            </a:extLst>
+          </p:cNvPr>
+          <p:cNvCxnSpPr>
+            <a:stCxn id="13" idx="2"/>
+            <a:endCxn id="11" idx="0"/>
+          </p:cNvCxnSpPr>
+          <p:nvPr/>
+        </p:nvCxnSpPr>
+        <p:spPr bwMode="auto">
+          <a:xfrm rot="16200000" flipH="1">
+            <a:off x="5574895" y="2332247"/>
+            <a:ext cx="216024" cy="2"/>
+          </a:xfrm>
+          <a:prstGeom prst="bentConnector3">
+            <a:avLst>
+              <a:gd name="adj1" fmla="val 50000"/>
+            </a:avLst>
+          </a:prstGeom>
+          <a:solidFill>
+            <a:schemeClr val="accent1"/>
+          </a:solidFill>
+          <a:ln w="9525" cap="flat" cmpd="sng" algn="ctr">
+            <a:solidFill>
+              <a:schemeClr val="tx1"/>
+            </a:solidFill>
+            <a:prstDash val="solid"/>
+            <a:round/>
+            <a:headEnd type="none" w="med" len="med"/>
+            <a:tailEnd type="none" w="med" len="med"/>
+          </a:ln>
+          <a:effectLst/>
+          <a:extLst>
+            <a:ext uri="{AF507438-7753-43E0-B8FC-AC1667EBCBE1}">
+              <a14:hiddenEffects xmlns:a14="http://schemas.microsoft.com/office/drawing/2010/main">
+                <a:effectLst>
+                  <a:outerShdw dist="35921" dir="2700000" algn="ctr" rotWithShape="0">
+                    <a:schemeClr val="bg2"/>
+                  </a:outerShdw>
+                </a:effectLst>
+              </a14:hiddenEffects>
+            </a:ext>
+          </a:extLst>
+        </p:spPr>
+      </p:cxnSp>
+      <p:sp>
+        <p:nvSpPr>
+          <p:cNvPr id="25" name="직사각형 24">
+            <a:extLst>
+              <a:ext uri="{FF2B5EF4-FFF2-40B4-BE49-F238E27FC236}">
+                <a16:creationId xmlns:a16="http://schemas.microsoft.com/office/drawing/2014/main" id="{58657CA8-4595-877D-CF9F-763291E46882}"/>
+              </a:ext>
+            </a:extLst>
+          </p:cNvPr>
+          <p:cNvSpPr/>
+          <p:nvPr/>
+        </p:nvSpPr>
+        <p:spPr bwMode="auto">
+          <a:xfrm>
+            <a:off x="3563068" y="3485561"/>
+            <a:ext cx="1322877" cy="576064"/>
+          </a:xfrm>
+          <a:prstGeom prst="rect">
+            <a:avLst/>
+          </a:prstGeom>
+          <a:solidFill>
+            <a:schemeClr val="accent3">
+              <a:lumMod val="20000"/>
+              <a:lumOff val="80000"/>
+            </a:schemeClr>
+          </a:solidFill>
+          <a:ln w="9525" cap="flat" cmpd="sng" algn="ctr">
+            <a:solidFill>
+              <a:schemeClr val="accent3">
+                <a:lumMod val="75000"/>
+              </a:schemeClr>
+            </a:solidFill>
+            <a:prstDash val="solid"/>
+            <a:round/>
+            <a:headEnd type="none" w="med" len="med"/>
+            <a:tailEnd type="none" w="med" len="med"/>
+          </a:ln>
+          <a:effectLst/>
+        </p:spPr>
+        <p:txBody>
+          <a:bodyPr vert="horz" wrap="square" lIns="91440" tIns="45720" rIns="91440" bIns="45720" numCol="1" rtlCol="0" anchor="ctr" anchorCtr="0" compatLnSpc="1">
+            <a:prstTxWarp prst="textNoShape">
+              <a:avLst/>
+            </a:prstTxWarp>
+          </a:bodyPr>
+          <a:lstStyle/>
+          <a:p>
+            <a:pPr marL="0" marR="0" indent="0" algn="ctr" defTabSz="914400" rtl="0" eaLnBrk="1" fontAlgn="base" latinLnBrk="0" hangingPunct="1">
+              <a:lnSpc>
+                <a:spcPct val="100000"/>
+              </a:lnSpc>
+              <a:spcBef>
+                <a:spcPct val="0"/>
+              </a:spcBef>
+              <a:spcAft>
+                <a:spcPct val="0"/>
+              </a:spcAft>
+              <a:buClrTx/>
+              <a:buSzTx/>
+              <a:buFontTx/>
+              <a:buNone/>
+              <a:tabLst/>
+            </a:pPr>
+            <a:r>
+              <a:rPr kumimoji="0" lang="en-US" altLang="ko-KR" sz="1400" b="0" i="0" u="none" strike="noStrike" cap="none" normalizeH="0" baseline="0" dirty="0" err="1">
+                <a:ln>
+                  <a:noFill/>
+                </a:ln>
+                <a:solidFill>
+                  <a:schemeClr val="tx1"/>
+                </a:solidFill>
+                <a:effectLst/>
+                <a:latin typeface="Arial" charset="0"/>
+              </a:rPr>
+              <a:t>fileMenu</a:t>
+            </a:r>
+            <a:endParaRPr kumimoji="0" lang="ko-KR" altLang="en-US" sz="1400" b="0" i="0" u="none" strike="noStrike" cap="none" normalizeH="0" baseline="0" dirty="0">
+              <a:ln>
+                <a:noFill/>
+              </a:ln>
+              <a:solidFill>
+                <a:schemeClr val="tx1"/>
+              </a:solidFill>
+              <a:effectLst/>
+              <a:latin typeface="Arial" charset="0"/>
+            </a:endParaRPr>
+          </a:p>
+        </p:txBody>
+      </p:sp>
+      <p:sp>
+        <p:nvSpPr>
+          <p:cNvPr id="26" name="다이아몬드 25">
+            <a:extLst>
+              <a:ext uri="{FF2B5EF4-FFF2-40B4-BE49-F238E27FC236}">
+                <a16:creationId xmlns:a16="http://schemas.microsoft.com/office/drawing/2014/main" id="{08D90112-1A90-00D0-C70E-26AA3ACDBC28}"/>
+              </a:ext>
+            </a:extLst>
+          </p:cNvPr>
+          <p:cNvSpPr/>
+          <p:nvPr/>
+        </p:nvSpPr>
+        <p:spPr bwMode="auto">
+          <a:xfrm>
+            <a:off x="4080489" y="3013955"/>
+            <a:ext cx="288032" cy="288032"/>
+          </a:xfrm>
+          <a:prstGeom prst="diamond">
+            <a:avLst/>
+          </a:prstGeom>
+          <a:solidFill>
+            <a:schemeClr val="accent3">
+              <a:lumMod val="20000"/>
+              <a:lumOff val="80000"/>
+            </a:schemeClr>
+          </a:solidFill>
+          <a:ln w="9525" cap="flat" cmpd="sng" algn="ctr">
+            <a:solidFill>
+              <a:schemeClr val="accent3">
+                <a:lumMod val="75000"/>
+              </a:schemeClr>
+            </a:solidFill>
+            <a:prstDash val="solid"/>
+            <a:round/>
+            <a:headEnd type="none" w="med" len="med"/>
+            <a:tailEnd type="none" w="med" len="med"/>
+          </a:ln>
+          <a:effectLst/>
+        </p:spPr>
+        <p:txBody>
+          <a:bodyPr vert="horz" wrap="square" lIns="91440" tIns="45720" rIns="91440" bIns="45720" numCol="1" rtlCol="0" anchor="ctr" anchorCtr="0" compatLnSpc="1">
+            <a:prstTxWarp prst="textNoShape">
+              <a:avLst/>
+            </a:prstTxWarp>
+          </a:bodyPr>
+          <a:lstStyle/>
+          <a:p>
+            <a:pPr marL="0" marR="0" indent="0" algn="ctr" defTabSz="914400" rtl="0" eaLnBrk="1" fontAlgn="base" latinLnBrk="0" hangingPunct="1">
+              <a:lnSpc>
+                <a:spcPct val="100000"/>
+              </a:lnSpc>
+              <a:spcBef>
+                <a:spcPct val="0"/>
+              </a:spcBef>
+              <a:spcAft>
+                <a:spcPct val="0"/>
+              </a:spcAft>
+              <a:buClrTx/>
+              <a:buSzTx/>
+              <a:buFontTx/>
+              <a:buNone/>
+              <a:tabLst/>
+            </a:pPr>
+            <a:endParaRPr kumimoji="0" lang="ko-KR" altLang="en-US" sz="1400" b="0" i="0" u="none" strike="noStrike" cap="none" normalizeH="0" baseline="0">
+              <a:ln>
+                <a:noFill/>
+              </a:ln>
+              <a:solidFill>
+                <a:schemeClr val="tx1"/>
+              </a:solidFill>
+              <a:effectLst/>
+              <a:latin typeface="Arial" charset="0"/>
+            </a:endParaRPr>
+          </a:p>
+        </p:txBody>
+      </p:sp>
+      <p:cxnSp>
+        <p:nvCxnSpPr>
+          <p:cNvPr id="28" name="직선 연결선 27">
+            <a:extLst>
+              <a:ext uri="{FF2B5EF4-FFF2-40B4-BE49-F238E27FC236}">
+                <a16:creationId xmlns:a16="http://schemas.microsoft.com/office/drawing/2014/main" id="{62B30D99-6A95-C5E8-3C98-3710DA3EDF00}"/>
+              </a:ext>
+            </a:extLst>
+          </p:cNvPr>
+          <p:cNvCxnSpPr>
+            <a:stCxn id="26" idx="2"/>
+            <a:endCxn id="25" idx="0"/>
+          </p:cNvCxnSpPr>
+          <p:nvPr/>
+        </p:nvCxnSpPr>
+        <p:spPr bwMode="auto">
+          <a:xfrm>
+            <a:off x="4224505" y="3301987"/>
+            <a:ext cx="2" cy="183574"/>
+          </a:xfrm>
+          <a:prstGeom prst="line">
+            <a:avLst/>
+          </a:prstGeom>
+          <a:solidFill>
+            <a:schemeClr val="accent1"/>
+          </a:solidFill>
+          <a:ln w="9525" cap="flat" cmpd="sng" algn="ctr">
+            <a:solidFill>
+              <a:schemeClr val="tx1"/>
+            </a:solidFill>
+            <a:prstDash val="solid"/>
+            <a:round/>
+            <a:headEnd type="none" w="med" len="med"/>
+            <a:tailEnd type="none" w="med" len="med"/>
+          </a:ln>
+          <a:effectLst/>
+          <a:extLst>
+            <a:ext uri="{AF507438-7753-43E0-B8FC-AC1667EBCBE1}">
+              <a14:hiddenEffects xmlns:a14="http://schemas.microsoft.com/office/drawing/2010/main">
+                <a:effectLst>
+                  <a:outerShdw dist="35921" dir="2700000" algn="ctr" rotWithShape="0">
+                    <a:schemeClr val="bg2"/>
+                  </a:outerShdw>
+                </a:effectLst>
+              </a14:hiddenEffects>
+            </a:ext>
+          </a:extLst>
+        </p:spPr>
+      </p:cxnSp>
+      <p:sp>
+        <p:nvSpPr>
+          <p:cNvPr id="29" name="직사각형 28">
+            <a:extLst>
+              <a:ext uri="{FF2B5EF4-FFF2-40B4-BE49-F238E27FC236}">
+                <a16:creationId xmlns:a16="http://schemas.microsoft.com/office/drawing/2014/main" id="{269A905D-B87E-7B00-A857-075A97FD748B}"/>
+              </a:ext>
+            </a:extLst>
+          </p:cNvPr>
+          <p:cNvSpPr/>
+          <p:nvPr/>
+        </p:nvSpPr>
+        <p:spPr bwMode="auto">
+          <a:xfrm>
+            <a:off x="4993484" y="3490376"/>
+            <a:ext cx="1322877" cy="576064"/>
+          </a:xfrm>
+          <a:prstGeom prst="rect">
+            <a:avLst/>
+          </a:prstGeom>
+          <a:solidFill>
+            <a:schemeClr val="accent3">
+              <a:lumMod val="20000"/>
+              <a:lumOff val="80000"/>
+            </a:schemeClr>
+          </a:solidFill>
+          <a:ln w="9525" cap="flat" cmpd="sng" algn="ctr">
+            <a:solidFill>
+              <a:schemeClr val="accent3">
+                <a:lumMod val="75000"/>
+              </a:schemeClr>
+            </a:solidFill>
+            <a:prstDash val="solid"/>
+            <a:round/>
+            <a:headEnd type="none" w="med" len="med"/>
+            <a:tailEnd type="none" w="med" len="med"/>
+          </a:ln>
+          <a:effectLst/>
+        </p:spPr>
+        <p:txBody>
+          <a:bodyPr vert="horz" wrap="square" lIns="91440" tIns="45720" rIns="91440" bIns="45720" numCol="1" rtlCol="0" anchor="ctr" anchorCtr="0" compatLnSpc="1">
+            <a:prstTxWarp prst="textNoShape">
+              <a:avLst/>
+            </a:prstTxWarp>
+          </a:bodyPr>
+          <a:lstStyle/>
+          <a:p>
+            <a:pPr marL="0" marR="0" indent="0" algn="ctr" defTabSz="914400" rtl="0" eaLnBrk="1" fontAlgn="base" latinLnBrk="0" hangingPunct="1">
+              <a:lnSpc>
+                <a:spcPct val="100000"/>
+              </a:lnSpc>
+              <a:spcBef>
+                <a:spcPct val="0"/>
+              </a:spcBef>
+              <a:spcAft>
+                <a:spcPct val="0"/>
+              </a:spcAft>
+              <a:buClrTx/>
+              <a:buSzTx/>
+              <a:buFontTx/>
+              <a:buNone/>
+              <a:tabLst/>
+            </a:pPr>
+            <a:r>
+              <a:rPr kumimoji="0" lang="en-US" altLang="ko-KR" sz="1400" b="0" i="0" u="none" strike="noStrike" cap="none" normalizeH="0" baseline="0" dirty="0" err="1">
+                <a:ln>
+                  <a:noFill/>
+                </a:ln>
+                <a:solidFill>
+                  <a:schemeClr val="tx1"/>
+                </a:solidFill>
+                <a:effectLst/>
+                <a:latin typeface="Arial" charset="0"/>
+              </a:rPr>
+              <a:t>rectButton</a:t>
+            </a:r>
+            <a:endParaRPr kumimoji="0" lang="ko-KR" altLang="en-US" sz="1400" b="0" i="0" u="none" strike="noStrike" cap="none" normalizeH="0" baseline="0" dirty="0">
+              <a:ln>
+                <a:noFill/>
+              </a:ln>
+              <a:solidFill>
+                <a:schemeClr val="tx1"/>
+              </a:solidFill>
+              <a:effectLst/>
+              <a:latin typeface="Arial" charset="0"/>
+            </a:endParaRPr>
+          </a:p>
+        </p:txBody>
+      </p:sp>
+      <p:sp>
+        <p:nvSpPr>
+          <p:cNvPr id="30" name="다이아몬드 29">
+            <a:extLst>
+              <a:ext uri="{FF2B5EF4-FFF2-40B4-BE49-F238E27FC236}">
+                <a16:creationId xmlns:a16="http://schemas.microsoft.com/office/drawing/2014/main" id="{19E054D2-D24F-8140-1BDD-9484DB557398}"/>
+              </a:ext>
+            </a:extLst>
+          </p:cNvPr>
+          <p:cNvSpPr/>
+          <p:nvPr/>
+        </p:nvSpPr>
+        <p:spPr bwMode="auto">
+          <a:xfrm>
+            <a:off x="5510905" y="3018770"/>
+            <a:ext cx="288032" cy="288032"/>
+          </a:xfrm>
+          <a:prstGeom prst="diamond">
+            <a:avLst/>
+          </a:prstGeom>
+          <a:solidFill>
+            <a:schemeClr val="accent3">
+              <a:lumMod val="20000"/>
+              <a:lumOff val="80000"/>
+            </a:schemeClr>
+          </a:solidFill>
+          <a:ln w="9525" cap="flat" cmpd="sng" algn="ctr">
+            <a:solidFill>
+              <a:schemeClr val="accent3">
+                <a:lumMod val="75000"/>
+              </a:schemeClr>
+            </a:solidFill>
+            <a:prstDash val="solid"/>
+            <a:round/>
+            <a:headEnd type="none" w="med" len="med"/>
+            <a:tailEnd type="none" w="med" len="med"/>
+          </a:ln>
+          <a:effectLst/>
+        </p:spPr>
+        <p:txBody>
+          <a:bodyPr vert="horz" wrap="square" lIns="91440" tIns="45720" rIns="91440" bIns="45720" numCol="1" rtlCol="0" anchor="ctr" anchorCtr="0" compatLnSpc="1">
+            <a:prstTxWarp prst="textNoShape">
+              <a:avLst/>
+            </a:prstTxWarp>
+          </a:bodyPr>
+          <a:lstStyle/>
+          <a:p>
+            <a:pPr marL="0" marR="0" indent="0" algn="ctr" defTabSz="914400" rtl="0" eaLnBrk="1" fontAlgn="base" latinLnBrk="0" hangingPunct="1">
+              <a:lnSpc>
+                <a:spcPct val="100000"/>
+              </a:lnSpc>
+              <a:spcBef>
+                <a:spcPct val="0"/>
+              </a:spcBef>
+              <a:spcAft>
+                <a:spcPct val="0"/>
+              </a:spcAft>
+              <a:buClrTx/>
+              <a:buSzTx/>
+              <a:buFontTx/>
+              <a:buNone/>
+              <a:tabLst/>
+            </a:pPr>
+            <a:endParaRPr kumimoji="0" lang="ko-KR" altLang="en-US" sz="1400" b="0" i="0" u="none" strike="noStrike" cap="none" normalizeH="0" baseline="0">
+              <a:ln>
+                <a:noFill/>
+              </a:ln>
+              <a:solidFill>
+                <a:schemeClr val="tx1"/>
+              </a:solidFill>
+              <a:effectLst/>
+              <a:latin typeface="Arial" charset="0"/>
+            </a:endParaRPr>
+          </a:p>
+        </p:txBody>
+      </p:sp>
+      <p:cxnSp>
+        <p:nvCxnSpPr>
+          <p:cNvPr id="31" name="직선 연결선 30">
+            <a:extLst>
+              <a:ext uri="{FF2B5EF4-FFF2-40B4-BE49-F238E27FC236}">
+                <a16:creationId xmlns:a16="http://schemas.microsoft.com/office/drawing/2014/main" id="{8A6CDC5C-6E8A-FE35-CA6F-F48C05DA10A5}"/>
+              </a:ext>
+            </a:extLst>
+          </p:cNvPr>
+          <p:cNvCxnSpPr>
+            <a:stCxn id="30" idx="2"/>
+            <a:endCxn id="29" idx="0"/>
+          </p:cNvCxnSpPr>
+          <p:nvPr/>
+        </p:nvCxnSpPr>
+        <p:spPr bwMode="auto">
+          <a:xfrm>
+            <a:off x="5654921" y="3306802"/>
+            <a:ext cx="2" cy="183574"/>
+          </a:xfrm>
+          <a:prstGeom prst="line">
+            <a:avLst/>
+          </a:prstGeom>
+          <a:solidFill>
+            <a:schemeClr val="accent1"/>
+          </a:solidFill>
+          <a:ln w="9525" cap="flat" cmpd="sng" algn="ctr">
+            <a:solidFill>
+              <a:schemeClr val="tx1"/>
+            </a:solidFill>
+            <a:prstDash val="solid"/>
+            <a:round/>
+            <a:headEnd type="none" w="med" len="med"/>
+            <a:tailEnd type="none" w="med" len="med"/>
+          </a:ln>
+          <a:effectLst/>
+          <a:extLst>
+            <a:ext uri="{AF507438-7753-43E0-B8FC-AC1667EBCBE1}">
+              <a14:hiddenEffects xmlns:a14="http://schemas.microsoft.com/office/drawing/2010/main">
+                <a:effectLst>
+                  <a:outerShdw dist="35921" dir="2700000" algn="ctr" rotWithShape="0">
+                    <a:schemeClr val="bg2"/>
+                  </a:outerShdw>
+                </a:effectLst>
+              </a14:hiddenEffects>
+            </a:ext>
+          </a:extLst>
+        </p:spPr>
+      </p:cxnSp>
+    </p:spTree>
+    <p:extLst>
+      <p:ext uri="{BB962C8B-B14F-4D97-AF65-F5344CB8AC3E}">
+        <p14:creationId xmlns:p14="http://schemas.microsoft.com/office/powerpoint/2010/main" val="2543002722"/>
+      </p:ext>
+    </p:extLst>
+  </p:cSld>
+  <p:clrMapOvr>
+    <a:masterClrMapping/>
+  </p:clrMapOvr>
+</p:sld>
+</file>
+
+<file path=ppt/slides/slide31.xml><?xml version="1.0" encoding="utf-8"?>
+<p:sld xmlns:a="http://schemas.openxmlformats.org/drawingml/2006/main" xmlns:r="http://schemas.openxmlformats.org/officeDocument/2006/relationships" xmlns:p="http://schemas.openxmlformats.org/presentationml/2006/main">
+  <p:cSld>
+    <p:spTree>
+      <p:nvGrpSpPr>
+        <p:cNvPr id="1" name=""/>
+        <p:cNvGrpSpPr/>
+        <p:nvPr/>
+      </p:nvGrpSpPr>
+      <p:grpSpPr>
+        <a:xfrm>
+          <a:off x="0" y="0"/>
+          <a:ext cx="0" cy="0"/>
+          <a:chOff x="0" y="0"/>
+          <a:chExt cx="0" cy="0"/>
+        </a:xfrm>
+      </p:grpSpPr>
+      <p:sp>
+        <p:nvSpPr>
+          <p:cNvPr id="2" name="내용 개체 틀 1">
+            <a:extLst>
+              <a:ext uri="{FF2B5EF4-FFF2-40B4-BE49-F238E27FC236}">
+                <a16:creationId xmlns:a16="http://schemas.microsoft.com/office/drawing/2014/main" id="{899662F9-A691-13D5-C7D7-C8863EB70536}"/>
+              </a:ext>
+            </a:extLst>
+          </p:cNvPr>
+          <p:cNvSpPr>
+            <a:spLocks noGrp="1"/>
+          </p:cNvSpPr>
+          <p:nvPr>
+            <p:ph sz="half" idx="1"/>
+          </p:nvPr>
+        </p:nvSpPr>
+        <p:spPr/>
+        <p:txBody>
+          <a:bodyPr/>
+          <a:lstStyle/>
+          <a:p>
+            <a:r>
+              <a:rPr lang="ko-KR" altLang="en-US" dirty="0"/>
+              <a:t>과제</a:t>
+            </a:r>
+            <a:endParaRPr lang="en-US" altLang="ko-KR" dirty="0"/>
+          </a:p>
+          <a:p>
+            <a:pPr lvl="1"/>
+            <a:r>
+              <a:rPr lang="en-US" altLang="ko-KR" dirty="0"/>
+              <a:t>Anchor </a:t>
+            </a:r>
+            <a:r>
+              <a:rPr lang="ko-KR" altLang="en-US"/>
+              <a:t>제대로 그리기</a:t>
+            </a:r>
+          </a:p>
+        </p:txBody>
+      </p:sp>
+      <p:sp>
+        <p:nvSpPr>
+          <p:cNvPr id="3" name="내용 개체 틀 2">
+            <a:extLst>
+              <a:ext uri="{FF2B5EF4-FFF2-40B4-BE49-F238E27FC236}">
+                <a16:creationId xmlns:a16="http://schemas.microsoft.com/office/drawing/2014/main" id="{37EB249A-A66C-21D9-EF40-9E5AA7DBCB9B}"/>
+              </a:ext>
+            </a:extLst>
+          </p:cNvPr>
+          <p:cNvSpPr>
+            <a:spLocks noGrp="1"/>
+          </p:cNvSpPr>
+          <p:nvPr>
+            <p:ph sz="half" idx="2"/>
+          </p:nvPr>
+        </p:nvSpPr>
+        <p:spPr/>
+        <p:txBody>
+          <a:bodyPr/>
+          <a:lstStyle/>
+          <a:p>
+            <a:r>
+              <a:rPr lang="ko-KR" altLang="en-US" dirty="0"/>
+              <a:t>기말 평가 </a:t>
+            </a:r>
+            <a:endParaRPr lang="en-US" altLang="ko-KR" dirty="0"/>
+          </a:p>
+          <a:p>
+            <a:pPr lvl="1"/>
+            <a:r>
+              <a:rPr lang="en-US" altLang="ko-KR" dirty="0"/>
+              <a:t>6/15 </a:t>
+            </a:r>
+            <a:r>
+              <a:rPr lang="ko-KR" altLang="en-US" dirty="0"/>
+              <a:t>중간평가와 동일한 방식</a:t>
+            </a:r>
+            <a:endParaRPr lang="en-US" altLang="ko-KR" dirty="0"/>
+          </a:p>
+          <a:p>
+            <a:pPr lvl="2"/>
+            <a:r>
+              <a:rPr lang="ko-KR" altLang="en-US" dirty="0"/>
+              <a:t>평가</a:t>
+            </a:r>
+            <a:endParaRPr lang="en-US" altLang="ko-KR" dirty="0"/>
+          </a:p>
+          <a:p>
+            <a:pPr lvl="3"/>
+            <a:r>
+              <a:rPr lang="ko-KR" altLang="en-US" dirty="0"/>
+              <a:t>전체 기능 개수 </a:t>
+            </a:r>
+            <a:r>
+              <a:rPr lang="en-US" altLang="ko-KR" dirty="0"/>
+              <a:t>x 5</a:t>
+            </a:r>
+            <a:r>
+              <a:rPr lang="ko-KR" altLang="en-US" dirty="0"/>
+              <a:t>점</a:t>
+            </a:r>
+          </a:p>
+        </p:txBody>
+      </p:sp>
+      <p:sp>
+        <p:nvSpPr>
+          <p:cNvPr id="4" name="바닥글 개체 틀 3">
+            <a:extLst>
+              <a:ext uri="{FF2B5EF4-FFF2-40B4-BE49-F238E27FC236}">
+                <a16:creationId xmlns:a16="http://schemas.microsoft.com/office/drawing/2014/main" id="{11FD46DA-946F-9263-A88D-8F03063B4FC4}"/>
+              </a:ext>
+            </a:extLst>
+          </p:cNvPr>
+          <p:cNvSpPr>
+            <a:spLocks noGrp="1"/>
+          </p:cNvSpPr>
+          <p:nvPr>
+            <p:ph type="ftr" sz="quarter" idx="10"/>
+          </p:nvPr>
+        </p:nvSpPr>
+        <p:spPr/>
+        <p:txBody>
+          <a:bodyPr/>
+          <a:lstStyle/>
+          <a:p>
+            <a:pPr>
+              <a:buFont typeface="맑은 고딕" panose="020B0503020000020004" pitchFamily="50" charset="-127"/>
+              <a:buChar char="ⓒ"/>
+            </a:pPr>
+            <a:r>
+              <a:rPr lang="en-US" altLang="ko-KR"/>
+              <a:t>Sungwoon Choi 2021</a:t>
+            </a:r>
+            <a:endParaRPr lang="en-US" altLang="ko-KR" dirty="0"/>
+          </a:p>
+        </p:txBody>
+      </p:sp>
+      <p:sp>
+        <p:nvSpPr>
+          <p:cNvPr id="5" name="슬라이드 번호 개체 틀 4">
+            <a:extLst>
+              <a:ext uri="{FF2B5EF4-FFF2-40B4-BE49-F238E27FC236}">
+                <a16:creationId xmlns:a16="http://schemas.microsoft.com/office/drawing/2014/main" id="{D82E06A1-34A1-DFA5-7035-66D64F7C1EF3}"/>
+              </a:ext>
+            </a:extLst>
+          </p:cNvPr>
+          <p:cNvSpPr>
+            <a:spLocks noGrp="1"/>
+          </p:cNvSpPr>
+          <p:nvPr>
+            <p:ph type="sldNum" sz="quarter" idx="11"/>
+          </p:nvPr>
+        </p:nvSpPr>
+        <p:spPr/>
+        <p:txBody>
+          <a:bodyPr/>
+          <a:lstStyle/>
+          <a:p>
+            <a:fld id="{AA4216F1-165B-4DFF-BD92-3D8E849D7D48}" type="slidenum">
+              <a:rPr lang="en-US" altLang="ko-KR" smtClean="0"/>
+              <a:pPr/>
+              <a:t>31</a:t>
+            </a:fld>
+            <a:endParaRPr lang="en-US" altLang="ko-KR" dirty="0"/>
+          </a:p>
+        </p:txBody>
+      </p:sp>
+    </p:spTree>
+    <p:extLst>
+      <p:ext uri="{BB962C8B-B14F-4D97-AF65-F5344CB8AC3E}">
+        <p14:creationId xmlns:p14="http://schemas.microsoft.com/office/powerpoint/2010/main" val="1767992712"/>
       </p:ext>
     </p:extLst>
   </p:cSld>

--- a/graphicsEditorA/강의진행.pptx
+++ b/graphicsEditorA/강의진행.pptx
@@ -5,7 +5,7 @@
     <p:sldMasterId id="2147483648" r:id="rId1"/>
   </p:sldMasterIdLst>
   <p:notesMasterIdLst>
-    <p:notesMasterId r:id="rId33"/>
+    <p:notesMasterId r:id="rId36"/>
   </p:notesMasterIdLst>
   <p:sldIdLst>
     <p:sldId id="256" r:id="rId2"/>
@@ -39,6 +39,9 @@
     <p:sldId id="323" r:id="rId30"/>
     <p:sldId id="324" r:id="rId31"/>
     <p:sldId id="325" r:id="rId32"/>
+    <p:sldId id="326" r:id="rId33"/>
+    <p:sldId id="328" r:id="rId34"/>
+    <p:sldId id="327" r:id="rId35"/>
   </p:sldIdLst>
   <p:sldSz cx="10150475" cy="7616825"/>
   <p:notesSz cx="6797675" cy="9928225"/>
@@ -5395,7 +5398,7 @@
             <a:fld id="{6D61DB4D-25AF-4EE9-B3EB-9D14CE91ACF1}" type="datetimeFigureOut">
               <a:rPr lang="ko-KR" altLang="en-US" smtClean="0"/>
               <a:pPr/>
-              <a:t>2022-06-06 (Mon)</a:t>
+              <a:t>2022-06-08</a:t>
             </a:fld>
             <a:endParaRPr lang="ko-KR" altLang="en-US" dirty="0"/>
           </a:p>
@@ -36224,6 +36227,1891 @@
     <p:extLst>
       <p:ext uri="{BB962C8B-B14F-4D97-AF65-F5344CB8AC3E}">
         <p14:creationId xmlns:p14="http://schemas.microsoft.com/office/powerpoint/2010/main" val="1767992712"/>
+      </p:ext>
+    </p:extLst>
+  </p:cSld>
+  <p:clrMapOvr>
+    <a:masterClrMapping/>
+  </p:clrMapOvr>
+</p:sld>
+</file>
+
+<file path=ppt/slides/slide32.xml><?xml version="1.0" encoding="utf-8"?>
+<p:sld xmlns:a="http://schemas.openxmlformats.org/drawingml/2006/main" xmlns:r="http://schemas.openxmlformats.org/officeDocument/2006/relationships" xmlns:p="http://schemas.openxmlformats.org/presentationml/2006/main">
+  <p:cSld>
+    <p:spTree>
+      <p:nvGrpSpPr>
+        <p:cNvPr id="1" name=""/>
+        <p:cNvGrpSpPr/>
+        <p:nvPr/>
+      </p:nvGrpSpPr>
+      <p:grpSpPr>
+        <a:xfrm>
+          <a:off x="0" y="0"/>
+          <a:ext cx="0" cy="0"/>
+          <a:chOff x="0" y="0"/>
+          <a:chExt cx="0" cy="0"/>
+        </a:xfrm>
+      </p:grpSpPr>
+      <p:sp>
+        <p:nvSpPr>
+          <p:cNvPr id="6" name="제목 5"/>
+          <p:cNvSpPr>
+            <a:spLocks noGrp="1"/>
+          </p:cNvSpPr>
+          <p:nvPr>
+            <p:ph type="title"/>
+          </p:nvPr>
+        </p:nvSpPr>
+        <p:spPr/>
+        <p:txBody>
+          <a:bodyPr/>
+          <a:lstStyle/>
+          <a:p>
+            <a:r>
+              <a:rPr lang="en-US" altLang="ko-KR" dirty="0" smtClean="0"/>
+              <a:t>2022-06-08</a:t>
+            </a:r>
+            <a:endParaRPr lang="ko-KR" altLang="en-US" dirty="0"/>
+          </a:p>
+        </p:txBody>
+      </p:sp>
+      <p:sp>
+        <p:nvSpPr>
+          <p:cNvPr id="7" name="내용 개체 틀 6"/>
+          <p:cNvSpPr>
+            <a:spLocks noGrp="1"/>
+          </p:cNvSpPr>
+          <p:nvPr>
+            <p:ph sz="half" idx="1"/>
+          </p:nvPr>
+        </p:nvSpPr>
+        <p:spPr/>
+        <p:txBody>
+          <a:bodyPr/>
+          <a:lstStyle/>
+          <a:p>
+            <a:r>
+              <a:rPr lang="ko-KR" altLang="en-US" dirty="0" smtClean="0"/>
+              <a:t>진행</a:t>
+            </a:r>
+            <a:endParaRPr lang="en-US" altLang="ko-KR" dirty="0" smtClean="0"/>
+          </a:p>
+          <a:p>
+            <a:pPr lvl="1"/>
+            <a:r>
+              <a:rPr lang="ko-KR" altLang="en-US" dirty="0" smtClean="0"/>
+              <a:t>개발</a:t>
+            </a:r>
+            <a:r>
+              <a:rPr lang="en-US" altLang="ko-KR" dirty="0" smtClean="0"/>
+              <a:t> </a:t>
+            </a:r>
+            <a:r>
+              <a:rPr lang="ko-KR" altLang="en-US" dirty="0" smtClean="0"/>
+              <a:t>프로세스</a:t>
+            </a:r>
+            <a:endParaRPr lang="en-US" altLang="ko-KR" dirty="0"/>
+          </a:p>
+          <a:p>
+            <a:pPr lvl="1"/>
+            <a:r>
+              <a:rPr lang="en-US" altLang="ko-KR" dirty="0" smtClean="0"/>
+              <a:t>Repaint</a:t>
+            </a:r>
+          </a:p>
+          <a:p>
+            <a:pPr lvl="2"/>
+            <a:r>
+              <a:rPr lang="en-US" altLang="ko-KR" dirty="0" smtClean="0"/>
+              <a:t>Draw All</a:t>
+            </a:r>
+            <a:endParaRPr lang="ko-KR" altLang="en-US" dirty="0"/>
+          </a:p>
+        </p:txBody>
+      </p:sp>
+      <p:sp>
+        <p:nvSpPr>
+          <p:cNvPr id="8" name="내용 개체 틀 7"/>
+          <p:cNvSpPr>
+            <a:spLocks noGrp="1"/>
+          </p:cNvSpPr>
+          <p:nvPr>
+            <p:ph sz="half" idx="2"/>
+          </p:nvPr>
+        </p:nvSpPr>
+        <p:spPr/>
+        <p:txBody>
+          <a:bodyPr/>
+          <a:lstStyle/>
+          <a:p>
+            <a:endParaRPr lang="ko-KR" altLang="en-US" dirty="0"/>
+          </a:p>
+        </p:txBody>
+      </p:sp>
+      <p:sp>
+        <p:nvSpPr>
+          <p:cNvPr id="4" name="바닥글 개체 틀 3"/>
+          <p:cNvSpPr>
+            <a:spLocks noGrp="1"/>
+          </p:cNvSpPr>
+          <p:nvPr>
+            <p:ph type="ftr" sz="quarter" idx="10"/>
+          </p:nvPr>
+        </p:nvSpPr>
+        <p:spPr/>
+        <p:txBody>
+          <a:bodyPr/>
+          <a:lstStyle/>
+          <a:p>
+            <a:pPr>
+              <a:buFont typeface="맑은 고딕" panose="020B0503020000020004" pitchFamily="50" charset="-127"/>
+              <a:buChar char="ⓒ"/>
+            </a:pPr>
+            <a:r>
+              <a:rPr lang="en-US" altLang="ko-KR"/>
+              <a:t>Sungwoon Choi 2021</a:t>
+            </a:r>
+            <a:endParaRPr lang="en-US" altLang="ko-KR" dirty="0"/>
+          </a:p>
+        </p:txBody>
+      </p:sp>
+      <p:sp>
+        <p:nvSpPr>
+          <p:cNvPr id="5" name="슬라이드 번호 개체 틀 4"/>
+          <p:cNvSpPr>
+            <a:spLocks noGrp="1"/>
+          </p:cNvSpPr>
+          <p:nvPr>
+            <p:ph type="sldNum" sz="quarter" idx="11"/>
+          </p:nvPr>
+        </p:nvSpPr>
+        <p:spPr/>
+        <p:txBody>
+          <a:bodyPr/>
+          <a:lstStyle/>
+          <a:p>
+            <a:fld id="{AA4216F1-165B-4DFF-BD92-3D8E849D7D48}" type="slidenum">
+              <a:rPr lang="en-US" altLang="ko-KR" smtClean="0"/>
+              <a:pPr/>
+              <a:t>32</a:t>
+            </a:fld>
+            <a:endParaRPr lang="en-US" altLang="ko-KR" dirty="0"/>
+          </a:p>
+        </p:txBody>
+      </p:sp>
+      <p:sp>
+        <p:nvSpPr>
+          <p:cNvPr id="18" name="직사각형 17">
+            <a:extLst>
+              <a:ext uri="{FF2B5EF4-FFF2-40B4-BE49-F238E27FC236}">
+                <a16:creationId xmlns:a16="http://schemas.microsoft.com/office/drawing/2014/main" id="{2ABE59DA-F6C6-3BC3-6598-5162B0D13BE6}"/>
+              </a:ext>
+            </a:extLst>
+          </p:cNvPr>
+          <p:cNvSpPr/>
+          <p:nvPr/>
+        </p:nvSpPr>
+        <p:spPr bwMode="auto">
+          <a:xfrm>
+            <a:off x="6253547" y="2972945"/>
+            <a:ext cx="794296" cy="720079"/>
+          </a:xfrm>
+          <a:prstGeom prst="rect">
+            <a:avLst/>
+          </a:prstGeom>
+          <a:noFill/>
+          <a:ln w="9525" cap="flat" cmpd="sng" algn="ctr">
+            <a:solidFill>
+              <a:schemeClr val="accent3">
+                <a:lumMod val="75000"/>
+              </a:schemeClr>
+            </a:solidFill>
+            <a:prstDash val="solid"/>
+            <a:round/>
+            <a:headEnd type="none" w="med" len="med"/>
+            <a:tailEnd type="none" w="med" len="med"/>
+          </a:ln>
+          <a:effectLst/>
+        </p:spPr>
+        <p:txBody>
+          <a:bodyPr vert="horz" wrap="square" lIns="91440" tIns="45720" rIns="91440" bIns="45720" numCol="1" rtlCol="0" anchor="ctr" anchorCtr="0" compatLnSpc="1">
+            <a:prstTxWarp prst="textNoShape">
+              <a:avLst/>
+            </a:prstTxWarp>
+          </a:bodyPr>
+          <a:lstStyle/>
+          <a:p>
+            <a:pPr marL="0" marR="0" indent="0" algn="ctr" defTabSz="914400" rtl="0" eaLnBrk="1" fontAlgn="base" latinLnBrk="0" hangingPunct="1">
+              <a:lnSpc>
+                <a:spcPct val="100000"/>
+              </a:lnSpc>
+              <a:spcBef>
+                <a:spcPct val="0"/>
+              </a:spcBef>
+              <a:spcAft>
+                <a:spcPct val="0"/>
+              </a:spcAft>
+              <a:buClrTx/>
+              <a:buSzTx/>
+              <a:buFontTx/>
+              <a:buNone/>
+              <a:tabLst/>
+            </a:pPr>
+            <a:endParaRPr kumimoji="0" lang="ko-KR" altLang="en-US" sz="1400" b="0" i="0" u="none" strike="noStrike" cap="none" normalizeH="0" baseline="0">
+              <a:ln>
+                <a:noFill/>
+              </a:ln>
+              <a:solidFill>
+                <a:schemeClr val="tx1"/>
+              </a:solidFill>
+              <a:effectLst/>
+              <a:latin typeface="Arial" charset="0"/>
+            </a:endParaRPr>
+          </a:p>
+        </p:txBody>
+      </p:sp>
+      <p:sp>
+        <p:nvSpPr>
+          <p:cNvPr id="19" name="직사각형 18">
+            <a:extLst>
+              <a:ext uri="{FF2B5EF4-FFF2-40B4-BE49-F238E27FC236}">
+                <a16:creationId xmlns:a16="http://schemas.microsoft.com/office/drawing/2014/main" id="{1CF1C6AF-078B-BC9F-88EA-05ECD4BBC3C6}"/>
+              </a:ext>
+            </a:extLst>
+          </p:cNvPr>
+          <p:cNvSpPr/>
+          <p:nvPr/>
+        </p:nvSpPr>
+        <p:spPr bwMode="auto">
+          <a:xfrm>
+            <a:off x="6253547" y="2972945"/>
+            <a:ext cx="946696" cy="872479"/>
+          </a:xfrm>
+          <a:prstGeom prst="rect">
+            <a:avLst/>
+          </a:prstGeom>
+          <a:noFill/>
+          <a:ln w="9525" cap="flat" cmpd="sng" algn="ctr">
+            <a:solidFill>
+              <a:schemeClr val="accent3">
+                <a:lumMod val="75000"/>
+              </a:schemeClr>
+            </a:solidFill>
+            <a:prstDash val="solid"/>
+            <a:round/>
+            <a:headEnd type="none" w="med" len="med"/>
+            <a:tailEnd type="none" w="med" len="med"/>
+          </a:ln>
+          <a:effectLst/>
+        </p:spPr>
+        <p:txBody>
+          <a:bodyPr vert="horz" wrap="square" lIns="91440" tIns="45720" rIns="91440" bIns="45720" numCol="1" rtlCol="0" anchor="ctr" anchorCtr="0" compatLnSpc="1">
+            <a:prstTxWarp prst="textNoShape">
+              <a:avLst/>
+            </a:prstTxWarp>
+          </a:bodyPr>
+          <a:lstStyle/>
+          <a:p>
+            <a:pPr marL="0" marR="0" indent="0" algn="ctr" defTabSz="914400" rtl="0" eaLnBrk="1" fontAlgn="base" latinLnBrk="0" hangingPunct="1">
+              <a:lnSpc>
+                <a:spcPct val="100000"/>
+              </a:lnSpc>
+              <a:spcBef>
+                <a:spcPct val="0"/>
+              </a:spcBef>
+              <a:spcAft>
+                <a:spcPct val="0"/>
+              </a:spcAft>
+              <a:buClrTx/>
+              <a:buSzTx/>
+              <a:buFontTx/>
+              <a:buNone/>
+              <a:tabLst/>
+            </a:pPr>
+            <a:endParaRPr kumimoji="0" lang="ko-KR" altLang="en-US" sz="1400" b="0" i="0" u="none" strike="noStrike" cap="none" normalizeH="0" baseline="0">
+              <a:ln>
+                <a:noFill/>
+              </a:ln>
+              <a:solidFill>
+                <a:schemeClr val="tx1"/>
+              </a:solidFill>
+              <a:effectLst/>
+              <a:latin typeface="Arial" charset="0"/>
+            </a:endParaRPr>
+          </a:p>
+        </p:txBody>
+      </p:sp>
+      <p:sp>
+        <p:nvSpPr>
+          <p:cNvPr id="20" name="직사각형 19">
+            <a:extLst>
+              <a:ext uri="{FF2B5EF4-FFF2-40B4-BE49-F238E27FC236}">
+                <a16:creationId xmlns:a16="http://schemas.microsoft.com/office/drawing/2014/main" id="{40BEB99B-A694-298D-F649-B4FA5CC7857F}"/>
+              </a:ext>
+            </a:extLst>
+          </p:cNvPr>
+          <p:cNvSpPr/>
+          <p:nvPr/>
+        </p:nvSpPr>
+        <p:spPr bwMode="auto">
+          <a:xfrm>
+            <a:off x="1588257" y="3015438"/>
+            <a:ext cx="1003586" cy="720080"/>
+          </a:xfrm>
+          <a:prstGeom prst="rect">
+            <a:avLst/>
+          </a:prstGeom>
+          <a:solidFill>
+            <a:schemeClr val="accent3">
+              <a:lumMod val="20000"/>
+              <a:lumOff val="80000"/>
+            </a:schemeClr>
+          </a:solidFill>
+          <a:ln w="9525" cap="flat" cmpd="sng" algn="ctr">
+            <a:solidFill>
+              <a:schemeClr val="accent3">
+                <a:lumMod val="75000"/>
+              </a:schemeClr>
+            </a:solidFill>
+            <a:prstDash val="solid"/>
+            <a:round/>
+            <a:headEnd type="none" w="med" len="med"/>
+            <a:tailEnd type="none" w="med" len="med"/>
+          </a:ln>
+          <a:effectLst/>
+        </p:spPr>
+        <p:txBody>
+          <a:bodyPr vert="horz" wrap="square" lIns="91440" tIns="45720" rIns="91440" bIns="45720" numCol="1" rtlCol="0" anchor="ctr" anchorCtr="0" compatLnSpc="1">
+            <a:prstTxWarp prst="textNoShape">
+              <a:avLst/>
+            </a:prstTxWarp>
+          </a:bodyPr>
+          <a:lstStyle/>
+          <a:p>
+            <a:pPr marL="0" marR="0" indent="0" algn="ctr" defTabSz="914400" rtl="0" eaLnBrk="1" fontAlgn="base" latinLnBrk="0" hangingPunct="1">
+              <a:lnSpc>
+                <a:spcPct val="100000"/>
+              </a:lnSpc>
+              <a:spcBef>
+                <a:spcPct val="0"/>
+              </a:spcBef>
+              <a:spcAft>
+                <a:spcPct val="0"/>
+              </a:spcAft>
+              <a:buClrTx/>
+              <a:buSzTx/>
+              <a:buFontTx/>
+              <a:buNone/>
+              <a:tabLst/>
+            </a:pPr>
+            <a:r>
+              <a:rPr kumimoji="0" lang="en-US" altLang="ko-KR" sz="1400" b="0" i="0" u="none" strike="noStrike" cap="none" normalizeH="0" baseline="0" dirty="0">
+                <a:ln>
+                  <a:noFill/>
+                </a:ln>
+                <a:solidFill>
+                  <a:schemeClr val="tx1"/>
+                </a:solidFill>
+                <a:effectLst/>
+                <a:latin typeface="Arial" charset="0"/>
+              </a:rPr>
+              <a:t>Monitor </a:t>
+            </a:r>
+          </a:p>
+          <a:p>
+            <a:pPr marL="0" marR="0" indent="0" algn="ctr" defTabSz="914400" rtl="0" eaLnBrk="1" fontAlgn="base" latinLnBrk="0" hangingPunct="1">
+              <a:lnSpc>
+                <a:spcPct val="100000"/>
+              </a:lnSpc>
+              <a:spcBef>
+                <a:spcPct val="0"/>
+              </a:spcBef>
+              <a:spcAft>
+                <a:spcPct val="0"/>
+              </a:spcAft>
+              <a:buClrTx/>
+              <a:buSzTx/>
+              <a:buFontTx/>
+              <a:buNone/>
+              <a:tabLst/>
+            </a:pPr>
+            <a:r>
+              <a:rPr kumimoji="0" lang="en-US" altLang="ko-KR" sz="1400" b="0" i="0" u="none" strike="noStrike" cap="none" normalizeH="0" baseline="0" dirty="0">
+                <a:ln>
+                  <a:noFill/>
+                </a:ln>
+                <a:solidFill>
+                  <a:schemeClr val="tx1"/>
+                </a:solidFill>
+                <a:effectLst/>
+                <a:latin typeface="Arial" charset="0"/>
+              </a:rPr>
+              <a:t>Buffer</a:t>
+            </a:r>
+            <a:endParaRPr kumimoji="0" lang="ko-KR" altLang="en-US" sz="1400" b="0" i="0" u="none" strike="noStrike" cap="none" normalizeH="0" baseline="0" dirty="0">
+              <a:ln>
+                <a:noFill/>
+              </a:ln>
+              <a:solidFill>
+                <a:schemeClr val="tx1"/>
+              </a:solidFill>
+              <a:effectLst/>
+              <a:latin typeface="Arial" charset="0"/>
+            </a:endParaRPr>
+          </a:p>
+        </p:txBody>
+      </p:sp>
+      <p:sp>
+        <p:nvSpPr>
+          <p:cNvPr id="21" name="화살표: 왼쪽 2">
+            <a:extLst>
+              <a:ext uri="{FF2B5EF4-FFF2-40B4-BE49-F238E27FC236}">
+                <a16:creationId xmlns:a16="http://schemas.microsoft.com/office/drawing/2014/main" id="{16D3DA25-C383-8555-67D5-EE60E909C127}"/>
+              </a:ext>
+            </a:extLst>
+          </p:cNvPr>
+          <p:cNvSpPr/>
+          <p:nvPr/>
+        </p:nvSpPr>
+        <p:spPr bwMode="auto">
+          <a:xfrm>
+            <a:off x="4643189" y="2872308"/>
+            <a:ext cx="1281311" cy="973116"/>
+          </a:xfrm>
+          <a:prstGeom prst="leftArrow">
+            <a:avLst>
+              <a:gd name="adj1" fmla="val 73689"/>
+              <a:gd name="adj2" fmla="val 50000"/>
+            </a:avLst>
+          </a:prstGeom>
+          <a:solidFill>
+            <a:schemeClr val="accent2">
+              <a:lumMod val="20000"/>
+              <a:lumOff val="80000"/>
+            </a:schemeClr>
+          </a:solidFill>
+          <a:ln w="9525" cap="flat" cmpd="sng" algn="ctr">
+            <a:solidFill>
+              <a:schemeClr val="accent2">
+                <a:lumMod val="75000"/>
+              </a:schemeClr>
+            </a:solidFill>
+            <a:prstDash val="solid"/>
+            <a:round/>
+            <a:headEnd type="none" w="med" len="med"/>
+            <a:tailEnd type="none" w="med" len="med"/>
+          </a:ln>
+          <a:effectLst/>
+        </p:spPr>
+        <p:txBody>
+          <a:bodyPr vert="horz" wrap="square" lIns="91440" tIns="45720" rIns="91440" bIns="45720" numCol="1" rtlCol="0" anchor="ctr" anchorCtr="0" compatLnSpc="1">
+            <a:prstTxWarp prst="textNoShape">
+              <a:avLst/>
+            </a:prstTxWarp>
+          </a:bodyPr>
+          <a:lstStyle/>
+          <a:p>
+            <a:pPr marL="0" marR="0" indent="0" algn="ctr" defTabSz="914400" rtl="0" eaLnBrk="1" fontAlgn="base" latinLnBrk="0" hangingPunct="1">
+              <a:lnSpc>
+                <a:spcPct val="100000"/>
+              </a:lnSpc>
+              <a:spcBef>
+                <a:spcPct val="0"/>
+              </a:spcBef>
+              <a:spcAft>
+                <a:spcPct val="0"/>
+              </a:spcAft>
+              <a:buClrTx/>
+              <a:buSzTx/>
+              <a:buFontTx/>
+              <a:buNone/>
+              <a:tabLst/>
+            </a:pPr>
+            <a:r>
+              <a:rPr kumimoji="0" lang="en-US" altLang="ko-KR" sz="1400" b="0" i="0" u="none" strike="noStrike" cap="none" normalizeH="0" baseline="0" dirty="0">
+                <a:ln>
+                  <a:noFill/>
+                </a:ln>
+                <a:solidFill>
+                  <a:schemeClr val="tx1"/>
+                </a:solidFill>
+                <a:effectLst/>
+                <a:latin typeface="Arial" charset="0"/>
+              </a:rPr>
+              <a:t>Graphics Image Buffer</a:t>
+            </a:r>
+            <a:endParaRPr kumimoji="0" lang="ko-KR" altLang="en-US" sz="1400" b="0" i="0" u="none" strike="noStrike" cap="none" normalizeH="0" baseline="0" dirty="0">
+              <a:ln>
+                <a:noFill/>
+              </a:ln>
+              <a:solidFill>
+                <a:schemeClr val="tx1"/>
+              </a:solidFill>
+              <a:effectLst/>
+              <a:latin typeface="Arial" charset="0"/>
+            </a:endParaRPr>
+          </a:p>
+        </p:txBody>
+      </p:sp>
+      <p:sp>
+        <p:nvSpPr>
+          <p:cNvPr id="22" name="직사각형 21">
+            <a:extLst>
+              <a:ext uri="{FF2B5EF4-FFF2-40B4-BE49-F238E27FC236}">
+                <a16:creationId xmlns:a16="http://schemas.microsoft.com/office/drawing/2014/main" id="{32C6DB50-48A4-D209-C9F8-FEB0CB671A82}"/>
+              </a:ext>
+            </a:extLst>
+          </p:cNvPr>
+          <p:cNvSpPr/>
+          <p:nvPr/>
+        </p:nvSpPr>
+        <p:spPr bwMode="auto">
+          <a:xfrm>
+            <a:off x="3731451" y="2992590"/>
+            <a:ext cx="888887" cy="736575"/>
+          </a:xfrm>
+          <a:prstGeom prst="rect">
+            <a:avLst/>
+          </a:prstGeom>
+          <a:solidFill>
+            <a:schemeClr val="accent2">
+              <a:lumMod val="20000"/>
+              <a:lumOff val="80000"/>
+            </a:schemeClr>
+          </a:solidFill>
+          <a:ln w="9525" cap="flat" cmpd="sng" algn="ctr">
+            <a:solidFill>
+              <a:schemeClr val="accent2">
+                <a:lumMod val="75000"/>
+              </a:schemeClr>
+            </a:solidFill>
+            <a:prstDash val="solid"/>
+            <a:round/>
+            <a:headEnd type="none" w="med" len="med"/>
+            <a:tailEnd type="none" w="med" len="med"/>
+          </a:ln>
+          <a:effectLst/>
+        </p:spPr>
+        <p:txBody>
+          <a:bodyPr vert="horz" wrap="square" lIns="91440" tIns="45720" rIns="91440" bIns="45720" numCol="1" rtlCol="0" anchor="ctr" anchorCtr="0" compatLnSpc="1">
+            <a:prstTxWarp prst="textNoShape">
+              <a:avLst/>
+            </a:prstTxWarp>
+          </a:bodyPr>
+          <a:lstStyle/>
+          <a:p>
+            <a:pPr marL="0" marR="0" indent="0" algn="ctr" defTabSz="914400" rtl="0" eaLnBrk="1" fontAlgn="base" latinLnBrk="0" hangingPunct="1">
+              <a:lnSpc>
+                <a:spcPct val="100000"/>
+              </a:lnSpc>
+              <a:spcBef>
+                <a:spcPct val="0"/>
+              </a:spcBef>
+              <a:spcAft>
+                <a:spcPct val="0"/>
+              </a:spcAft>
+              <a:buClrTx/>
+              <a:buSzTx/>
+              <a:buFontTx/>
+              <a:buNone/>
+              <a:tabLst/>
+            </a:pPr>
+            <a:r>
+              <a:rPr kumimoji="0" lang="en-US" altLang="ko-KR" sz="1400" b="0" i="0" u="none" strike="noStrike" cap="none" normalizeH="0" baseline="0" dirty="0">
+                <a:ln>
+                  <a:noFill/>
+                </a:ln>
+                <a:solidFill>
+                  <a:schemeClr val="tx1"/>
+                </a:solidFill>
+                <a:effectLst/>
+                <a:latin typeface="Arial" charset="0"/>
+              </a:rPr>
+              <a:t>Image Buffer</a:t>
+            </a:r>
+            <a:endParaRPr kumimoji="0" lang="ko-KR" altLang="en-US" sz="1400" b="0" i="0" u="none" strike="noStrike" cap="none" normalizeH="0" baseline="0" dirty="0">
+              <a:ln>
+                <a:noFill/>
+              </a:ln>
+              <a:solidFill>
+                <a:schemeClr val="tx1"/>
+              </a:solidFill>
+              <a:effectLst/>
+              <a:latin typeface="Arial" charset="0"/>
+            </a:endParaRPr>
+          </a:p>
+        </p:txBody>
+      </p:sp>
+      <p:sp>
+        <p:nvSpPr>
+          <p:cNvPr id="23" name="화살표: 왼쪽 14">
+            <a:extLst>
+              <a:ext uri="{FF2B5EF4-FFF2-40B4-BE49-F238E27FC236}">
+                <a16:creationId xmlns:a16="http://schemas.microsoft.com/office/drawing/2014/main" id="{614F29C1-2B54-5782-AFF6-63C73B4C073D}"/>
+              </a:ext>
+            </a:extLst>
+          </p:cNvPr>
+          <p:cNvSpPr/>
+          <p:nvPr/>
+        </p:nvSpPr>
+        <p:spPr bwMode="auto">
+          <a:xfrm>
+            <a:off x="2596182" y="3015437"/>
+            <a:ext cx="1072187" cy="713727"/>
+          </a:xfrm>
+          <a:prstGeom prst="leftArrow">
+            <a:avLst/>
+          </a:prstGeom>
+          <a:solidFill>
+            <a:schemeClr val="accent3">
+              <a:lumMod val="20000"/>
+              <a:lumOff val="80000"/>
+            </a:schemeClr>
+          </a:solidFill>
+          <a:ln w="9525" cap="flat" cmpd="sng" algn="ctr">
+            <a:solidFill>
+              <a:schemeClr val="accent3">
+                <a:lumMod val="75000"/>
+              </a:schemeClr>
+            </a:solidFill>
+            <a:prstDash val="solid"/>
+            <a:round/>
+            <a:headEnd type="none" w="med" len="med"/>
+            <a:tailEnd type="none" w="med" len="med"/>
+          </a:ln>
+          <a:effectLst/>
+        </p:spPr>
+        <p:txBody>
+          <a:bodyPr vert="horz" wrap="square" lIns="91440" tIns="45720" rIns="91440" bIns="45720" numCol="1" rtlCol="0" anchor="ctr" anchorCtr="0" compatLnSpc="1">
+            <a:prstTxWarp prst="textNoShape">
+              <a:avLst/>
+            </a:prstTxWarp>
+          </a:bodyPr>
+          <a:lstStyle/>
+          <a:p>
+            <a:pPr marL="0" marR="0" indent="0" algn="ctr" defTabSz="914400" rtl="0" eaLnBrk="1" fontAlgn="base" latinLnBrk="0" hangingPunct="1">
+              <a:lnSpc>
+                <a:spcPct val="100000"/>
+              </a:lnSpc>
+              <a:spcBef>
+                <a:spcPct val="0"/>
+              </a:spcBef>
+              <a:spcAft>
+                <a:spcPct val="0"/>
+              </a:spcAft>
+              <a:buClrTx/>
+              <a:buSzTx/>
+              <a:buFontTx/>
+              <a:buNone/>
+              <a:tabLst/>
+            </a:pPr>
+            <a:r>
+              <a:rPr kumimoji="0" lang="en-US" altLang="ko-KR" sz="1400" b="0" i="0" u="none" strike="noStrike" cap="none" normalizeH="0" baseline="0" dirty="0">
+                <a:ln>
+                  <a:noFill/>
+                </a:ln>
+                <a:solidFill>
+                  <a:schemeClr val="tx1"/>
+                </a:solidFill>
+                <a:effectLst/>
+                <a:latin typeface="Arial" charset="0"/>
+              </a:rPr>
+              <a:t>Graphics</a:t>
+            </a:r>
+            <a:endParaRPr kumimoji="0" lang="ko-KR" altLang="en-US" sz="1400" b="0" i="0" u="none" strike="noStrike" cap="none" normalizeH="0" baseline="0" dirty="0">
+              <a:ln>
+                <a:noFill/>
+              </a:ln>
+              <a:solidFill>
+                <a:schemeClr val="tx1"/>
+              </a:solidFill>
+              <a:effectLst/>
+              <a:latin typeface="Arial" charset="0"/>
+            </a:endParaRPr>
+          </a:p>
+        </p:txBody>
+      </p:sp>
+    </p:spTree>
+    <p:extLst>
+      <p:ext uri="{BB962C8B-B14F-4D97-AF65-F5344CB8AC3E}">
+        <p14:creationId xmlns:p14="http://schemas.microsoft.com/office/powerpoint/2010/main" val="3675573243"/>
+      </p:ext>
+    </p:extLst>
+  </p:cSld>
+  <p:clrMapOvr>
+    <a:masterClrMapping/>
+  </p:clrMapOvr>
+</p:sld>
+</file>
+
+<file path=ppt/slides/slide33.xml><?xml version="1.0" encoding="utf-8"?>
+<p:sld xmlns:a="http://schemas.openxmlformats.org/drawingml/2006/main" xmlns:r="http://schemas.openxmlformats.org/officeDocument/2006/relationships" xmlns:p="http://schemas.openxmlformats.org/presentationml/2006/main">
+  <p:cSld>
+    <p:spTree>
+      <p:nvGrpSpPr>
+        <p:cNvPr id="1" name=""/>
+        <p:cNvGrpSpPr/>
+        <p:nvPr/>
+      </p:nvGrpSpPr>
+      <p:grpSpPr>
+        <a:xfrm>
+          <a:off x="0" y="0"/>
+          <a:ext cx="0" cy="0"/>
+          <a:chOff x="0" y="0"/>
+          <a:chExt cx="0" cy="0"/>
+        </a:xfrm>
+      </p:grpSpPr>
+      <p:sp>
+        <p:nvSpPr>
+          <p:cNvPr id="7" name="내용 개체 틀 6"/>
+          <p:cNvSpPr>
+            <a:spLocks noGrp="1"/>
+          </p:cNvSpPr>
+          <p:nvPr>
+            <p:ph sz="half" idx="1"/>
+          </p:nvPr>
+        </p:nvSpPr>
+        <p:spPr/>
+        <p:txBody>
+          <a:bodyPr/>
+          <a:lstStyle/>
+          <a:p>
+            <a:r>
+              <a:rPr lang="en-US" altLang="ko-KR" dirty="0" smtClean="0"/>
+              <a:t>Refactoring</a:t>
+            </a:r>
+          </a:p>
+          <a:p>
+            <a:pPr lvl="1"/>
+            <a:r>
+              <a:rPr lang="en-US" altLang="ko-KR" dirty="0" err="1" smtClean="0"/>
+              <a:t>DrawingPanel</a:t>
+            </a:r>
+            <a:endParaRPr lang="en-US" altLang="ko-KR" dirty="0" smtClean="0"/>
+          </a:p>
+          <a:p>
+            <a:pPr lvl="2"/>
+            <a:r>
+              <a:rPr lang="en-US" altLang="ko-KR" dirty="0" smtClean="0"/>
+              <a:t>Drawing</a:t>
+            </a:r>
+          </a:p>
+          <a:p>
+            <a:pPr lvl="1"/>
+            <a:r>
+              <a:rPr lang="en-US" altLang="ko-KR" dirty="0" smtClean="0"/>
+              <a:t>Transformer</a:t>
+            </a:r>
+          </a:p>
+          <a:p>
+            <a:pPr lvl="2"/>
+            <a:r>
+              <a:rPr lang="en-US" altLang="ko-KR" dirty="0" smtClean="0"/>
+              <a:t>Transformation</a:t>
+            </a:r>
+          </a:p>
+          <a:p>
+            <a:pPr lvl="3"/>
+            <a:r>
+              <a:rPr lang="en-US" altLang="ko-KR" dirty="0" err="1" smtClean="0"/>
+              <a:t>AffineTransform</a:t>
+            </a:r>
+            <a:endParaRPr lang="en-US" altLang="ko-KR" dirty="0" smtClean="0"/>
+          </a:p>
+          <a:p>
+            <a:pPr lvl="1"/>
+            <a:r>
+              <a:rPr lang="en-US" altLang="ko-KR" dirty="0" smtClean="0"/>
+              <a:t>Shape</a:t>
+            </a:r>
+          </a:p>
+          <a:p>
+            <a:pPr lvl="2"/>
+            <a:r>
+              <a:rPr lang="en-US" altLang="ko-KR" dirty="0" smtClean="0"/>
+              <a:t>Graphic Attributes</a:t>
+            </a:r>
+            <a:endParaRPr lang="ko-KR" altLang="en-US" dirty="0"/>
+          </a:p>
+        </p:txBody>
+      </p:sp>
+      <p:sp>
+        <p:nvSpPr>
+          <p:cNvPr id="8" name="내용 개체 틀 7"/>
+          <p:cNvSpPr>
+            <a:spLocks noGrp="1"/>
+          </p:cNvSpPr>
+          <p:nvPr>
+            <p:ph sz="half" idx="2"/>
+          </p:nvPr>
+        </p:nvSpPr>
+        <p:spPr/>
+        <p:txBody>
+          <a:bodyPr/>
+          <a:lstStyle/>
+          <a:p>
+            <a:r>
+              <a:rPr lang="en-US" altLang="ko-KR" dirty="0" err="1" smtClean="0"/>
+              <a:t>AffineTransform</a:t>
+            </a:r>
+            <a:endParaRPr lang="en-US" altLang="ko-KR" dirty="0" smtClean="0"/>
+          </a:p>
+          <a:p>
+            <a:pPr lvl="1"/>
+            <a:r>
+              <a:rPr lang="ko-KR" altLang="en-US" dirty="0" smtClean="0"/>
+              <a:t>적용</a:t>
+            </a:r>
+            <a:endParaRPr lang="en-US" altLang="ko-KR" dirty="0" smtClean="0"/>
+          </a:p>
+          <a:p>
+            <a:pPr lvl="2"/>
+            <a:r>
+              <a:rPr lang="ko-KR" altLang="en-US" dirty="0" smtClean="0"/>
+              <a:t>기본 도형</a:t>
+            </a:r>
+            <a:endParaRPr lang="en-US" altLang="ko-KR" dirty="0" smtClean="0"/>
+          </a:p>
+          <a:p>
+            <a:pPr lvl="3"/>
+            <a:r>
+              <a:rPr lang="en-US" altLang="ko-KR" dirty="0" err="1" smtClean="0"/>
+              <a:t>CreateTransformedShape</a:t>
+            </a:r>
+            <a:endParaRPr lang="en-US" altLang="ko-KR" dirty="0" smtClean="0"/>
+          </a:p>
+          <a:p>
+            <a:pPr lvl="3"/>
+            <a:endParaRPr lang="en-US" altLang="ko-KR" dirty="0"/>
+          </a:p>
+          <a:p>
+            <a:pPr lvl="3"/>
+            <a:endParaRPr lang="en-US" altLang="ko-KR" dirty="0" smtClean="0"/>
+          </a:p>
+          <a:p>
+            <a:pPr lvl="3"/>
+            <a:endParaRPr lang="en-US" altLang="ko-KR" dirty="0"/>
+          </a:p>
+          <a:p>
+            <a:pPr lvl="3"/>
+            <a:endParaRPr lang="en-US" altLang="ko-KR" dirty="0" smtClean="0"/>
+          </a:p>
+          <a:p>
+            <a:pPr lvl="3"/>
+            <a:endParaRPr lang="en-US" altLang="ko-KR" dirty="0"/>
+          </a:p>
+          <a:p>
+            <a:pPr lvl="3"/>
+            <a:endParaRPr lang="en-US" altLang="ko-KR" dirty="0" smtClean="0"/>
+          </a:p>
+          <a:p>
+            <a:pPr lvl="3"/>
+            <a:endParaRPr lang="en-US" altLang="ko-KR" dirty="0"/>
+          </a:p>
+          <a:p>
+            <a:pPr lvl="3"/>
+            <a:endParaRPr lang="en-US" altLang="ko-KR" dirty="0" smtClean="0"/>
+          </a:p>
+          <a:p>
+            <a:pPr lvl="3"/>
+            <a:endParaRPr lang="en-US" altLang="ko-KR" dirty="0" smtClean="0"/>
+          </a:p>
+          <a:p>
+            <a:pPr lvl="2"/>
+            <a:r>
+              <a:rPr lang="en-US" altLang="ko-KR" dirty="0" smtClean="0"/>
+              <a:t>Graphics</a:t>
+            </a:r>
+          </a:p>
+          <a:p>
+            <a:pPr lvl="3"/>
+            <a:r>
+              <a:rPr lang="en-US" altLang="ko-KR" dirty="0" smtClean="0"/>
+              <a:t>Transform</a:t>
+            </a:r>
+            <a:endParaRPr lang="ko-KR" altLang="en-US" dirty="0"/>
+          </a:p>
+        </p:txBody>
+      </p:sp>
+      <p:sp>
+        <p:nvSpPr>
+          <p:cNvPr id="5" name="바닥글 개체 틀 4"/>
+          <p:cNvSpPr>
+            <a:spLocks noGrp="1"/>
+          </p:cNvSpPr>
+          <p:nvPr>
+            <p:ph type="ftr" sz="quarter" idx="10"/>
+          </p:nvPr>
+        </p:nvSpPr>
+        <p:spPr/>
+        <p:txBody>
+          <a:bodyPr/>
+          <a:lstStyle/>
+          <a:p>
+            <a:pPr>
+              <a:buFont typeface="맑은 고딕" panose="020B0503020000020004" pitchFamily="50" charset="-127"/>
+              <a:buChar char="ⓒ"/>
+            </a:pPr>
+            <a:r>
+              <a:rPr lang="en-US" altLang="ko-KR" smtClean="0"/>
+              <a:t>Sungwoon Choi 2021</a:t>
+            </a:r>
+            <a:endParaRPr lang="en-US" altLang="ko-KR" dirty="0"/>
+          </a:p>
+        </p:txBody>
+      </p:sp>
+      <p:sp>
+        <p:nvSpPr>
+          <p:cNvPr id="6" name="슬라이드 번호 개체 틀 5"/>
+          <p:cNvSpPr>
+            <a:spLocks noGrp="1"/>
+          </p:cNvSpPr>
+          <p:nvPr>
+            <p:ph type="sldNum" sz="quarter" idx="11"/>
+          </p:nvPr>
+        </p:nvSpPr>
+        <p:spPr/>
+        <p:txBody>
+          <a:bodyPr/>
+          <a:lstStyle/>
+          <a:p>
+            <a:fld id="{AA4216F1-165B-4DFF-BD92-3D8E849D7D48}" type="slidenum">
+              <a:rPr lang="en-US" altLang="ko-KR" smtClean="0"/>
+              <a:pPr/>
+              <a:t>33</a:t>
+            </a:fld>
+            <a:endParaRPr lang="en-US" altLang="ko-KR" dirty="0"/>
+          </a:p>
+        </p:txBody>
+      </p:sp>
+      <p:sp>
+        <p:nvSpPr>
+          <p:cNvPr id="9" name="직사각형 8"/>
+          <p:cNvSpPr/>
+          <p:nvPr/>
+        </p:nvSpPr>
+        <p:spPr bwMode="auto">
+          <a:xfrm>
+            <a:off x="6155357" y="1864196"/>
+            <a:ext cx="2773561" cy="2016224"/>
+          </a:xfrm>
+          <a:prstGeom prst="rect">
+            <a:avLst/>
+          </a:prstGeom>
+          <a:solidFill>
+            <a:schemeClr val="accent3">
+              <a:lumMod val="20000"/>
+              <a:lumOff val="80000"/>
+            </a:schemeClr>
+          </a:solidFill>
+          <a:ln w="9525" cap="flat" cmpd="sng" algn="ctr">
+            <a:solidFill>
+              <a:schemeClr val="accent3">
+                <a:lumMod val="75000"/>
+              </a:schemeClr>
+            </a:solidFill>
+            <a:prstDash val="solid"/>
+            <a:round/>
+            <a:headEnd type="none" w="med" len="med"/>
+            <a:tailEnd type="none" w="med" len="med"/>
+          </a:ln>
+          <a:effectLst/>
+        </p:spPr>
+        <p:txBody>
+          <a:bodyPr vert="horz" wrap="square" lIns="91440" tIns="45720" rIns="91440" bIns="45720" numCol="1" rtlCol="0" anchor="ctr" anchorCtr="0" compatLnSpc="1">
+            <a:prstTxWarp prst="textNoShape">
+              <a:avLst/>
+            </a:prstTxWarp>
+          </a:bodyPr>
+          <a:lstStyle/>
+          <a:p>
+            <a:pPr marL="0" marR="0" indent="0" algn="ctr" defTabSz="914400" rtl="0" eaLnBrk="1" fontAlgn="base" latinLnBrk="0" hangingPunct="1">
+              <a:lnSpc>
+                <a:spcPct val="100000"/>
+              </a:lnSpc>
+              <a:spcBef>
+                <a:spcPct val="0"/>
+              </a:spcBef>
+              <a:spcAft>
+                <a:spcPct val="0"/>
+              </a:spcAft>
+              <a:buClrTx/>
+              <a:buSzTx/>
+              <a:buFontTx/>
+              <a:buNone/>
+              <a:tabLst/>
+            </a:pPr>
+            <a:endParaRPr kumimoji="0" lang="ko-KR" altLang="en-US" sz="1400" b="0" i="0" u="none" strike="noStrike" cap="none" normalizeH="0" baseline="0" smtClean="0">
+              <a:ln>
+                <a:noFill/>
+              </a:ln>
+              <a:solidFill>
+                <a:schemeClr val="tx1"/>
+              </a:solidFill>
+              <a:effectLst/>
+              <a:latin typeface="Arial" charset="0"/>
+            </a:endParaRPr>
+          </a:p>
+        </p:txBody>
+      </p:sp>
+      <p:sp>
+        <p:nvSpPr>
+          <p:cNvPr id="10" name="직사각형 9"/>
+          <p:cNvSpPr/>
+          <p:nvPr/>
+        </p:nvSpPr>
+        <p:spPr bwMode="auto">
+          <a:xfrm>
+            <a:off x="6770216" y="2188232"/>
+            <a:ext cx="1800200" cy="1368152"/>
+          </a:xfrm>
+          <a:prstGeom prst="rect">
+            <a:avLst/>
+          </a:prstGeom>
+          <a:solidFill>
+            <a:schemeClr val="accent2"/>
+          </a:solidFill>
+          <a:ln w="9525" cap="flat" cmpd="sng" algn="ctr">
+            <a:solidFill>
+              <a:schemeClr val="accent3">
+                <a:lumMod val="75000"/>
+              </a:schemeClr>
+            </a:solidFill>
+            <a:prstDash val="solid"/>
+            <a:round/>
+            <a:headEnd type="none" w="med" len="med"/>
+            <a:tailEnd type="none" w="med" len="med"/>
+          </a:ln>
+          <a:effectLst/>
+        </p:spPr>
+        <p:txBody>
+          <a:bodyPr vert="horz" wrap="square" lIns="91440" tIns="45720" rIns="91440" bIns="45720" numCol="1" rtlCol="0" anchor="ctr" anchorCtr="0" compatLnSpc="1">
+            <a:prstTxWarp prst="textNoShape">
+              <a:avLst/>
+            </a:prstTxWarp>
+          </a:bodyPr>
+          <a:lstStyle/>
+          <a:p>
+            <a:pPr marL="0" marR="0" indent="0" algn="ctr" defTabSz="914400" rtl="0" eaLnBrk="1" fontAlgn="base" latinLnBrk="0" hangingPunct="1">
+              <a:lnSpc>
+                <a:spcPct val="100000"/>
+              </a:lnSpc>
+              <a:spcBef>
+                <a:spcPct val="0"/>
+              </a:spcBef>
+              <a:spcAft>
+                <a:spcPct val="0"/>
+              </a:spcAft>
+              <a:buClrTx/>
+              <a:buSzTx/>
+              <a:buFontTx/>
+              <a:buNone/>
+              <a:tabLst/>
+            </a:pPr>
+            <a:endParaRPr kumimoji="0" lang="ko-KR" altLang="en-US" sz="1400" b="0" i="0" u="none" strike="noStrike" cap="none" normalizeH="0" baseline="0" smtClean="0">
+              <a:ln>
+                <a:noFill/>
+              </a:ln>
+              <a:solidFill>
+                <a:schemeClr val="tx1"/>
+              </a:solidFill>
+              <a:effectLst/>
+              <a:latin typeface="Arial" charset="0"/>
+            </a:endParaRPr>
+          </a:p>
+        </p:txBody>
+      </p:sp>
+      <p:sp>
+        <p:nvSpPr>
+          <p:cNvPr id="11" name="타원 10"/>
+          <p:cNvSpPr/>
+          <p:nvPr/>
+        </p:nvSpPr>
+        <p:spPr bwMode="auto">
+          <a:xfrm>
+            <a:off x="7451501" y="2872308"/>
+            <a:ext cx="679941" cy="471450"/>
+          </a:xfrm>
+          <a:prstGeom prst="ellipse">
+            <a:avLst/>
+          </a:prstGeom>
+          <a:solidFill>
+            <a:schemeClr val="accent3">
+              <a:lumMod val="20000"/>
+              <a:lumOff val="80000"/>
+            </a:schemeClr>
+          </a:solidFill>
+          <a:ln w="9525" cap="flat" cmpd="sng" algn="ctr">
+            <a:solidFill>
+              <a:schemeClr val="accent3">
+                <a:lumMod val="75000"/>
+              </a:schemeClr>
+            </a:solidFill>
+            <a:prstDash val="solid"/>
+            <a:round/>
+            <a:headEnd type="none" w="med" len="med"/>
+            <a:tailEnd type="none" w="med" len="med"/>
+          </a:ln>
+          <a:effectLst/>
+        </p:spPr>
+        <p:txBody>
+          <a:bodyPr vert="horz" wrap="square" lIns="91440" tIns="45720" rIns="91440" bIns="45720" numCol="1" rtlCol="0" anchor="ctr" anchorCtr="0" compatLnSpc="1">
+            <a:prstTxWarp prst="textNoShape">
+              <a:avLst/>
+            </a:prstTxWarp>
+          </a:bodyPr>
+          <a:lstStyle/>
+          <a:p>
+            <a:pPr marL="0" marR="0" indent="0" algn="ctr" defTabSz="914400" rtl="0" eaLnBrk="1" fontAlgn="base" latinLnBrk="0" hangingPunct="1">
+              <a:lnSpc>
+                <a:spcPct val="100000"/>
+              </a:lnSpc>
+              <a:spcBef>
+                <a:spcPct val="0"/>
+              </a:spcBef>
+              <a:spcAft>
+                <a:spcPct val="0"/>
+              </a:spcAft>
+              <a:buClrTx/>
+              <a:buSzTx/>
+              <a:buFontTx/>
+              <a:buNone/>
+              <a:tabLst/>
+            </a:pPr>
+            <a:r>
+              <a:rPr kumimoji="0" lang="en-US" altLang="ko-KR" sz="1400" b="0" i="0" u="none" strike="noStrike" cap="none" normalizeH="0" baseline="0" dirty="0" smtClean="0">
+                <a:ln>
+                  <a:noFill/>
+                </a:ln>
+                <a:solidFill>
+                  <a:schemeClr val="tx1"/>
+                </a:solidFill>
+                <a:effectLst/>
+                <a:latin typeface="Arial" charset="0"/>
+              </a:rPr>
+              <a:t>o</a:t>
+            </a:r>
+            <a:endParaRPr kumimoji="0" lang="ko-KR" altLang="en-US" sz="1400" b="0" i="0" u="none" strike="noStrike" cap="none" normalizeH="0" baseline="0" dirty="0" smtClean="0">
+              <a:ln>
+                <a:noFill/>
+              </a:ln>
+              <a:solidFill>
+                <a:schemeClr val="tx1"/>
+              </a:solidFill>
+              <a:effectLst/>
+              <a:latin typeface="Arial" charset="0"/>
+            </a:endParaRPr>
+          </a:p>
+        </p:txBody>
+      </p:sp>
+      <p:sp>
+        <p:nvSpPr>
+          <p:cNvPr id="12" name="타원 11"/>
+          <p:cNvSpPr/>
+          <p:nvPr/>
+        </p:nvSpPr>
+        <p:spPr bwMode="auto">
+          <a:xfrm>
+            <a:off x="7811669" y="2400858"/>
+            <a:ext cx="679941" cy="471450"/>
+          </a:xfrm>
+          <a:prstGeom prst="ellipse">
+            <a:avLst/>
+          </a:prstGeom>
+          <a:solidFill>
+            <a:schemeClr val="accent3">
+              <a:lumMod val="20000"/>
+              <a:lumOff val="80000"/>
+            </a:schemeClr>
+          </a:solidFill>
+          <a:ln w="9525" cap="flat" cmpd="sng" algn="ctr">
+            <a:solidFill>
+              <a:schemeClr val="accent3">
+                <a:lumMod val="75000"/>
+              </a:schemeClr>
+            </a:solidFill>
+            <a:prstDash val="solid"/>
+            <a:round/>
+            <a:headEnd type="none" w="med" len="med"/>
+            <a:tailEnd type="none" w="med" len="med"/>
+          </a:ln>
+          <a:effectLst/>
+        </p:spPr>
+        <p:txBody>
+          <a:bodyPr vert="horz" wrap="square" lIns="91440" tIns="45720" rIns="91440" bIns="45720" numCol="1" rtlCol="0" anchor="ctr" anchorCtr="0" compatLnSpc="1">
+            <a:prstTxWarp prst="textNoShape">
+              <a:avLst/>
+            </a:prstTxWarp>
+          </a:bodyPr>
+          <a:lstStyle/>
+          <a:p>
+            <a:pPr marL="0" marR="0" indent="0" algn="ctr" defTabSz="914400" rtl="0" eaLnBrk="1" fontAlgn="base" latinLnBrk="0" hangingPunct="1">
+              <a:lnSpc>
+                <a:spcPct val="100000"/>
+              </a:lnSpc>
+              <a:spcBef>
+                <a:spcPct val="0"/>
+              </a:spcBef>
+              <a:spcAft>
+                <a:spcPct val="0"/>
+              </a:spcAft>
+              <a:buClrTx/>
+              <a:buSzTx/>
+              <a:buFontTx/>
+              <a:buNone/>
+              <a:tabLst/>
+            </a:pPr>
+            <a:r>
+              <a:rPr kumimoji="0" lang="en-US" altLang="ko-KR" sz="1400" b="0" i="0" u="none" strike="noStrike" cap="none" normalizeH="0" baseline="0" dirty="0" smtClean="0">
+                <a:ln>
+                  <a:noFill/>
+                </a:ln>
+                <a:solidFill>
+                  <a:schemeClr val="tx1"/>
+                </a:solidFill>
+                <a:effectLst/>
+                <a:latin typeface="Arial" charset="0"/>
+              </a:rPr>
+              <a:t>t</a:t>
+            </a:r>
+            <a:endParaRPr kumimoji="0" lang="ko-KR" altLang="en-US" sz="1400" b="0" i="0" u="none" strike="noStrike" cap="none" normalizeH="0" baseline="0" dirty="0" smtClean="0">
+              <a:ln>
+                <a:noFill/>
+              </a:ln>
+              <a:solidFill>
+                <a:schemeClr val="tx1"/>
+              </a:solidFill>
+              <a:effectLst/>
+              <a:latin typeface="Arial" charset="0"/>
+            </a:endParaRPr>
+          </a:p>
+        </p:txBody>
+      </p:sp>
+      <p:sp>
+        <p:nvSpPr>
+          <p:cNvPr id="13" name="직사각형 12"/>
+          <p:cNvSpPr/>
+          <p:nvPr/>
+        </p:nvSpPr>
+        <p:spPr bwMode="auto">
+          <a:xfrm>
+            <a:off x="6155357" y="4744516"/>
+            <a:ext cx="2773561" cy="2016224"/>
+          </a:xfrm>
+          <a:prstGeom prst="rect">
+            <a:avLst/>
+          </a:prstGeom>
+          <a:solidFill>
+            <a:schemeClr val="accent3">
+              <a:lumMod val="20000"/>
+              <a:lumOff val="80000"/>
+            </a:schemeClr>
+          </a:solidFill>
+          <a:ln w="9525" cap="flat" cmpd="sng" algn="ctr">
+            <a:solidFill>
+              <a:schemeClr val="accent3">
+                <a:lumMod val="75000"/>
+              </a:schemeClr>
+            </a:solidFill>
+            <a:prstDash val="solid"/>
+            <a:round/>
+            <a:headEnd type="none" w="med" len="med"/>
+            <a:tailEnd type="none" w="med" len="med"/>
+          </a:ln>
+          <a:effectLst/>
+        </p:spPr>
+        <p:txBody>
+          <a:bodyPr vert="horz" wrap="square" lIns="91440" tIns="45720" rIns="91440" bIns="45720" numCol="1" rtlCol="0" anchor="ctr" anchorCtr="0" compatLnSpc="1">
+            <a:prstTxWarp prst="textNoShape">
+              <a:avLst/>
+            </a:prstTxWarp>
+          </a:bodyPr>
+          <a:lstStyle/>
+          <a:p>
+            <a:pPr marL="0" marR="0" indent="0" algn="ctr" defTabSz="914400" rtl="0" eaLnBrk="1" fontAlgn="base" latinLnBrk="0" hangingPunct="1">
+              <a:lnSpc>
+                <a:spcPct val="100000"/>
+              </a:lnSpc>
+              <a:spcBef>
+                <a:spcPct val="0"/>
+              </a:spcBef>
+              <a:spcAft>
+                <a:spcPct val="0"/>
+              </a:spcAft>
+              <a:buClrTx/>
+              <a:buSzTx/>
+              <a:buFontTx/>
+              <a:buNone/>
+              <a:tabLst/>
+            </a:pPr>
+            <a:endParaRPr kumimoji="0" lang="ko-KR" altLang="en-US" sz="1400" b="0" i="0" u="none" strike="noStrike" cap="none" normalizeH="0" baseline="0" smtClean="0">
+              <a:ln>
+                <a:noFill/>
+              </a:ln>
+              <a:solidFill>
+                <a:schemeClr val="tx1"/>
+              </a:solidFill>
+              <a:effectLst/>
+              <a:latin typeface="Arial" charset="0"/>
+            </a:endParaRPr>
+          </a:p>
+        </p:txBody>
+      </p:sp>
+      <p:sp>
+        <p:nvSpPr>
+          <p:cNvPr id="14" name="직사각형 13"/>
+          <p:cNvSpPr/>
+          <p:nvPr/>
+        </p:nvSpPr>
+        <p:spPr bwMode="auto">
+          <a:xfrm>
+            <a:off x="6551401" y="5468823"/>
+            <a:ext cx="1800200" cy="1368152"/>
+          </a:xfrm>
+          <a:prstGeom prst="rect">
+            <a:avLst/>
+          </a:prstGeom>
+          <a:solidFill>
+            <a:schemeClr val="accent2"/>
+          </a:solidFill>
+          <a:ln w="9525" cap="flat" cmpd="sng" algn="ctr">
+            <a:solidFill>
+              <a:schemeClr val="accent3">
+                <a:lumMod val="75000"/>
+              </a:schemeClr>
+            </a:solidFill>
+            <a:prstDash val="solid"/>
+            <a:round/>
+            <a:headEnd type="none" w="med" len="med"/>
+            <a:tailEnd type="none" w="med" len="med"/>
+          </a:ln>
+          <a:effectLst/>
+        </p:spPr>
+        <p:txBody>
+          <a:bodyPr vert="horz" wrap="square" lIns="91440" tIns="45720" rIns="91440" bIns="45720" numCol="1" rtlCol="0" anchor="ctr" anchorCtr="0" compatLnSpc="1">
+            <a:prstTxWarp prst="textNoShape">
+              <a:avLst/>
+            </a:prstTxWarp>
+          </a:bodyPr>
+          <a:lstStyle/>
+          <a:p>
+            <a:pPr marL="0" marR="0" indent="0" algn="ctr" defTabSz="914400" rtl="0" eaLnBrk="1" fontAlgn="base" latinLnBrk="0" hangingPunct="1">
+              <a:lnSpc>
+                <a:spcPct val="100000"/>
+              </a:lnSpc>
+              <a:spcBef>
+                <a:spcPct val="0"/>
+              </a:spcBef>
+              <a:spcAft>
+                <a:spcPct val="0"/>
+              </a:spcAft>
+              <a:buClrTx/>
+              <a:buSzTx/>
+              <a:buFontTx/>
+              <a:buNone/>
+              <a:tabLst/>
+            </a:pPr>
+            <a:endParaRPr kumimoji="0" lang="ko-KR" altLang="en-US" sz="1400" b="0" i="0" u="none" strike="noStrike" cap="none" normalizeH="0" baseline="0" smtClean="0">
+              <a:ln>
+                <a:noFill/>
+              </a:ln>
+              <a:solidFill>
+                <a:schemeClr val="tx1"/>
+              </a:solidFill>
+              <a:effectLst/>
+              <a:latin typeface="Arial" charset="0"/>
+            </a:endParaRPr>
+          </a:p>
+        </p:txBody>
+      </p:sp>
+      <p:sp>
+        <p:nvSpPr>
+          <p:cNvPr id="15" name="타원 14"/>
+          <p:cNvSpPr/>
+          <p:nvPr/>
+        </p:nvSpPr>
+        <p:spPr bwMode="auto">
+          <a:xfrm>
+            <a:off x="7451501" y="5752628"/>
+            <a:ext cx="679941" cy="471450"/>
+          </a:xfrm>
+          <a:prstGeom prst="ellipse">
+            <a:avLst/>
+          </a:prstGeom>
+          <a:solidFill>
+            <a:schemeClr val="accent3">
+              <a:lumMod val="20000"/>
+              <a:lumOff val="80000"/>
+            </a:schemeClr>
+          </a:solidFill>
+          <a:ln w="9525" cap="flat" cmpd="sng" algn="ctr">
+            <a:solidFill>
+              <a:schemeClr val="accent3">
+                <a:lumMod val="75000"/>
+              </a:schemeClr>
+            </a:solidFill>
+            <a:prstDash val="solid"/>
+            <a:round/>
+            <a:headEnd type="none" w="med" len="med"/>
+            <a:tailEnd type="none" w="med" len="med"/>
+          </a:ln>
+          <a:effectLst/>
+        </p:spPr>
+        <p:txBody>
+          <a:bodyPr vert="horz" wrap="square" lIns="91440" tIns="45720" rIns="91440" bIns="45720" numCol="1" rtlCol="0" anchor="ctr" anchorCtr="0" compatLnSpc="1">
+            <a:prstTxWarp prst="textNoShape">
+              <a:avLst/>
+            </a:prstTxWarp>
+          </a:bodyPr>
+          <a:lstStyle/>
+          <a:p>
+            <a:pPr marL="0" marR="0" indent="0" algn="ctr" defTabSz="914400" rtl="0" eaLnBrk="1" fontAlgn="base" latinLnBrk="0" hangingPunct="1">
+              <a:lnSpc>
+                <a:spcPct val="100000"/>
+              </a:lnSpc>
+              <a:spcBef>
+                <a:spcPct val="0"/>
+              </a:spcBef>
+              <a:spcAft>
+                <a:spcPct val="0"/>
+              </a:spcAft>
+              <a:buClrTx/>
+              <a:buSzTx/>
+              <a:buFontTx/>
+              <a:buNone/>
+              <a:tabLst/>
+            </a:pPr>
+            <a:r>
+              <a:rPr kumimoji="0" lang="en-US" altLang="ko-KR" sz="1400" b="0" i="0" u="none" strike="noStrike" cap="none" normalizeH="0" baseline="0" dirty="0" smtClean="0">
+                <a:ln>
+                  <a:noFill/>
+                </a:ln>
+                <a:solidFill>
+                  <a:schemeClr val="tx1"/>
+                </a:solidFill>
+                <a:effectLst/>
+                <a:latin typeface="Arial" charset="0"/>
+              </a:rPr>
+              <a:t>o</a:t>
+            </a:r>
+            <a:endParaRPr kumimoji="0" lang="ko-KR" altLang="en-US" sz="1400" b="0" i="0" u="none" strike="noStrike" cap="none" normalizeH="0" baseline="0" dirty="0" smtClean="0">
+              <a:ln>
+                <a:noFill/>
+              </a:ln>
+              <a:solidFill>
+                <a:schemeClr val="tx1"/>
+              </a:solidFill>
+              <a:effectLst/>
+              <a:latin typeface="Arial" charset="0"/>
+            </a:endParaRPr>
+          </a:p>
+        </p:txBody>
+      </p:sp>
+    </p:spTree>
+    <p:extLst>
+      <p:ext uri="{BB962C8B-B14F-4D97-AF65-F5344CB8AC3E}">
+        <p14:creationId xmlns:p14="http://schemas.microsoft.com/office/powerpoint/2010/main" val="2253118599"/>
+      </p:ext>
+    </p:extLst>
+  </p:cSld>
+  <p:clrMapOvr>
+    <a:masterClrMapping/>
+  </p:clrMapOvr>
+</p:sld>
+</file>
+
+<file path=ppt/slides/slide34.xml><?xml version="1.0" encoding="utf-8"?>
+<p:sld xmlns:a="http://schemas.openxmlformats.org/drawingml/2006/main" xmlns:r="http://schemas.openxmlformats.org/officeDocument/2006/relationships" xmlns:p="http://schemas.openxmlformats.org/presentationml/2006/main">
+  <p:cSld>
+    <p:spTree>
+      <p:nvGrpSpPr>
+        <p:cNvPr id="1" name=""/>
+        <p:cNvGrpSpPr/>
+        <p:nvPr/>
+      </p:nvGrpSpPr>
+      <p:grpSpPr>
+        <a:xfrm>
+          <a:off x="0" y="0"/>
+          <a:ext cx="0" cy="0"/>
+          <a:chOff x="0" y="0"/>
+          <a:chExt cx="0" cy="0"/>
+        </a:xfrm>
+      </p:grpSpPr>
+      <p:sp>
+        <p:nvSpPr>
+          <p:cNvPr id="7" name="내용 개체 틀 6"/>
+          <p:cNvSpPr>
+            <a:spLocks noGrp="1"/>
+          </p:cNvSpPr>
+          <p:nvPr>
+            <p:ph sz="half" idx="1"/>
+          </p:nvPr>
+        </p:nvSpPr>
+        <p:spPr/>
+        <p:txBody>
+          <a:bodyPr/>
+          <a:lstStyle/>
+          <a:p>
+            <a:r>
+              <a:rPr lang="ko-KR" altLang="en-US" dirty="0" smtClean="0"/>
+              <a:t>개발</a:t>
+            </a:r>
+            <a:r>
+              <a:rPr lang="en-US" altLang="ko-KR" dirty="0" smtClean="0"/>
+              <a:t> </a:t>
+            </a:r>
+            <a:r>
+              <a:rPr lang="ko-KR" altLang="en-US" dirty="0" smtClean="0"/>
+              <a:t>프로세스</a:t>
+            </a:r>
+            <a:endParaRPr lang="en-US" altLang="ko-KR" dirty="0" smtClean="0"/>
+          </a:p>
+          <a:p>
+            <a:pPr lvl="1"/>
+            <a:r>
+              <a:rPr lang="en-US" altLang="ko-KR" dirty="0" smtClean="0"/>
+              <a:t>Iteration</a:t>
+            </a:r>
+          </a:p>
+          <a:p>
+            <a:pPr lvl="2"/>
+            <a:r>
+              <a:rPr lang="ko-KR" altLang="en-US" dirty="0" smtClean="0"/>
+              <a:t>요구사항</a:t>
+            </a:r>
+            <a:r>
+              <a:rPr lang="en-US" altLang="ko-KR" dirty="0" smtClean="0"/>
+              <a:t>(Requirements) – </a:t>
+            </a:r>
+            <a:r>
+              <a:rPr lang="ko-KR" altLang="en-US" dirty="0" smtClean="0"/>
+              <a:t>모호성</a:t>
+            </a:r>
+            <a:r>
+              <a:rPr lang="en-US" altLang="ko-KR" dirty="0" smtClean="0"/>
+              <a:t> </a:t>
+            </a:r>
+          </a:p>
+          <a:p>
+            <a:pPr lvl="2"/>
+            <a:r>
+              <a:rPr lang="ko-KR" altLang="en-US" dirty="0" smtClean="0"/>
+              <a:t>분석</a:t>
+            </a:r>
+            <a:r>
+              <a:rPr lang="en-US" altLang="ko-KR" dirty="0" smtClean="0"/>
+              <a:t>(Analysis)</a:t>
+            </a:r>
+            <a:r>
+              <a:rPr lang="ko-KR" altLang="en-US" dirty="0" smtClean="0"/>
+              <a:t> </a:t>
+            </a:r>
+            <a:r>
+              <a:rPr lang="en-US" altLang="ko-KR" dirty="0" smtClean="0"/>
+              <a:t>- </a:t>
+            </a:r>
+            <a:r>
+              <a:rPr lang="ko-KR" altLang="en-US" dirty="0" smtClean="0"/>
+              <a:t>요구사항을 정리</a:t>
+            </a:r>
+            <a:endParaRPr lang="en-US" altLang="ko-KR" dirty="0" smtClean="0"/>
+          </a:p>
+          <a:p>
+            <a:pPr lvl="2"/>
+            <a:r>
+              <a:rPr lang="ko-KR" altLang="en-US" dirty="0" smtClean="0"/>
+              <a:t>설계</a:t>
+            </a:r>
+            <a:r>
+              <a:rPr lang="en-US" altLang="ko-KR" dirty="0" smtClean="0"/>
+              <a:t>(Design) </a:t>
+            </a:r>
+            <a:r>
+              <a:rPr lang="ko-KR" altLang="en-US" dirty="0" smtClean="0"/>
+              <a:t> </a:t>
+            </a:r>
+            <a:r>
+              <a:rPr lang="en-US" altLang="ko-KR" dirty="0" smtClean="0"/>
+              <a:t>– </a:t>
+            </a:r>
+            <a:r>
+              <a:rPr lang="ko-KR" altLang="en-US" dirty="0" smtClean="0"/>
+              <a:t>구현에 대한 계획</a:t>
+            </a:r>
+            <a:endParaRPr lang="en-US" altLang="ko-KR" dirty="0" smtClean="0"/>
+          </a:p>
+          <a:p>
+            <a:pPr lvl="2"/>
+            <a:r>
+              <a:rPr lang="ko-KR" altLang="en-US" dirty="0" smtClean="0"/>
+              <a:t>구현</a:t>
+            </a:r>
+            <a:r>
+              <a:rPr lang="en-US" altLang="ko-KR" dirty="0" smtClean="0"/>
+              <a:t>(Implementation) – </a:t>
+            </a:r>
+            <a:r>
+              <a:rPr lang="ko-KR" altLang="en-US" dirty="0" smtClean="0"/>
+              <a:t>확정적</a:t>
+            </a:r>
+            <a:r>
+              <a:rPr lang="en-US" altLang="ko-KR" dirty="0" smtClean="0"/>
+              <a:t>/</a:t>
+            </a:r>
+            <a:r>
+              <a:rPr lang="ko-KR" altLang="en-US" dirty="0" smtClean="0"/>
+              <a:t>논리적</a:t>
+            </a:r>
+            <a:endParaRPr lang="en-US" altLang="ko-KR" dirty="0" smtClean="0"/>
+          </a:p>
+          <a:p>
+            <a:pPr lvl="2"/>
+            <a:r>
+              <a:rPr lang="ko-KR" altLang="en-US" dirty="0" smtClean="0"/>
+              <a:t>테스트</a:t>
+            </a:r>
+            <a:r>
+              <a:rPr lang="en-US" altLang="ko-KR" dirty="0" smtClean="0"/>
+              <a:t>(Test) –</a:t>
+            </a:r>
+            <a:r>
+              <a:rPr lang="ko-KR" altLang="en-US" dirty="0" smtClean="0"/>
+              <a:t>확인</a:t>
+            </a:r>
+            <a:endParaRPr lang="en-US" altLang="ko-KR" dirty="0" smtClean="0"/>
+          </a:p>
+          <a:p>
+            <a:pPr lvl="3"/>
+            <a:r>
+              <a:rPr lang="ko-KR" altLang="en-US" dirty="0" smtClean="0"/>
+              <a:t>단위 테스트</a:t>
+            </a:r>
+            <a:endParaRPr lang="en-US" altLang="ko-KR" dirty="0" smtClean="0"/>
+          </a:p>
+          <a:p>
+            <a:pPr lvl="3"/>
+            <a:r>
+              <a:rPr lang="ko-KR" altLang="en-US" dirty="0" smtClean="0"/>
+              <a:t>통합 테스트 </a:t>
+            </a:r>
+            <a:r>
+              <a:rPr lang="en-US" altLang="ko-KR" dirty="0" smtClean="0"/>
+              <a:t>– </a:t>
+            </a:r>
+            <a:r>
+              <a:rPr lang="ko-KR" altLang="en-US" dirty="0" smtClean="0"/>
+              <a:t>알파 버전 </a:t>
+            </a:r>
+            <a:r>
+              <a:rPr lang="en-US" altLang="ko-KR" dirty="0" smtClean="0"/>
+              <a:t>v.0.8</a:t>
+            </a:r>
+          </a:p>
+          <a:p>
+            <a:pPr lvl="3"/>
+            <a:r>
+              <a:rPr lang="ko-KR" altLang="en-US" dirty="0" smtClean="0"/>
+              <a:t>시스템 테스트 </a:t>
+            </a:r>
+            <a:r>
+              <a:rPr lang="en-US" altLang="ko-KR" dirty="0" smtClean="0"/>
+              <a:t>– </a:t>
+            </a:r>
+            <a:r>
+              <a:rPr lang="ko-KR" altLang="en-US" dirty="0" smtClean="0"/>
+              <a:t>베타</a:t>
+            </a:r>
+            <a:r>
+              <a:rPr lang="en-US" altLang="ko-KR" dirty="0" smtClean="0"/>
+              <a:t> </a:t>
+            </a:r>
+            <a:r>
+              <a:rPr lang="ko-KR" altLang="en-US" dirty="0" smtClean="0"/>
+              <a:t>버전 </a:t>
+            </a:r>
+            <a:r>
+              <a:rPr lang="en-US" altLang="ko-KR" dirty="0" smtClean="0"/>
+              <a:t>v.0.9</a:t>
+            </a:r>
+          </a:p>
+          <a:p>
+            <a:endParaRPr lang="en-US" altLang="ko-KR" dirty="0" smtClean="0"/>
+          </a:p>
+          <a:p>
+            <a:r>
+              <a:rPr lang="en-US" altLang="ko-KR" dirty="0" smtClean="0"/>
+              <a:t>Refactoring</a:t>
+            </a:r>
+          </a:p>
+          <a:p>
+            <a:pPr lvl="1"/>
+            <a:r>
+              <a:rPr lang="ko-KR" altLang="en-US" dirty="0" smtClean="0"/>
+              <a:t>코드 검토를 통한 </a:t>
+            </a:r>
+            <a:endParaRPr lang="en-US" altLang="ko-KR" dirty="0" smtClean="0"/>
+          </a:p>
+          <a:p>
+            <a:pPr lvl="2"/>
+            <a:r>
+              <a:rPr lang="ko-KR" altLang="en-US" dirty="0" smtClean="0"/>
+              <a:t>구조 변경</a:t>
+            </a:r>
+            <a:endParaRPr lang="en-US" altLang="ko-KR" dirty="0" smtClean="0"/>
+          </a:p>
+          <a:p>
+            <a:pPr lvl="2"/>
+            <a:r>
+              <a:rPr lang="ko-KR" altLang="en-US" dirty="0" smtClean="0"/>
+              <a:t>기능 변경</a:t>
+            </a:r>
+            <a:endParaRPr lang="en-US" altLang="ko-KR" dirty="0" smtClean="0"/>
+          </a:p>
+          <a:p>
+            <a:pPr lvl="2"/>
+            <a:r>
+              <a:rPr lang="en-US" altLang="ko-KR" dirty="0" smtClean="0"/>
+              <a:t>Debugging</a:t>
+            </a:r>
+            <a:endParaRPr lang="ko-KR" altLang="en-US" dirty="0"/>
+          </a:p>
+        </p:txBody>
+      </p:sp>
+      <p:sp>
+        <p:nvSpPr>
+          <p:cNvPr id="8" name="내용 개체 틀 7"/>
+          <p:cNvSpPr>
+            <a:spLocks noGrp="1"/>
+          </p:cNvSpPr>
+          <p:nvPr>
+            <p:ph sz="half" idx="2"/>
+          </p:nvPr>
+        </p:nvSpPr>
+        <p:spPr/>
+        <p:txBody>
+          <a:bodyPr/>
+          <a:lstStyle/>
+          <a:p>
+            <a:r>
+              <a:rPr lang="ko-KR" altLang="en-US" smtClean="0"/>
+              <a:t>버전</a:t>
+            </a:r>
+            <a:r>
+              <a:rPr lang="en-US" altLang="ko-KR" smtClean="0"/>
+              <a:t> </a:t>
+            </a:r>
+            <a:r>
+              <a:rPr lang="ko-KR" altLang="en-US" smtClean="0"/>
+              <a:t>넘버</a:t>
+            </a:r>
+            <a:endParaRPr lang="en-US" altLang="ko-KR" smtClean="0"/>
+          </a:p>
+          <a:p>
+            <a:pPr lvl="1"/>
+            <a:r>
+              <a:rPr lang="en-US" altLang="ko-KR" smtClean="0"/>
+              <a:t>1.x </a:t>
+            </a:r>
+          </a:p>
+          <a:p>
+            <a:pPr lvl="2"/>
+            <a:r>
+              <a:rPr lang="ko-KR" altLang="en-US" smtClean="0"/>
+              <a:t>새로운 주요 기능</a:t>
+            </a:r>
+            <a:endParaRPr lang="en-US" altLang="ko-KR" smtClean="0"/>
+          </a:p>
+          <a:p>
+            <a:pPr lvl="1"/>
+            <a:r>
+              <a:rPr lang="en-US" altLang="ko-KR" smtClean="0"/>
+              <a:t>1.1x</a:t>
+            </a:r>
+          </a:p>
+          <a:p>
+            <a:pPr lvl="2"/>
+            <a:r>
+              <a:rPr lang="ko-KR" altLang="en-US" smtClean="0"/>
+              <a:t>주요 구조 변경</a:t>
+            </a:r>
+            <a:endParaRPr lang="en-US" altLang="ko-KR" smtClean="0"/>
+          </a:p>
+          <a:p>
+            <a:pPr lvl="1"/>
+            <a:r>
+              <a:rPr lang="en-US" altLang="ko-KR" smtClean="0"/>
+              <a:t>1.1.1</a:t>
+            </a:r>
+          </a:p>
+          <a:p>
+            <a:pPr lvl="2"/>
+            <a:r>
+              <a:rPr lang="en-US" altLang="ko-KR" smtClean="0"/>
+              <a:t>Debugging</a:t>
+            </a:r>
+          </a:p>
+          <a:p>
+            <a:pPr lvl="2"/>
+            <a:r>
+              <a:rPr lang="ko-KR" altLang="en-US" smtClean="0"/>
+              <a:t>미세한 변경</a:t>
+            </a:r>
+            <a:endParaRPr lang="ko-KR" altLang="en-US" dirty="0"/>
+          </a:p>
+        </p:txBody>
+      </p:sp>
+      <p:sp>
+        <p:nvSpPr>
+          <p:cNvPr id="5" name="바닥글 개체 틀 4"/>
+          <p:cNvSpPr>
+            <a:spLocks noGrp="1"/>
+          </p:cNvSpPr>
+          <p:nvPr>
+            <p:ph type="ftr" sz="quarter" idx="10"/>
+          </p:nvPr>
+        </p:nvSpPr>
+        <p:spPr/>
+        <p:txBody>
+          <a:bodyPr/>
+          <a:lstStyle/>
+          <a:p>
+            <a:r>
+              <a:rPr lang="en-US" altLang="ko-KR" smtClean="0"/>
+              <a:t>Sungwoon Choi 2021</a:t>
+            </a:r>
+            <a:endParaRPr lang="en-US" altLang="ko-KR" dirty="0"/>
+          </a:p>
+        </p:txBody>
+      </p:sp>
+      <p:sp>
+        <p:nvSpPr>
+          <p:cNvPr id="6" name="슬라이드 번호 개체 틀 5"/>
+          <p:cNvSpPr>
+            <a:spLocks noGrp="1"/>
+          </p:cNvSpPr>
+          <p:nvPr>
+            <p:ph type="sldNum" sz="quarter" idx="11"/>
+          </p:nvPr>
+        </p:nvSpPr>
+        <p:spPr/>
+        <p:txBody>
+          <a:bodyPr/>
+          <a:lstStyle/>
+          <a:p>
+            <a:fld id="{AA4216F1-165B-4DFF-BD92-3D8E849D7D48}" type="slidenum">
+              <a:rPr lang="en-US" altLang="ko-KR" smtClean="0"/>
+              <a:pPr/>
+              <a:t>34</a:t>
+            </a:fld>
+            <a:endParaRPr lang="en-US" altLang="ko-KR" dirty="0"/>
+          </a:p>
+        </p:txBody>
+      </p:sp>
+    </p:spTree>
+    <p:extLst>
+      <p:ext uri="{BB962C8B-B14F-4D97-AF65-F5344CB8AC3E}">
+        <p14:creationId xmlns:p14="http://schemas.microsoft.com/office/powerpoint/2010/main" val="2184196564"/>
       </p:ext>
     </p:extLst>
   </p:cSld>

--- a/graphicsEditorA/강의진행.pptx
+++ b/graphicsEditorA/강의진행.pptx
@@ -5,7 +5,7 @@
     <p:sldMasterId id="2147483648" r:id="rId1"/>
   </p:sldMasterIdLst>
   <p:notesMasterIdLst>
-    <p:notesMasterId r:id="rId36"/>
+    <p:notesMasterId r:id="rId38"/>
   </p:notesMasterIdLst>
   <p:sldIdLst>
     <p:sldId id="256" r:id="rId2"/>
@@ -42,6 +42,8 @@
     <p:sldId id="326" r:id="rId33"/>
     <p:sldId id="328" r:id="rId34"/>
     <p:sldId id="327" r:id="rId35"/>
+    <p:sldId id="329" r:id="rId36"/>
+    <p:sldId id="330" r:id="rId37"/>
   </p:sldIdLst>
   <p:sldSz cx="10150475" cy="7616825"/>
   <p:notesSz cx="6797675" cy="9928225"/>
@@ -5398,7 +5400,7 @@
             <a:fld id="{6D61DB4D-25AF-4EE9-B3EB-9D14CE91ACF1}" type="datetimeFigureOut">
               <a:rPr lang="ko-KR" altLang="en-US" smtClean="0"/>
               <a:pPr/>
-              <a:t>2022-06-08</a:t>
+              <a:t>2022-06-13</a:t>
             </a:fld>
             <a:endParaRPr lang="ko-KR" altLang="en-US" dirty="0"/>
           </a:p>
@@ -38112,6 +38114,2381 @@
     <p:extLst>
       <p:ext uri="{BB962C8B-B14F-4D97-AF65-F5344CB8AC3E}">
         <p14:creationId xmlns:p14="http://schemas.microsoft.com/office/powerpoint/2010/main" val="2184196564"/>
+      </p:ext>
+    </p:extLst>
+  </p:cSld>
+  <p:clrMapOvr>
+    <a:masterClrMapping/>
+  </p:clrMapOvr>
+</p:sld>
+</file>
+
+<file path=ppt/slides/slide35.xml><?xml version="1.0" encoding="utf-8"?>
+<p:sld xmlns:a="http://schemas.openxmlformats.org/drawingml/2006/main" xmlns:r="http://schemas.openxmlformats.org/officeDocument/2006/relationships" xmlns:p="http://schemas.openxmlformats.org/presentationml/2006/main">
+  <p:cSld>
+    <p:spTree>
+      <p:nvGrpSpPr>
+        <p:cNvPr id="1" name=""/>
+        <p:cNvGrpSpPr/>
+        <p:nvPr/>
+      </p:nvGrpSpPr>
+      <p:grpSpPr>
+        <a:xfrm>
+          <a:off x="0" y="0"/>
+          <a:ext cx="0" cy="0"/>
+          <a:chOff x="0" y="0"/>
+          <a:chExt cx="0" cy="0"/>
+        </a:xfrm>
+      </p:grpSpPr>
+      <p:sp>
+        <p:nvSpPr>
+          <p:cNvPr id="6" name="제목 5"/>
+          <p:cNvSpPr>
+            <a:spLocks noGrp="1"/>
+          </p:cNvSpPr>
+          <p:nvPr>
+            <p:ph type="title"/>
+          </p:nvPr>
+        </p:nvSpPr>
+        <p:spPr/>
+        <p:txBody>
+          <a:bodyPr/>
+          <a:lstStyle/>
+          <a:p>
+            <a:r>
+              <a:rPr lang="en-US" altLang="ko-KR" dirty="0" smtClean="0"/>
+              <a:t>2022-06-13</a:t>
+            </a:r>
+            <a:endParaRPr lang="ko-KR" altLang="en-US" dirty="0"/>
+          </a:p>
+        </p:txBody>
+      </p:sp>
+      <p:sp>
+        <p:nvSpPr>
+          <p:cNvPr id="7" name="내용 개체 틀 6"/>
+          <p:cNvSpPr>
+            <a:spLocks noGrp="1"/>
+          </p:cNvSpPr>
+          <p:nvPr>
+            <p:ph sz="half" idx="1"/>
+          </p:nvPr>
+        </p:nvSpPr>
+        <p:spPr/>
+        <p:txBody>
+          <a:bodyPr/>
+          <a:lstStyle/>
+          <a:p>
+            <a:r>
+              <a:rPr lang="ko-KR" altLang="en-US" dirty="0" smtClean="0"/>
+              <a:t>진행</a:t>
+            </a:r>
+            <a:endParaRPr lang="en-US" altLang="ko-KR" dirty="0" smtClean="0"/>
+          </a:p>
+          <a:p>
+            <a:pPr lvl="1"/>
+            <a:r>
+              <a:rPr lang="en-US" altLang="ko-KR" dirty="0" smtClean="0"/>
+              <a:t>Rotate</a:t>
+            </a:r>
+            <a:endParaRPr lang="en-US" altLang="ko-KR" dirty="0"/>
+          </a:p>
+          <a:p>
+            <a:pPr lvl="2"/>
+            <a:r>
+              <a:rPr lang="en-US" altLang="ko-KR" dirty="0" smtClean="0"/>
+              <a:t>Angle</a:t>
+            </a:r>
+          </a:p>
+          <a:p>
+            <a:pPr lvl="3"/>
+            <a:r>
+              <a:rPr lang="en-US" altLang="ko-KR" dirty="0" smtClean="0"/>
+              <a:t>Tan(angle) = y/x</a:t>
+            </a:r>
+          </a:p>
+          <a:p>
+            <a:pPr lvl="3"/>
+            <a:r>
+              <a:rPr lang="en-US" altLang="ko-KR" dirty="0" err="1" smtClean="0"/>
+              <a:t>Atan</a:t>
+            </a:r>
+            <a:r>
+              <a:rPr lang="en-US" altLang="ko-KR" dirty="0" smtClean="0"/>
+              <a:t>(x, y) = angle</a:t>
+            </a:r>
+          </a:p>
+          <a:p>
+            <a:pPr lvl="2"/>
+            <a:r>
+              <a:rPr lang="en-US" altLang="ko-KR" dirty="0" err="1" smtClean="0"/>
+              <a:t>StartAngle</a:t>
+            </a:r>
+            <a:endParaRPr lang="en-US" altLang="ko-KR" dirty="0" smtClean="0"/>
+          </a:p>
+          <a:p>
+            <a:pPr lvl="3"/>
+            <a:r>
+              <a:rPr lang="en-US" altLang="ko-KR" dirty="0" err="1" smtClean="0"/>
+              <a:t>Atan</a:t>
+            </a:r>
+            <a:r>
+              <a:rPr lang="en-US" altLang="ko-KR" dirty="0" smtClean="0"/>
+              <a:t>(</a:t>
+            </a:r>
+            <a:r>
+              <a:rPr lang="en-US" altLang="ko-KR" dirty="0" err="1" smtClean="0"/>
+              <a:t>px</a:t>
+            </a:r>
+            <a:r>
+              <a:rPr lang="en-US" altLang="ko-KR" dirty="0" smtClean="0"/>
+              <a:t>-cx, </a:t>
+            </a:r>
+            <a:r>
+              <a:rPr lang="en-US" altLang="ko-KR" dirty="0" err="1" smtClean="0"/>
+              <a:t>py</a:t>
+            </a:r>
+            <a:r>
+              <a:rPr lang="en-US" altLang="ko-KR" dirty="0" smtClean="0"/>
+              <a:t>-cy) </a:t>
+            </a:r>
+            <a:r>
+              <a:rPr lang="en-US" altLang="ko-KR" dirty="0"/>
+              <a:t>= </a:t>
+            </a:r>
+            <a:r>
+              <a:rPr lang="en-US" altLang="ko-KR" dirty="0" err="1"/>
+              <a:t>StartAngle</a:t>
+            </a:r>
+            <a:endParaRPr lang="en-US" altLang="ko-KR" dirty="0" smtClean="0"/>
+          </a:p>
+          <a:p>
+            <a:pPr lvl="2"/>
+            <a:r>
+              <a:rPr lang="en-US" altLang="ko-KR" dirty="0" err="1" smtClean="0"/>
+              <a:t>EndAngle</a:t>
+            </a:r>
+            <a:endParaRPr lang="en-US" altLang="ko-KR" dirty="0"/>
+          </a:p>
+          <a:p>
+            <a:pPr lvl="3"/>
+            <a:r>
+              <a:rPr lang="en-US" altLang="ko-KR" dirty="0" err="1" smtClean="0"/>
+              <a:t>Atan</a:t>
+            </a:r>
+            <a:r>
+              <a:rPr lang="en-US" altLang="ko-KR" dirty="0" smtClean="0"/>
+              <a:t>(x-cx, y-cy) </a:t>
+            </a:r>
+            <a:r>
+              <a:rPr lang="en-US" altLang="ko-KR" dirty="0"/>
+              <a:t>= </a:t>
+            </a:r>
+            <a:r>
+              <a:rPr lang="en-US" altLang="ko-KR" dirty="0" err="1"/>
+              <a:t>EndAngle</a:t>
+            </a:r>
+            <a:endParaRPr lang="en-US" altLang="ko-KR" dirty="0"/>
+          </a:p>
+          <a:p>
+            <a:pPr lvl="3"/>
+            <a:endParaRPr lang="ko-KR" altLang="en-US" dirty="0"/>
+          </a:p>
+        </p:txBody>
+      </p:sp>
+      <p:sp>
+        <p:nvSpPr>
+          <p:cNvPr id="4" name="바닥글 개체 틀 3"/>
+          <p:cNvSpPr>
+            <a:spLocks noGrp="1"/>
+          </p:cNvSpPr>
+          <p:nvPr>
+            <p:ph type="ftr" sz="quarter" idx="10"/>
+          </p:nvPr>
+        </p:nvSpPr>
+        <p:spPr/>
+        <p:txBody>
+          <a:bodyPr/>
+          <a:lstStyle/>
+          <a:p>
+            <a:pPr>
+              <a:buFont typeface="맑은 고딕" panose="020B0503020000020004" pitchFamily="50" charset="-127"/>
+              <a:buChar char="ⓒ"/>
+            </a:pPr>
+            <a:r>
+              <a:rPr lang="en-US" altLang="ko-KR" smtClean="0"/>
+              <a:t>Sungwoon Choi 2021</a:t>
+            </a:r>
+            <a:endParaRPr lang="en-US" altLang="ko-KR" dirty="0"/>
+          </a:p>
+        </p:txBody>
+      </p:sp>
+      <p:sp>
+        <p:nvSpPr>
+          <p:cNvPr id="5" name="슬라이드 번호 개체 틀 4"/>
+          <p:cNvSpPr>
+            <a:spLocks noGrp="1"/>
+          </p:cNvSpPr>
+          <p:nvPr>
+            <p:ph type="sldNum" sz="quarter" idx="11"/>
+          </p:nvPr>
+        </p:nvSpPr>
+        <p:spPr/>
+        <p:txBody>
+          <a:bodyPr/>
+          <a:lstStyle/>
+          <a:p>
+            <a:fld id="{AA4216F1-165B-4DFF-BD92-3D8E849D7D48}" type="slidenum">
+              <a:rPr lang="en-US" altLang="ko-KR" smtClean="0"/>
+              <a:pPr/>
+              <a:t>35</a:t>
+            </a:fld>
+            <a:endParaRPr lang="en-US" altLang="ko-KR" dirty="0"/>
+          </a:p>
+        </p:txBody>
+      </p:sp>
+      <p:sp>
+        <p:nvSpPr>
+          <p:cNvPr id="10" name="타원 9"/>
+          <p:cNvSpPr/>
+          <p:nvPr/>
+        </p:nvSpPr>
+        <p:spPr bwMode="auto">
+          <a:xfrm>
+            <a:off x="4601871" y="4426292"/>
+            <a:ext cx="2690100" cy="2160240"/>
+          </a:xfrm>
+          <a:prstGeom prst="ellipse">
+            <a:avLst/>
+          </a:prstGeom>
+          <a:solidFill>
+            <a:schemeClr val="accent3">
+              <a:lumMod val="20000"/>
+              <a:lumOff val="80000"/>
+            </a:schemeClr>
+          </a:solidFill>
+          <a:ln w="9525" cap="flat" cmpd="sng" algn="ctr">
+            <a:solidFill>
+              <a:schemeClr val="accent3">
+                <a:lumMod val="75000"/>
+              </a:schemeClr>
+            </a:solidFill>
+            <a:prstDash val="solid"/>
+            <a:round/>
+            <a:headEnd type="none" w="med" len="med"/>
+            <a:tailEnd type="none" w="med" len="med"/>
+          </a:ln>
+          <a:effectLst/>
+        </p:spPr>
+        <p:txBody>
+          <a:bodyPr vert="horz" wrap="square" lIns="91440" tIns="45720" rIns="91440" bIns="45720" numCol="1" rtlCol="0" anchor="ctr" anchorCtr="0" compatLnSpc="1">
+            <a:prstTxWarp prst="textNoShape">
+              <a:avLst/>
+            </a:prstTxWarp>
+          </a:bodyPr>
+          <a:lstStyle/>
+          <a:p>
+            <a:pPr marL="0" marR="0" indent="0" algn="ctr" defTabSz="914400" rtl="0" eaLnBrk="1" fontAlgn="base" latinLnBrk="0" hangingPunct="1">
+              <a:lnSpc>
+                <a:spcPct val="100000"/>
+              </a:lnSpc>
+              <a:spcBef>
+                <a:spcPct val="0"/>
+              </a:spcBef>
+              <a:spcAft>
+                <a:spcPct val="0"/>
+              </a:spcAft>
+              <a:buClrTx/>
+              <a:buSzTx/>
+              <a:buFontTx/>
+              <a:buNone/>
+              <a:tabLst/>
+            </a:pPr>
+            <a:endParaRPr kumimoji="0" lang="ko-KR" altLang="en-US" sz="1400" b="0" i="0" u="none" strike="noStrike" cap="none" normalizeH="0" baseline="0" smtClean="0">
+              <a:ln>
+                <a:noFill/>
+              </a:ln>
+              <a:solidFill>
+                <a:schemeClr val="tx1"/>
+              </a:solidFill>
+              <a:effectLst/>
+              <a:latin typeface="Arial" charset="0"/>
+            </a:endParaRPr>
+          </a:p>
+        </p:txBody>
+      </p:sp>
+      <p:sp>
+        <p:nvSpPr>
+          <p:cNvPr id="9" name="직사각형 8"/>
+          <p:cNvSpPr/>
+          <p:nvPr/>
+        </p:nvSpPr>
+        <p:spPr bwMode="auto">
+          <a:xfrm rot="1967284">
+            <a:off x="4953583" y="4786333"/>
+            <a:ext cx="2020750" cy="1368152"/>
+          </a:xfrm>
+          <a:prstGeom prst="rect">
+            <a:avLst/>
+          </a:prstGeom>
+          <a:solidFill>
+            <a:schemeClr val="accent3">
+              <a:lumMod val="20000"/>
+              <a:lumOff val="80000"/>
+            </a:schemeClr>
+          </a:solidFill>
+          <a:ln w="38100" cap="flat" cmpd="sng" algn="ctr">
+            <a:solidFill>
+              <a:srgbClr val="0070C0"/>
+            </a:solidFill>
+            <a:prstDash val="solid"/>
+            <a:round/>
+            <a:headEnd type="none" w="med" len="med"/>
+            <a:tailEnd type="none" w="med" len="med"/>
+          </a:ln>
+          <a:effectLst/>
+        </p:spPr>
+        <p:txBody>
+          <a:bodyPr vert="horz" wrap="square" lIns="91440" tIns="45720" rIns="91440" bIns="45720" numCol="1" rtlCol="0" anchor="ctr" anchorCtr="0" compatLnSpc="1">
+            <a:prstTxWarp prst="textNoShape">
+              <a:avLst/>
+            </a:prstTxWarp>
+          </a:bodyPr>
+          <a:lstStyle/>
+          <a:p>
+            <a:pPr marL="0" marR="0" indent="0" algn="ctr" defTabSz="914400" rtl="0" eaLnBrk="1" fontAlgn="base" latinLnBrk="0" hangingPunct="1">
+              <a:lnSpc>
+                <a:spcPct val="100000"/>
+              </a:lnSpc>
+              <a:spcBef>
+                <a:spcPct val="0"/>
+              </a:spcBef>
+              <a:spcAft>
+                <a:spcPct val="0"/>
+              </a:spcAft>
+              <a:buClrTx/>
+              <a:buSzTx/>
+              <a:buFontTx/>
+              <a:buNone/>
+              <a:tabLst/>
+            </a:pPr>
+            <a:endParaRPr kumimoji="0" lang="ko-KR" altLang="en-US" sz="1400" b="0" i="0" u="none" strike="noStrike" cap="none" normalizeH="0" baseline="0" smtClean="0">
+              <a:ln>
+                <a:noFill/>
+              </a:ln>
+              <a:solidFill>
+                <a:schemeClr val="tx1"/>
+              </a:solidFill>
+              <a:effectLst/>
+              <a:latin typeface="Arial" charset="0"/>
+            </a:endParaRPr>
+          </a:p>
+        </p:txBody>
+      </p:sp>
+      <p:cxnSp>
+        <p:nvCxnSpPr>
+          <p:cNvPr id="12" name="직선 연결선 11"/>
+          <p:cNvCxnSpPr/>
+          <p:nvPr/>
+        </p:nvCxnSpPr>
+        <p:spPr bwMode="auto">
+          <a:xfrm flipH="1">
+            <a:off x="5970023" y="4491505"/>
+            <a:ext cx="576064" cy="942899"/>
+          </a:xfrm>
+          <a:prstGeom prst="line">
+            <a:avLst/>
+          </a:prstGeom>
+          <a:solidFill>
+            <a:schemeClr val="accent1"/>
+          </a:solidFill>
+          <a:ln w="9525" cap="flat" cmpd="sng" algn="ctr">
+            <a:solidFill>
+              <a:schemeClr val="tx1"/>
+            </a:solidFill>
+            <a:prstDash val="solid"/>
+            <a:round/>
+            <a:headEnd type="none" w="med" len="med"/>
+            <a:tailEnd type="none" w="med" len="med"/>
+          </a:ln>
+          <a:effectLst/>
+          <a:extLst>
+            <a:ext uri="{AF507438-7753-43E0-B8FC-AC1667EBCBE1}">
+              <a14:hiddenEffects xmlns:a14="http://schemas.microsoft.com/office/drawing/2010/main">
+                <a:effectLst>
+                  <a:outerShdw dist="35921" dir="2700000" algn="ctr" rotWithShape="0">
+                    <a:schemeClr val="bg2"/>
+                  </a:outerShdw>
+                </a:effectLst>
+              </a14:hiddenEffects>
+            </a:ext>
+          </a:extLst>
+        </p:spPr>
+      </p:cxnSp>
+      <p:cxnSp>
+        <p:nvCxnSpPr>
+          <p:cNvPr id="17" name="직선 연결선 16"/>
+          <p:cNvCxnSpPr>
+            <a:stCxn id="10" idx="0"/>
+          </p:cNvCxnSpPr>
+          <p:nvPr/>
+        </p:nvCxnSpPr>
+        <p:spPr bwMode="auto">
+          <a:xfrm>
+            <a:off x="5946921" y="4426292"/>
+            <a:ext cx="23102" cy="1044117"/>
+          </a:xfrm>
+          <a:prstGeom prst="line">
+            <a:avLst/>
+          </a:prstGeom>
+          <a:solidFill>
+            <a:schemeClr val="accent1"/>
+          </a:solidFill>
+          <a:ln w="9525" cap="flat" cmpd="sng" algn="ctr">
+            <a:solidFill>
+              <a:schemeClr val="tx1"/>
+            </a:solidFill>
+            <a:prstDash val="solid"/>
+            <a:round/>
+            <a:headEnd type="none" w="med" len="med"/>
+            <a:tailEnd type="none" w="med" len="med"/>
+          </a:ln>
+          <a:effectLst/>
+          <a:extLst>
+            <a:ext uri="{AF507438-7753-43E0-B8FC-AC1667EBCBE1}">
+              <a14:hiddenEffects xmlns:a14="http://schemas.microsoft.com/office/drawing/2010/main">
+                <a:effectLst>
+                  <a:outerShdw dist="35921" dir="2700000" algn="ctr" rotWithShape="0">
+                    <a:schemeClr val="bg2"/>
+                  </a:outerShdw>
+                </a:effectLst>
+              </a14:hiddenEffects>
+            </a:ext>
+          </a:extLst>
+        </p:spPr>
+      </p:cxnSp>
+      <p:cxnSp>
+        <p:nvCxnSpPr>
+          <p:cNvPr id="19" name="직선 연결선 18"/>
+          <p:cNvCxnSpPr/>
+          <p:nvPr/>
+        </p:nvCxnSpPr>
+        <p:spPr bwMode="auto">
+          <a:xfrm>
+            <a:off x="6546087" y="4491505"/>
+            <a:ext cx="0" cy="978904"/>
+          </a:xfrm>
+          <a:prstGeom prst="line">
+            <a:avLst/>
+          </a:prstGeom>
+          <a:solidFill>
+            <a:schemeClr val="accent1"/>
+          </a:solidFill>
+          <a:ln w="9525" cap="flat" cmpd="sng" algn="ctr">
+            <a:solidFill>
+              <a:schemeClr val="tx1"/>
+            </a:solidFill>
+            <a:prstDash val="solid"/>
+            <a:round/>
+            <a:headEnd type="none" w="med" len="med"/>
+            <a:tailEnd type="none" w="med" len="med"/>
+          </a:ln>
+          <a:effectLst/>
+          <a:extLst>
+            <a:ext uri="{AF507438-7753-43E0-B8FC-AC1667EBCBE1}">
+              <a14:hiddenEffects xmlns:a14="http://schemas.microsoft.com/office/drawing/2010/main">
+                <a:effectLst>
+                  <a:outerShdw dist="35921" dir="2700000" algn="ctr" rotWithShape="0">
+                    <a:schemeClr val="bg2"/>
+                  </a:outerShdw>
+                </a:effectLst>
+              </a14:hiddenEffects>
+            </a:ext>
+          </a:extLst>
+        </p:spPr>
+      </p:cxnSp>
+      <p:cxnSp>
+        <p:nvCxnSpPr>
+          <p:cNvPr id="21" name="직선 연결선 20"/>
+          <p:cNvCxnSpPr/>
+          <p:nvPr/>
+        </p:nvCxnSpPr>
+        <p:spPr bwMode="auto">
+          <a:xfrm flipV="1">
+            <a:off x="5946921" y="5460898"/>
+            <a:ext cx="1217510" cy="9511"/>
+          </a:xfrm>
+          <a:prstGeom prst="line">
+            <a:avLst/>
+          </a:prstGeom>
+          <a:solidFill>
+            <a:schemeClr val="accent1"/>
+          </a:solidFill>
+          <a:ln w="9525" cap="flat" cmpd="sng" algn="ctr">
+            <a:solidFill>
+              <a:schemeClr val="tx1"/>
+            </a:solidFill>
+            <a:prstDash val="solid"/>
+            <a:round/>
+            <a:headEnd type="none" w="med" len="med"/>
+            <a:tailEnd type="none" w="med" len="med"/>
+          </a:ln>
+          <a:effectLst/>
+          <a:extLst>
+            <a:ext uri="{AF507438-7753-43E0-B8FC-AC1667EBCBE1}">
+              <a14:hiddenEffects xmlns:a14="http://schemas.microsoft.com/office/drawing/2010/main">
+                <a:effectLst>
+                  <a:outerShdw dist="35921" dir="2700000" algn="ctr" rotWithShape="0">
+                    <a:schemeClr val="bg2"/>
+                  </a:outerShdw>
+                </a:effectLst>
+              </a14:hiddenEffects>
+            </a:ext>
+          </a:extLst>
+        </p:spPr>
+      </p:cxnSp>
+      <p:sp>
+        <p:nvSpPr>
+          <p:cNvPr id="26" name="원호 25"/>
+          <p:cNvSpPr/>
+          <p:nvPr/>
+        </p:nvSpPr>
+        <p:spPr bwMode="auto">
+          <a:xfrm>
+            <a:off x="5889632" y="5038362"/>
+            <a:ext cx="224407" cy="180018"/>
+          </a:xfrm>
+          <a:prstGeom prst="arc">
+            <a:avLst/>
+          </a:prstGeom>
+          <a:solidFill>
+            <a:schemeClr val="accent1"/>
+          </a:solidFill>
+          <a:ln w="9525" cap="flat" cmpd="sng" algn="ctr">
+            <a:solidFill>
+              <a:schemeClr val="tx1"/>
+            </a:solidFill>
+            <a:prstDash val="solid"/>
+            <a:round/>
+            <a:headEnd type="none" w="med" len="med"/>
+            <a:tailEnd type="none" w="med" len="med"/>
+          </a:ln>
+          <a:effectLst/>
+          <a:extLst>
+            <a:ext uri="{AF507438-7753-43E0-B8FC-AC1667EBCBE1}">
+              <a14:hiddenEffects xmlns:a14="http://schemas.microsoft.com/office/drawing/2010/main">
+                <a:effectLst>
+                  <a:outerShdw dist="35921" dir="2700000" algn="ctr" rotWithShape="0">
+                    <a:schemeClr val="bg2"/>
+                  </a:outerShdw>
+                </a:effectLst>
+              </a14:hiddenEffects>
+            </a:ext>
+          </a:extLst>
+        </p:spPr>
+        <p:txBody>
+          <a:bodyPr vert="horz" wrap="square" lIns="91440" tIns="45720" rIns="91440" bIns="45720" numCol="1" rtlCol="0" anchor="t" anchorCtr="0" compatLnSpc="1">
+            <a:prstTxWarp prst="textNoShape">
+              <a:avLst/>
+            </a:prstTxWarp>
+          </a:bodyPr>
+          <a:lstStyle/>
+          <a:p>
+            <a:pPr marL="0" marR="0" indent="0" algn="l" defTabSz="914400" rtl="0" eaLnBrk="1" fontAlgn="base" latinLnBrk="0" hangingPunct="1">
+              <a:lnSpc>
+                <a:spcPct val="100000"/>
+              </a:lnSpc>
+              <a:spcBef>
+                <a:spcPct val="0"/>
+              </a:spcBef>
+              <a:spcAft>
+                <a:spcPct val="0"/>
+              </a:spcAft>
+              <a:buClrTx/>
+              <a:buSzTx/>
+              <a:buFontTx/>
+              <a:buNone/>
+              <a:tabLst/>
+            </a:pPr>
+            <a:endParaRPr kumimoji="0" lang="ko-KR" altLang="en-US" sz="2400" b="0" i="0" u="none" strike="noStrike" cap="none" normalizeH="0" baseline="0" smtClean="0">
+              <a:ln>
+                <a:noFill/>
+              </a:ln>
+              <a:solidFill>
+                <a:schemeClr val="tx1"/>
+              </a:solidFill>
+              <a:effectLst/>
+              <a:latin typeface="Arial" charset="0"/>
+            </a:endParaRPr>
+          </a:p>
+        </p:txBody>
+      </p:sp>
+      <p:sp>
+        <p:nvSpPr>
+          <p:cNvPr id="27" name="TextBox 26"/>
+          <p:cNvSpPr txBox="1"/>
+          <p:nvPr/>
+        </p:nvSpPr>
+        <p:spPr>
+          <a:xfrm>
+            <a:off x="6114039" y="4018693"/>
+            <a:ext cx="966434" cy="360040"/>
+          </a:xfrm>
+          <a:prstGeom prst="rect">
+            <a:avLst/>
+          </a:prstGeom>
+          <a:noFill/>
+          <a:ln>
+            <a:noFill/>
+          </a:ln>
+        </p:spPr>
+        <p:txBody>
+          <a:bodyPr wrap="none" rtlCol="0" anchor="ctr">
+            <a:noAutofit/>
+          </a:bodyPr>
+          <a:lstStyle/>
+          <a:p>
+            <a:pPr algn="ctr"/>
+            <a:r>
+              <a:rPr lang="en-US" altLang="ko-KR" sz="1600" dirty="0" smtClean="0"/>
+              <a:t>X, Y</a:t>
+            </a:r>
+            <a:endParaRPr lang="ko-KR" altLang="en-US" sz="1600" dirty="0" err="1" smtClean="0"/>
+          </a:p>
+        </p:txBody>
+      </p:sp>
+      <p:sp>
+        <p:nvSpPr>
+          <p:cNvPr id="28" name="원호 27"/>
+          <p:cNvSpPr/>
+          <p:nvPr/>
+        </p:nvSpPr>
+        <p:spPr bwMode="auto">
+          <a:xfrm rot="1660925">
+            <a:off x="5838867" y="5285006"/>
+            <a:ext cx="378620" cy="259734"/>
+          </a:xfrm>
+          <a:prstGeom prst="arc">
+            <a:avLst/>
+          </a:prstGeom>
+          <a:noFill/>
+          <a:ln w="9525" cap="flat" cmpd="sng" algn="ctr">
+            <a:solidFill>
+              <a:schemeClr val="tx1"/>
+            </a:solidFill>
+            <a:prstDash val="solid"/>
+            <a:round/>
+            <a:headEnd type="none" w="med" len="med"/>
+            <a:tailEnd type="none" w="med" len="med"/>
+          </a:ln>
+          <a:effectLst/>
+          <a:extLst/>
+        </p:spPr>
+        <p:txBody>
+          <a:bodyPr vert="horz" wrap="square" lIns="91440" tIns="45720" rIns="91440" bIns="45720" numCol="1" rtlCol="0" anchor="t" anchorCtr="0" compatLnSpc="1">
+            <a:prstTxWarp prst="textNoShape">
+              <a:avLst/>
+            </a:prstTxWarp>
+          </a:bodyPr>
+          <a:lstStyle/>
+          <a:p>
+            <a:pPr marL="0" marR="0" indent="0" algn="l" defTabSz="914400" rtl="0" eaLnBrk="1" fontAlgn="base" latinLnBrk="0" hangingPunct="1">
+              <a:lnSpc>
+                <a:spcPct val="100000"/>
+              </a:lnSpc>
+              <a:spcBef>
+                <a:spcPct val="0"/>
+              </a:spcBef>
+              <a:spcAft>
+                <a:spcPct val="0"/>
+              </a:spcAft>
+              <a:buClrTx/>
+              <a:buSzTx/>
+              <a:buFontTx/>
+              <a:buNone/>
+              <a:tabLst/>
+            </a:pPr>
+            <a:endParaRPr kumimoji="0" lang="ko-KR" altLang="en-US" sz="2400" b="0" i="0" u="none" strike="noStrike" cap="none" normalizeH="0" baseline="0" smtClean="0">
+              <a:ln>
+                <a:noFill/>
+              </a:ln>
+              <a:solidFill>
+                <a:schemeClr val="tx1"/>
+              </a:solidFill>
+              <a:effectLst/>
+              <a:latin typeface="Arial" charset="0"/>
+            </a:endParaRPr>
+          </a:p>
+        </p:txBody>
+      </p:sp>
+      <p:sp>
+        <p:nvSpPr>
+          <p:cNvPr id="29" name="오른쪽 중괄호 28"/>
+          <p:cNvSpPr/>
+          <p:nvPr/>
+        </p:nvSpPr>
+        <p:spPr bwMode="auto">
+          <a:xfrm>
+            <a:off x="6688199" y="4491505"/>
+            <a:ext cx="275162" cy="942899"/>
+          </a:xfrm>
+          <a:prstGeom prst="rightBrace">
+            <a:avLst/>
+          </a:prstGeom>
+          <a:noFill/>
+          <a:ln w="9525" cap="flat" cmpd="sng" algn="ctr">
+            <a:solidFill>
+              <a:srgbClr val="FF0000"/>
+            </a:solidFill>
+            <a:prstDash val="solid"/>
+            <a:round/>
+            <a:headEnd type="none" w="med" len="med"/>
+            <a:tailEnd type="none" w="med" len="med"/>
+          </a:ln>
+          <a:effectLst/>
+          <a:extLst/>
+        </p:spPr>
+        <p:txBody>
+          <a:bodyPr vert="horz" wrap="square" lIns="91440" tIns="45720" rIns="91440" bIns="45720" numCol="1" rtlCol="0" anchor="t" anchorCtr="0" compatLnSpc="1">
+            <a:prstTxWarp prst="textNoShape">
+              <a:avLst/>
+            </a:prstTxWarp>
+          </a:bodyPr>
+          <a:lstStyle/>
+          <a:p>
+            <a:pPr marL="0" marR="0" indent="0" algn="l" defTabSz="914400" rtl="0" eaLnBrk="1" fontAlgn="base" latinLnBrk="0" hangingPunct="1">
+              <a:lnSpc>
+                <a:spcPct val="100000"/>
+              </a:lnSpc>
+              <a:spcBef>
+                <a:spcPct val="0"/>
+              </a:spcBef>
+              <a:spcAft>
+                <a:spcPct val="0"/>
+              </a:spcAft>
+              <a:buClrTx/>
+              <a:buSzTx/>
+              <a:buFontTx/>
+              <a:buNone/>
+              <a:tabLst/>
+            </a:pPr>
+            <a:endParaRPr kumimoji="0" lang="ko-KR" altLang="en-US" sz="2400" b="0" i="0" u="none" strike="noStrike" cap="none" normalizeH="0" baseline="0" smtClean="0">
+              <a:ln>
+                <a:noFill/>
+              </a:ln>
+              <a:solidFill>
+                <a:schemeClr val="tx1"/>
+              </a:solidFill>
+              <a:effectLst/>
+              <a:latin typeface="Arial" charset="0"/>
+            </a:endParaRPr>
+          </a:p>
+        </p:txBody>
+      </p:sp>
+      <p:sp>
+        <p:nvSpPr>
+          <p:cNvPr id="30" name="오른쪽 중괄호 29"/>
+          <p:cNvSpPr/>
+          <p:nvPr/>
+        </p:nvSpPr>
+        <p:spPr bwMode="auto">
+          <a:xfrm rot="5400000">
+            <a:off x="6118569" y="5417635"/>
+            <a:ext cx="275162" cy="486269"/>
+          </a:xfrm>
+          <a:prstGeom prst="rightBrace">
+            <a:avLst/>
+          </a:prstGeom>
+          <a:noFill/>
+          <a:ln w="9525" cap="flat" cmpd="sng" algn="ctr">
+            <a:solidFill>
+              <a:srgbClr val="FF0000"/>
+            </a:solidFill>
+            <a:prstDash val="solid"/>
+            <a:round/>
+            <a:headEnd type="none" w="med" len="med"/>
+            <a:tailEnd type="none" w="med" len="med"/>
+          </a:ln>
+          <a:effectLst/>
+          <a:extLst/>
+        </p:spPr>
+        <p:txBody>
+          <a:bodyPr vert="horz" wrap="square" lIns="91440" tIns="45720" rIns="91440" bIns="45720" numCol="1" rtlCol="0" anchor="t" anchorCtr="0" compatLnSpc="1">
+            <a:prstTxWarp prst="textNoShape">
+              <a:avLst/>
+            </a:prstTxWarp>
+          </a:bodyPr>
+          <a:lstStyle/>
+          <a:p>
+            <a:pPr marL="0" marR="0" indent="0" algn="l" defTabSz="914400" rtl="0" eaLnBrk="1" fontAlgn="base" latinLnBrk="0" hangingPunct="1">
+              <a:lnSpc>
+                <a:spcPct val="100000"/>
+              </a:lnSpc>
+              <a:spcBef>
+                <a:spcPct val="0"/>
+              </a:spcBef>
+              <a:spcAft>
+                <a:spcPct val="0"/>
+              </a:spcAft>
+              <a:buClrTx/>
+              <a:buSzTx/>
+              <a:buFontTx/>
+              <a:buNone/>
+              <a:tabLst/>
+            </a:pPr>
+            <a:endParaRPr kumimoji="0" lang="ko-KR" altLang="en-US" sz="2400" b="0" i="0" u="none" strike="noStrike" cap="none" normalizeH="0" baseline="0" smtClean="0">
+              <a:ln>
+                <a:noFill/>
+              </a:ln>
+              <a:solidFill>
+                <a:schemeClr val="tx1"/>
+              </a:solidFill>
+              <a:effectLst/>
+              <a:latin typeface="Arial" charset="0"/>
+            </a:endParaRPr>
+          </a:p>
+        </p:txBody>
+      </p:sp>
+      <p:sp>
+        <p:nvSpPr>
+          <p:cNvPr id="32" name="타원 31"/>
+          <p:cNvSpPr/>
+          <p:nvPr/>
+        </p:nvSpPr>
+        <p:spPr bwMode="auto">
+          <a:xfrm>
+            <a:off x="6403425" y="4347488"/>
+            <a:ext cx="227572" cy="288032"/>
+          </a:xfrm>
+          <a:prstGeom prst="ellipse">
+            <a:avLst/>
+          </a:prstGeom>
+          <a:solidFill>
+            <a:srgbClr val="FF0000"/>
+          </a:solidFill>
+          <a:ln w="9525" cap="flat" cmpd="sng" algn="ctr">
+            <a:noFill/>
+            <a:prstDash val="solid"/>
+            <a:round/>
+            <a:headEnd type="none" w="med" len="med"/>
+            <a:tailEnd type="none" w="med" len="med"/>
+          </a:ln>
+          <a:effectLst/>
+        </p:spPr>
+        <p:txBody>
+          <a:bodyPr vert="horz" wrap="square" lIns="91440" tIns="45720" rIns="91440" bIns="45720" numCol="1" rtlCol="0" anchor="ctr" anchorCtr="0" compatLnSpc="1">
+            <a:prstTxWarp prst="textNoShape">
+              <a:avLst/>
+            </a:prstTxWarp>
+          </a:bodyPr>
+          <a:lstStyle/>
+          <a:p>
+            <a:pPr marL="0" marR="0" indent="0" algn="ctr" defTabSz="914400" rtl="0" eaLnBrk="1" fontAlgn="base" latinLnBrk="0" hangingPunct="1">
+              <a:lnSpc>
+                <a:spcPct val="100000"/>
+              </a:lnSpc>
+              <a:spcBef>
+                <a:spcPct val="0"/>
+              </a:spcBef>
+              <a:spcAft>
+                <a:spcPct val="0"/>
+              </a:spcAft>
+              <a:buClrTx/>
+              <a:buSzTx/>
+              <a:buFontTx/>
+              <a:buNone/>
+              <a:tabLst/>
+            </a:pPr>
+            <a:endParaRPr kumimoji="0" lang="ko-KR" altLang="en-US" sz="1400" b="0" i="0" u="none" strike="noStrike" cap="none" normalizeH="0" baseline="0" smtClean="0">
+              <a:ln>
+                <a:noFill/>
+              </a:ln>
+              <a:solidFill>
+                <a:schemeClr val="tx1"/>
+              </a:solidFill>
+              <a:effectLst/>
+              <a:latin typeface="Arial" charset="0"/>
+            </a:endParaRPr>
+          </a:p>
+        </p:txBody>
+      </p:sp>
+      <p:sp>
+        <p:nvSpPr>
+          <p:cNvPr id="33" name="타원 32"/>
+          <p:cNvSpPr/>
+          <p:nvPr/>
+        </p:nvSpPr>
+        <p:spPr bwMode="auto">
+          <a:xfrm>
+            <a:off x="1474837" y="4096444"/>
+            <a:ext cx="2886234" cy="2488669"/>
+          </a:xfrm>
+          <a:prstGeom prst="ellipse">
+            <a:avLst/>
+          </a:prstGeom>
+          <a:solidFill>
+            <a:schemeClr val="accent3">
+              <a:lumMod val="20000"/>
+              <a:lumOff val="80000"/>
+            </a:schemeClr>
+          </a:solidFill>
+          <a:ln w="9525" cap="flat" cmpd="sng" algn="ctr">
+            <a:solidFill>
+              <a:schemeClr val="accent3">
+                <a:lumMod val="75000"/>
+              </a:schemeClr>
+            </a:solidFill>
+            <a:prstDash val="solid"/>
+            <a:round/>
+            <a:headEnd type="none" w="med" len="med"/>
+            <a:tailEnd type="none" w="med" len="med"/>
+          </a:ln>
+          <a:effectLst/>
+        </p:spPr>
+        <p:txBody>
+          <a:bodyPr vert="horz" wrap="square" lIns="91440" tIns="45720" rIns="91440" bIns="45720" numCol="1" rtlCol="0" anchor="ctr" anchorCtr="0" compatLnSpc="1">
+            <a:prstTxWarp prst="textNoShape">
+              <a:avLst/>
+            </a:prstTxWarp>
+          </a:bodyPr>
+          <a:lstStyle/>
+          <a:p>
+            <a:pPr marL="0" marR="0" indent="0" algn="ctr" defTabSz="914400" rtl="0" eaLnBrk="1" fontAlgn="base" latinLnBrk="0" hangingPunct="1">
+              <a:lnSpc>
+                <a:spcPct val="100000"/>
+              </a:lnSpc>
+              <a:spcBef>
+                <a:spcPct val="0"/>
+              </a:spcBef>
+              <a:spcAft>
+                <a:spcPct val="0"/>
+              </a:spcAft>
+              <a:buClrTx/>
+              <a:buSzTx/>
+              <a:buFontTx/>
+              <a:buNone/>
+              <a:tabLst/>
+            </a:pPr>
+            <a:endParaRPr kumimoji="0" lang="ko-KR" altLang="en-US" sz="1400" b="0" i="0" u="none" strike="noStrike" cap="none" normalizeH="0" baseline="0" smtClean="0">
+              <a:ln>
+                <a:noFill/>
+              </a:ln>
+              <a:solidFill>
+                <a:schemeClr val="tx1"/>
+              </a:solidFill>
+              <a:effectLst/>
+              <a:latin typeface="Arial" charset="0"/>
+            </a:endParaRPr>
+          </a:p>
+        </p:txBody>
+      </p:sp>
+      <p:sp>
+        <p:nvSpPr>
+          <p:cNvPr id="34" name="직사각형 33"/>
+          <p:cNvSpPr/>
+          <p:nvPr/>
+        </p:nvSpPr>
+        <p:spPr bwMode="auto">
+          <a:xfrm rot="1060058">
+            <a:off x="1826549" y="4784914"/>
+            <a:ext cx="2020750" cy="1368152"/>
+          </a:xfrm>
+          <a:prstGeom prst="rect">
+            <a:avLst/>
+          </a:prstGeom>
+          <a:solidFill>
+            <a:schemeClr val="accent3">
+              <a:lumMod val="20000"/>
+              <a:lumOff val="80000"/>
+            </a:schemeClr>
+          </a:solidFill>
+          <a:ln w="38100" cap="flat" cmpd="sng" algn="ctr">
+            <a:solidFill>
+              <a:srgbClr val="0070C0"/>
+            </a:solidFill>
+            <a:prstDash val="solid"/>
+            <a:round/>
+            <a:headEnd type="none" w="med" len="med"/>
+            <a:tailEnd type="none" w="med" len="med"/>
+          </a:ln>
+          <a:effectLst/>
+        </p:spPr>
+        <p:txBody>
+          <a:bodyPr vert="horz" wrap="square" lIns="91440" tIns="45720" rIns="91440" bIns="45720" numCol="1" rtlCol="0" anchor="ctr" anchorCtr="0" compatLnSpc="1">
+            <a:prstTxWarp prst="textNoShape">
+              <a:avLst/>
+            </a:prstTxWarp>
+          </a:bodyPr>
+          <a:lstStyle/>
+          <a:p>
+            <a:pPr marL="0" marR="0" indent="0" algn="ctr" defTabSz="914400" rtl="0" eaLnBrk="1" fontAlgn="base" latinLnBrk="0" hangingPunct="1">
+              <a:lnSpc>
+                <a:spcPct val="100000"/>
+              </a:lnSpc>
+              <a:spcBef>
+                <a:spcPct val="0"/>
+              </a:spcBef>
+              <a:spcAft>
+                <a:spcPct val="0"/>
+              </a:spcAft>
+              <a:buClrTx/>
+              <a:buSzTx/>
+              <a:buFontTx/>
+              <a:buNone/>
+              <a:tabLst/>
+            </a:pPr>
+            <a:endParaRPr kumimoji="0" lang="ko-KR" altLang="en-US" sz="1400" b="0" i="0" u="none" strike="noStrike" cap="none" normalizeH="0" baseline="0" smtClean="0">
+              <a:ln>
+                <a:noFill/>
+              </a:ln>
+              <a:solidFill>
+                <a:schemeClr val="tx1"/>
+              </a:solidFill>
+              <a:effectLst/>
+              <a:latin typeface="Arial" charset="0"/>
+            </a:endParaRPr>
+          </a:p>
+        </p:txBody>
+      </p:sp>
+      <p:cxnSp>
+        <p:nvCxnSpPr>
+          <p:cNvPr id="35" name="직선 연결선 34"/>
+          <p:cNvCxnSpPr>
+            <a:stCxn id="44" idx="4"/>
+          </p:cNvCxnSpPr>
+          <p:nvPr/>
+        </p:nvCxnSpPr>
+        <p:spPr bwMode="auto">
+          <a:xfrm flipH="1">
+            <a:off x="2842989" y="4299802"/>
+            <a:ext cx="286127" cy="1133183"/>
+          </a:xfrm>
+          <a:prstGeom prst="line">
+            <a:avLst/>
+          </a:prstGeom>
+          <a:solidFill>
+            <a:schemeClr val="accent1"/>
+          </a:solidFill>
+          <a:ln w="9525" cap="flat" cmpd="sng" algn="ctr">
+            <a:solidFill>
+              <a:schemeClr val="tx1"/>
+            </a:solidFill>
+            <a:prstDash val="solid"/>
+            <a:round/>
+            <a:headEnd type="none" w="med" len="med"/>
+            <a:tailEnd type="none" w="med" len="med"/>
+          </a:ln>
+          <a:effectLst/>
+          <a:extLst>
+            <a:ext uri="{AF507438-7753-43E0-B8FC-AC1667EBCBE1}">
+              <a14:hiddenEffects xmlns:a14="http://schemas.microsoft.com/office/drawing/2010/main">
+                <a:effectLst>
+                  <a:outerShdw dist="35921" dir="2700000" algn="ctr" rotWithShape="0">
+                    <a:schemeClr val="bg2"/>
+                  </a:outerShdw>
+                </a:effectLst>
+              </a14:hiddenEffects>
+            </a:ext>
+          </a:extLst>
+        </p:spPr>
+      </p:cxnSp>
+      <p:cxnSp>
+        <p:nvCxnSpPr>
+          <p:cNvPr id="36" name="직선 연결선 35"/>
+          <p:cNvCxnSpPr>
+            <a:stCxn id="33" idx="0"/>
+          </p:cNvCxnSpPr>
+          <p:nvPr/>
+        </p:nvCxnSpPr>
+        <p:spPr bwMode="auto">
+          <a:xfrm flipH="1">
+            <a:off x="2842990" y="4096444"/>
+            <a:ext cx="74964" cy="1372546"/>
+          </a:xfrm>
+          <a:prstGeom prst="line">
+            <a:avLst/>
+          </a:prstGeom>
+          <a:solidFill>
+            <a:schemeClr val="accent1"/>
+          </a:solidFill>
+          <a:ln w="9525" cap="flat" cmpd="sng" algn="ctr">
+            <a:solidFill>
+              <a:schemeClr val="tx1"/>
+            </a:solidFill>
+            <a:prstDash val="solid"/>
+            <a:round/>
+            <a:headEnd type="none" w="med" len="med"/>
+            <a:tailEnd type="none" w="med" len="med"/>
+          </a:ln>
+          <a:effectLst/>
+          <a:extLst>
+            <a:ext uri="{AF507438-7753-43E0-B8FC-AC1667EBCBE1}">
+              <a14:hiddenEffects xmlns:a14="http://schemas.microsoft.com/office/drawing/2010/main">
+                <a:effectLst>
+                  <a:outerShdw dist="35921" dir="2700000" algn="ctr" rotWithShape="0">
+                    <a:schemeClr val="bg2"/>
+                  </a:outerShdw>
+                </a:effectLst>
+              </a14:hiddenEffects>
+            </a:ext>
+          </a:extLst>
+        </p:spPr>
+      </p:cxnSp>
+      <p:cxnSp>
+        <p:nvCxnSpPr>
+          <p:cNvPr id="37" name="직선 연결선 36"/>
+          <p:cNvCxnSpPr>
+            <a:stCxn id="44" idx="5"/>
+          </p:cNvCxnSpPr>
+          <p:nvPr/>
+        </p:nvCxnSpPr>
+        <p:spPr bwMode="auto">
+          <a:xfrm flipH="1">
+            <a:off x="3181464" y="4257621"/>
+            <a:ext cx="28111" cy="1175364"/>
+          </a:xfrm>
+          <a:prstGeom prst="line">
+            <a:avLst/>
+          </a:prstGeom>
+          <a:solidFill>
+            <a:schemeClr val="accent1"/>
+          </a:solidFill>
+          <a:ln w="9525" cap="flat" cmpd="sng" algn="ctr">
+            <a:solidFill>
+              <a:schemeClr val="tx1"/>
+            </a:solidFill>
+            <a:prstDash val="solid"/>
+            <a:round/>
+            <a:headEnd type="none" w="med" len="med"/>
+            <a:tailEnd type="none" w="med" len="med"/>
+          </a:ln>
+          <a:effectLst/>
+          <a:extLst>
+            <a:ext uri="{AF507438-7753-43E0-B8FC-AC1667EBCBE1}">
+              <a14:hiddenEffects xmlns:a14="http://schemas.microsoft.com/office/drawing/2010/main">
+                <a:effectLst>
+                  <a:outerShdw dist="35921" dir="2700000" algn="ctr" rotWithShape="0">
+                    <a:schemeClr val="bg2"/>
+                  </a:outerShdw>
+                </a:effectLst>
+              </a14:hiddenEffects>
+            </a:ext>
+          </a:extLst>
+        </p:spPr>
+      </p:cxnSp>
+      <p:cxnSp>
+        <p:nvCxnSpPr>
+          <p:cNvPr id="38" name="직선 연결선 37"/>
+          <p:cNvCxnSpPr/>
+          <p:nvPr/>
+        </p:nvCxnSpPr>
+        <p:spPr bwMode="auto">
+          <a:xfrm>
+            <a:off x="2819887" y="5468991"/>
+            <a:ext cx="991985" cy="8386"/>
+          </a:xfrm>
+          <a:prstGeom prst="line">
+            <a:avLst/>
+          </a:prstGeom>
+          <a:solidFill>
+            <a:schemeClr val="accent1"/>
+          </a:solidFill>
+          <a:ln w="9525" cap="flat" cmpd="sng" algn="ctr">
+            <a:solidFill>
+              <a:schemeClr val="tx1"/>
+            </a:solidFill>
+            <a:prstDash val="solid"/>
+            <a:round/>
+            <a:headEnd type="none" w="med" len="med"/>
+            <a:tailEnd type="none" w="med" len="med"/>
+          </a:ln>
+          <a:effectLst/>
+          <a:extLst>
+            <a:ext uri="{AF507438-7753-43E0-B8FC-AC1667EBCBE1}">
+              <a14:hiddenEffects xmlns:a14="http://schemas.microsoft.com/office/drawing/2010/main">
+                <a:effectLst>
+                  <a:outerShdw dist="35921" dir="2700000" algn="ctr" rotWithShape="0">
+                    <a:schemeClr val="bg2"/>
+                  </a:outerShdw>
+                </a:effectLst>
+              </a14:hiddenEffects>
+            </a:ext>
+          </a:extLst>
+        </p:spPr>
+      </p:cxnSp>
+      <p:sp>
+        <p:nvSpPr>
+          <p:cNvPr id="39" name="원호 38"/>
+          <p:cNvSpPr/>
+          <p:nvPr/>
+        </p:nvSpPr>
+        <p:spPr bwMode="auto">
+          <a:xfrm>
+            <a:off x="2762598" y="5036943"/>
+            <a:ext cx="224407" cy="180018"/>
+          </a:xfrm>
+          <a:prstGeom prst="arc">
+            <a:avLst/>
+          </a:prstGeom>
+          <a:solidFill>
+            <a:schemeClr val="accent1"/>
+          </a:solidFill>
+          <a:ln w="9525" cap="flat" cmpd="sng" algn="ctr">
+            <a:solidFill>
+              <a:schemeClr val="tx1"/>
+            </a:solidFill>
+            <a:prstDash val="solid"/>
+            <a:round/>
+            <a:headEnd type="none" w="med" len="med"/>
+            <a:tailEnd type="none" w="med" len="med"/>
+          </a:ln>
+          <a:effectLst/>
+          <a:extLst>
+            <a:ext uri="{AF507438-7753-43E0-B8FC-AC1667EBCBE1}">
+              <a14:hiddenEffects xmlns:a14="http://schemas.microsoft.com/office/drawing/2010/main">
+                <a:effectLst>
+                  <a:outerShdw dist="35921" dir="2700000" algn="ctr" rotWithShape="0">
+                    <a:schemeClr val="bg2"/>
+                  </a:outerShdw>
+                </a:effectLst>
+              </a14:hiddenEffects>
+            </a:ext>
+          </a:extLst>
+        </p:spPr>
+        <p:txBody>
+          <a:bodyPr vert="horz" wrap="square" lIns="91440" tIns="45720" rIns="91440" bIns="45720" numCol="1" rtlCol="0" anchor="t" anchorCtr="0" compatLnSpc="1">
+            <a:prstTxWarp prst="textNoShape">
+              <a:avLst/>
+            </a:prstTxWarp>
+          </a:bodyPr>
+          <a:lstStyle/>
+          <a:p>
+            <a:pPr marL="0" marR="0" indent="0" algn="l" defTabSz="914400" rtl="0" eaLnBrk="1" fontAlgn="base" latinLnBrk="0" hangingPunct="1">
+              <a:lnSpc>
+                <a:spcPct val="100000"/>
+              </a:lnSpc>
+              <a:spcBef>
+                <a:spcPct val="0"/>
+              </a:spcBef>
+              <a:spcAft>
+                <a:spcPct val="0"/>
+              </a:spcAft>
+              <a:buClrTx/>
+              <a:buSzTx/>
+              <a:buFontTx/>
+              <a:buNone/>
+              <a:tabLst/>
+            </a:pPr>
+            <a:endParaRPr kumimoji="0" lang="ko-KR" altLang="en-US" sz="2400" b="0" i="0" u="none" strike="noStrike" cap="none" normalizeH="0" baseline="0" smtClean="0">
+              <a:ln>
+                <a:noFill/>
+              </a:ln>
+              <a:solidFill>
+                <a:schemeClr val="tx1"/>
+              </a:solidFill>
+              <a:effectLst/>
+              <a:latin typeface="Arial" charset="0"/>
+            </a:endParaRPr>
+          </a:p>
+        </p:txBody>
+      </p:sp>
+      <p:sp>
+        <p:nvSpPr>
+          <p:cNvPr id="40" name="TextBox 39"/>
+          <p:cNvSpPr txBox="1"/>
+          <p:nvPr/>
+        </p:nvSpPr>
+        <p:spPr>
+          <a:xfrm>
+            <a:off x="2987005" y="4017274"/>
+            <a:ext cx="966434" cy="360040"/>
+          </a:xfrm>
+          <a:prstGeom prst="rect">
+            <a:avLst/>
+          </a:prstGeom>
+          <a:noFill/>
+          <a:ln>
+            <a:noFill/>
+          </a:ln>
+        </p:spPr>
+        <p:txBody>
+          <a:bodyPr wrap="none" rtlCol="0" anchor="ctr">
+            <a:noAutofit/>
+          </a:bodyPr>
+          <a:lstStyle/>
+          <a:p>
+            <a:pPr algn="ctr"/>
+            <a:r>
+              <a:rPr lang="en-US" altLang="ko-KR" sz="1600" dirty="0" err="1" smtClean="0"/>
+              <a:t>px</a:t>
+            </a:r>
+            <a:r>
+              <a:rPr lang="en-US" altLang="ko-KR" sz="1600" dirty="0" smtClean="0"/>
+              <a:t>, </a:t>
+            </a:r>
+            <a:r>
+              <a:rPr lang="en-US" altLang="ko-KR" sz="1600" dirty="0" err="1" smtClean="0"/>
+              <a:t>py</a:t>
+            </a:r>
+            <a:endParaRPr lang="ko-KR" altLang="en-US" sz="1600" dirty="0" err="1" smtClean="0"/>
+          </a:p>
+        </p:txBody>
+      </p:sp>
+      <p:sp>
+        <p:nvSpPr>
+          <p:cNvPr id="41" name="원호 40"/>
+          <p:cNvSpPr/>
+          <p:nvPr/>
+        </p:nvSpPr>
+        <p:spPr bwMode="auto">
+          <a:xfrm rot="1660925">
+            <a:off x="2711833" y="5283587"/>
+            <a:ext cx="378620" cy="259734"/>
+          </a:xfrm>
+          <a:prstGeom prst="arc">
+            <a:avLst/>
+          </a:prstGeom>
+          <a:noFill/>
+          <a:ln w="9525" cap="flat" cmpd="sng" algn="ctr">
+            <a:solidFill>
+              <a:schemeClr val="tx1"/>
+            </a:solidFill>
+            <a:prstDash val="solid"/>
+            <a:round/>
+            <a:headEnd type="none" w="med" len="med"/>
+            <a:tailEnd type="none" w="med" len="med"/>
+          </a:ln>
+          <a:effectLst/>
+          <a:extLst/>
+        </p:spPr>
+        <p:txBody>
+          <a:bodyPr vert="horz" wrap="square" lIns="91440" tIns="45720" rIns="91440" bIns="45720" numCol="1" rtlCol="0" anchor="t" anchorCtr="0" compatLnSpc="1">
+            <a:prstTxWarp prst="textNoShape">
+              <a:avLst/>
+            </a:prstTxWarp>
+          </a:bodyPr>
+          <a:lstStyle/>
+          <a:p>
+            <a:pPr marL="0" marR="0" indent="0" algn="l" defTabSz="914400" rtl="0" eaLnBrk="1" fontAlgn="base" latinLnBrk="0" hangingPunct="1">
+              <a:lnSpc>
+                <a:spcPct val="100000"/>
+              </a:lnSpc>
+              <a:spcBef>
+                <a:spcPct val="0"/>
+              </a:spcBef>
+              <a:spcAft>
+                <a:spcPct val="0"/>
+              </a:spcAft>
+              <a:buClrTx/>
+              <a:buSzTx/>
+              <a:buFontTx/>
+              <a:buNone/>
+              <a:tabLst/>
+            </a:pPr>
+            <a:endParaRPr kumimoji="0" lang="ko-KR" altLang="en-US" sz="2400" b="0" i="0" u="none" strike="noStrike" cap="none" normalizeH="0" baseline="0" smtClean="0">
+              <a:ln>
+                <a:noFill/>
+              </a:ln>
+              <a:solidFill>
+                <a:schemeClr val="tx1"/>
+              </a:solidFill>
+              <a:effectLst/>
+              <a:latin typeface="Arial" charset="0"/>
+            </a:endParaRPr>
+          </a:p>
+        </p:txBody>
+      </p:sp>
+      <p:sp>
+        <p:nvSpPr>
+          <p:cNvPr id="42" name="오른쪽 중괄호 41"/>
+          <p:cNvSpPr/>
+          <p:nvPr/>
+        </p:nvSpPr>
+        <p:spPr bwMode="auto">
+          <a:xfrm>
+            <a:off x="3561165" y="4490086"/>
+            <a:ext cx="275162" cy="942899"/>
+          </a:xfrm>
+          <a:prstGeom prst="rightBrace">
+            <a:avLst/>
+          </a:prstGeom>
+          <a:noFill/>
+          <a:ln w="9525" cap="flat" cmpd="sng" algn="ctr">
+            <a:solidFill>
+              <a:srgbClr val="FF0000"/>
+            </a:solidFill>
+            <a:prstDash val="solid"/>
+            <a:round/>
+            <a:headEnd type="none" w="med" len="med"/>
+            <a:tailEnd type="none" w="med" len="med"/>
+          </a:ln>
+          <a:effectLst/>
+          <a:extLst/>
+        </p:spPr>
+        <p:txBody>
+          <a:bodyPr vert="horz" wrap="square" lIns="91440" tIns="45720" rIns="91440" bIns="45720" numCol="1" rtlCol="0" anchor="t" anchorCtr="0" compatLnSpc="1">
+            <a:prstTxWarp prst="textNoShape">
+              <a:avLst/>
+            </a:prstTxWarp>
+          </a:bodyPr>
+          <a:lstStyle/>
+          <a:p>
+            <a:pPr marL="0" marR="0" indent="0" algn="l" defTabSz="914400" rtl="0" eaLnBrk="1" fontAlgn="base" latinLnBrk="0" hangingPunct="1">
+              <a:lnSpc>
+                <a:spcPct val="100000"/>
+              </a:lnSpc>
+              <a:spcBef>
+                <a:spcPct val="0"/>
+              </a:spcBef>
+              <a:spcAft>
+                <a:spcPct val="0"/>
+              </a:spcAft>
+              <a:buClrTx/>
+              <a:buSzTx/>
+              <a:buFontTx/>
+              <a:buNone/>
+              <a:tabLst/>
+            </a:pPr>
+            <a:endParaRPr kumimoji="0" lang="ko-KR" altLang="en-US" sz="2400" b="0" i="0" u="none" strike="noStrike" cap="none" normalizeH="0" baseline="0" smtClean="0">
+              <a:ln>
+                <a:noFill/>
+              </a:ln>
+              <a:solidFill>
+                <a:schemeClr val="tx1"/>
+              </a:solidFill>
+              <a:effectLst/>
+              <a:latin typeface="Arial" charset="0"/>
+            </a:endParaRPr>
+          </a:p>
+        </p:txBody>
+      </p:sp>
+      <p:sp>
+        <p:nvSpPr>
+          <p:cNvPr id="43" name="오른쪽 중괄호 42"/>
+          <p:cNvSpPr/>
+          <p:nvPr/>
+        </p:nvSpPr>
+        <p:spPr bwMode="auto">
+          <a:xfrm rot="5400000">
+            <a:off x="2991535" y="5416216"/>
+            <a:ext cx="275162" cy="486269"/>
+          </a:xfrm>
+          <a:prstGeom prst="rightBrace">
+            <a:avLst/>
+          </a:prstGeom>
+          <a:noFill/>
+          <a:ln w="9525" cap="flat" cmpd="sng" algn="ctr">
+            <a:solidFill>
+              <a:srgbClr val="FF0000"/>
+            </a:solidFill>
+            <a:prstDash val="solid"/>
+            <a:round/>
+            <a:headEnd type="none" w="med" len="med"/>
+            <a:tailEnd type="none" w="med" len="med"/>
+          </a:ln>
+          <a:effectLst/>
+          <a:extLst/>
+        </p:spPr>
+        <p:txBody>
+          <a:bodyPr vert="horz" wrap="square" lIns="91440" tIns="45720" rIns="91440" bIns="45720" numCol="1" rtlCol="0" anchor="t" anchorCtr="0" compatLnSpc="1">
+            <a:prstTxWarp prst="textNoShape">
+              <a:avLst/>
+            </a:prstTxWarp>
+          </a:bodyPr>
+          <a:lstStyle/>
+          <a:p>
+            <a:pPr marL="0" marR="0" indent="0" algn="l" defTabSz="914400" rtl="0" eaLnBrk="1" fontAlgn="base" latinLnBrk="0" hangingPunct="1">
+              <a:lnSpc>
+                <a:spcPct val="100000"/>
+              </a:lnSpc>
+              <a:spcBef>
+                <a:spcPct val="0"/>
+              </a:spcBef>
+              <a:spcAft>
+                <a:spcPct val="0"/>
+              </a:spcAft>
+              <a:buClrTx/>
+              <a:buSzTx/>
+              <a:buFontTx/>
+              <a:buNone/>
+              <a:tabLst/>
+            </a:pPr>
+            <a:endParaRPr kumimoji="0" lang="ko-KR" altLang="en-US" sz="2400" b="0" i="0" u="none" strike="noStrike" cap="none" normalizeH="0" baseline="0" smtClean="0">
+              <a:ln>
+                <a:noFill/>
+              </a:ln>
+              <a:solidFill>
+                <a:schemeClr val="tx1"/>
+              </a:solidFill>
+              <a:effectLst/>
+              <a:latin typeface="Arial" charset="0"/>
+            </a:endParaRPr>
+          </a:p>
+        </p:txBody>
+      </p:sp>
+      <p:sp>
+        <p:nvSpPr>
+          <p:cNvPr id="44" name="타원 43"/>
+          <p:cNvSpPr/>
+          <p:nvPr/>
+        </p:nvSpPr>
+        <p:spPr bwMode="auto">
+          <a:xfrm>
+            <a:off x="3015330" y="4011770"/>
+            <a:ext cx="227572" cy="288032"/>
+          </a:xfrm>
+          <a:prstGeom prst="ellipse">
+            <a:avLst/>
+          </a:prstGeom>
+          <a:solidFill>
+            <a:srgbClr val="FF0000"/>
+          </a:solidFill>
+          <a:ln w="9525" cap="flat" cmpd="sng" algn="ctr">
+            <a:noFill/>
+            <a:prstDash val="solid"/>
+            <a:round/>
+            <a:headEnd type="none" w="med" len="med"/>
+            <a:tailEnd type="none" w="med" len="med"/>
+          </a:ln>
+          <a:effectLst/>
+        </p:spPr>
+        <p:txBody>
+          <a:bodyPr vert="horz" wrap="square" lIns="91440" tIns="45720" rIns="91440" bIns="45720" numCol="1" rtlCol="0" anchor="ctr" anchorCtr="0" compatLnSpc="1">
+            <a:prstTxWarp prst="textNoShape">
+              <a:avLst/>
+            </a:prstTxWarp>
+          </a:bodyPr>
+          <a:lstStyle/>
+          <a:p>
+            <a:pPr marL="0" marR="0" indent="0" algn="ctr" defTabSz="914400" rtl="0" eaLnBrk="1" fontAlgn="base" latinLnBrk="0" hangingPunct="1">
+              <a:lnSpc>
+                <a:spcPct val="100000"/>
+              </a:lnSpc>
+              <a:spcBef>
+                <a:spcPct val="0"/>
+              </a:spcBef>
+              <a:spcAft>
+                <a:spcPct val="0"/>
+              </a:spcAft>
+              <a:buClrTx/>
+              <a:buSzTx/>
+              <a:buFontTx/>
+              <a:buNone/>
+              <a:tabLst/>
+            </a:pPr>
+            <a:endParaRPr kumimoji="0" lang="ko-KR" altLang="en-US" sz="1400" b="0" i="0" u="none" strike="noStrike" cap="none" normalizeH="0" baseline="0" smtClean="0">
+              <a:ln>
+                <a:noFill/>
+              </a:ln>
+              <a:solidFill>
+                <a:schemeClr val="tx1"/>
+              </a:solidFill>
+              <a:effectLst/>
+              <a:latin typeface="Arial" charset="0"/>
+            </a:endParaRPr>
+          </a:p>
+        </p:txBody>
+      </p:sp>
+      <p:cxnSp>
+        <p:nvCxnSpPr>
+          <p:cNvPr id="51" name="직선 연결선 50"/>
+          <p:cNvCxnSpPr/>
+          <p:nvPr/>
+        </p:nvCxnSpPr>
+        <p:spPr bwMode="auto">
+          <a:xfrm>
+            <a:off x="1076547" y="3806840"/>
+            <a:ext cx="24896" cy="2640224"/>
+          </a:xfrm>
+          <a:prstGeom prst="line">
+            <a:avLst/>
+          </a:prstGeom>
+          <a:solidFill>
+            <a:schemeClr val="accent1"/>
+          </a:solidFill>
+          <a:ln w="9525" cap="flat" cmpd="sng" algn="ctr">
+            <a:solidFill>
+              <a:schemeClr val="tx1"/>
+            </a:solidFill>
+            <a:prstDash val="solid"/>
+            <a:round/>
+            <a:headEnd type="none" w="med" len="med"/>
+            <a:tailEnd type="none" w="med" len="med"/>
+          </a:ln>
+          <a:effectLst/>
+          <a:extLst>
+            <a:ext uri="{AF507438-7753-43E0-B8FC-AC1667EBCBE1}">
+              <a14:hiddenEffects xmlns:a14="http://schemas.microsoft.com/office/drawing/2010/main">
+                <a:effectLst>
+                  <a:outerShdw dist="35921" dir="2700000" algn="ctr" rotWithShape="0">
+                    <a:schemeClr val="bg2"/>
+                  </a:outerShdw>
+                </a:effectLst>
+              </a14:hiddenEffects>
+            </a:ext>
+          </a:extLst>
+        </p:spPr>
+      </p:cxnSp>
+      <p:cxnSp>
+        <p:nvCxnSpPr>
+          <p:cNvPr id="52" name="직선 연결선 51"/>
+          <p:cNvCxnSpPr/>
+          <p:nvPr/>
+        </p:nvCxnSpPr>
+        <p:spPr bwMode="auto">
+          <a:xfrm>
+            <a:off x="1076546" y="3806840"/>
+            <a:ext cx="3624076" cy="0"/>
+          </a:xfrm>
+          <a:prstGeom prst="line">
+            <a:avLst/>
+          </a:prstGeom>
+          <a:solidFill>
+            <a:schemeClr val="accent1"/>
+          </a:solidFill>
+          <a:ln w="9525" cap="flat" cmpd="sng" algn="ctr">
+            <a:solidFill>
+              <a:schemeClr val="tx1"/>
+            </a:solidFill>
+            <a:prstDash val="solid"/>
+            <a:round/>
+            <a:headEnd type="none" w="med" len="med"/>
+            <a:tailEnd type="none" w="med" len="med"/>
+          </a:ln>
+          <a:effectLst/>
+          <a:extLst>
+            <a:ext uri="{AF507438-7753-43E0-B8FC-AC1667EBCBE1}">
+              <a14:hiddenEffects xmlns:a14="http://schemas.microsoft.com/office/drawing/2010/main">
+                <a:effectLst>
+                  <a:outerShdw dist="35921" dir="2700000" algn="ctr" rotWithShape="0">
+                    <a:schemeClr val="bg2"/>
+                  </a:outerShdw>
+                </a:effectLst>
+              </a14:hiddenEffects>
+            </a:ext>
+          </a:extLst>
+        </p:spPr>
+      </p:cxnSp>
+      <p:sp>
+        <p:nvSpPr>
+          <p:cNvPr id="55" name="TextBox 54"/>
+          <p:cNvSpPr txBox="1"/>
+          <p:nvPr/>
+        </p:nvSpPr>
+        <p:spPr>
+          <a:xfrm>
+            <a:off x="1920616" y="5326392"/>
+            <a:ext cx="966434" cy="360040"/>
+          </a:xfrm>
+          <a:prstGeom prst="rect">
+            <a:avLst/>
+          </a:prstGeom>
+          <a:noFill/>
+          <a:ln>
+            <a:noFill/>
+          </a:ln>
+        </p:spPr>
+        <p:txBody>
+          <a:bodyPr wrap="none" rtlCol="0" anchor="ctr">
+            <a:noAutofit/>
+          </a:bodyPr>
+          <a:lstStyle/>
+          <a:p>
+            <a:pPr algn="ctr"/>
+            <a:r>
+              <a:rPr lang="en-US" altLang="ko-KR" sz="1600" dirty="0"/>
+              <a:t>c</a:t>
+            </a:r>
+            <a:r>
+              <a:rPr lang="en-US" altLang="ko-KR" sz="1600" dirty="0" smtClean="0"/>
+              <a:t>x, </a:t>
+            </a:r>
+            <a:r>
+              <a:rPr lang="en-US" altLang="ko-KR" sz="1600" dirty="0"/>
+              <a:t>c</a:t>
+            </a:r>
+            <a:r>
+              <a:rPr lang="en-US" altLang="ko-KR" sz="1600" dirty="0" smtClean="0"/>
+              <a:t>y</a:t>
+            </a:r>
+            <a:endParaRPr lang="ko-KR" altLang="en-US" sz="1600" dirty="0" err="1" smtClean="0"/>
+          </a:p>
+        </p:txBody>
+      </p:sp>
+    </p:spTree>
+    <p:extLst>
+      <p:ext uri="{BB962C8B-B14F-4D97-AF65-F5344CB8AC3E}">
+        <p14:creationId xmlns:p14="http://schemas.microsoft.com/office/powerpoint/2010/main" val="3763895551"/>
+      </p:ext>
+    </p:extLst>
+  </p:cSld>
+  <p:clrMapOvr>
+    <a:masterClrMapping/>
+  </p:clrMapOvr>
+</p:sld>
+</file>
+
+<file path=ppt/slides/slide36.xml><?xml version="1.0" encoding="utf-8"?>
+<p:sld xmlns:a="http://schemas.openxmlformats.org/drawingml/2006/main" xmlns:r="http://schemas.openxmlformats.org/officeDocument/2006/relationships" xmlns:p="http://schemas.openxmlformats.org/presentationml/2006/main">
+  <p:cSld>
+    <p:spTree>
+      <p:nvGrpSpPr>
+        <p:cNvPr id="1" name=""/>
+        <p:cNvGrpSpPr/>
+        <p:nvPr/>
+      </p:nvGrpSpPr>
+      <p:grpSpPr>
+        <a:xfrm>
+          <a:off x="0" y="0"/>
+          <a:ext cx="0" cy="0"/>
+          <a:chOff x="0" y="0"/>
+          <a:chExt cx="0" cy="0"/>
+        </a:xfrm>
+      </p:grpSpPr>
+      <p:sp>
+        <p:nvSpPr>
+          <p:cNvPr id="9" name="내용 개체 틀 8"/>
+          <p:cNvSpPr>
+            <a:spLocks noGrp="1"/>
+          </p:cNvSpPr>
+          <p:nvPr>
+            <p:ph sz="half" idx="1"/>
+          </p:nvPr>
+        </p:nvSpPr>
+        <p:spPr/>
+        <p:txBody>
+          <a:bodyPr/>
+          <a:lstStyle/>
+          <a:p>
+            <a:r>
+              <a:rPr lang="ko-KR" altLang="en-US" dirty="0" smtClean="0"/>
+              <a:t>평가</a:t>
+            </a:r>
+            <a:r>
+              <a:rPr lang="en-US" altLang="ko-KR" dirty="0" smtClean="0"/>
+              <a:t> </a:t>
+            </a:r>
+            <a:r>
+              <a:rPr lang="ko-KR" altLang="en-US" dirty="0" smtClean="0"/>
+              <a:t>기준</a:t>
+            </a:r>
+            <a:endParaRPr lang="en-US" altLang="ko-KR" dirty="0" smtClean="0"/>
+          </a:p>
+          <a:p>
+            <a:pPr lvl="1"/>
+            <a:r>
+              <a:rPr lang="ko-KR" altLang="en-US" dirty="0" smtClean="0"/>
+              <a:t>기본</a:t>
+            </a:r>
+            <a:r>
+              <a:rPr lang="en-US" altLang="ko-KR" dirty="0" smtClean="0"/>
+              <a:t> </a:t>
+            </a:r>
+            <a:r>
+              <a:rPr lang="ko-KR" altLang="en-US" dirty="0" smtClean="0"/>
+              <a:t>항목당 </a:t>
+            </a:r>
+            <a:r>
+              <a:rPr lang="en-US" altLang="ko-KR" dirty="0" smtClean="0"/>
+              <a:t>5</a:t>
+            </a:r>
+            <a:r>
+              <a:rPr lang="ko-KR" altLang="en-US" dirty="0" smtClean="0"/>
+              <a:t>점</a:t>
+            </a:r>
+            <a:endParaRPr lang="en-US" altLang="ko-KR" dirty="0" smtClean="0"/>
+          </a:p>
+          <a:p>
+            <a:pPr lvl="1"/>
+            <a:r>
+              <a:rPr lang="ko-KR" altLang="en-US" dirty="0" smtClean="0"/>
+              <a:t>간단한 항복 </a:t>
+            </a:r>
+            <a:r>
+              <a:rPr lang="en-US" altLang="ko-KR" dirty="0" smtClean="0"/>
+              <a:t>2-3</a:t>
+            </a:r>
+            <a:r>
+              <a:rPr lang="ko-KR" altLang="en-US" dirty="0" smtClean="0"/>
+              <a:t>점</a:t>
+            </a:r>
+            <a:endParaRPr lang="en-US" altLang="ko-KR" dirty="0" smtClean="0"/>
+          </a:p>
+          <a:p>
+            <a:pPr lvl="1"/>
+            <a:endParaRPr lang="en-US" altLang="ko-KR" dirty="0" smtClean="0"/>
+          </a:p>
+          <a:p>
+            <a:pPr lvl="1"/>
+            <a:r>
+              <a:rPr lang="en-US" altLang="ko-KR" dirty="0" smtClean="0"/>
+              <a:t>Open/save/save as 5</a:t>
+            </a:r>
+            <a:r>
+              <a:rPr lang="ko-KR" altLang="en-US" dirty="0" smtClean="0"/>
+              <a:t>점</a:t>
+            </a:r>
+            <a:endParaRPr lang="en-US" altLang="ko-KR" dirty="0" smtClean="0"/>
+          </a:p>
+          <a:p>
+            <a:pPr lvl="1"/>
+            <a:r>
+              <a:rPr lang="en-US" altLang="ko-KR" dirty="0" smtClean="0"/>
+              <a:t>Close/quit/close button 5</a:t>
+            </a:r>
+            <a:r>
+              <a:rPr lang="ko-KR" altLang="en-US" dirty="0" smtClean="0"/>
+              <a:t>점</a:t>
+            </a:r>
+            <a:endParaRPr lang="en-US" altLang="ko-KR" dirty="0" smtClean="0"/>
+          </a:p>
+          <a:p>
+            <a:pPr lvl="1"/>
+            <a:r>
+              <a:rPr lang="ko-KR" altLang="en-US" dirty="0" smtClean="0"/>
+              <a:t>도형 기본 </a:t>
+            </a:r>
+            <a:r>
+              <a:rPr lang="en-US" altLang="ko-KR" dirty="0" smtClean="0"/>
+              <a:t>3</a:t>
+            </a:r>
+            <a:r>
+              <a:rPr lang="ko-KR" altLang="en-US" dirty="0" smtClean="0"/>
+              <a:t>점</a:t>
+            </a:r>
+            <a:endParaRPr lang="en-US" altLang="ko-KR" dirty="0" smtClean="0"/>
+          </a:p>
+          <a:p>
+            <a:pPr lvl="1"/>
+            <a:r>
+              <a:rPr lang="en-US" altLang="ko-KR" dirty="0" smtClean="0"/>
+              <a:t>Transform 5</a:t>
+            </a:r>
+            <a:r>
+              <a:rPr lang="ko-KR" altLang="en-US" dirty="0" smtClean="0"/>
+              <a:t>점</a:t>
+            </a:r>
+            <a:endParaRPr lang="en-US" altLang="ko-KR" dirty="0" smtClean="0"/>
+          </a:p>
+          <a:p>
+            <a:pPr lvl="2"/>
+            <a:r>
+              <a:rPr lang="ko-KR" altLang="en-US" dirty="0" smtClean="0"/>
+              <a:t>전체 정상 동작 </a:t>
+            </a:r>
+            <a:r>
+              <a:rPr lang="en-US" altLang="ko-KR" dirty="0" smtClean="0"/>
+              <a:t>20</a:t>
+            </a:r>
+            <a:r>
+              <a:rPr lang="ko-KR" altLang="en-US" dirty="0" smtClean="0"/>
+              <a:t>점</a:t>
+            </a:r>
+            <a:endParaRPr lang="en-US" altLang="ko-KR" dirty="0" smtClean="0"/>
+          </a:p>
+          <a:p>
+            <a:pPr lvl="1"/>
+            <a:r>
+              <a:rPr lang="en-US" altLang="ko-KR" dirty="0" smtClean="0"/>
+              <a:t>Double buffering 5</a:t>
+            </a:r>
+            <a:r>
+              <a:rPr lang="ko-KR" altLang="en-US" dirty="0" smtClean="0"/>
+              <a:t>점</a:t>
+            </a:r>
+            <a:endParaRPr lang="en-US" altLang="ko-KR" dirty="0" smtClean="0"/>
+          </a:p>
+        </p:txBody>
+      </p:sp>
+      <p:sp>
+        <p:nvSpPr>
+          <p:cNvPr id="10" name="내용 개체 틀 9"/>
+          <p:cNvSpPr>
+            <a:spLocks noGrp="1"/>
+          </p:cNvSpPr>
+          <p:nvPr>
+            <p:ph sz="half" idx="2"/>
+          </p:nvPr>
+        </p:nvSpPr>
+        <p:spPr/>
+        <p:txBody>
+          <a:bodyPr/>
+          <a:lstStyle/>
+          <a:p>
+            <a:endParaRPr lang="ko-KR" altLang="en-US"/>
+          </a:p>
+        </p:txBody>
+      </p:sp>
+      <p:sp>
+        <p:nvSpPr>
+          <p:cNvPr id="4" name="바닥글 개체 틀 3"/>
+          <p:cNvSpPr>
+            <a:spLocks noGrp="1"/>
+          </p:cNvSpPr>
+          <p:nvPr>
+            <p:ph type="ftr" sz="quarter" idx="10"/>
+          </p:nvPr>
+        </p:nvSpPr>
+        <p:spPr/>
+        <p:txBody>
+          <a:bodyPr/>
+          <a:lstStyle/>
+          <a:p>
+            <a:pPr>
+              <a:buFont typeface="맑은 고딕" panose="020B0503020000020004" pitchFamily="50" charset="-127"/>
+              <a:buChar char="ⓒ"/>
+            </a:pPr>
+            <a:r>
+              <a:rPr lang="en-US" altLang="ko-KR" smtClean="0"/>
+              <a:t>Sungwoon Choi 2021</a:t>
+            </a:r>
+            <a:endParaRPr lang="en-US" altLang="ko-KR" dirty="0"/>
+          </a:p>
+        </p:txBody>
+      </p:sp>
+      <p:sp>
+        <p:nvSpPr>
+          <p:cNvPr id="5" name="슬라이드 번호 개체 틀 4"/>
+          <p:cNvSpPr>
+            <a:spLocks noGrp="1"/>
+          </p:cNvSpPr>
+          <p:nvPr>
+            <p:ph type="sldNum" sz="quarter" idx="11"/>
+          </p:nvPr>
+        </p:nvSpPr>
+        <p:spPr/>
+        <p:txBody>
+          <a:bodyPr/>
+          <a:lstStyle/>
+          <a:p>
+            <a:fld id="{AA4216F1-165B-4DFF-BD92-3D8E849D7D48}" type="slidenum">
+              <a:rPr lang="en-US" altLang="ko-KR" smtClean="0"/>
+              <a:pPr/>
+              <a:t>36</a:t>
+            </a:fld>
+            <a:endParaRPr lang="en-US" altLang="ko-KR" dirty="0"/>
+          </a:p>
+        </p:txBody>
+      </p:sp>
+      <p:sp>
+        <p:nvSpPr>
+          <p:cNvPr id="11" name="직사각형 10"/>
+          <p:cNvSpPr/>
+          <p:nvPr/>
+        </p:nvSpPr>
+        <p:spPr bwMode="auto">
+          <a:xfrm>
+            <a:off x="1474837" y="4528492"/>
+            <a:ext cx="1728192" cy="1080120"/>
+          </a:xfrm>
+          <a:prstGeom prst="rect">
+            <a:avLst/>
+          </a:prstGeom>
+          <a:solidFill>
+            <a:schemeClr val="accent3">
+              <a:lumMod val="20000"/>
+              <a:lumOff val="80000"/>
+            </a:schemeClr>
+          </a:solidFill>
+          <a:ln w="9525" cap="flat" cmpd="sng" algn="ctr">
+            <a:solidFill>
+              <a:schemeClr val="accent3">
+                <a:lumMod val="75000"/>
+              </a:schemeClr>
+            </a:solidFill>
+            <a:prstDash val="solid"/>
+            <a:round/>
+            <a:headEnd type="none" w="med" len="med"/>
+            <a:tailEnd type="none" w="med" len="med"/>
+          </a:ln>
+          <a:effectLst/>
+        </p:spPr>
+        <p:txBody>
+          <a:bodyPr vert="horz" wrap="square" lIns="91440" tIns="45720" rIns="91440" bIns="45720" numCol="1" rtlCol="0" anchor="ctr" anchorCtr="0" compatLnSpc="1">
+            <a:prstTxWarp prst="textNoShape">
+              <a:avLst/>
+            </a:prstTxWarp>
+          </a:bodyPr>
+          <a:lstStyle/>
+          <a:p>
+            <a:pPr marL="0" marR="0" indent="0" algn="ctr" defTabSz="914400" rtl="0" eaLnBrk="1" fontAlgn="base" latinLnBrk="0" hangingPunct="1">
+              <a:lnSpc>
+                <a:spcPct val="100000"/>
+              </a:lnSpc>
+              <a:spcBef>
+                <a:spcPct val="0"/>
+              </a:spcBef>
+              <a:spcAft>
+                <a:spcPct val="0"/>
+              </a:spcAft>
+              <a:buClrTx/>
+              <a:buSzTx/>
+              <a:buFontTx/>
+              <a:buNone/>
+              <a:tabLst/>
+            </a:pPr>
+            <a:endParaRPr kumimoji="0" lang="ko-KR" altLang="en-US" sz="1400" b="0" i="0" u="none" strike="noStrike" cap="none" normalizeH="0" baseline="0" smtClean="0">
+              <a:ln>
+                <a:noFill/>
+              </a:ln>
+              <a:solidFill>
+                <a:schemeClr val="tx1"/>
+              </a:solidFill>
+              <a:effectLst/>
+              <a:latin typeface="Arial" charset="0"/>
+            </a:endParaRPr>
+          </a:p>
+        </p:txBody>
+      </p:sp>
+      <p:sp>
+        <p:nvSpPr>
+          <p:cNvPr id="12" name="직사각형 11"/>
+          <p:cNvSpPr/>
+          <p:nvPr/>
+        </p:nvSpPr>
+        <p:spPr bwMode="auto">
+          <a:xfrm>
+            <a:off x="4625805" y="4597102"/>
+            <a:ext cx="1728192" cy="1080120"/>
+          </a:xfrm>
+          <a:prstGeom prst="rect">
+            <a:avLst/>
+          </a:prstGeom>
+          <a:solidFill>
+            <a:schemeClr val="accent3">
+              <a:lumMod val="20000"/>
+              <a:lumOff val="80000"/>
+            </a:schemeClr>
+          </a:solidFill>
+          <a:ln w="9525" cap="flat" cmpd="sng" algn="ctr">
+            <a:solidFill>
+              <a:schemeClr val="accent3">
+                <a:lumMod val="75000"/>
+              </a:schemeClr>
+            </a:solidFill>
+            <a:prstDash val="solid"/>
+            <a:round/>
+            <a:headEnd type="none" w="med" len="med"/>
+            <a:tailEnd type="none" w="med" len="med"/>
+          </a:ln>
+          <a:effectLst/>
+        </p:spPr>
+        <p:txBody>
+          <a:bodyPr vert="horz" wrap="square" lIns="91440" tIns="45720" rIns="91440" bIns="45720" numCol="1" rtlCol="0" anchor="ctr" anchorCtr="0" compatLnSpc="1">
+            <a:prstTxWarp prst="textNoShape">
+              <a:avLst/>
+            </a:prstTxWarp>
+          </a:bodyPr>
+          <a:lstStyle/>
+          <a:p>
+            <a:pPr marL="0" marR="0" indent="0" algn="ctr" defTabSz="914400" rtl="0" eaLnBrk="1" fontAlgn="base" latinLnBrk="0" hangingPunct="1">
+              <a:lnSpc>
+                <a:spcPct val="100000"/>
+              </a:lnSpc>
+              <a:spcBef>
+                <a:spcPct val="0"/>
+              </a:spcBef>
+              <a:spcAft>
+                <a:spcPct val="0"/>
+              </a:spcAft>
+              <a:buClrTx/>
+              <a:buSzTx/>
+              <a:buFontTx/>
+              <a:buNone/>
+              <a:tabLst/>
+            </a:pPr>
+            <a:endParaRPr kumimoji="0" lang="ko-KR" altLang="en-US" sz="1400" b="0" i="0" u="none" strike="noStrike" cap="none" normalizeH="0" baseline="0" smtClean="0">
+              <a:ln>
+                <a:noFill/>
+              </a:ln>
+              <a:solidFill>
+                <a:schemeClr val="tx1"/>
+              </a:solidFill>
+              <a:effectLst/>
+              <a:latin typeface="Arial" charset="0"/>
+            </a:endParaRPr>
+          </a:p>
+        </p:txBody>
+      </p:sp>
+      <p:sp>
+        <p:nvSpPr>
+          <p:cNvPr id="13" name="직사각형 12"/>
+          <p:cNvSpPr/>
+          <p:nvPr/>
+        </p:nvSpPr>
+        <p:spPr bwMode="auto">
+          <a:xfrm>
+            <a:off x="5143499" y="4960540"/>
+            <a:ext cx="651818" cy="432048"/>
+          </a:xfrm>
+          <a:prstGeom prst="rect">
+            <a:avLst/>
+          </a:prstGeom>
+          <a:solidFill>
+            <a:schemeClr val="accent3">
+              <a:lumMod val="20000"/>
+              <a:lumOff val="80000"/>
+            </a:schemeClr>
+          </a:solidFill>
+          <a:ln w="9525" cap="flat" cmpd="sng" algn="ctr">
+            <a:solidFill>
+              <a:schemeClr val="accent3">
+                <a:lumMod val="75000"/>
+              </a:schemeClr>
+            </a:solidFill>
+            <a:prstDash val="solid"/>
+            <a:round/>
+            <a:headEnd type="none" w="med" len="med"/>
+            <a:tailEnd type="none" w="med" len="med"/>
+          </a:ln>
+          <a:effectLst/>
+        </p:spPr>
+        <p:txBody>
+          <a:bodyPr vert="horz" wrap="square" lIns="91440" tIns="45720" rIns="91440" bIns="45720" numCol="1" rtlCol="0" anchor="ctr" anchorCtr="0" compatLnSpc="1">
+            <a:prstTxWarp prst="textNoShape">
+              <a:avLst/>
+            </a:prstTxWarp>
+          </a:bodyPr>
+          <a:lstStyle/>
+          <a:p>
+            <a:pPr marL="0" marR="0" indent="0" algn="ctr" defTabSz="914400" rtl="0" eaLnBrk="1" fontAlgn="base" latinLnBrk="0" hangingPunct="1">
+              <a:lnSpc>
+                <a:spcPct val="100000"/>
+              </a:lnSpc>
+              <a:spcBef>
+                <a:spcPct val="0"/>
+              </a:spcBef>
+              <a:spcAft>
+                <a:spcPct val="0"/>
+              </a:spcAft>
+              <a:buClrTx/>
+              <a:buSzTx/>
+              <a:buFontTx/>
+              <a:buNone/>
+              <a:tabLst/>
+            </a:pPr>
+            <a:endParaRPr kumimoji="0" lang="ko-KR" altLang="en-US" sz="1400" b="0" i="0" u="none" strike="noStrike" cap="none" normalizeH="0" baseline="0" smtClean="0">
+              <a:ln>
+                <a:noFill/>
+              </a:ln>
+              <a:solidFill>
+                <a:schemeClr val="tx1"/>
+              </a:solidFill>
+              <a:effectLst/>
+              <a:latin typeface="Arial" charset="0"/>
+            </a:endParaRPr>
+          </a:p>
+        </p:txBody>
+      </p:sp>
+      <p:sp>
+        <p:nvSpPr>
+          <p:cNvPr id="14" name="직사각형 13"/>
+          <p:cNvSpPr/>
+          <p:nvPr/>
+        </p:nvSpPr>
+        <p:spPr bwMode="auto">
+          <a:xfrm>
+            <a:off x="4283149" y="3801616"/>
+            <a:ext cx="2304256" cy="432048"/>
+          </a:xfrm>
+          <a:prstGeom prst="rect">
+            <a:avLst/>
+          </a:prstGeom>
+          <a:solidFill>
+            <a:schemeClr val="accent3">
+              <a:lumMod val="20000"/>
+              <a:lumOff val="80000"/>
+            </a:schemeClr>
+          </a:solidFill>
+          <a:ln w="9525" cap="flat" cmpd="sng" algn="ctr">
+            <a:solidFill>
+              <a:schemeClr val="accent3">
+                <a:lumMod val="75000"/>
+              </a:schemeClr>
+            </a:solidFill>
+            <a:prstDash val="solid"/>
+            <a:round/>
+            <a:headEnd type="none" w="med" len="med"/>
+            <a:tailEnd type="none" w="med" len="med"/>
+          </a:ln>
+          <a:effectLst/>
+        </p:spPr>
+        <p:txBody>
+          <a:bodyPr vert="horz" wrap="square" lIns="91440" tIns="45720" rIns="91440" bIns="45720" numCol="1" rtlCol="0" anchor="ctr" anchorCtr="0" compatLnSpc="1">
+            <a:prstTxWarp prst="textNoShape">
+              <a:avLst/>
+            </a:prstTxWarp>
+          </a:bodyPr>
+          <a:lstStyle/>
+          <a:p>
+            <a:pPr algn="ctr"/>
+            <a:r>
+              <a:rPr lang="en-US" altLang="ko-KR" sz="1400" dirty="0" smtClean="0"/>
+              <a:t>Graphics2BufferedImage</a:t>
+            </a:r>
+            <a:endParaRPr lang="ko-KR" altLang="en-US" sz="1400" dirty="0"/>
+          </a:p>
+        </p:txBody>
+      </p:sp>
+      <p:sp>
+        <p:nvSpPr>
+          <p:cNvPr id="15" name="직사각형 14"/>
+          <p:cNvSpPr/>
+          <p:nvPr/>
+        </p:nvSpPr>
+        <p:spPr bwMode="auto">
+          <a:xfrm>
+            <a:off x="1618853" y="3870195"/>
+            <a:ext cx="1186094" cy="432048"/>
+          </a:xfrm>
+          <a:prstGeom prst="rect">
+            <a:avLst/>
+          </a:prstGeom>
+          <a:solidFill>
+            <a:schemeClr val="accent3">
+              <a:lumMod val="20000"/>
+              <a:lumOff val="80000"/>
+            </a:schemeClr>
+          </a:solidFill>
+          <a:ln w="9525" cap="flat" cmpd="sng" algn="ctr">
+            <a:solidFill>
+              <a:schemeClr val="accent3">
+                <a:lumMod val="75000"/>
+              </a:schemeClr>
+            </a:solidFill>
+            <a:prstDash val="solid"/>
+            <a:round/>
+            <a:headEnd type="none" w="med" len="med"/>
+            <a:tailEnd type="none" w="med" len="med"/>
+          </a:ln>
+          <a:effectLst/>
+        </p:spPr>
+        <p:txBody>
+          <a:bodyPr vert="horz" wrap="square" lIns="91440" tIns="45720" rIns="91440" bIns="45720" numCol="1" rtlCol="0" anchor="ctr" anchorCtr="0" compatLnSpc="1">
+            <a:prstTxWarp prst="textNoShape">
+              <a:avLst/>
+            </a:prstTxWarp>
+          </a:bodyPr>
+          <a:lstStyle/>
+          <a:p>
+            <a:pPr marL="0" marR="0" indent="0" algn="ctr" defTabSz="914400" rtl="0" eaLnBrk="1" fontAlgn="base" latinLnBrk="0" hangingPunct="1">
+              <a:lnSpc>
+                <a:spcPct val="100000"/>
+              </a:lnSpc>
+              <a:spcBef>
+                <a:spcPct val="0"/>
+              </a:spcBef>
+              <a:spcAft>
+                <a:spcPct val="0"/>
+              </a:spcAft>
+              <a:buClrTx/>
+              <a:buSzTx/>
+              <a:buFontTx/>
+              <a:buNone/>
+              <a:tabLst/>
+            </a:pPr>
+            <a:r>
+              <a:rPr lang="en-US" altLang="ko-KR" sz="1400" dirty="0" smtClean="0"/>
+              <a:t>Graphics2d</a:t>
+            </a:r>
+            <a:endParaRPr kumimoji="0" lang="ko-KR" altLang="en-US" sz="1400" b="0" i="0" u="none" strike="noStrike" cap="none" normalizeH="0" baseline="0" dirty="0" smtClean="0">
+              <a:ln>
+                <a:noFill/>
+              </a:ln>
+              <a:solidFill>
+                <a:schemeClr val="tx1"/>
+              </a:solidFill>
+              <a:effectLst/>
+              <a:latin typeface="Arial" charset="0"/>
+            </a:endParaRPr>
+          </a:p>
+        </p:txBody>
+      </p:sp>
+      <p:cxnSp>
+        <p:nvCxnSpPr>
+          <p:cNvPr id="17" name="직선 화살표 연결선 16"/>
+          <p:cNvCxnSpPr>
+            <a:stCxn id="15" idx="2"/>
+          </p:cNvCxnSpPr>
+          <p:nvPr/>
+        </p:nvCxnSpPr>
+        <p:spPr bwMode="auto">
+          <a:xfrm>
+            <a:off x="2211900" y="4302243"/>
+            <a:ext cx="0" cy="363469"/>
+          </a:xfrm>
+          <a:prstGeom prst="straightConnector1">
+            <a:avLst/>
+          </a:prstGeom>
+          <a:solidFill>
+            <a:schemeClr val="accent1"/>
+          </a:solidFill>
+          <a:ln w="9525" cap="flat" cmpd="sng" algn="ctr">
+            <a:solidFill>
+              <a:schemeClr val="tx1"/>
+            </a:solidFill>
+            <a:prstDash val="solid"/>
+            <a:round/>
+            <a:headEnd type="none" w="med" len="med"/>
+            <a:tailEnd type="triangle"/>
+          </a:ln>
+          <a:effectLst/>
+          <a:extLst>
+            <a:ext uri="{AF507438-7753-43E0-B8FC-AC1667EBCBE1}">
+              <a14:hiddenEffects xmlns:a14="http://schemas.microsoft.com/office/drawing/2010/main">
+                <a:effectLst>
+                  <a:outerShdw dist="35921" dir="2700000" algn="ctr" rotWithShape="0">
+                    <a:schemeClr val="bg2"/>
+                  </a:outerShdw>
+                </a:effectLst>
+              </a14:hiddenEffects>
+            </a:ext>
+          </a:extLst>
+        </p:spPr>
+      </p:cxnSp>
+      <p:cxnSp>
+        <p:nvCxnSpPr>
+          <p:cNvPr id="18" name="직선 화살표 연결선 17"/>
+          <p:cNvCxnSpPr/>
+          <p:nvPr/>
+        </p:nvCxnSpPr>
+        <p:spPr bwMode="auto">
+          <a:xfrm>
+            <a:off x="5489901" y="4302242"/>
+            <a:ext cx="0" cy="363469"/>
+          </a:xfrm>
+          <a:prstGeom prst="straightConnector1">
+            <a:avLst/>
+          </a:prstGeom>
+          <a:solidFill>
+            <a:schemeClr val="accent1"/>
+          </a:solidFill>
+          <a:ln w="9525" cap="flat" cmpd="sng" algn="ctr">
+            <a:solidFill>
+              <a:schemeClr val="tx1"/>
+            </a:solidFill>
+            <a:prstDash val="solid"/>
+            <a:round/>
+            <a:headEnd type="none" w="med" len="med"/>
+            <a:tailEnd type="triangle"/>
+          </a:ln>
+          <a:effectLst/>
+          <a:extLst>
+            <a:ext uri="{AF507438-7753-43E0-B8FC-AC1667EBCBE1}">
+              <a14:hiddenEffects xmlns:a14="http://schemas.microsoft.com/office/drawing/2010/main">
+                <a:effectLst>
+                  <a:outerShdw dist="35921" dir="2700000" algn="ctr" rotWithShape="0">
+                    <a:schemeClr val="bg2"/>
+                  </a:outerShdw>
+                </a:effectLst>
+              </a14:hiddenEffects>
+            </a:ext>
+          </a:extLst>
+        </p:spPr>
+      </p:cxnSp>
+    </p:spTree>
+    <p:extLst>
+      <p:ext uri="{BB962C8B-B14F-4D97-AF65-F5344CB8AC3E}">
+        <p14:creationId xmlns:p14="http://schemas.microsoft.com/office/powerpoint/2010/main" val="4286903970"/>
       </p:ext>
     </p:extLst>
   </p:cSld>
